--- a/MLR_Final_Presentation.pptx
+++ b/MLR_Final_Presentation.pptx
@@ -1,50 +1,43 @@
 
 <file path=ppt/presentation.xml><?xml version="1.0" encoding="utf-8"?>
-<p:presentation xmlns:a="http://schemas.openxmlformats.org/drawingml/2006/main" xmlns:r="http://schemas.openxmlformats.org/officeDocument/2006/relationships" xmlns:mc="http://schemas.openxmlformats.org/markup-compatibility/2006" xmlns:mv="urn:schemas-microsoft-com:mac:vml" xmlns:p="http://schemas.openxmlformats.org/presentationml/2006/main" xmlns:c="http://schemas.openxmlformats.org/drawingml/2006/chart" xmlns:dgm="http://schemas.openxmlformats.org/drawingml/2006/diagram" xmlns:o="urn:schemas-microsoft-com:office:office" xmlns:v="urn:schemas-microsoft-com:vml" xmlns:pvml="urn:schemas-microsoft-com:office:powerpoint" xmlns:com="http://schemas.openxmlformats.org/drawingml/2006/compatibility" xmlns:p14="http://schemas.microsoft.com/office/powerpoint/2010/main" xmlns:p15="http://schemas.microsoft.com/office/powerpoint/2012/main" xmlns:ahyp="http://schemas.microsoft.com/office/drawing/2018/hyperlinkcolor" autoCompressPictures="0" embedTrueTypeFonts="1" strictFirstAndLastChars="0" saveSubsetFonts="1">
+<p:presentation xmlns:a="http://schemas.openxmlformats.org/drawingml/2006/main" xmlns:r="http://schemas.openxmlformats.org/officeDocument/2006/relationships" xmlns:p="http://schemas.openxmlformats.org/presentationml/2006/main" strictFirstAndLastChars="0" embedTrueTypeFonts="1" saveSubsetFonts="1" autoCompressPictures="0">
   <p:sldMasterIdLst>
-    <p:sldMasterId id="2147483659" r:id="rId4"/>
+    <p:sldMasterId id="2147483659" r:id="rId1"/>
   </p:sldMasterIdLst>
   <p:notesMasterIdLst>
-    <p:notesMasterId r:id="rId5"/>
+    <p:notesMasterId r:id="rId18"/>
   </p:notesMasterIdLst>
   <p:sldIdLst>
-    <p:sldId id="256" r:id="rId6"/>
-    <p:sldId id="257" r:id="rId7"/>
-    <p:sldId id="258" r:id="rId8"/>
-    <p:sldId id="259" r:id="rId9"/>
-    <p:sldId id="260" r:id="rId10"/>
-    <p:sldId id="261" r:id="rId11"/>
-    <p:sldId id="262" r:id="rId12"/>
-    <p:sldId id="263" r:id="rId13"/>
-    <p:sldId id="264" r:id="rId14"/>
-    <p:sldId id="265" r:id="rId15"/>
-    <p:sldId id="266" r:id="rId16"/>
-    <p:sldId id="267" r:id="rId17"/>
-    <p:sldId id="268" r:id="rId18"/>
-    <p:sldId id="269" r:id="rId19"/>
-    <p:sldId id="270" r:id="rId20"/>
-    <p:sldId id="271" r:id="rId21"/>
+    <p:sldId id="256" r:id="rId2"/>
+    <p:sldId id="257" r:id="rId3"/>
+    <p:sldId id="258" r:id="rId4"/>
+    <p:sldId id="259" r:id="rId5"/>
+    <p:sldId id="260" r:id="rId6"/>
+    <p:sldId id="261" r:id="rId7"/>
+    <p:sldId id="262" r:id="rId8"/>
+    <p:sldId id="263" r:id="rId9"/>
+    <p:sldId id="264" r:id="rId10"/>
+    <p:sldId id="265" r:id="rId11"/>
+    <p:sldId id="266" r:id="rId12"/>
+    <p:sldId id="267" r:id="rId13"/>
+    <p:sldId id="268" r:id="rId14"/>
+    <p:sldId id="269" r:id="rId15"/>
+    <p:sldId id="270" r:id="rId16"/>
+    <p:sldId id="271" r:id="rId17"/>
   </p:sldIdLst>
-  <p:sldSz cy="5143500" cx="9144000"/>
+  <p:sldSz cx="9144000" cy="5143500" type="screen16x9"/>
   <p:notesSz cx="6858000" cy="9144000"/>
   <p:embeddedFontLst>
     <p:embeddedFont>
-      <p:font typeface="Roboto"/>
-      <p:regular r:id="rId22"/>
-      <p:bold r:id="rId23"/>
-      <p:italic r:id="rId24"/>
-      <p:boldItalic r:id="rId25"/>
-    </p:embeddedFont>
-    <p:embeddedFont>
-      <p:font typeface="Nunito"/>
-      <p:regular r:id="rId26"/>
-      <p:bold r:id="rId27"/>
-      <p:italic r:id="rId28"/>
-      <p:boldItalic r:id="rId29"/>
+      <p:font typeface="Nunito" pitchFamily="2" charset="0"/>
+      <p:regular r:id="rId19"/>
+      <p:bold r:id="rId20"/>
+      <p:italic r:id="rId21"/>
+      <p:boldItalic r:id="rId22"/>
     </p:embeddedFont>
   </p:embeddedFontLst>
   <p:defaultTextStyle>
-    <a:defPPr lvl="0" marR="0" rtl="0" algn="l">
+    <a:defPPr marR="0" lvl="0" algn="l" rtl="0">
       <a:lnSpc>
         <a:spcPct val="100000"/>
       </a:lnSpc>
@@ -55,7 +48,7 @@
         <a:spcPts val="0"/>
       </a:spcAft>
     </a:defPPr>
-    <a:lvl1pPr lvl="0" marR="0" rtl="0" algn="l">
+    <a:lvl1pPr marR="0" lvl="0" algn="l" rtl="0">
       <a:lnSpc>
         <a:spcPct val="100000"/>
       </a:lnSpc>
@@ -69,7 +62,7 @@
         <a:srgbClr val="000000"/>
       </a:buClr>
       <a:buFont typeface="Arial"/>
-      <a:defRPr b="0" i="0" sz="1400" u="none" cap="none" strike="noStrike">
+      <a:defRPr sz="1400" b="0" i="0" u="none" strike="noStrike" cap="none">
         <a:solidFill>
           <a:srgbClr val="000000"/>
         </a:solidFill>
@@ -79,7 +72,7 @@
         <a:sym typeface="Arial"/>
       </a:defRPr>
     </a:lvl1pPr>
-    <a:lvl2pPr lvl="1" marR="0" rtl="0" algn="l">
+    <a:lvl2pPr marR="0" lvl="1" algn="l" rtl="0">
       <a:lnSpc>
         <a:spcPct val="100000"/>
       </a:lnSpc>
@@ -93,7 +86,7 @@
         <a:srgbClr val="000000"/>
       </a:buClr>
       <a:buFont typeface="Arial"/>
-      <a:defRPr b="0" i="0" sz="1400" u="none" cap="none" strike="noStrike">
+      <a:defRPr sz="1400" b="0" i="0" u="none" strike="noStrike" cap="none">
         <a:solidFill>
           <a:srgbClr val="000000"/>
         </a:solidFill>
@@ -103,7 +96,7 @@
         <a:sym typeface="Arial"/>
       </a:defRPr>
     </a:lvl2pPr>
-    <a:lvl3pPr lvl="2" marR="0" rtl="0" algn="l">
+    <a:lvl3pPr marR="0" lvl="2" algn="l" rtl="0">
       <a:lnSpc>
         <a:spcPct val="100000"/>
       </a:lnSpc>
@@ -117,7 +110,7 @@
         <a:srgbClr val="000000"/>
       </a:buClr>
       <a:buFont typeface="Arial"/>
-      <a:defRPr b="0" i="0" sz="1400" u="none" cap="none" strike="noStrike">
+      <a:defRPr sz="1400" b="0" i="0" u="none" strike="noStrike" cap="none">
         <a:solidFill>
           <a:srgbClr val="000000"/>
         </a:solidFill>
@@ -127,7 +120,7 @@
         <a:sym typeface="Arial"/>
       </a:defRPr>
     </a:lvl3pPr>
-    <a:lvl4pPr lvl="3" marR="0" rtl="0" algn="l">
+    <a:lvl4pPr marR="0" lvl="3" algn="l" rtl="0">
       <a:lnSpc>
         <a:spcPct val="100000"/>
       </a:lnSpc>
@@ -141,7 +134,7 @@
         <a:srgbClr val="000000"/>
       </a:buClr>
       <a:buFont typeface="Arial"/>
-      <a:defRPr b="0" i="0" sz="1400" u="none" cap="none" strike="noStrike">
+      <a:defRPr sz="1400" b="0" i="0" u="none" strike="noStrike" cap="none">
         <a:solidFill>
           <a:srgbClr val="000000"/>
         </a:solidFill>
@@ -151,7 +144,7 @@
         <a:sym typeface="Arial"/>
       </a:defRPr>
     </a:lvl4pPr>
-    <a:lvl5pPr lvl="4" marR="0" rtl="0" algn="l">
+    <a:lvl5pPr marR="0" lvl="4" algn="l" rtl="0">
       <a:lnSpc>
         <a:spcPct val="100000"/>
       </a:lnSpc>
@@ -165,7 +158,7 @@
         <a:srgbClr val="000000"/>
       </a:buClr>
       <a:buFont typeface="Arial"/>
-      <a:defRPr b="0" i="0" sz="1400" u="none" cap="none" strike="noStrike">
+      <a:defRPr sz="1400" b="0" i="0" u="none" strike="noStrike" cap="none">
         <a:solidFill>
           <a:srgbClr val="000000"/>
         </a:solidFill>
@@ -175,7 +168,7 @@
         <a:sym typeface="Arial"/>
       </a:defRPr>
     </a:lvl5pPr>
-    <a:lvl6pPr lvl="5" marR="0" rtl="0" algn="l">
+    <a:lvl6pPr marR="0" lvl="5" algn="l" rtl="0">
       <a:lnSpc>
         <a:spcPct val="100000"/>
       </a:lnSpc>
@@ -189,7 +182,7 @@
         <a:srgbClr val="000000"/>
       </a:buClr>
       <a:buFont typeface="Arial"/>
-      <a:defRPr b="0" i="0" sz="1400" u="none" cap="none" strike="noStrike">
+      <a:defRPr sz="1400" b="0" i="0" u="none" strike="noStrike" cap="none">
         <a:solidFill>
           <a:srgbClr val="000000"/>
         </a:solidFill>
@@ -199,7 +192,7 @@
         <a:sym typeface="Arial"/>
       </a:defRPr>
     </a:lvl6pPr>
-    <a:lvl7pPr lvl="6" marR="0" rtl="0" algn="l">
+    <a:lvl7pPr marR="0" lvl="6" algn="l" rtl="0">
       <a:lnSpc>
         <a:spcPct val="100000"/>
       </a:lnSpc>
@@ -213,7 +206,7 @@
         <a:srgbClr val="000000"/>
       </a:buClr>
       <a:buFont typeface="Arial"/>
-      <a:defRPr b="0" i="0" sz="1400" u="none" cap="none" strike="noStrike">
+      <a:defRPr sz="1400" b="0" i="0" u="none" strike="noStrike" cap="none">
         <a:solidFill>
           <a:srgbClr val="000000"/>
         </a:solidFill>
@@ -223,7 +216,7 @@
         <a:sym typeface="Arial"/>
       </a:defRPr>
     </a:lvl7pPr>
-    <a:lvl8pPr lvl="7" marR="0" rtl="0" algn="l">
+    <a:lvl8pPr marR="0" lvl="7" algn="l" rtl="0">
       <a:lnSpc>
         <a:spcPct val="100000"/>
       </a:lnSpc>
@@ -237,7 +230,7 @@
         <a:srgbClr val="000000"/>
       </a:buClr>
       <a:buFont typeface="Arial"/>
-      <a:defRPr b="0" i="0" sz="1400" u="none" cap="none" strike="noStrike">
+      <a:defRPr sz="1400" b="0" i="0" u="none" strike="noStrike" cap="none">
         <a:solidFill>
           <a:srgbClr val="000000"/>
         </a:solidFill>
@@ -247,7 +240,7 @@
         <a:sym typeface="Arial"/>
       </a:defRPr>
     </a:lvl8pPr>
-    <a:lvl9pPr lvl="8" marR="0" rtl="0" algn="l">
+    <a:lvl9pPr marR="0" lvl="8" algn="l" rtl="0">
       <a:lnSpc>
         <a:spcPct val="100000"/>
       </a:lnSpc>
@@ -261,7 +254,7 @@
         <a:srgbClr val="000000"/>
       </a:buClr>
       <a:buFont typeface="Arial"/>
-      <a:defRPr b="0" i="0" sz="1400" u="none" cap="none" strike="noStrike">
+      <a:defRPr sz="1400" b="0" i="0" u="none" strike="noStrike" cap="none">
         <a:solidFill>
           <a:srgbClr val="000000"/>
         </a:solidFill>
@@ -274,7 +267,7 @@
   </p:defaultTextStyle>
   <p:extLst>
     <p:ext uri="{EFAFB233-063F-42B5-8137-9DF3F51BA10A}">
-      <p15:sldGuideLst>
+      <p15:sldGuideLst xmlns:p15="http://schemas.microsoft.com/office/powerpoint/2012/main">
         <p15:guide id="1" orient="horz" pos="1620">
           <p15:clr>
             <a:srgbClr val="747775"/>
@@ -292,11 +285,16 @@
 </file>
 
 <file path=ppt/notesMasters/notesMaster1.xml><?xml version="1.0" encoding="utf-8"?>
-<p:notesMaster xmlns:a="http://schemas.openxmlformats.org/drawingml/2006/main" xmlns:r="http://schemas.openxmlformats.org/officeDocument/2006/relationships" xmlns:mc="http://schemas.openxmlformats.org/markup-compatibility/2006" xmlns:mv="urn:schemas-microsoft-com:mac:vml" xmlns:p="http://schemas.openxmlformats.org/presentationml/2006/main" xmlns:c="http://schemas.openxmlformats.org/drawingml/2006/chart" xmlns:dgm="http://schemas.openxmlformats.org/drawingml/2006/diagram" xmlns:o="urn:schemas-microsoft-com:office:office" xmlns:v="urn:schemas-microsoft-com:vml" xmlns:pvml="urn:schemas-microsoft-com:office:powerpoint" xmlns:com="http://schemas.openxmlformats.org/drawingml/2006/compatibility" xmlns:p14="http://schemas.microsoft.com/office/powerpoint/2010/main" xmlns:p15="http://schemas.microsoft.com/office/powerpoint/2012/main" xmlns:ahyp="http://schemas.microsoft.com/office/drawing/2018/hyperlinkcolor">
+<p:notesMaster xmlns:a="http://schemas.openxmlformats.org/drawingml/2006/main" xmlns:r="http://schemas.openxmlformats.org/officeDocument/2006/relationships" xmlns:p="http://schemas.openxmlformats.org/presentationml/2006/main">
   <p:cSld>
+    <p:bg>
+      <p:bgRef idx="1001">
+        <a:schemeClr val="bg1"/>
+      </p:bgRef>
+    </p:bg>
     <p:spTree>
       <p:nvGrpSpPr>
-        <p:cNvPr id="2" name="Shape 2"/>
+        <p:cNvPr id="1" name="Shape 2"/>
         <p:cNvGrpSpPr/>
         <p:nvPr/>
       </p:nvGrpSpPr>
@@ -311,9 +309,11 @@
       <p:sp>
         <p:nvSpPr>
           <p:cNvPr id="3" name="Google Shape;3;n"/>
-          <p:cNvSpPr/>
+          <p:cNvSpPr>
+            <a:spLocks noGrp="1" noRot="1" noChangeAspect="1"/>
+          </p:cNvSpPr>
           <p:nvPr>
-            <p:ph idx="2" type="sldImg"/>
+            <p:ph type="sldImg" idx="2"/>
           </p:nvPr>
         </p:nvSpPr>
         <p:spPr>
@@ -322,9 +322,13 @@
             <a:ext cx="6096075" cy="3429000"/>
           </a:xfrm>
           <a:custGeom>
-            <a:rect b="b" l="l" r="r" t="t"/>
+            <a:avLst/>
+            <a:gdLst/>
+            <a:ahLst/>
+            <a:cxnLst/>
+            <a:rect l="l" t="t" r="r" b="b"/>
             <a:pathLst>
-              <a:path extrusionOk="0" h="120000" w="120000">
+              <a:path w="120000" h="120000" extrusionOk="0">
                 <a:moveTo>
                   <a:pt x="0" y="0"/>
                 </a:moveTo>
@@ -342,23 +346,25 @@
             </a:pathLst>
           </a:custGeom>
           <a:noFill/>
-          <a:ln cap="flat" cmpd="sng" w="9525">
+          <a:ln w="9525" cap="flat" cmpd="sng">
             <a:solidFill>
               <a:srgbClr val="000000"/>
             </a:solidFill>
             <a:prstDash val="solid"/>
             <a:round/>
-            <a:headEnd len="sm" w="sm" type="none"/>
-            <a:tailEnd len="sm" w="sm" type="none"/>
+            <a:headEnd type="none" w="sm" len="sm"/>
+            <a:tailEnd type="none" w="sm" len="sm"/>
           </a:ln>
         </p:spPr>
       </p:sp>
       <p:sp>
         <p:nvSpPr>
           <p:cNvPr id="4" name="Google Shape;4;n"/>
-          <p:cNvSpPr txBox="1"/>
+          <p:cNvSpPr txBox="1">
+            <a:spLocks noGrp="1"/>
+          </p:cNvSpPr>
           <p:nvPr>
-            <p:ph idx="1" type="body"/>
+            <p:ph type="body" idx="1"/>
           </p:nvPr>
         </p:nvSpPr>
         <p:spPr>
@@ -375,11 +381,11 @@
           </a:ln>
         </p:spPr>
         <p:txBody>
-          <a:bodyPr anchorCtr="0" anchor="t" bIns="91425" lIns="91425" spcFirstLastPara="1" rIns="91425" wrap="square" tIns="91425">
+          <a:bodyPr spcFirstLastPara="1" wrap="square" lIns="91425" tIns="91425" rIns="91425" bIns="91425" anchor="t" anchorCtr="0">
             <a:noAutofit/>
           </a:bodyPr>
           <a:lstStyle>
-            <a:lvl1pPr indent="-298450" lvl="0" marL="457200">
+            <a:lvl1pPr marL="457200" lvl="0" indent="-298450">
               <a:spcBef>
                 <a:spcPts val="0"/>
               </a:spcBef>
@@ -390,7 +396,7 @@
               <a:buChar char="●"/>
               <a:defRPr sz="1100"/>
             </a:lvl1pPr>
-            <a:lvl2pPr indent="-298450" lvl="1" marL="914400">
+            <a:lvl2pPr marL="914400" lvl="1" indent="-298450">
               <a:spcBef>
                 <a:spcPts val="0"/>
               </a:spcBef>
@@ -401,7 +407,7 @@
               <a:buChar char="○"/>
               <a:defRPr sz="1100"/>
             </a:lvl2pPr>
-            <a:lvl3pPr indent="-298450" lvl="2" marL="1371600">
+            <a:lvl3pPr marL="1371600" lvl="2" indent="-298450">
               <a:spcBef>
                 <a:spcPts val="0"/>
               </a:spcBef>
@@ -412,7 +418,7 @@
               <a:buChar char="■"/>
               <a:defRPr sz="1100"/>
             </a:lvl3pPr>
-            <a:lvl4pPr indent="-298450" lvl="3" marL="1828800">
+            <a:lvl4pPr marL="1828800" lvl="3" indent="-298450">
               <a:spcBef>
                 <a:spcPts val="0"/>
               </a:spcBef>
@@ -423,7 +429,7 @@
               <a:buChar char="●"/>
               <a:defRPr sz="1100"/>
             </a:lvl4pPr>
-            <a:lvl5pPr indent="-298450" lvl="4" marL="2286000">
+            <a:lvl5pPr marL="2286000" lvl="4" indent="-298450">
               <a:spcBef>
                 <a:spcPts val="0"/>
               </a:spcBef>
@@ -434,7 +440,7 @@
               <a:buChar char="○"/>
               <a:defRPr sz="1100"/>
             </a:lvl5pPr>
-            <a:lvl6pPr indent="-298450" lvl="5" marL="2743200">
+            <a:lvl6pPr marL="2743200" lvl="5" indent="-298450">
               <a:spcBef>
                 <a:spcPts val="0"/>
               </a:spcBef>
@@ -445,7 +451,7 @@
               <a:buChar char="■"/>
               <a:defRPr sz="1100"/>
             </a:lvl6pPr>
-            <a:lvl7pPr indent="-298450" lvl="6" marL="3200400">
+            <a:lvl7pPr marL="3200400" lvl="6" indent="-298450">
               <a:spcBef>
                 <a:spcPts val="0"/>
               </a:spcBef>
@@ -456,7 +462,7 @@
               <a:buChar char="●"/>
               <a:defRPr sz="1100"/>
             </a:lvl7pPr>
-            <a:lvl8pPr indent="-298450" lvl="7" marL="3657600">
+            <a:lvl8pPr marL="3657600" lvl="7" indent="-298450">
               <a:spcBef>
                 <a:spcPts val="0"/>
               </a:spcBef>
@@ -467,7 +473,7 @@
               <a:buChar char="○"/>
               <a:defRPr sz="1100"/>
             </a:lvl8pPr>
-            <a:lvl9pPr indent="-298450" lvl="8" marL="4114800">
+            <a:lvl9pPr marL="4114800" lvl="8" indent="-298450">
               <a:spcBef>
                 <a:spcPts val="0"/>
               </a:spcBef>
@@ -479,14 +485,16 @@
               <a:defRPr sz="1100"/>
             </a:lvl9pPr>
           </a:lstStyle>
-          <a:p/>
+          <a:p>
+            <a:endParaRPr/>
+          </a:p>
         </p:txBody>
       </p:sp>
     </p:spTree>
   </p:cSld>
-  <p:clrMap accent1="accent1" accent2="accent2" accent3="accent3" accent4="accent4" accent5="accent5" accent6="accent6" bg1="lt1" bg2="dk2" tx1="dk1" tx2="lt2" folHlink="folHlink" hlink="hlink"/>
+  <p:clrMap bg1="lt1" tx1="dk1" bg2="dk2" tx2="lt2" accent1="accent1" accent2="accent2" accent3="accent3" accent4="accent4" accent5="accent5" accent6="accent6" hlink="hlink" folHlink="folHlink"/>
   <p:notesStyle>
-    <a:defPPr lvl="0" marR="0" rtl="0" algn="l">
+    <a:defPPr marR="0" lvl="0" algn="l" rtl="0">
       <a:lnSpc>
         <a:spcPct val="100000"/>
       </a:lnSpc>
@@ -497,7 +505,7 @@
         <a:spcPts val="0"/>
       </a:spcAft>
     </a:defPPr>
-    <a:lvl1pPr lvl="0" marR="0" rtl="0" algn="l">
+    <a:lvl1pPr marR="0" lvl="0" algn="l" rtl="0">
       <a:lnSpc>
         <a:spcPct val="100000"/>
       </a:lnSpc>
@@ -511,7 +519,7 @@
         <a:srgbClr val="000000"/>
       </a:buClr>
       <a:buFont typeface="Arial"/>
-      <a:defRPr b="0" i="0" sz="1400" u="none" cap="none" strike="noStrike">
+      <a:defRPr sz="1400" b="0" i="0" u="none" strike="noStrike" cap="none">
         <a:solidFill>
           <a:srgbClr val="000000"/>
         </a:solidFill>
@@ -521,7 +529,7 @@
         <a:sym typeface="Arial"/>
       </a:defRPr>
     </a:lvl1pPr>
-    <a:lvl2pPr lvl="1" marR="0" rtl="0" algn="l">
+    <a:lvl2pPr marR="0" lvl="1" algn="l" rtl="0">
       <a:lnSpc>
         <a:spcPct val="100000"/>
       </a:lnSpc>
@@ -535,7 +543,7 @@
         <a:srgbClr val="000000"/>
       </a:buClr>
       <a:buFont typeface="Arial"/>
-      <a:defRPr b="0" i="0" sz="1400" u="none" cap="none" strike="noStrike">
+      <a:defRPr sz="1400" b="0" i="0" u="none" strike="noStrike" cap="none">
         <a:solidFill>
           <a:srgbClr val="000000"/>
         </a:solidFill>
@@ -545,7 +553,7 @@
         <a:sym typeface="Arial"/>
       </a:defRPr>
     </a:lvl2pPr>
-    <a:lvl3pPr lvl="2" marR="0" rtl="0" algn="l">
+    <a:lvl3pPr marR="0" lvl="2" algn="l" rtl="0">
       <a:lnSpc>
         <a:spcPct val="100000"/>
       </a:lnSpc>
@@ -559,7 +567,7 @@
         <a:srgbClr val="000000"/>
       </a:buClr>
       <a:buFont typeface="Arial"/>
-      <a:defRPr b="0" i="0" sz="1400" u="none" cap="none" strike="noStrike">
+      <a:defRPr sz="1400" b="0" i="0" u="none" strike="noStrike" cap="none">
         <a:solidFill>
           <a:srgbClr val="000000"/>
         </a:solidFill>
@@ -569,7 +577,7 @@
         <a:sym typeface="Arial"/>
       </a:defRPr>
     </a:lvl3pPr>
-    <a:lvl4pPr lvl="3" marR="0" rtl="0" algn="l">
+    <a:lvl4pPr marR="0" lvl="3" algn="l" rtl="0">
       <a:lnSpc>
         <a:spcPct val="100000"/>
       </a:lnSpc>
@@ -583,7 +591,7 @@
         <a:srgbClr val="000000"/>
       </a:buClr>
       <a:buFont typeface="Arial"/>
-      <a:defRPr b="0" i="0" sz="1400" u="none" cap="none" strike="noStrike">
+      <a:defRPr sz="1400" b="0" i="0" u="none" strike="noStrike" cap="none">
         <a:solidFill>
           <a:srgbClr val="000000"/>
         </a:solidFill>
@@ -593,7 +601,7 @@
         <a:sym typeface="Arial"/>
       </a:defRPr>
     </a:lvl4pPr>
-    <a:lvl5pPr lvl="4" marR="0" rtl="0" algn="l">
+    <a:lvl5pPr marR="0" lvl="4" algn="l" rtl="0">
       <a:lnSpc>
         <a:spcPct val="100000"/>
       </a:lnSpc>
@@ -607,7 +615,7 @@
         <a:srgbClr val="000000"/>
       </a:buClr>
       <a:buFont typeface="Arial"/>
-      <a:defRPr b="0" i="0" sz="1400" u="none" cap="none" strike="noStrike">
+      <a:defRPr sz="1400" b="0" i="0" u="none" strike="noStrike" cap="none">
         <a:solidFill>
           <a:srgbClr val="000000"/>
         </a:solidFill>
@@ -617,7 +625,7 @@
         <a:sym typeface="Arial"/>
       </a:defRPr>
     </a:lvl5pPr>
-    <a:lvl6pPr lvl="5" marR="0" rtl="0" algn="l">
+    <a:lvl6pPr marR="0" lvl="5" algn="l" rtl="0">
       <a:lnSpc>
         <a:spcPct val="100000"/>
       </a:lnSpc>
@@ -631,7 +639,7 @@
         <a:srgbClr val="000000"/>
       </a:buClr>
       <a:buFont typeface="Arial"/>
-      <a:defRPr b="0" i="0" sz="1400" u="none" cap="none" strike="noStrike">
+      <a:defRPr sz="1400" b="0" i="0" u="none" strike="noStrike" cap="none">
         <a:solidFill>
           <a:srgbClr val="000000"/>
         </a:solidFill>
@@ -641,7 +649,7 @@
         <a:sym typeface="Arial"/>
       </a:defRPr>
     </a:lvl6pPr>
-    <a:lvl7pPr lvl="6" marR="0" rtl="0" algn="l">
+    <a:lvl7pPr marR="0" lvl="6" algn="l" rtl="0">
       <a:lnSpc>
         <a:spcPct val="100000"/>
       </a:lnSpc>
@@ -655,7 +663,7 @@
         <a:srgbClr val="000000"/>
       </a:buClr>
       <a:buFont typeface="Arial"/>
-      <a:defRPr b="0" i="0" sz="1400" u="none" cap="none" strike="noStrike">
+      <a:defRPr sz="1400" b="0" i="0" u="none" strike="noStrike" cap="none">
         <a:solidFill>
           <a:srgbClr val="000000"/>
         </a:solidFill>
@@ -665,7 +673,7 @@
         <a:sym typeface="Arial"/>
       </a:defRPr>
     </a:lvl7pPr>
-    <a:lvl8pPr lvl="7" marR="0" rtl="0" algn="l">
+    <a:lvl8pPr marR="0" lvl="7" algn="l" rtl="0">
       <a:lnSpc>
         <a:spcPct val="100000"/>
       </a:lnSpc>
@@ -679,7 +687,7 @@
         <a:srgbClr val="000000"/>
       </a:buClr>
       <a:buFont typeface="Arial"/>
-      <a:defRPr b="0" i="0" sz="1400" u="none" cap="none" strike="noStrike">
+      <a:defRPr sz="1400" b="0" i="0" u="none" strike="noStrike" cap="none">
         <a:solidFill>
           <a:srgbClr val="000000"/>
         </a:solidFill>
@@ -689,7 +697,7 @@
         <a:sym typeface="Arial"/>
       </a:defRPr>
     </a:lvl8pPr>
-    <a:lvl9pPr lvl="8" marR="0" rtl="0" algn="l">
+    <a:lvl9pPr marR="0" lvl="8" algn="l" rtl="0">
       <a:lnSpc>
         <a:spcPct val="100000"/>
       </a:lnSpc>
@@ -703,7 +711,7 @@
         <a:srgbClr val="000000"/>
       </a:buClr>
       <a:buFont typeface="Arial"/>
-      <a:defRPr b="0" i="0" sz="1400" u="none" cap="none" strike="noStrike">
+      <a:defRPr sz="1400" b="0" i="0" u="none" strike="noStrike" cap="none">
         <a:solidFill>
           <a:srgbClr val="000000"/>
         </a:solidFill>
@@ -718,11 +726,11 @@
 </file>
 
 <file path=ppt/notesSlides/notesSlide1.xml><?xml version="1.0" encoding="utf-8"?>
-<p:notes xmlns:a="http://schemas.openxmlformats.org/drawingml/2006/main" xmlns:r="http://schemas.openxmlformats.org/officeDocument/2006/relationships" xmlns:mc="http://schemas.openxmlformats.org/markup-compatibility/2006" xmlns:mv="urn:schemas-microsoft-com:mac:vml" xmlns:p="http://schemas.openxmlformats.org/presentationml/2006/main" xmlns:c="http://schemas.openxmlformats.org/drawingml/2006/chart" xmlns:dgm="http://schemas.openxmlformats.org/drawingml/2006/diagram" xmlns:o="urn:schemas-microsoft-com:office:office" xmlns:v="urn:schemas-microsoft-com:vml" xmlns:pvml="urn:schemas-microsoft-com:office:powerpoint" xmlns:com="http://schemas.openxmlformats.org/drawingml/2006/compatibility" xmlns:p14="http://schemas.microsoft.com/office/powerpoint/2010/main" xmlns:p15="http://schemas.microsoft.com/office/powerpoint/2012/main" xmlns:ahyp="http://schemas.microsoft.com/office/drawing/2018/hyperlinkcolor" showMasterPhAnim="0" showMasterSp="0">
+<p:notes xmlns:a="http://schemas.openxmlformats.org/drawingml/2006/main" xmlns:r="http://schemas.openxmlformats.org/officeDocument/2006/relationships" xmlns:p="http://schemas.openxmlformats.org/presentationml/2006/main" showMasterSp="0" showMasterPhAnim="0">
   <p:cSld>
     <p:spTree>
       <p:nvGrpSpPr>
-        <p:cNvPr id="126" name="Shape 126"/>
+        <p:cNvPr id="1" name="Shape 126"/>
         <p:cNvGrpSpPr/>
         <p:nvPr/>
       </p:nvGrpSpPr>
@@ -737,9 +745,11 @@
       <p:sp>
         <p:nvSpPr>
           <p:cNvPr id="127" name="Google Shape;127;p:notes"/>
-          <p:cNvSpPr/>
+          <p:cNvSpPr>
+            <a:spLocks noGrp="1" noRot="1" noChangeAspect="1"/>
+          </p:cNvSpPr>
           <p:nvPr>
-            <p:ph idx="2" type="sldImg"/>
+            <p:ph type="sldImg" idx="2"/>
           </p:nvPr>
         </p:nvSpPr>
         <p:spPr>
@@ -748,9 +758,13 @@
             <a:ext cx="6096075" cy="3429000"/>
           </a:xfrm>
           <a:custGeom>
-            <a:rect b="b" l="l" r="r" t="t"/>
+            <a:avLst/>
+            <a:gdLst/>
+            <a:ahLst/>
+            <a:cxnLst/>
+            <a:rect l="l" t="t" r="r" b="b"/>
             <a:pathLst>
-              <a:path extrusionOk="0" h="120000" w="120000">
+              <a:path w="120000" h="120000" extrusionOk="0">
                 <a:moveTo>
                   <a:pt x="0" y="0"/>
                 </a:moveTo>
@@ -772,9 +786,11 @@
       <p:sp>
         <p:nvSpPr>
           <p:cNvPr id="128" name="Google Shape;128;p:notes"/>
-          <p:cNvSpPr txBox="1"/>
+          <p:cNvSpPr txBox="1">
+            <a:spLocks noGrp="1"/>
+          </p:cNvSpPr>
           <p:nvPr>
-            <p:ph idx="1" type="body"/>
+            <p:ph type="body" idx="1"/>
           </p:nvPr>
         </p:nvSpPr>
         <p:spPr>
@@ -787,12 +803,12 @@
           </a:prstGeom>
         </p:spPr>
         <p:txBody>
-          <a:bodyPr anchorCtr="0" anchor="t" bIns="91425" lIns="91425" spcFirstLastPara="1" rIns="91425" wrap="square" tIns="91425">
+          <a:bodyPr spcFirstLastPara="1" wrap="square" lIns="91425" tIns="91425" rIns="91425" bIns="91425" anchor="t" anchorCtr="0">
             <a:noAutofit/>
           </a:bodyPr>
           <a:lstStyle/>
           <a:p>
-            <a:pPr indent="0" lvl="0" marL="0" rtl="0" algn="l">
+            <a:pPr marL="0" lvl="0" indent="0" algn="l" rtl="0">
               <a:spcBef>
                 <a:spcPts val="0"/>
               </a:spcBef>
@@ -801,9 +817,6 @@
               </a:spcAft>
               <a:buNone/>
             </a:pPr>
-            <a:r>
-              <a:t/>
-            </a:r>
             <a:endParaRPr/>
           </a:p>
         </p:txBody>
@@ -817,11 +830,11 @@
 </file>
 
 <file path=ppt/notesSlides/notesSlide10.xml><?xml version="1.0" encoding="utf-8"?>
-<p:notes xmlns:a="http://schemas.openxmlformats.org/drawingml/2006/main" xmlns:r="http://schemas.openxmlformats.org/officeDocument/2006/relationships" xmlns:mc="http://schemas.openxmlformats.org/markup-compatibility/2006" xmlns:mv="urn:schemas-microsoft-com:mac:vml" xmlns:p="http://schemas.openxmlformats.org/presentationml/2006/main" xmlns:c="http://schemas.openxmlformats.org/drawingml/2006/chart" xmlns:dgm="http://schemas.openxmlformats.org/drawingml/2006/diagram" xmlns:o="urn:schemas-microsoft-com:office:office" xmlns:v="urn:schemas-microsoft-com:vml" xmlns:pvml="urn:schemas-microsoft-com:office:powerpoint" xmlns:com="http://schemas.openxmlformats.org/drawingml/2006/compatibility" xmlns:p14="http://schemas.microsoft.com/office/powerpoint/2010/main" xmlns:p15="http://schemas.microsoft.com/office/powerpoint/2012/main" xmlns:ahyp="http://schemas.microsoft.com/office/drawing/2018/hyperlinkcolor" showMasterPhAnim="0" showMasterSp="0">
+<p:notes xmlns:a="http://schemas.openxmlformats.org/drawingml/2006/main" xmlns:r="http://schemas.openxmlformats.org/officeDocument/2006/relationships" xmlns:p="http://schemas.openxmlformats.org/presentationml/2006/main" showMasterSp="0" showMasterPhAnim="0">
   <p:cSld>
     <p:spTree>
       <p:nvGrpSpPr>
-        <p:cNvPr id="186" name="Shape 186"/>
+        <p:cNvPr id="1" name="Shape 186"/>
         <p:cNvGrpSpPr/>
         <p:nvPr/>
       </p:nvGrpSpPr>
@@ -836,9 +849,11 @@
       <p:sp>
         <p:nvSpPr>
           <p:cNvPr id="187" name="Google Shape;187;g2b850047dc0_0_13:notes"/>
-          <p:cNvSpPr/>
+          <p:cNvSpPr>
+            <a:spLocks noGrp="1" noRot="1" noChangeAspect="1"/>
+          </p:cNvSpPr>
           <p:nvPr>
-            <p:ph idx="2" type="sldImg"/>
+            <p:ph type="sldImg" idx="2"/>
           </p:nvPr>
         </p:nvSpPr>
         <p:spPr>
@@ -847,9 +862,13 @@
             <a:ext cx="6096000" cy="3429000"/>
           </a:xfrm>
           <a:custGeom>
-            <a:rect b="b" l="l" r="r" t="t"/>
+            <a:avLst/>
+            <a:gdLst/>
+            <a:ahLst/>
+            <a:cxnLst/>
+            <a:rect l="l" t="t" r="r" b="b"/>
             <a:pathLst>
-              <a:path extrusionOk="0" h="120000" w="120000">
+              <a:path w="120000" h="120000" extrusionOk="0">
                 <a:moveTo>
                   <a:pt x="0" y="0"/>
                 </a:moveTo>
@@ -871,9 +890,11 @@
       <p:sp>
         <p:nvSpPr>
           <p:cNvPr id="188" name="Google Shape;188;g2b850047dc0_0_13:notes"/>
-          <p:cNvSpPr txBox="1"/>
+          <p:cNvSpPr txBox="1">
+            <a:spLocks noGrp="1"/>
+          </p:cNvSpPr>
           <p:nvPr>
-            <p:ph idx="1" type="body"/>
+            <p:ph type="body" idx="1"/>
           </p:nvPr>
         </p:nvSpPr>
         <p:spPr>
@@ -886,12 +907,12 @@
           </a:prstGeom>
         </p:spPr>
         <p:txBody>
-          <a:bodyPr anchorCtr="0" anchor="t" bIns="91425" lIns="91425" spcFirstLastPara="1" rIns="91425" wrap="square" tIns="91425">
+          <a:bodyPr spcFirstLastPara="1" wrap="square" lIns="91425" tIns="91425" rIns="91425" bIns="91425" anchor="t" anchorCtr="0">
             <a:noAutofit/>
           </a:bodyPr>
           <a:lstStyle/>
           <a:p>
-            <a:pPr indent="0" lvl="0" marL="0" rtl="0" algn="l">
+            <a:pPr marL="0" lvl="0" indent="0" algn="l" rtl="0">
               <a:spcBef>
                 <a:spcPts val="0"/>
               </a:spcBef>
@@ -900,9 +921,6 @@
               </a:spcAft>
               <a:buNone/>
             </a:pPr>
-            <a:r>
-              <a:t/>
-            </a:r>
             <a:endParaRPr/>
           </a:p>
         </p:txBody>
@@ -916,11 +934,11 @@
 </file>
 
 <file path=ppt/notesSlides/notesSlide11.xml><?xml version="1.0" encoding="utf-8"?>
-<p:notes xmlns:a="http://schemas.openxmlformats.org/drawingml/2006/main" xmlns:r="http://schemas.openxmlformats.org/officeDocument/2006/relationships" xmlns:mc="http://schemas.openxmlformats.org/markup-compatibility/2006" xmlns:mv="urn:schemas-microsoft-com:mac:vml" xmlns:p="http://schemas.openxmlformats.org/presentationml/2006/main" xmlns:c="http://schemas.openxmlformats.org/drawingml/2006/chart" xmlns:dgm="http://schemas.openxmlformats.org/drawingml/2006/diagram" xmlns:o="urn:schemas-microsoft-com:office:office" xmlns:v="urn:schemas-microsoft-com:vml" xmlns:pvml="urn:schemas-microsoft-com:office:powerpoint" xmlns:com="http://schemas.openxmlformats.org/drawingml/2006/compatibility" xmlns:p14="http://schemas.microsoft.com/office/powerpoint/2010/main" xmlns:p15="http://schemas.microsoft.com/office/powerpoint/2012/main" xmlns:ahyp="http://schemas.microsoft.com/office/drawing/2018/hyperlinkcolor" showMasterPhAnim="0" showMasterSp="0">
+<p:notes xmlns:a="http://schemas.openxmlformats.org/drawingml/2006/main" xmlns:r="http://schemas.openxmlformats.org/officeDocument/2006/relationships" xmlns:p="http://schemas.openxmlformats.org/presentationml/2006/main" showMasterSp="0" showMasterPhAnim="0">
   <p:cSld>
     <p:spTree>
       <p:nvGrpSpPr>
-        <p:cNvPr id="192" name="Shape 192"/>
+        <p:cNvPr id="1" name="Shape 192"/>
         <p:cNvGrpSpPr/>
         <p:nvPr/>
       </p:nvGrpSpPr>
@@ -935,9 +953,11 @@
       <p:sp>
         <p:nvSpPr>
           <p:cNvPr id="193" name="Google Shape;193;g2b850047dc0_0_39:notes"/>
-          <p:cNvSpPr/>
+          <p:cNvSpPr>
+            <a:spLocks noGrp="1" noRot="1" noChangeAspect="1"/>
+          </p:cNvSpPr>
           <p:nvPr>
-            <p:ph idx="2" type="sldImg"/>
+            <p:ph type="sldImg" idx="2"/>
           </p:nvPr>
         </p:nvSpPr>
         <p:spPr>
@@ -946,9 +966,13 @@
             <a:ext cx="6096000" cy="3429000"/>
           </a:xfrm>
           <a:custGeom>
-            <a:rect b="b" l="l" r="r" t="t"/>
+            <a:avLst/>
+            <a:gdLst/>
+            <a:ahLst/>
+            <a:cxnLst/>
+            <a:rect l="l" t="t" r="r" b="b"/>
             <a:pathLst>
-              <a:path extrusionOk="0" h="120000" w="120000">
+              <a:path w="120000" h="120000" extrusionOk="0">
                 <a:moveTo>
                   <a:pt x="0" y="0"/>
                 </a:moveTo>
@@ -970,9 +994,11 @@
       <p:sp>
         <p:nvSpPr>
           <p:cNvPr id="194" name="Google Shape;194;g2b850047dc0_0_39:notes"/>
-          <p:cNvSpPr txBox="1"/>
+          <p:cNvSpPr txBox="1">
+            <a:spLocks noGrp="1"/>
+          </p:cNvSpPr>
           <p:nvPr>
-            <p:ph idx="1" type="body"/>
+            <p:ph type="body" idx="1"/>
           </p:nvPr>
         </p:nvSpPr>
         <p:spPr>
@@ -985,12 +1011,12 @@
           </a:prstGeom>
         </p:spPr>
         <p:txBody>
-          <a:bodyPr anchorCtr="0" anchor="t" bIns="91425" lIns="91425" spcFirstLastPara="1" rIns="91425" wrap="square" tIns="91425">
+          <a:bodyPr spcFirstLastPara="1" wrap="square" lIns="91425" tIns="91425" rIns="91425" bIns="91425" anchor="t" anchorCtr="0">
             <a:noAutofit/>
           </a:bodyPr>
           <a:lstStyle/>
           <a:p>
-            <a:pPr indent="0" lvl="0" marL="0" rtl="0" algn="l">
+            <a:pPr marL="0" lvl="0" indent="0" algn="l" rtl="0">
               <a:spcBef>
                 <a:spcPts val="0"/>
               </a:spcBef>
@@ -999,9 +1025,6 @@
               </a:spcAft>
               <a:buNone/>
             </a:pPr>
-            <a:r>
-              <a:t/>
-            </a:r>
             <a:endParaRPr/>
           </a:p>
         </p:txBody>
@@ -1015,11 +1038,11 @@
 </file>
 
 <file path=ppt/notesSlides/notesSlide12.xml><?xml version="1.0" encoding="utf-8"?>
-<p:notes xmlns:a="http://schemas.openxmlformats.org/drawingml/2006/main" xmlns:r="http://schemas.openxmlformats.org/officeDocument/2006/relationships" xmlns:mc="http://schemas.openxmlformats.org/markup-compatibility/2006" xmlns:mv="urn:schemas-microsoft-com:mac:vml" xmlns:p="http://schemas.openxmlformats.org/presentationml/2006/main" xmlns:c="http://schemas.openxmlformats.org/drawingml/2006/chart" xmlns:dgm="http://schemas.openxmlformats.org/drawingml/2006/diagram" xmlns:o="urn:schemas-microsoft-com:office:office" xmlns:v="urn:schemas-microsoft-com:vml" xmlns:pvml="urn:schemas-microsoft-com:office:powerpoint" xmlns:com="http://schemas.openxmlformats.org/drawingml/2006/compatibility" xmlns:p14="http://schemas.microsoft.com/office/powerpoint/2010/main" xmlns:p15="http://schemas.microsoft.com/office/powerpoint/2012/main" xmlns:ahyp="http://schemas.microsoft.com/office/drawing/2018/hyperlinkcolor" showMasterPhAnim="0" showMasterSp="0">
+<p:notes xmlns:a="http://schemas.openxmlformats.org/drawingml/2006/main" xmlns:r="http://schemas.openxmlformats.org/officeDocument/2006/relationships" xmlns:p="http://schemas.openxmlformats.org/presentationml/2006/main" showMasterSp="0" showMasterPhAnim="0">
   <p:cSld>
     <p:spTree>
       <p:nvGrpSpPr>
-        <p:cNvPr id="198" name="Shape 198"/>
+        <p:cNvPr id="1" name="Shape 198"/>
         <p:cNvGrpSpPr/>
         <p:nvPr/>
       </p:nvGrpSpPr>
@@ -1034,9 +1057,11 @@
       <p:sp>
         <p:nvSpPr>
           <p:cNvPr id="199" name="Google Shape;199;g2b850047dc0_0_44:notes"/>
-          <p:cNvSpPr/>
+          <p:cNvSpPr>
+            <a:spLocks noGrp="1" noRot="1" noChangeAspect="1"/>
+          </p:cNvSpPr>
           <p:nvPr>
-            <p:ph idx="2" type="sldImg"/>
+            <p:ph type="sldImg" idx="2"/>
           </p:nvPr>
         </p:nvSpPr>
         <p:spPr>
@@ -1045,9 +1070,13 @@
             <a:ext cx="6096000" cy="3429000"/>
           </a:xfrm>
           <a:custGeom>
-            <a:rect b="b" l="l" r="r" t="t"/>
+            <a:avLst/>
+            <a:gdLst/>
+            <a:ahLst/>
+            <a:cxnLst/>
+            <a:rect l="l" t="t" r="r" b="b"/>
             <a:pathLst>
-              <a:path extrusionOk="0" h="120000" w="120000">
+              <a:path w="120000" h="120000" extrusionOk="0">
                 <a:moveTo>
                   <a:pt x="0" y="0"/>
                 </a:moveTo>
@@ -1069,9 +1098,11 @@
       <p:sp>
         <p:nvSpPr>
           <p:cNvPr id="200" name="Google Shape;200;g2b850047dc0_0_44:notes"/>
-          <p:cNvSpPr txBox="1"/>
+          <p:cNvSpPr txBox="1">
+            <a:spLocks noGrp="1"/>
+          </p:cNvSpPr>
           <p:nvPr>
-            <p:ph idx="1" type="body"/>
+            <p:ph type="body" idx="1"/>
           </p:nvPr>
         </p:nvSpPr>
         <p:spPr>
@@ -1084,12 +1115,12 @@
           </a:prstGeom>
         </p:spPr>
         <p:txBody>
-          <a:bodyPr anchorCtr="0" anchor="t" bIns="91425" lIns="91425" spcFirstLastPara="1" rIns="91425" wrap="square" tIns="91425">
+          <a:bodyPr spcFirstLastPara="1" wrap="square" lIns="91425" tIns="91425" rIns="91425" bIns="91425" anchor="t" anchorCtr="0">
             <a:noAutofit/>
           </a:bodyPr>
           <a:lstStyle/>
           <a:p>
-            <a:pPr indent="0" lvl="0" marL="0" rtl="0" algn="l">
+            <a:pPr marL="0" lvl="0" indent="0" algn="l" rtl="0">
               <a:spcBef>
                 <a:spcPts val="0"/>
               </a:spcBef>
@@ -1098,9 +1129,6 @@
               </a:spcAft>
               <a:buNone/>
             </a:pPr>
-            <a:r>
-              <a:t/>
-            </a:r>
             <a:endParaRPr/>
           </a:p>
         </p:txBody>
@@ -1114,11 +1142,11 @@
 </file>
 
 <file path=ppt/notesSlides/notesSlide13.xml><?xml version="1.0" encoding="utf-8"?>
-<p:notes xmlns:a="http://schemas.openxmlformats.org/drawingml/2006/main" xmlns:r="http://schemas.openxmlformats.org/officeDocument/2006/relationships" xmlns:mc="http://schemas.openxmlformats.org/markup-compatibility/2006" xmlns:mv="urn:schemas-microsoft-com:mac:vml" xmlns:p="http://schemas.openxmlformats.org/presentationml/2006/main" xmlns:c="http://schemas.openxmlformats.org/drawingml/2006/chart" xmlns:dgm="http://schemas.openxmlformats.org/drawingml/2006/diagram" xmlns:o="urn:schemas-microsoft-com:office:office" xmlns:v="urn:schemas-microsoft-com:vml" xmlns:pvml="urn:schemas-microsoft-com:office:powerpoint" xmlns:com="http://schemas.openxmlformats.org/drawingml/2006/compatibility" xmlns:p14="http://schemas.microsoft.com/office/powerpoint/2010/main" xmlns:p15="http://schemas.microsoft.com/office/powerpoint/2012/main" xmlns:ahyp="http://schemas.microsoft.com/office/drawing/2018/hyperlinkcolor" showMasterPhAnim="0" showMasterSp="0">
+<p:notes xmlns:a="http://schemas.openxmlformats.org/drawingml/2006/main" xmlns:r="http://schemas.openxmlformats.org/officeDocument/2006/relationships" xmlns:p="http://schemas.openxmlformats.org/presentationml/2006/main" showMasterSp="0" showMasterPhAnim="0">
   <p:cSld>
     <p:spTree>
       <p:nvGrpSpPr>
-        <p:cNvPr id="204" name="Shape 204"/>
+        <p:cNvPr id="1" name="Shape 204"/>
         <p:cNvGrpSpPr/>
         <p:nvPr/>
       </p:nvGrpSpPr>
@@ -1133,9 +1161,11 @@
       <p:sp>
         <p:nvSpPr>
           <p:cNvPr id="205" name="Google Shape;205;g2b886e7bda0_0_10:notes"/>
-          <p:cNvSpPr/>
+          <p:cNvSpPr>
+            <a:spLocks noGrp="1" noRot="1" noChangeAspect="1"/>
+          </p:cNvSpPr>
           <p:nvPr>
-            <p:ph idx="2" type="sldImg"/>
+            <p:ph type="sldImg" idx="2"/>
           </p:nvPr>
         </p:nvSpPr>
         <p:spPr>
@@ -1144,9 +1174,13 @@
             <a:ext cx="6096000" cy="3429000"/>
           </a:xfrm>
           <a:custGeom>
-            <a:rect b="b" l="l" r="r" t="t"/>
+            <a:avLst/>
+            <a:gdLst/>
+            <a:ahLst/>
+            <a:cxnLst/>
+            <a:rect l="l" t="t" r="r" b="b"/>
             <a:pathLst>
-              <a:path extrusionOk="0" h="120000" w="120000">
+              <a:path w="120000" h="120000" extrusionOk="0">
                 <a:moveTo>
                   <a:pt x="0" y="0"/>
                 </a:moveTo>
@@ -1168,9 +1202,11 @@
       <p:sp>
         <p:nvSpPr>
           <p:cNvPr id="206" name="Google Shape;206;g2b886e7bda0_0_10:notes"/>
-          <p:cNvSpPr txBox="1"/>
+          <p:cNvSpPr txBox="1">
+            <a:spLocks noGrp="1"/>
+          </p:cNvSpPr>
           <p:nvPr>
-            <p:ph idx="1" type="body"/>
+            <p:ph type="body" idx="1"/>
           </p:nvPr>
         </p:nvSpPr>
         <p:spPr>
@@ -1183,12 +1219,12 @@
           </a:prstGeom>
         </p:spPr>
         <p:txBody>
-          <a:bodyPr anchorCtr="0" anchor="t" bIns="91425" lIns="91425" spcFirstLastPara="1" rIns="91425" wrap="square" tIns="91425">
+          <a:bodyPr spcFirstLastPara="1" wrap="square" lIns="91425" tIns="91425" rIns="91425" bIns="91425" anchor="t" anchorCtr="0">
             <a:noAutofit/>
           </a:bodyPr>
           <a:lstStyle/>
           <a:p>
-            <a:pPr indent="0" lvl="0" marL="0" rtl="0" algn="l">
+            <a:pPr marL="0" lvl="0" indent="0" algn="l" rtl="0">
               <a:spcBef>
                 <a:spcPts val="0"/>
               </a:spcBef>
@@ -1197,9 +1233,6 @@
               </a:spcAft>
               <a:buNone/>
             </a:pPr>
-            <a:r>
-              <a:t/>
-            </a:r>
             <a:endParaRPr/>
           </a:p>
         </p:txBody>
@@ -1213,11 +1246,11 @@
 </file>
 
 <file path=ppt/notesSlides/notesSlide14.xml><?xml version="1.0" encoding="utf-8"?>
-<p:notes xmlns:a="http://schemas.openxmlformats.org/drawingml/2006/main" xmlns:r="http://schemas.openxmlformats.org/officeDocument/2006/relationships" xmlns:mc="http://schemas.openxmlformats.org/markup-compatibility/2006" xmlns:mv="urn:schemas-microsoft-com:mac:vml" xmlns:p="http://schemas.openxmlformats.org/presentationml/2006/main" xmlns:c="http://schemas.openxmlformats.org/drawingml/2006/chart" xmlns:dgm="http://schemas.openxmlformats.org/drawingml/2006/diagram" xmlns:o="urn:schemas-microsoft-com:office:office" xmlns:v="urn:schemas-microsoft-com:vml" xmlns:pvml="urn:schemas-microsoft-com:office:powerpoint" xmlns:com="http://schemas.openxmlformats.org/drawingml/2006/compatibility" xmlns:p14="http://schemas.microsoft.com/office/powerpoint/2010/main" xmlns:p15="http://schemas.microsoft.com/office/powerpoint/2012/main" xmlns:ahyp="http://schemas.microsoft.com/office/drawing/2018/hyperlinkcolor" showMasterPhAnim="0" showMasterSp="0">
+<p:notes xmlns:a="http://schemas.openxmlformats.org/drawingml/2006/main" xmlns:r="http://schemas.openxmlformats.org/officeDocument/2006/relationships" xmlns:p="http://schemas.openxmlformats.org/presentationml/2006/main" showMasterSp="0" showMasterPhAnim="0">
   <p:cSld>
     <p:spTree>
       <p:nvGrpSpPr>
-        <p:cNvPr id="210" name="Shape 210"/>
+        <p:cNvPr id="1" name="Shape 210"/>
         <p:cNvGrpSpPr/>
         <p:nvPr/>
       </p:nvGrpSpPr>
@@ -1232,9 +1265,11 @@
       <p:sp>
         <p:nvSpPr>
           <p:cNvPr id="211" name="Google Shape;211;g2b886e7bda0_0_0:notes"/>
-          <p:cNvSpPr/>
+          <p:cNvSpPr>
+            <a:spLocks noGrp="1" noRot="1" noChangeAspect="1"/>
+          </p:cNvSpPr>
           <p:nvPr>
-            <p:ph idx="2" type="sldImg"/>
+            <p:ph type="sldImg" idx="2"/>
           </p:nvPr>
         </p:nvSpPr>
         <p:spPr>
@@ -1243,9 +1278,13 @@
             <a:ext cx="6096000" cy="3429000"/>
           </a:xfrm>
           <a:custGeom>
-            <a:rect b="b" l="l" r="r" t="t"/>
+            <a:avLst/>
+            <a:gdLst/>
+            <a:ahLst/>
+            <a:cxnLst/>
+            <a:rect l="l" t="t" r="r" b="b"/>
             <a:pathLst>
-              <a:path extrusionOk="0" h="120000" w="120000">
+              <a:path w="120000" h="120000" extrusionOk="0">
                 <a:moveTo>
                   <a:pt x="0" y="0"/>
                 </a:moveTo>
@@ -1267,9 +1306,11 @@
       <p:sp>
         <p:nvSpPr>
           <p:cNvPr id="212" name="Google Shape;212;g2b886e7bda0_0_0:notes"/>
-          <p:cNvSpPr txBox="1"/>
+          <p:cNvSpPr txBox="1">
+            <a:spLocks noGrp="1"/>
+          </p:cNvSpPr>
           <p:nvPr>
-            <p:ph idx="1" type="body"/>
+            <p:ph type="body" idx="1"/>
           </p:nvPr>
         </p:nvSpPr>
         <p:spPr>
@@ -1282,12 +1323,12 @@
           </a:prstGeom>
         </p:spPr>
         <p:txBody>
-          <a:bodyPr anchorCtr="0" anchor="t" bIns="91425" lIns="91425" spcFirstLastPara="1" rIns="91425" wrap="square" tIns="91425">
+          <a:bodyPr spcFirstLastPara="1" wrap="square" lIns="91425" tIns="91425" rIns="91425" bIns="91425" anchor="t" anchorCtr="0">
             <a:noAutofit/>
           </a:bodyPr>
           <a:lstStyle/>
           <a:p>
-            <a:pPr indent="0" lvl="0" marL="0" rtl="0" algn="l">
+            <a:pPr marL="0" lvl="0" indent="0" algn="l" rtl="0">
               <a:spcBef>
                 <a:spcPts val="0"/>
               </a:spcBef>
@@ -1296,9 +1337,6 @@
               </a:spcAft>
               <a:buNone/>
             </a:pPr>
-            <a:r>
-              <a:t/>
-            </a:r>
             <a:endParaRPr/>
           </a:p>
         </p:txBody>
@@ -1312,11 +1350,11 @@
 </file>
 
 <file path=ppt/notesSlides/notesSlide15.xml><?xml version="1.0" encoding="utf-8"?>
-<p:notes xmlns:a="http://schemas.openxmlformats.org/drawingml/2006/main" xmlns:r="http://schemas.openxmlformats.org/officeDocument/2006/relationships" xmlns:mc="http://schemas.openxmlformats.org/markup-compatibility/2006" xmlns:mv="urn:schemas-microsoft-com:mac:vml" xmlns:p="http://schemas.openxmlformats.org/presentationml/2006/main" xmlns:c="http://schemas.openxmlformats.org/drawingml/2006/chart" xmlns:dgm="http://schemas.openxmlformats.org/drawingml/2006/diagram" xmlns:o="urn:schemas-microsoft-com:office:office" xmlns:v="urn:schemas-microsoft-com:vml" xmlns:pvml="urn:schemas-microsoft-com:office:powerpoint" xmlns:com="http://schemas.openxmlformats.org/drawingml/2006/compatibility" xmlns:p14="http://schemas.microsoft.com/office/powerpoint/2010/main" xmlns:p15="http://schemas.microsoft.com/office/powerpoint/2012/main" xmlns:ahyp="http://schemas.microsoft.com/office/drawing/2018/hyperlinkcolor" showMasterPhAnim="0" showMasterSp="0">
+<p:notes xmlns:a="http://schemas.openxmlformats.org/drawingml/2006/main" xmlns:r="http://schemas.openxmlformats.org/officeDocument/2006/relationships" xmlns:p="http://schemas.openxmlformats.org/presentationml/2006/main" showMasterSp="0" showMasterPhAnim="0">
   <p:cSld>
     <p:spTree>
       <p:nvGrpSpPr>
-        <p:cNvPr id="216" name="Shape 216"/>
+        <p:cNvPr id="1" name="Shape 216"/>
         <p:cNvGrpSpPr/>
         <p:nvPr/>
       </p:nvGrpSpPr>
@@ -1331,9 +1369,11 @@
       <p:sp>
         <p:nvSpPr>
           <p:cNvPr id="217" name="Google Shape;217;g2b886e7bda0_0_5:notes"/>
-          <p:cNvSpPr/>
+          <p:cNvSpPr>
+            <a:spLocks noGrp="1" noRot="1" noChangeAspect="1"/>
+          </p:cNvSpPr>
           <p:nvPr>
-            <p:ph idx="2" type="sldImg"/>
+            <p:ph type="sldImg" idx="2"/>
           </p:nvPr>
         </p:nvSpPr>
         <p:spPr>
@@ -1342,9 +1382,13 @@
             <a:ext cx="6096000" cy="3429000"/>
           </a:xfrm>
           <a:custGeom>
-            <a:rect b="b" l="l" r="r" t="t"/>
+            <a:avLst/>
+            <a:gdLst/>
+            <a:ahLst/>
+            <a:cxnLst/>
+            <a:rect l="l" t="t" r="r" b="b"/>
             <a:pathLst>
-              <a:path extrusionOk="0" h="120000" w="120000">
+              <a:path w="120000" h="120000" extrusionOk="0">
                 <a:moveTo>
                   <a:pt x="0" y="0"/>
                 </a:moveTo>
@@ -1366,9 +1410,11 @@
       <p:sp>
         <p:nvSpPr>
           <p:cNvPr id="218" name="Google Shape;218;g2b886e7bda0_0_5:notes"/>
-          <p:cNvSpPr txBox="1"/>
+          <p:cNvSpPr txBox="1">
+            <a:spLocks noGrp="1"/>
+          </p:cNvSpPr>
           <p:nvPr>
-            <p:ph idx="1" type="body"/>
+            <p:ph type="body" idx="1"/>
           </p:nvPr>
         </p:nvSpPr>
         <p:spPr>
@@ -1381,12 +1427,12 @@
           </a:prstGeom>
         </p:spPr>
         <p:txBody>
-          <a:bodyPr anchorCtr="0" anchor="t" bIns="91425" lIns="91425" spcFirstLastPara="1" rIns="91425" wrap="square" tIns="91425">
+          <a:bodyPr spcFirstLastPara="1" wrap="square" lIns="91425" tIns="91425" rIns="91425" bIns="91425" anchor="t" anchorCtr="0">
             <a:noAutofit/>
           </a:bodyPr>
           <a:lstStyle/>
           <a:p>
-            <a:pPr indent="0" lvl="0" marL="0" rtl="0" algn="l">
+            <a:pPr marL="0" lvl="0" indent="0" algn="l" rtl="0">
               <a:spcBef>
                 <a:spcPts val="0"/>
               </a:spcBef>
@@ -1395,9 +1441,6 @@
               </a:spcAft>
               <a:buNone/>
             </a:pPr>
-            <a:r>
-              <a:t/>
-            </a:r>
             <a:endParaRPr/>
           </a:p>
         </p:txBody>
@@ -1411,11 +1454,11 @@
 </file>
 
 <file path=ppt/notesSlides/notesSlide16.xml><?xml version="1.0" encoding="utf-8"?>
-<p:notes xmlns:a="http://schemas.openxmlformats.org/drawingml/2006/main" xmlns:r="http://schemas.openxmlformats.org/officeDocument/2006/relationships" xmlns:mc="http://schemas.openxmlformats.org/markup-compatibility/2006" xmlns:mv="urn:schemas-microsoft-com:mac:vml" xmlns:p="http://schemas.openxmlformats.org/presentationml/2006/main" xmlns:c="http://schemas.openxmlformats.org/drawingml/2006/chart" xmlns:dgm="http://schemas.openxmlformats.org/drawingml/2006/diagram" xmlns:o="urn:schemas-microsoft-com:office:office" xmlns:v="urn:schemas-microsoft-com:vml" xmlns:pvml="urn:schemas-microsoft-com:office:powerpoint" xmlns:com="http://schemas.openxmlformats.org/drawingml/2006/compatibility" xmlns:p14="http://schemas.microsoft.com/office/powerpoint/2010/main" xmlns:p15="http://schemas.microsoft.com/office/powerpoint/2012/main" xmlns:ahyp="http://schemas.microsoft.com/office/drawing/2018/hyperlinkcolor" showMasterPhAnim="0" showMasterSp="0">
+<p:notes xmlns:a="http://schemas.openxmlformats.org/drawingml/2006/main" xmlns:r="http://schemas.openxmlformats.org/officeDocument/2006/relationships" xmlns:p="http://schemas.openxmlformats.org/presentationml/2006/main" showMasterSp="0" showMasterPhAnim="0">
   <p:cSld>
     <p:spTree>
       <p:nvGrpSpPr>
-        <p:cNvPr id="222" name="Shape 222"/>
+        <p:cNvPr id="1" name="Shape 222"/>
         <p:cNvGrpSpPr/>
         <p:nvPr/>
       </p:nvGrpSpPr>
@@ -1430,9 +1473,11 @@
       <p:sp>
         <p:nvSpPr>
           <p:cNvPr id="223" name="Google Shape;223;g1f1aeeda2d7_0_5:notes"/>
-          <p:cNvSpPr/>
+          <p:cNvSpPr>
+            <a:spLocks noGrp="1" noRot="1" noChangeAspect="1"/>
+          </p:cNvSpPr>
           <p:nvPr>
-            <p:ph idx="2" type="sldImg"/>
+            <p:ph type="sldImg" idx="2"/>
           </p:nvPr>
         </p:nvSpPr>
         <p:spPr>
@@ -1441,9 +1486,13 @@
             <a:ext cx="6096000" cy="3429000"/>
           </a:xfrm>
           <a:custGeom>
-            <a:rect b="b" l="l" r="r" t="t"/>
+            <a:avLst/>
+            <a:gdLst/>
+            <a:ahLst/>
+            <a:cxnLst/>
+            <a:rect l="l" t="t" r="r" b="b"/>
             <a:pathLst>
-              <a:path extrusionOk="0" h="120000" w="120000">
+              <a:path w="120000" h="120000" extrusionOk="0">
                 <a:moveTo>
                   <a:pt x="0" y="0"/>
                 </a:moveTo>
@@ -1465,9 +1514,11 @@
       <p:sp>
         <p:nvSpPr>
           <p:cNvPr id="224" name="Google Shape;224;g1f1aeeda2d7_0_5:notes"/>
-          <p:cNvSpPr txBox="1"/>
+          <p:cNvSpPr txBox="1">
+            <a:spLocks noGrp="1"/>
+          </p:cNvSpPr>
           <p:nvPr>
-            <p:ph idx="1" type="body"/>
+            <p:ph type="body" idx="1"/>
           </p:nvPr>
         </p:nvSpPr>
         <p:spPr>
@@ -1480,12 +1531,12 @@
           </a:prstGeom>
         </p:spPr>
         <p:txBody>
-          <a:bodyPr anchorCtr="0" anchor="t" bIns="91425" lIns="91425" spcFirstLastPara="1" rIns="91425" wrap="square" tIns="91425">
+          <a:bodyPr spcFirstLastPara="1" wrap="square" lIns="91425" tIns="91425" rIns="91425" bIns="91425" anchor="t" anchorCtr="0">
             <a:noAutofit/>
           </a:bodyPr>
           <a:lstStyle/>
           <a:p>
-            <a:pPr indent="0" lvl="0" marL="0" rtl="0" algn="l">
+            <a:pPr marL="0" lvl="0" indent="0" algn="l" rtl="0">
               <a:spcBef>
                 <a:spcPts val="0"/>
               </a:spcBef>
@@ -1494,9 +1545,6 @@
               </a:spcAft>
               <a:buNone/>
             </a:pPr>
-            <a:r>
-              <a:t/>
-            </a:r>
             <a:endParaRPr/>
           </a:p>
         </p:txBody>
@@ -1510,11 +1558,11 @@
 </file>
 
 <file path=ppt/notesSlides/notesSlide2.xml><?xml version="1.0" encoding="utf-8"?>
-<p:notes xmlns:a="http://schemas.openxmlformats.org/drawingml/2006/main" xmlns:r="http://schemas.openxmlformats.org/officeDocument/2006/relationships" xmlns:mc="http://schemas.openxmlformats.org/markup-compatibility/2006" xmlns:mv="urn:schemas-microsoft-com:mac:vml" xmlns:p="http://schemas.openxmlformats.org/presentationml/2006/main" xmlns:c="http://schemas.openxmlformats.org/drawingml/2006/chart" xmlns:dgm="http://schemas.openxmlformats.org/drawingml/2006/diagram" xmlns:o="urn:schemas-microsoft-com:office:office" xmlns:v="urn:schemas-microsoft-com:vml" xmlns:pvml="urn:schemas-microsoft-com:office:powerpoint" xmlns:com="http://schemas.openxmlformats.org/drawingml/2006/compatibility" xmlns:p14="http://schemas.microsoft.com/office/powerpoint/2010/main" xmlns:p15="http://schemas.microsoft.com/office/powerpoint/2012/main" xmlns:ahyp="http://schemas.microsoft.com/office/drawing/2018/hyperlinkcolor" showMasterPhAnim="0" showMasterSp="0">
+<p:notes xmlns:a="http://schemas.openxmlformats.org/drawingml/2006/main" xmlns:r="http://schemas.openxmlformats.org/officeDocument/2006/relationships" xmlns:p="http://schemas.openxmlformats.org/presentationml/2006/main" showMasterSp="0" showMasterPhAnim="0">
   <p:cSld>
     <p:spTree>
       <p:nvGrpSpPr>
-        <p:cNvPr id="132" name="Shape 132"/>
+        <p:cNvPr id="1" name="Shape 132"/>
         <p:cNvGrpSpPr/>
         <p:nvPr/>
       </p:nvGrpSpPr>
@@ -1529,9 +1577,11 @@
       <p:sp>
         <p:nvSpPr>
           <p:cNvPr id="133" name="Google Shape;133;g1f1aeeda2d7_0_1387:notes"/>
-          <p:cNvSpPr/>
+          <p:cNvSpPr>
+            <a:spLocks noGrp="1" noRot="1" noChangeAspect="1"/>
+          </p:cNvSpPr>
           <p:nvPr>
-            <p:ph idx="2" type="sldImg"/>
+            <p:ph type="sldImg" idx="2"/>
           </p:nvPr>
         </p:nvSpPr>
         <p:spPr>
@@ -1540,9 +1590,13 @@
             <a:ext cx="6096000" cy="3429000"/>
           </a:xfrm>
           <a:custGeom>
-            <a:rect b="b" l="l" r="r" t="t"/>
+            <a:avLst/>
+            <a:gdLst/>
+            <a:ahLst/>
+            <a:cxnLst/>
+            <a:rect l="l" t="t" r="r" b="b"/>
             <a:pathLst>
-              <a:path extrusionOk="0" h="120000" w="120000">
+              <a:path w="120000" h="120000" extrusionOk="0">
                 <a:moveTo>
                   <a:pt x="0" y="0"/>
                 </a:moveTo>
@@ -1564,9 +1618,11 @@
       <p:sp>
         <p:nvSpPr>
           <p:cNvPr id="134" name="Google Shape;134;g1f1aeeda2d7_0_1387:notes"/>
-          <p:cNvSpPr txBox="1"/>
+          <p:cNvSpPr txBox="1">
+            <a:spLocks noGrp="1"/>
+          </p:cNvSpPr>
           <p:nvPr>
-            <p:ph idx="1" type="body"/>
+            <p:ph type="body" idx="1"/>
           </p:nvPr>
         </p:nvSpPr>
         <p:spPr>
@@ -1579,12 +1635,12 @@
           </a:prstGeom>
         </p:spPr>
         <p:txBody>
-          <a:bodyPr anchorCtr="0" anchor="t" bIns="91425" lIns="91425" spcFirstLastPara="1" rIns="91425" wrap="square" tIns="91425">
+          <a:bodyPr spcFirstLastPara="1" wrap="square" lIns="91425" tIns="91425" rIns="91425" bIns="91425" anchor="t" anchorCtr="0">
             <a:noAutofit/>
           </a:bodyPr>
           <a:lstStyle/>
           <a:p>
-            <a:pPr indent="0" lvl="0" marL="0" rtl="0" algn="l">
+            <a:pPr marL="0" lvl="0" indent="0" algn="l" rtl="0">
               <a:spcBef>
                 <a:spcPts val="0"/>
               </a:spcBef>
@@ -1593,9 +1649,6 @@
               </a:spcAft>
               <a:buNone/>
             </a:pPr>
-            <a:r>
-              <a:t/>
-            </a:r>
             <a:endParaRPr/>
           </a:p>
         </p:txBody>
@@ -1609,11 +1662,11 @@
 </file>
 
 <file path=ppt/notesSlides/notesSlide3.xml><?xml version="1.0" encoding="utf-8"?>
-<p:notes xmlns:a="http://schemas.openxmlformats.org/drawingml/2006/main" xmlns:r="http://schemas.openxmlformats.org/officeDocument/2006/relationships" xmlns:mc="http://schemas.openxmlformats.org/markup-compatibility/2006" xmlns:mv="urn:schemas-microsoft-com:mac:vml" xmlns:p="http://schemas.openxmlformats.org/presentationml/2006/main" xmlns:c="http://schemas.openxmlformats.org/drawingml/2006/chart" xmlns:dgm="http://schemas.openxmlformats.org/drawingml/2006/diagram" xmlns:o="urn:schemas-microsoft-com:office:office" xmlns:v="urn:schemas-microsoft-com:vml" xmlns:pvml="urn:schemas-microsoft-com:office:powerpoint" xmlns:com="http://schemas.openxmlformats.org/drawingml/2006/compatibility" xmlns:p14="http://schemas.microsoft.com/office/powerpoint/2010/main" xmlns:p15="http://schemas.microsoft.com/office/powerpoint/2012/main" xmlns:ahyp="http://schemas.microsoft.com/office/drawing/2018/hyperlinkcolor" showMasterPhAnim="0" showMasterSp="0">
+<p:notes xmlns:a="http://schemas.openxmlformats.org/drawingml/2006/main" xmlns:r="http://schemas.openxmlformats.org/officeDocument/2006/relationships" xmlns:p="http://schemas.openxmlformats.org/presentationml/2006/main" showMasterSp="0" showMasterPhAnim="0">
   <p:cSld>
     <p:spTree>
       <p:nvGrpSpPr>
-        <p:cNvPr id="138" name="Shape 138"/>
+        <p:cNvPr id="1" name="Shape 138"/>
         <p:cNvGrpSpPr/>
         <p:nvPr/>
       </p:nvGrpSpPr>
@@ -1628,20 +1681,26 @@
       <p:sp>
         <p:nvSpPr>
           <p:cNvPr id="139" name="Google Shape;139;g2b850047dc0_0_55:notes"/>
-          <p:cNvSpPr/>
+          <p:cNvSpPr>
+            <a:spLocks noGrp="1" noRot="1" noChangeAspect="1"/>
+          </p:cNvSpPr>
           <p:nvPr>
-            <p:ph idx="2" type="sldImg"/>
+            <p:ph type="sldImg" idx="2"/>
           </p:nvPr>
         </p:nvSpPr>
         <p:spPr>
           <a:xfrm>
-            <a:off x="381300" y="685800"/>
+            <a:off x="381000" y="685800"/>
             <a:ext cx="6096000" cy="3429000"/>
           </a:xfrm>
           <a:custGeom>
-            <a:rect b="b" l="l" r="r" t="t"/>
+            <a:avLst/>
+            <a:gdLst/>
+            <a:ahLst/>
+            <a:cxnLst/>
+            <a:rect l="l" t="t" r="r" b="b"/>
             <a:pathLst>
-              <a:path extrusionOk="0" h="120000" w="120000">
+              <a:path w="120000" h="120000" extrusionOk="0">
                 <a:moveTo>
                   <a:pt x="0" y="0"/>
                 </a:moveTo>
@@ -1663,9 +1722,11 @@
       <p:sp>
         <p:nvSpPr>
           <p:cNvPr id="140" name="Google Shape;140;g2b850047dc0_0_55:notes"/>
-          <p:cNvSpPr txBox="1"/>
+          <p:cNvSpPr txBox="1">
+            <a:spLocks noGrp="1"/>
+          </p:cNvSpPr>
           <p:nvPr>
-            <p:ph idx="1" type="body"/>
+            <p:ph type="body" idx="1"/>
           </p:nvPr>
         </p:nvSpPr>
         <p:spPr>
@@ -1678,12 +1739,12 @@
           </a:prstGeom>
         </p:spPr>
         <p:txBody>
-          <a:bodyPr anchorCtr="0" anchor="t" bIns="91425" lIns="91425" spcFirstLastPara="1" rIns="91425" wrap="square" tIns="91425">
+          <a:bodyPr spcFirstLastPara="1" wrap="square" lIns="91425" tIns="91425" rIns="91425" bIns="91425" anchor="t" anchorCtr="0">
             <a:noAutofit/>
           </a:bodyPr>
           <a:lstStyle/>
           <a:p>
-            <a:pPr indent="0" lvl="0" marL="0" rtl="0" algn="l">
+            <a:pPr marL="0" lvl="0" indent="0" algn="l" rtl="0">
               <a:spcBef>
                 <a:spcPts val="0"/>
               </a:spcBef>
@@ -1704,7 +1765,7 @@
             <a:endParaRPr/>
           </a:p>
           <a:p>
-            <a:pPr indent="0" lvl="0" marL="0" rtl="0" algn="l">
+            <a:pPr marL="0" lvl="0" indent="0" algn="l" rtl="0">
               <a:spcBef>
                 <a:spcPts val="0"/>
               </a:spcBef>
@@ -1718,13 +1779,10 @@
               <a:buFont typeface="Arial"/>
               <a:buNone/>
             </a:pPr>
-            <a:r>
-              <a:t/>
-            </a:r>
             <a:endParaRPr/>
           </a:p>
           <a:p>
-            <a:pPr indent="0" lvl="0" marL="0" rtl="0" algn="l">
+            <a:pPr marL="0" lvl="0" indent="0" algn="l" rtl="0">
               <a:spcBef>
                 <a:spcPts val="0"/>
               </a:spcBef>
@@ -1745,7 +1803,7 @@
             <a:endParaRPr/>
           </a:p>
           <a:p>
-            <a:pPr indent="0" lvl="0" marL="0" rtl="0" algn="l">
+            <a:pPr marL="0" lvl="0" indent="0" algn="l" rtl="0">
               <a:spcBef>
                 <a:spcPts val="0"/>
               </a:spcBef>
@@ -1766,7 +1824,7 @@
             <a:endParaRPr/>
           </a:p>
           <a:p>
-            <a:pPr indent="0" lvl="0" marL="0" rtl="0" algn="l">
+            <a:pPr marL="0" lvl="0" indent="0" algn="l" rtl="0">
               <a:spcBef>
                 <a:spcPts val="0"/>
               </a:spcBef>
@@ -1787,7 +1845,7 @@
             <a:endParaRPr/>
           </a:p>
           <a:p>
-            <a:pPr indent="0" lvl="0" marL="0" rtl="0" algn="l">
+            <a:pPr marL="0" lvl="0" indent="0" algn="l" rtl="0">
               <a:spcBef>
                 <a:spcPts val="0"/>
               </a:spcBef>
@@ -1808,7 +1866,7 @@
             <a:endParaRPr/>
           </a:p>
           <a:p>
-            <a:pPr indent="0" lvl="0" marL="0" rtl="0" algn="l">
+            <a:pPr marL="0" lvl="0" indent="0" algn="l" rtl="0">
               <a:spcBef>
                 <a:spcPts val="0"/>
               </a:spcBef>
@@ -1822,13 +1880,10 @@
               <a:buFont typeface="Arial"/>
               <a:buNone/>
             </a:pPr>
-            <a:r>
-              <a:t/>
-            </a:r>
             <a:endParaRPr/>
           </a:p>
           <a:p>
-            <a:pPr indent="0" lvl="0" marL="0" rtl="0" algn="l">
+            <a:pPr marL="0" lvl="0" indent="0" algn="l" rtl="0">
               <a:spcBef>
                 <a:spcPts val="0"/>
               </a:spcBef>
@@ -1849,7 +1904,7 @@
             <a:endParaRPr/>
           </a:p>
           <a:p>
-            <a:pPr indent="0" lvl="0" marL="0" rtl="0" algn="l">
+            <a:pPr marL="0" lvl="0" indent="0" algn="l" rtl="0">
               <a:spcBef>
                 <a:spcPts val="0"/>
               </a:spcBef>
@@ -1870,7 +1925,7 @@
             <a:endParaRPr/>
           </a:p>
           <a:p>
-            <a:pPr indent="0" lvl="0" marL="0" rtl="0" algn="l">
+            <a:pPr marL="0" lvl="0" indent="0" algn="l" rtl="0">
               <a:spcBef>
                 <a:spcPts val="0"/>
               </a:spcBef>
@@ -1884,13 +1939,10 @@
               <a:buFont typeface="Arial"/>
               <a:buNone/>
             </a:pPr>
-            <a:r>
-              <a:t/>
-            </a:r>
             <a:endParaRPr/>
           </a:p>
           <a:p>
-            <a:pPr indent="0" lvl="0" marL="0" rtl="0" algn="l">
+            <a:pPr marL="0" lvl="0" indent="0" algn="l" rtl="0">
               <a:spcBef>
                 <a:spcPts val="0"/>
               </a:spcBef>
@@ -1911,7 +1963,7 @@
             <a:endParaRPr/>
           </a:p>
           <a:p>
-            <a:pPr indent="0" lvl="0" marL="0" rtl="0" algn="l">
+            <a:pPr marL="0" lvl="0" indent="0" algn="l" rtl="0">
               <a:spcBef>
                 <a:spcPts val="0"/>
               </a:spcBef>
@@ -1932,7 +1984,7 @@
             <a:endParaRPr/>
           </a:p>
           <a:p>
-            <a:pPr indent="0" lvl="0" marL="0" rtl="0" algn="l">
+            <a:pPr marL="0" lvl="0" indent="0" algn="l" rtl="0">
               <a:spcBef>
                 <a:spcPts val="0"/>
               </a:spcBef>
@@ -1953,7 +2005,7 @@
             <a:endParaRPr/>
           </a:p>
           <a:p>
-            <a:pPr indent="0" lvl="0" marL="0" rtl="0" algn="l">
+            <a:pPr marL="0" lvl="0" indent="0" algn="l" rtl="0">
               <a:spcBef>
                 <a:spcPts val="0"/>
               </a:spcBef>
@@ -1967,13 +2019,10 @@
               <a:buFont typeface="Arial"/>
               <a:buNone/>
             </a:pPr>
-            <a:r>
-              <a:t/>
-            </a:r>
             <a:endParaRPr/>
           </a:p>
           <a:p>
-            <a:pPr indent="0" lvl="0" marL="0" rtl="0" algn="l">
+            <a:pPr marL="0" lvl="0" indent="0" algn="l" rtl="0">
               <a:spcBef>
                 <a:spcPts val="0"/>
               </a:spcBef>
@@ -1994,7 +2043,7 @@
             <a:endParaRPr/>
           </a:p>
           <a:p>
-            <a:pPr indent="0" lvl="0" marL="0" rtl="0" algn="l">
+            <a:pPr marL="0" lvl="0" indent="0" algn="l" rtl="0">
               <a:spcBef>
                 <a:spcPts val="0"/>
               </a:spcBef>
@@ -2015,7 +2064,7 @@
             <a:endParaRPr/>
           </a:p>
           <a:p>
-            <a:pPr indent="0" lvl="0" marL="0" rtl="0" algn="l">
+            <a:pPr marL="0" lvl="0" indent="0" algn="l" rtl="0">
               <a:spcBef>
                 <a:spcPts val="0"/>
               </a:spcBef>
@@ -2036,7 +2085,7 @@
             <a:endParaRPr/>
           </a:p>
           <a:p>
-            <a:pPr indent="0" lvl="0" marL="0" rtl="0" algn="l">
+            <a:pPr marL="0" lvl="0" indent="0" algn="l" rtl="0">
               <a:spcBef>
                 <a:spcPts val="0"/>
               </a:spcBef>
@@ -2057,7 +2106,7 @@
             <a:endParaRPr/>
           </a:p>
           <a:p>
-            <a:pPr indent="0" lvl="0" marL="0" rtl="0" algn="l">
+            <a:pPr marL="0" lvl="0" indent="0" algn="l" rtl="0">
               <a:spcBef>
                 <a:spcPts val="0"/>
               </a:spcBef>
@@ -2071,13 +2120,10 @@
               <a:buFont typeface="Arial"/>
               <a:buNone/>
             </a:pPr>
-            <a:r>
-              <a:t/>
-            </a:r>
             <a:endParaRPr/>
           </a:p>
           <a:p>
-            <a:pPr indent="0" lvl="0" marL="0" rtl="0" algn="l">
+            <a:pPr marL="0" lvl="0" indent="0" algn="l" rtl="0">
               <a:spcBef>
                 <a:spcPts val="0"/>
               </a:spcBef>
@@ -2098,7 +2144,7 @@
             <a:endParaRPr/>
           </a:p>
           <a:p>
-            <a:pPr indent="0" lvl="0" marL="0" rtl="0" algn="l">
+            <a:pPr marL="0" lvl="0" indent="0" algn="l" rtl="0">
               <a:spcBef>
                 <a:spcPts val="0"/>
               </a:spcBef>
@@ -2119,7 +2165,7 @@
             <a:endParaRPr/>
           </a:p>
           <a:p>
-            <a:pPr indent="0" lvl="0" marL="0" rtl="0" algn="l">
+            <a:pPr marL="0" lvl="0" indent="0" algn="l" rtl="0">
               <a:spcBef>
                 <a:spcPts val="0"/>
               </a:spcBef>
@@ -2140,7 +2186,7 @@
             <a:endParaRPr/>
           </a:p>
           <a:p>
-            <a:pPr indent="0" lvl="0" marL="0" rtl="0" algn="l">
+            <a:pPr marL="0" lvl="0" indent="0" algn="l" rtl="0">
               <a:spcBef>
                 <a:spcPts val="0"/>
               </a:spcBef>
@@ -2161,7 +2207,7 @@
             <a:endParaRPr/>
           </a:p>
           <a:p>
-            <a:pPr indent="0" lvl="0" marL="0" rtl="0" algn="l">
+            <a:pPr marL="0" lvl="0" indent="0" algn="l" rtl="0">
               <a:spcBef>
                 <a:spcPts val="0"/>
               </a:spcBef>
@@ -2175,13 +2221,10 @@
               <a:buFont typeface="Arial"/>
               <a:buNone/>
             </a:pPr>
-            <a:r>
-              <a:t/>
-            </a:r>
             <a:endParaRPr/>
           </a:p>
           <a:p>
-            <a:pPr indent="0" lvl="0" marL="0" rtl="0" algn="l">
+            <a:pPr marL="0" lvl="0" indent="0" algn="l" rtl="0">
               <a:spcBef>
                 <a:spcPts val="0"/>
               </a:spcBef>
@@ -2202,7 +2245,7 @@
             <a:endParaRPr/>
           </a:p>
           <a:p>
-            <a:pPr indent="0" lvl="0" marL="0" rtl="0" algn="l">
+            <a:pPr marL="0" lvl="0" indent="0" algn="l" rtl="0">
               <a:spcBef>
                 <a:spcPts val="0"/>
               </a:spcBef>
@@ -2223,7 +2266,7 @@
             <a:endParaRPr/>
           </a:p>
           <a:p>
-            <a:pPr indent="0" lvl="0" marL="0" rtl="0" algn="l">
+            <a:pPr marL="0" lvl="0" indent="0" algn="l" rtl="0">
               <a:spcBef>
                 <a:spcPts val="0"/>
               </a:spcBef>
@@ -2237,13 +2280,10 @@
               <a:buFont typeface="Arial"/>
               <a:buNone/>
             </a:pPr>
-            <a:r>
-              <a:t/>
-            </a:r>
             <a:endParaRPr/>
           </a:p>
           <a:p>
-            <a:pPr indent="0" lvl="0" marL="0" rtl="0" algn="l">
+            <a:pPr marL="0" lvl="0" indent="0" algn="l" rtl="0">
               <a:spcBef>
                 <a:spcPts val="0"/>
               </a:spcBef>
@@ -2264,7 +2304,7 @@
             <a:endParaRPr/>
           </a:p>
           <a:p>
-            <a:pPr indent="0" lvl="0" marL="0" rtl="0" algn="l">
+            <a:pPr marL="0" lvl="0" indent="0" algn="l" rtl="0">
               <a:spcBef>
                 <a:spcPts val="0"/>
               </a:spcBef>
@@ -2285,7 +2325,7 @@
             <a:endParaRPr/>
           </a:p>
           <a:p>
-            <a:pPr indent="0" lvl="0" marL="0" rtl="0" algn="l">
+            <a:pPr marL="0" lvl="0" indent="0" algn="l" rtl="0">
               <a:spcBef>
                 <a:spcPts val="0"/>
               </a:spcBef>
@@ -2299,13 +2339,10 @@
               <a:buFont typeface="Arial"/>
               <a:buNone/>
             </a:pPr>
-            <a:r>
-              <a:t/>
-            </a:r>
             <a:endParaRPr/>
           </a:p>
           <a:p>
-            <a:pPr indent="0" lvl="0" marL="0" rtl="0" algn="l">
+            <a:pPr marL="0" lvl="0" indent="0" algn="l" rtl="0">
               <a:spcBef>
                 <a:spcPts val="0"/>
               </a:spcBef>
@@ -2326,7 +2363,7 @@
             <a:endParaRPr/>
           </a:p>
           <a:p>
-            <a:pPr indent="0" lvl="0" marL="0" rtl="0" algn="l">
+            <a:pPr marL="0" lvl="0" indent="0" algn="l" rtl="0">
               <a:spcBef>
                 <a:spcPts val="0"/>
               </a:spcBef>
@@ -2347,7 +2384,7 @@
             <a:endParaRPr/>
           </a:p>
           <a:p>
-            <a:pPr indent="0" lvl="0" marL="0" rtl="0" algn="l">
+            <a:pPr marL="0" lvl="0" indent="0" algn="l" rtl="0">
               <a:spcBef>
                 <a:spcPts val="0"/>
               </a:spcBef>
@@ -2356,9 +2393,6 @@
               </a:spcAft>
               <a:buNone/>
             </a:pPr>
-            <a:r>
-              <a:t/>
-            </a:r>
             <a:endParaRPr/>
           </a:p>
         </p:txBody>
@@ -2372,11 +2406,11 @@
 </file>
 
 <file path=ppt/notesSlides/notesSlide4.xml><?xml version="1.0" encoding="utf-8"?>
-<p:notes xmlns:a="http://schemas.openxmlformats.org/drawingml/2006/main" xmlns:r="http://schemas.openxmlformats.org/officeDocument/2006/relationships" xmlns:mc="http://schemas.openxmlformats.org/markup-compatibility/2006" xmlns:mv="urn:schemas-microsoft-com:mac:vml" xmlns:p="http://schemas.openxmlformats.org/presentationml/2006/main" xmlns:c="http://schemas.openxmlformats.org/drawingml/2006/chart" xmlns:dgm="http://schemas.openxmlformats.org/drawingml/2006/diagram" xmlns:o="urn:schemas-microsoft-com:office:office" xmlns:v="urn:schemas-microsoft-com:vml" xmlns:pvml="urn:schemas-microsoft-com:office:powerpoint" xmlns:com="http://schemas.openxmlformats.org/drawingml/2006/compatibility" xmlns:p14="http://schemas.microsoft.com/office/powerpoint/2010/main" xmlns:p15="http://schemas.microsoft.com/office/powerpoint/2012/main" xmlns:ahyp="http://schemas.microsoft.com/office/drawing/2018/hyperlinkcolor" showMasterPhAnim="0" showMasterSp="0">
+<p:notes xmlns:a="http://schemas.openxmlformats.org/drawingml/2006/main" xmlns:r="http://schemas.openxmlformats.org/officeDocument/2006/relationships" xmlns:p="http://schemas.openxmlformats.org/presentationml/2006/main" showMasterSp="0" showMasterPhAnim="0">
   <p:cSld>
     <p:spTree>
       <p:nvGrpSpPr>
-        <p:cNvPr id="144" name="Shape 144"/>
+        <p:cNvPr id="1" name="Shape 144"/>
         <p:cNvGrpSpPr/>
         <p:nvPr/>
       </p:nvGrpSpPr>
@@ -2391,9 +2425,11 @@
       <p:sp>
         <p:nvSpPr>
           <p:cNvPr id="145" name="Google Shape;145;g2b819d9e922_0_0:notes"/>
-          <p:cNvSpPr/>
+          <p:cNvSpPr>
+            <a:spLocks noGrp="1" noRot="1" noChangeAspect="1"/>
+          </p:cNvSpPr>
           <p:nvPr>
-            <p:ph idx="2" type="sldImg"/>
+            <p:ph type="sldImg" idx="2"/>
           </p:nvPr>
         </p:nvSpPr>
         <p:spPr>
@@ -2402,9 +2438,13 @@
             <a:ext cx="6096000" cy="3429000"/>
           </a:xfrm>
           <a:custGeom>
-            <a:rect b="b" l="l" r="r" t="t"/>
+            <a:avLst/>
+            <a:gdLst/>
+            <a:ahLst/>
+            <a:cxnLst/>
+            <a:rect l="l" t="t" r="r" b="b"/>
             <a:pathLst>
-              <a:path extrusionOk="0" h="120000" w="120000">
+              <a:path w="120000" h="120000" extrusionOk="0">
                 <a:moveTo>
                   <a:pt x="0" y="0"/>
                 </a:moveTo>
@@ -2426,9 +2466,11 @@
       <p:sp>
         <p:nvSpPr>
           <p:cNvPr id="146" name="Google Shape;146;g2b819d9e922_0_0:notes"/>
-          <p:cNvSpPr txBox="1"/>
+          <p:cNvSpPr txBox="1">
+            <a:spLocks noGrp="1"/>
+          </p:cNvSpPr>
           <p:nvPr>
-            <p:ph idx="1" type="body"/>
+            <p:ph type="body" idx="1"/>
           </p:nvPr>
         </p:nvSpPr>
         <p:spPr>
@@ -2441,12 +2483,12 @@
           </a:prstGeom>
         </p:spPr>
         <p:txBody>
-          <a:bodyPr anchorCtr="0" anchor="t" bIns="91425" lIns="91425" spcFirstLastPara="1" rIns="91425" wrap="square" tIns="91425">
+          <a:bodyPr spcFirstLastPara="1" wrap="square" lIns="91425" tIns="91425" rIns="91425" bIns="91425" anchor="t" anchorCtr="0">
             <a:noAutofit/>
           </a:bodyPr>
           <a:lstStyle/>
           <a:p>
-            <a:pPr indent="0" lvl="0" marL="0" rtl="0" algn="l">
+            <a:pPr marL="0" lvl="0" indent="0" algn="l" rtl="0">
               <a:spcBef>
                 <a:spcPts val="0"/>
               </a:spcBef>
@@ -2455,9 +2497,6 @@
               </a:spcAft>
               <a:buNone/>
             </a:pPr>
-            <a:r>
-              <a:t/>
-            </a:r>
             <a:endParaRPr/>
           </a:p>
         </p:txBody>
@@ -2471,11 +2510,11 @@
 </file>
 
 <file path=ppt/notesSlides/notesSlide5.xml><?xml version="1.0" encoding="utf-8"?>
-<p:notes xmlns:a="http://schemas.openxmlformats.org/drawingml/2006/main" xmlns:r="http://schemas.openxmlformats.org/officeDocument/2006/relationships" xmlns:mc="http://schemas.openxmlformats.org/markup-compatibility/2006" xmlns:mv="urn:schemas-microsoft-com:mac:vml" xmlns:p="http://schemas.openxmlformats.org/presentationml/2006/main" xmlns:c="http://schemas.openxmlformats.org/drawingml/2006/chart" xmlns:dgm="http://schemas.openxmlformats.org/drawingml/2006/diagram" xmlns:o="urn:schemas-microsoft-com:office:office" xmlns:v="urn:schemas-microsoft-com:vml" xmlns:pvml="urn:schemas-microsoft-com:office:powerpoint" xmlns:com="http://schemas.openxmlformats.org/drawingml/2006/compatibility" xmlns:p14="http://schemas.microsoft.com/office/powerpoint/2010/main" xmlns:p15="http://schemas.microsoft.com/office/powerpoint/2012/main" xmlns:ahyp="http://schemas.microsoft.com/office/drawing/2018/hyperlinkcolor" showMasterPhAnim="0" showMasterSp="0">
+<p:notes xmlns:a="http://schemas.openxmlformats.org/drawingml/2006/main" xmlns:r="http://schemas.openxmlformats.org/officeDocument/2006/relationships" xmlns:p="http://schemas.openxmlformats.org/presentationml/2006/main" showMasterSp="0" showMasterPhAnim="0">
   <p:cSld>
     <p:spTree>
       <p:nvGrpSpPr>
-        <p:cNvPr id="151" name="Shape 151"/>
+        <p:cNvPr id="1" name="Shape 151"/>
         <p:cNvGrpSpPr/>
         <p:nvPr/>
       </p:nvGrpSpPr>
@@ -2490,9 +2529,11 @@
       <p:sp>
         <p:nvSpPr>
           <p:cNvPr id="152" name="Google Shape;152;g2b81ba7f749_0_1:notes"/>
-          <p:cNvSpPr/>
+          <p:cNvSpPr>
+            <a:spLocks noGrp="1" noRot="1" noChangeAspect="1"/>
+          </p:cNvSpPr>
           <p:nvPr>
-            <p:ph idx="2" type="sldImg"/>
+            <p:ph type="sldImg" idx="2"/>
           </p:nvPr>
         </p:nvSpPr>
         <p:spPr>
@@ -2501,9 +2542,13 @@
             <a:ext cx="6096000" cy="3429000"/>
           </a:xfrm>
           <a:custGeom>
-            <a:rect b="b" l="l" r="r" t="t"/>
+            <a:avLst/>
+            <a:gdLst/>
+            <a:ahLst/>
+            <a:cxnLst/>
+            <a:rect l="l" t="t" r="r" b="b"/>
             <a:pathLst>
-              <a:path extrusionOk="0" h="120000" w="120000">
+              <a:path w="120000" h="120000" extrusionOk="0">
                 <a:moveTo>
                   <a:pt x="0" y="0"/>
                 </a:moveTo>
@@ -2525,9 +2570,11 @@
       <p:sp>
         <p:nvSpPr>
           <p:cNvPr id="153" name="Google Shape;153;g2b81ba7f749_0_1:notes"/>
-          <p:cNvSpPr txBox="1"/>
+          <p:cNvSpPr txBox="1">
+            <a:spLocks noGrp="1"/>
+          </p:cNvSpPr>
           <p:nvPr>
-            <p:ph idx="1" type="body"/>
+            <p:ph type="body" idx="1"/>
           </p:nvPr>
         </p:nvSpPr>
         <p:spPr>
@@ -2540,12 +2587,12 @@
           </a:prstGeom>
         </p:spPr>
         <p:txBody>
-          <a:bodyPr anchorCtr="0" anchor="t" bIns="91425" lIns="91425" spcFirstLastPara="1" rIns="91425" wrap="square" tIns="91425">
+          <a:bodyPr spcFirstLastPara="1" wrap="square" lIns="91425" tIns="91425" rIns="91425" bIns="91425" anchor="t" anchorCtr="0">
             <a:noAutofit/>
           </a:bodyPr>
           <a:lstStyle/>
           <a:p>
-            <a:pPr indent="0" lvl="0" marL="0" rtl="0" algn="l">
+            <a:pPr marL="0" lvl="0" indent="0" algn="l" rtl="0">
               <a:spcBef>
                 <a:spcPts val="0"/>
               </a:spcBef>
@@ -2561,7 +2608,7 @@
             <a:endParaRPr/>
           </a:p>
           <a:p>
-            <a:pPr indent="0" lvl="0" marL="0" rtl="0" algn="l">
+            <a:pPr marL="0" lvl="0" indent="0" algn="l" rtl="0">
               <a:spcBef>
                 <a:spcPts val="0"/>
               </a:spcBef>
@@ -2587,11 +2634,11 @@
 </file>
 
 <file path=ppt/notesSlides/notesSlide6.xml><?xml version="1.0" encoding="utf-8"?>
-<p:notes xmlns:a="http://schemas.openxmlformats.org/drawingml/2006/main" xmlns:r="http://schemas.openxmlformats.org/officeDocument/2006/relationships" xmlns:mc="http://schemas.openxmlformats.org/markup-compatibility/2006" xmlns:mv="urn:schemas-microsoft-com:mac:vml" xmlns:p="http://schemas.openxmlformats.org/presentationml/2006/main" xmlns:c="http://schemas.openxmlformats.org/drawingml/2006/chart" xmlns:dgm="http://schemas.openxmlformats.org/drawingml/2006/diagram" xmlns:o="urn:schemas-microsoft-com:office:office" xmlns:v="urn:schemas-microsoft-com:vml" xmlns:pvml="urn:schemas-microsoft-com:office:powerpoint" xmlns:com="http://schemas.openxmlformats.org/drawingml/2006/compatibility" xmlns:p14="http://schemas.microsoft.com/office/powerpoint/2010/main" xmlns:p15="http://schemas.microsoft.com/office/powerpoint/2012/main" xmlns:ahyp="http://schemas.microsoft.com/office/drawing/2018/hyperlinkcolor" showMasterPhAnim="0" showMasterSp="0">
+<p:notes xmlns:a="http://schemas.openxmlformats.org/drawingml/2006/main" xmlns:r="http://schemas.openxmlformats.org/officeDocument/2006/relationships" xmlns:p="http://schemas.openxmlformats.org/presentationml/2006/main" showMasterSp="0" showMasterPhAnim="0">
   <p:cSld>
     <p:spTree>
       <p:nvGrpSpPr>
-        <p:cNvPr id="158" name="Shape 158"/>
+        <p:cNvPr id="1" name="Shape 158"/>
         <p:cNvGrpSpPr/>
         <p:nvPr/>
       </p:nvGrpSpPr>
@@ -2606,9 +2653,11 @@
       <p:sp>
         <p:nvSpPr>
           <p:cNvPr id="159" name="Google Shape;159;g2b850047dc0_0_23:notes"/>
-          <p:cNvSpPr/>
+          <p:cNvSpPr>
+            <a:spLocks noGrp="1" noRot="1" noChangeAspect="1"/>
+          </p:cNvSpPr>
           <p:nvPr>
-            <p:ph idx="2" type="sldImg"/>
+            <p:ph type="sldImg" idx="2"/>
           </p:nvPr>
         </p:nvSpPr>
         <p:spPr>
@@ -2617,9 +2666,13 @@
             <a:ext cx="6096000" cy="3429000"/>
           </a:xfrm>
           <a:custGeom>
-            <a:rect b="b" l="l" r="r" t="t"/>
+            <a:avLst/>
+            <a:gdLst/>
+            <a:ahLst/>
+            <a:cxnLst/>
+            <a:rect l="l" t="t" r="r" b="b"/>
             <a:pathLst>
-              <a:path extrusionOk="0" h="120000" w="120000">
+              <a:path w="120000" h="120000" extrusionOk="0">
                 <a:moveTo>
                   <a:pt x="0" y="0"/>
                 </a:moveTo>
@@ -2641,9 +2694,11 @@
       <p:sp>
         <p:nvSpPr>
           <p:cNvPr id="160" name="Google Shape;160;g2b850047dc0_0_23:notes"/>
-          <p:cNvSpPr txBox="1"/>
+          <p:cNvSpPr txBox="1">
+            <a:spLocks noGrp="1"/>
+          </p:cNvSpPr>
           <p:nvPr>
-            <p:ph idx="1" type="body"/>
+            <p:ph type="body" idx="1"/>
           </p:nvPr>
         </p:nvSpPr>
         <p:spPr>
@@ -2656,12 +2711,12 @@
           </a:prstGeom>
         </p:spPr>
         <p:txBody>
-          <a:bodyPr anchorCtr="0" anchor="t" bIns="91425" lIns="91425" spcFirstLastPara="1" rIns="91425" wrap="square" tIns="91425">
+          <a:bodyPr spcFirstLastPara="1" wrap="square" lIns="91425" tIns="91425" rIns="91425" bIns="91425" anchor="t" anchorCtr="0">
             <a:noAutofit/>
           </a:bodyPr>
           <a:lstStyle/>
           <a:p>
-            <a:pPr indent="0" lvl="0" marL="0" rtl="0" algn="l">
+            <a:pPr marL="0" lvl="0" indent="0" algn="l" rtl="0">
               <a:spcBef>
                 <a:spcPts val="0"/>
               </a:spcBef>
@@ -2670,9 +2725,6 @@
               </a:spcAft>
               <a:buNone/>
             </a:pPr>
-            <a:r>
-              <a:t/>
-            </a:r>
             <a:endParaRPr/>
           </a:p>
         </p:txBody>
@@ -2686,11 +2738,11 @@
 </file>
 
 <file path=ppt/notesSlides/notesSlide7.xml><?xml version="1.0" encoding="utf-8"?>
-<p:notes xmlns:a="http://schemas.openxmlformats.org/drawingml/2006/main" xmlns:r="http://schemas.openxmlformats.org/officeDocument/2006/relationships" xmlns:mc="http://schemas.openxmlformats.org/markup-compatibility/2006" xmlns:mv="urn:schemas-microsoft-com:mac:vml" xmlns:p="http://schemas.openxmlformats.org/presentationml/2006/main" xmlns:c="http://schemas.openxmlformats.org/drawingml/2006/chart" xmlns:dgm="http://schemas.openxmlformats.org/drawingml/2006/diagram" xmlns:o="urn:schemas-microsoft-com:office:office" xmlns:v="urn:schemas-microsoft-com:vml" xmlns:pvml="urn:schemas-microsoft-com:office:powerpoint" xmlns:com="http://schemas.openxmlformats.org/drawingml/2006/compatibility" xmlns:p14="http://schemas.microsoft.com/office/powerpoint/2010/main" xmlns:p15="http://schemas.microsoft.com/office/powerpoint/2012/main" xmlns:ahyp="http://schemas.microsoft.com/office/drawing/2018/hyperlinkcolor" showMasterPhAnim="0" showMasterSp="0">
+<p:notes xmlns:a="http://schemas.openxmlformats.org/drawingml/2006/main" xmlns:r="http://schemas.openxmlformats.org/officeDocument/2006/relationships" xmlns:p="http://schemas.openxmlformats.org/presentationml/2006/main" showMasterSp="0" showMasterPhAnim="0">
   <p:cSld>
     <p:spTree>
       <p:nvGrpSpPr>
-        <p:cNvPr id="164" name="Shape 164"/>
+        <p:cNvPr id="1" name="Shape 164"/>
         <p:cNvGrpSpPr/>
         <p:nvPr/>
       </p:nvGrpSpPr>
@@ -2705,9 +2757,11 @@
       <p:sp>
         <p:nvSpPr>
           <p:cNvPr id="165" name="Google Shape;165;g2b850047dc0_0_3:notes"/>
-          <p:cNvSpPr/>
+          <p:cNvSpPr>
+            <a:spLocks noGrp="1" noRot="1" noChangeAspect="1"/>
+          </p:cNvSpPr>
           <p:nvPr>
-            <p:ph idx="2" type="sldImg"/>
+            <p:ph type="sldImg" idx="2"/>
           </p:nvPr>
         </p:nvSpPr>
         <p:spPr>
@@ -2716,9 +2770,13 @@
             <a:ext cx="6096000" cy="3429000"/>
           </a:xfrm>
           <a:custGeom>
-            <a:rect b="b" l="l" r="r" t="t"/>
+            <a:avLst/>
+            <a:gdLst/>
+            <a:ahLst/>
+            <a:cxnLst/>
+            <a:rect l="l" t="t" r="r" b="b"/>
             <a:pathLst>
-              <a:path extrusionOk="0" h="120000" w="120000">
+              <a:path w="120000" h="120000" extrusionOk="0">
                 <a:moveTo>
                   <a:pt x="0" y="0"/>
                 </a:moveTo>
@@ -2740,9 +2798,11 @@
       <p:sp>
         <p:nvSpPr>
           <p:cNvPr id="166" name="Google Shape;166;g2b850047dc0_0_3:notes"/>
-          <p:cNvSpPr txBox="1"/>
+          <p:cNvSpPr txBox="1">
+            <a:spLocks noGrp="1"/>
+          </p:cNvSpPr>
           <p:nvPr>
-            <p:ph idx="1" type="body"/>
+            <p:ph type="body" idx="1"/>
           </p:nvPr>
         </p:nvSpPr>
         <p:spPr>
@@ -2755,12 +2815,12 @@
           </a:prstGeom>
         </p:spPr>
         <p:txBody>
-          <a:bodyPr anchorCtr="0" anchor="t" bIns="91425" lIns="91425" spcFirstLastPara="1" rIns="91425" wrap="square" tIns="91425">
+          <a:bodyPr spcFirstLastPara="1" wrap="square" lIns="91425" tIns="91425" rIns="91425" bIns="91425" anchor="t" anchorCtr="0">
             <a:noAutofit/>
           </a:bodyPr>
           <a:lstStyle/>
           <a:p>
-            <a:pPr indent="0" lvl="0" marL="0" rtl="0" algn="l">
+            <a:pPr marL="0" lvl="0" indent="0" algn="l" rtl="0">
               <a:spcBef>
                 <a:spcPts val="0"/>
               </a:spcBef>
@@ -2769,9 +2829,6 @@
               </a:spcAft>
               <a:buNone/>
             </a:pPr>
-            <a:r>
-              <a:t/>
-            </a:r>
             <a:endParaRPr/>
           </a:p>
         </p:txBody>
@@ -2785,11 +2842,11 @@
 </file>
 
 <file path=ppt/notesSlides/notesSlide8.xml><?xml version="1.0" encoding="utf-8"?>
-<p:notes xmlns:a="http://schemas.openxmlformats.org/drawingml/2006/main" xmlns:r="http://schemas.openxmlformats.org/officeDocument/2006/relationships" xmlns:mc="http://schemas.openxmlformats.org/markup-compatibility/2006" xmlns:mv="urn:schemas-microsoft-com:mac:vml" xmlns:p="http://schemas.openxmlformats.org/presentationml/2006/main" xmlns:c="http://schemas.openxmlformats.org/drawingml/2006/chart" xmlns:dgm="http://schemas.openxmlformats.org/drawingml/2006/diagram" xmlns:o="urn:schemas-microsoft-com:office:office" xmlns:v="urn:schemas-microsoft-com:vml" xmlns:pvml="urn:schemas-microsoft-com:office:powerpoint" xmlns:com="http://schemas.openxmlformats.org/drawingml/2006/compatibility" xmlns:p14="http://schemas.microsoft.com/office/powerpoint/2010/main" xmlns:p15="http://schemas.microsoft.com/office/powerpoint/2012/main" xmlns:ahyp="http://schemas.microsoft.com/office/drawing/2018/hyperlinkcolor" showMasterPhAnim="0" showMasterSp="0">
+<p:notes xmlns:a="http://schemas.openxmlformats.org/drawingml/2006/main" xmlns:r="http://schemas.openxmlformats.org/officeDocument/2006/relationships" xmlns:p="http://schemas.openxmlformats.org/presentationml/2006/main" showMasterSp="0" showMasterPhAnim="0">
   <p:cSld>
     <p:spTree>
       <p:nvGrpSpPr>
-        <p:cNvPr id="173" name="Shape 173"/>
+        <p:cNvPr id="1" name="Shape 173"/>
         <p:cNvGrpSpPr/>
         <p:nvPr/>
       </p:nvGrpSpPr>
@@ -2804,9 +2861,11 @@
       <p:sp>
         <p:nvSpPr>
           <p:cNvPr id="174" name="Google Shape;174;g2b850047dc0_0_8:notes"/>
-          <p:cNvSpPr/>
+          <p:cNvSpPr>
+            <a:spLocks noGrp="1" noRot="1" noChangeAspect="1"/>
+          </p:cNvSpPr>
           <p:nvPr>
-            <p:ph idx="2" type="sldImg"/>
+            <p:ph type="sldImg" idx="2"/>
           </p:nvPr>
         </p:nvSpPr>
         <p:spPr>
@@ -2815,9 +2874,13 @@
             <a:ext cx="6096000" cy="3429000"/>
           </a:xfrm>
           <a:custGeom>
-            <a:rect b="b" l="l" r="r" t="t"/>
+            <a:avLst/>
+            <a:gdLst/>
+            <a:ahLst/>
+            <a:cxnLst/>
+            <a:rect l="l" t="t" r="r" b="b"/>
             <a:pathLst>
-              <a:path extrusionOk="0" h="120000" w="120000">
+              <a:path w="120000" h="120000" extrusionOk="0">
                 <a:moveTo>
                   <a:pt x="0" y="0"/>
                 </a:moveTo>
@@ -2839,9 +2902,11 @@
       <p:sp>
         <p:nvSpPr>
           <p:cNvPr id="175" name="Google Shape;175;g2b850047dc0_0_8:notes"/>
-          <p:cNvSpPr txBox="1"/>
+          <p:cNvSpPr txBox="1">
+            <a:spLocks noGrp="1"/>
+          </p:cNvSpPr>
           <p:nvPr>
-            <p:ph idx="1" type="body"/>
+            <p:ph type="body" idx="1"/>
           </p:nvPr>
         </p:nvSpPr>
         <p:spPr>
@@ -2854,12 +2919,12 @@
           </a:prstGeom>
         </p:spPr>
         <p:txBody>
-          <a:bodyPr anchorCtr="0" anchor="t" bIns="91425" lIns="91425" spcFirstLastPara="1" rIns="91425" wrap="square" tIns="91425">
+          <a:bodyPr spcFirstLastPara="1" wrap="square" lIns="91425" tIns="91425" rIns="91425" bIns="91425" anchor="t" anchorCtr="0">
             <a:noAutofit/>
           </a:bodyPr>
           <a:lstStyle/>
           <a:p>
-            <a:pPr indent="0" lvl="0" marL="0" rtl="0" algn="l">
+            <a:pPr marL="0" lvl="0" indent="0" algn="l" rtl="0">
               <a:spcBef>
                 <a:spcPts val="0"/>
               </a:spcBef>
@@ -2868,9 +2933,6 @@
               </a:spcAft>
               <a:buNone/>
             </a:pPr>
-            <a:r>
-              <a:t/>
-            </a:r>
             <a:endParaRPr/>
           </a:p>
         </p:txBody>
@@ -2884,11 +2946,11 @@
 </file>
 
 <file path=ppt/notesSlides/notesSlide9.xml><?xml version="1.0" encoding="utf-8"?>
-<p:notes xmlns:a="http://schemas.openxmlformats.org/drawingml/2006/main" xmlns:r="http://schemas.openxmlformats.org/officeDocument/2006/relationships" xmlns:mc="http://schemas.openxmlformats.org/markup-compatibility/2006" xmlns:mv="urn:schemas-microsoft-com:mac:vml" xmlns:p="http://schemas.openxmlformats.org/presentationml/2006/main" xmlns:c="http://schemas.openxmlformats.org/drawingml/2006/chart" xmlns:dgm="http://schemas.openxmlformats.org/drawingml/2006/diagram" xmlns:o="urn:schemas-microsoft-com:office:office" xmlns:v="urn:schemas-microsoft-com:vml" xmlns:pvml="urn:schemas-microsoft-com:office:powerpoint" xmlns:com="http://schemas.openxmlformats.org/drawingml/2006/compatibility" xmlns:p14="http://schemas.microsoft.com/office/powerpoint/2010/main" xmlns:p15="http://schemas.microsoft.com/office/powerpoint/2012/main" xmlns:ahyp="http://schemas.microsoft.com/office/drawing/2018/hyperlinkcolor" showMasterPhAnim="0" showMasterSp="0">
+<p:notes xmlns:a="http://schemas.openxmlformats.org/drawingml/2006/main" xmlns:r="http://schemas.openxmlformats.org/officeDocument/2006/relationships" xmlns:p="http://schemas.openxmlformats.org/presentationml/2006/main" showMasterSp="0" showMasterPhAnim="0">
   <p:cSld>
     <p:spTree>
       <p:nvGrpSpPr>
-        <p:cNvPr id="180" name="Shape 180"/>
+        <p:cNvPr id="1" name="Shape 180"/>
         <p:cNvGrpSpPr/>
         <p:nvPr/>
       </p:nvGrpSpPr>
@@ -2903,9 +2965,11 @@
       <p:sp>
         <p:nvSpPr>
           <p:cNvPr id="181" name="Google Shape;181;g1f1aeeda2d7_0_0:notes"/>
-          <p:cNvSpPr/>
+          <p:cNvSpPr>
+            <a:spLocks noGrp="1" noRot="1" noChangeAspect="1"/>
+          </p:cNvSpPr>
           <p:nvPr>
-            <p:ph idx="2" type="sldImg"/>
+            <p:ph type="sldImg" idx="2"/>
           </p:nvPr>
         </p:nvSpPr>
         <p:spPr>
@@ -2914,9 +2978,13 @@
             <a:ext cx="6096000" cy="3429000"/>
           </a:xfrm>
           <a:custGeom>
-            <a:rect b="b" l="l" r="r" t="t"/>
+            <a:avLst/>
+            <a:gdLst/>
+            <a:ahLst/>
+            <a:cxnLst/>
+            <a:rect l="l" t="t" r="r" b="b"/>
             <a:pathLst>
-              <a:path extrusionOk="0" h="120000" w="120000">
+              <a:path w="120000" h="120000" extrusionOk="0">
                 <a:moveTo>
                   <a:pt x="0" y="0"/>
                 </a:moveTo>
@@ -2938,9 +3006,11 @@
       <p:sp>
         <p:nvSpPr>
           <p:cNvPr id="182" name="Google Shape;182;g1f1aeeda2d7_0_0:notes"/>
-          <p:cNvSpPr txBox="1"/>
+          <p:cNvSpPr txBox="1">
+            <a:spLocks noGrp="1"/>
+          </p:cNvSpPr>
           <p:nvPr>
-            <p:ph idx="1" type="body"/>
+            <p:ph type="body" idx="1"/>
           </p:nvPr>
         </p:nvSpPr>
         <p:spPr>
@@ -2953,12 +3023,12 @@
           </a:prstGeom>
         </p:spPr>
         <p:txBody>
-          <a:bodyPr anchorCtr="0" anchor="t" bIns="91425" lIns="91425" spcFirstLastPara="1" rIns="91425" wrap="square" tIns="91425">
+          <a:bodyPr spcFirstLastPara="1" wrap="square" lIns="91425" tIns="91425" rIns="91425" bIns="91425" anchor="t" anchorCtr="0">
             <a:noAutofit/>
           </a:bodyPr>
           <a:lstStyle/>
           <a:p>
-            <a:pPr indent="0" lvl="0" marL="0" rtl="0" algn="l">
+            <a:pPr marL="0" lvl="0" indent="0" algn="l" rtl="0">
               <a:spcBef>
                 <a:spcPts val="0"/>
               </a:spcBef>
@@ -2967,9 +3037,6 @@
               </a:spcAft>
               <a:buNone/>
             </a:pPr>
-            <a:r>
-              <a:t/>
-            </a:r>
             <a:endParaRPr/>
           </a:p>
         </p:txBody>
@@ -2983,18 +3050,19 @@
 </file>
 
 <file path=ppt/slideLayouts/slideLayout1.xml><?xml version="1.0" encoding="utf-8"?>
-<p:sldLayout xmlns:a="http://schemas.openxmlformats.org/drawingml/2006/main" xmlns:r="http://schemas.openxmlformats.org/officeDocument/2006/relationships" xmlns:mc="http://schemas.openxmlformats.org/markup-compatibility/2006" xmlns:mv="urn:schemas-microsoft-com:mac:vml" xmlns:p="http://schemas.openxmlformats.org/presentationml/2006/main" xmlns:c="http://schemas.openxmlformats.org/drawingml/2006/chart" xmlns:dgm="http://schemas.openxmlformats.org/drawingml/2006/diagram" xmlns:o="urn:schemas-microsoft-com:office:office" xmlns:v="urn:schemas-microsoft-com:vml" xmlns:pvml="urn:schemas-microsoft-com:office:powerpoint" xmlns:com="http://schemas.openxmlformats.org/drawingml/2006/compatibility" xmlns:p14="http://schemas.microsoft.com/office/powerpoint/2010/main" xmlns:p15="http://schemas.microsoft.com/office/powerpoint/2012/main" xmlns:ahyp="http://schemas.microsoft.com/office/drawing/2018/hyperlinkcolor" matchingName="Title slide" type="title">
+<p:sldLayout xmlns:a="http://schemas.openxmlformats.org/drawingml/2006/main" xmlns:r="http://schemas.openxmlformats.org/officeDocument/2006/relationships" xmlns:p="http://schemas.openxmlformats.org/presentationml/2006/main" matchingName="Title slide" type="title">
   <p:cSld name="TITLE">
     <p:bg>
       <p:bgPr>
         <a:solidFill>
           <a:schemeClr val="accent6"/>
         </a:solidFill>
+        <a:effectLst/>
       </p:bgPr>
     </p:bg>
     <p:spTree>
       <p:nvGrpSpPr>
-        <p:cNvPr id="9" name="Shape 9"/>
+        <p:cNvPr id="1" name="Shape 9"/>
         <p:cNvGrpSpPr/>
         <p:nvPr/>
       </p:nvGrpSpPr>
@@ -3028,12 +3096,12 @@
           </a:ln>
         </p:spPr>
         <p:txBody>
-          <a:bodyPr anchorCtr="0" anchor="ctr" bIns="91425" lIns="91425" spcFirstLastPara="1" rIns="91425" wrap="square" tIns="91425">
+          <a:bodyPr spcFirstLastPara="1" wrap="square" lIns="91425" tIns="91425" rIns="91425" bIns="91425" anchor="ctr" anchorCtr="0">
             <a:noAutofit/>
           </a:bodyPr>
           <a:lstStyle/>
           <a:p>
-            <a:pPr indent="0" lvl="0" marL="0" rtl="0" algn="l">
+            <a:pPr marL="0" lvl="0" indent="0" algn="l" rtl="0">
               <a:spcBef>
                 <a:spcPts val="0"/>
               </a:spcBef>
@@ -3042,9 +3110,6 @@
               </a:spcAft>
               <a:buNone/>
             </a:pPr>
-            <a:r>
-              <a:t/>
-            </a:r>
             <a:endParaRPr/>
           </a:p>
         </p:txBody>
@@ -3071,12 +3136,12 @@
           </a:ln>
         </p:spPr>
         <p:txBody>
-          <a:bodyPr anchorCtr="0" anchor="ctr" bIns="91425" lIns="91425" spcFirstLastPara="1" rIns="91425" wrap="square" tIns="91425">
+          <a:bodyPr spcFirstLastPara="1" wrap="square" lIns="91425" tIns="91425" rIns="91425" bIns="91425" anchor="ctr" anchorCtr="0">
             <a:noAutofit/>
           </a:bodyPr>
           <a:lstStyle/>
           <a:p>
-            <a:pPr indent="0" lvl="0" marL="0" rtl="0" algn="l">
+            <a:pPr marL="0" lvl="0" indent="0" algn="l" rtl="0">
               <a:spcBef>
                 <a:spcPts val="0"/>
               </a:spcBef>
@@ -3085,9 +3150,6 @@
               </a:spcAft>
               <a:buNone/>
             </a:pPr>
-            <a:r>
-              <a:t/>
-            </a:r>
             <a:endParaRPr/>
           </a:p>
         </p:txBody>
@@ -3114,12 +3176,12 @@
           </a:ln>
         </p:spPr>
         <p:txBody>
-          <a:bodyPr anchorCtr="0" anchor="ctr" bIns="91425" lIns="91425" spcFirstLastPara="1" rIns="91425" wrap="square" tIns="91425">
+          <a:bodyPr spcFirstLastPara="1" wrap="square" lIns="91425" tIns="91425" rIns="91425" bIns="91425" anchor="ctr" anchorCtr="0">
             <a:noAutofit/>
           </a:bodyPr>
           <a:lstStyle/>
           <a:p>
-            <a:pPr indent="0" lvl="0" marL="0" rtl="0" algn="l">
+            <a:pPr marL="0" lvl="0" indent="0" algn="l" rtl="0">
               <a:spcBef>
                 <a:spcPts val="0"/>
               </a:spcBef>
@@ -3128,9 +3190,6 @@
               </a:spcAft>
               <a:buNone/>
             </a:pPr>
-            <a:r>
-              <a:t/>
-            </a:r>
             <a:endParaRPr/>
           </a:p>
         </p:txBody>
@@ -3156,7 +3215,7 @@
             <a:noFill/>
           </a:ln>
           <a:effectLst>
-            <a:outerShdw blurRad="228600" sx="101000" rotWithShape="0" algn="ctr" sy="101000">
+            <a:outerShdw blurRad="228600" sx="101000" sy="101000" algn="ctr" rotWithShape="0">
               <a:srgbClr val="000000">
                 <a:alpha val="40000"/>
               </a:srgbClr>
@@ -3164,12 +3223,12 @@
           </a:effectLst>
         </p:spPr>
         <p:txBody>
-          <a:bodyPr anchorCtr="0" anchor="ctr" bIns="91425" lIns="91425" spcFirstLastPara="1" rIns="91425" wrap="square" tIns="91425">
+          <a:bodyPr spcFirstLastPara="1" wrap="square" lIns="91425" tIns="91425" rIns="91425" bIns="91425" anchor="ctr" anchorCtr="0">
             <a:noAutofit/>
           </a:bodyPr>
           <a:lstStyle/>
           <a:p>
-            <a:pPr indent="0" lvl="0" marL="0" rtl="0" algn="l">
+            <a:pPr marL="0" lvl="0" indent="0" algn="l" rtl="0">
               <a:spcBef>
                 <a:spcPts val="0"/>
               </a:spcBef>
@@ -3178,9 +3237,6 @@
               </a:spcAft>
               <a:buNone/>
             </a:pPr>
-            <a:r>
-              <a:t/>
-            </a:r>
             <a:endParaRPr/>
           </a:p>
         </p:txBody>
@@ -3212,7 +3268,7 @@
             </a:xfrm>
             <a:prstGeom prst="parallelogram">
               <a:avLst>
-                <a:gd fmla="val 153193" name="adj"/>
+                <a:gd name="adj" fmla="val 153193"/>
               </a:avLst>
             </a:prstGeom>
             <a:solidFill>
@@ -3223,12 +3279,12 @@
             </a:ln>
           </p:spPr>
           <p:txBody>
-            <a:bodyPr anchorCtr="0" anchor="ctr" bIns="91425" lIns="91425" spcFirstLastPara="1" rIns="91425" wrap="square" tIns="91425">
+            <a:bodyPr spcFirstLastPara="1" wrap="square" lIns="91425" tIns="91425" rIns="91425" bIns="91425" anchor="ctr" anchorCtr="0">
               <a:noAutofit/>
             </a:bodyPr>
             <a:lstStyle/>
             <a:p>
-              <a:pPr indent="0" lvl="0" marL="0" rtl="0" algn="l">
+              <a:pPr marL="0" lvl="0" indent="0" algn="l" rtl="0">
                 <a:spcBef>
                   <a:spcPts val="0"/>
                 </a:spcBef>
@@ -3237,9 +3293,6 @@
                 </a:spcAft>
                 <a:buNone/>
               </a:pPr>
-              <a:r>
-                <a:t/>
-              </a:r>
               <a:endParaRPr/>
             </a:p>
           </p:txBody>
@@ -3257,7 +3310,7 @@
             </a:xfrm>
             <a:prstGeom prst="parallelogram">
               <a:avLst>
-                <a:gd fmla="val 153193" name="adj"/>
+                <a:gd name="adj" fmla="val 153193"/>
               </a:avLst>
             </a:prstGeom>
             <a:solidFill>
@@ -3268,12 +3321,12 @@
             </a:ln>
           </p:spPr>
           <p:txBody>
-            <a:bodyPr anchorCtr="0" anchor="ctr" bIns="91425" lIns="91425" spcFirstLastPara="1" rIns="91425" wrap="square" tIns="91425">
+            <a:bodyPr spcFirstLastPara="1" wrap="square" lIns="91425" tIns="91425" rIns="91425" bIns="91425" anchor="ctr" anchorCtr="0">
               <a:noAutofit/>
             </a:bodyPr>
             <a:lstStyle/>
             <a:p>
-              <a:pPr indent="0" lvl="0" marL="0" rtl="0" algn="l">
+              <a:pPr marL="0" lvl="0" indent="0" algn="l" rtl="0">
                 <a:spcBef>
                   <a:spcPts val="0"/>
                 </a:spcBef>
@@ -3282,9 +3335,6 @@
                 </a:spcAft>
                 <a:buNone/>
               </a:pPr>
-              <a:r>
-                <a:t/>
-              </a:r>
               <a:endParaRPr/>
             </a:p>
           </p:txBody>
@@ -3302,7 +3352,7 @@
             </a:xfrm>
             <a:prstGeom prst="parallelogram">
               <a:avLst>
-                <a:gd fmla="val 153193" name="adj"/>
+                <a:gd name="adj" fmla="val 153193"/>
               </a:avLst>
             </a:prstGeom>
             <a:solidFill>
@@ -3313,12 +3363,12 @@
             </a:ln>
           </p:spPr>
           <p:txBody>
-            <a:bodyPr anchorCtr="0" anchor="ctr" bIns="91425" lIns="91425" spcFirstLastPara="1" rIns="91425" wrap="square" tIns="91425">
+            <a:bodyPr spcFirstLastPara="1" wrap="square" lIns="91425" tIns="91425" rIns="91425" bIns="91425" anchor="ctr" anchorCtr="0">
               <a:noAutofit/>
             </a:bodyPr>
             <a:lstStyle/>
             <a:p>
-              <a:pPr indent="0" lvl="0" marL="0" rtl="0" algn="l">
+              <a:pPr marL="0" lvl="0" indent="0" algn="l" rtl="0">
                 <a:spcBef>
                   <a:spcPts val="0"/>
                 </a:spcBef>
@@ -3327,9 +3377,6 @@
                 </a:spcAft>
                 <a:buNone/>
               </a:pPr>
-              <a:r>
-                <a:t/>
-              </a:r>
               <a:endParaRPr/>
             </a:p>
           </p:txBody>
@@ -3362,7 +3409,7 @@
             </a:xfrm>
             <a:prstGeom prst="parallelogram">
               <a:avLst>
-                <a:gd fmla="val 153193" name="adj"/>
+                <a:gd name="adj" fmla="val 153193"/>
               </a:avLst>
             </a:prstGeom>
             <a:solidFill>
@@ -3373,12 +3420,12 @@
             </a:ln>
           </p:spPr>
           <p:txBody>
-            <a:bodyPr anchorCtr="0" anchor="ctr" bIns="91425" lIns="91425" spcFirstLastPara="1" rIns="91425" wrap="square" tIns="91425">
+            <a:bodyPr spcFirstLastPara="1" wrap="square" lIns="91425" tIns="91425" rIns="91425" bIns="91425" anchor="ctr" anchorCtr="0">
               <a:noAutofit/>
             </a:bodyPr>
             <a:lstStyle/>
             <a:p>
-              <a:pPr indent="0" lvl="0" marL="0" rtl="0" algn="l">
+              <a:pPr marL="0" lvl="0" indent="0" algn="l" rtl="0">
                 <a:spcBef>
                   <a:spcPts val="0"/>
                 </a:spcBef>
@@ -3387,9 +3434,6 @@
                 </a:spcAft>
                 <a:buNone/>
               </a:pPr>
-              <a:r>
-                <a:t/>
-              </a:r>
               <a:endParaRPr/>
             </a:p>
           </p:txBody>
@@ -3407,7 +3451,7 @@
             </a:xfrm>
             <a:prstGeom prst="parallelogram">
               <a:avLst>
-                <a:gd fmla="val 153193" name="adj"/>
+                <a:gd name="adj" fmla="val 153193"/>
               </a:avLst>
             </a:prstGeom>
             <a:solidFill>
@@ -3418,12 +3462,12 @@
             </a:ln>
           </p:spPr>
           <p:txBody>
-            <a:bodyPr anchorCtr="0" anchor="ctr" bIns="91425" lIns="91425" spcFirstLastPara="1" rIns="91425" wrap="square" tIns="91425">
+            <a:bodyPr spcFirstLastPara="1" wrap="square" lIns="91425" tIns="91425" rIns="91425" bIns="91425" anchor="ctr" anchorCtr="0">
               <a:noAutofit/>
             </a:bodyPr>
             <a:lstStyle/>
             <a:p>
-              <a:pPr indent="0" lvl="0" marL="0" rtl="0" algn="l">
+              <a:pPr marL="0" lvl="0" indent="0" algn="l" rtl="0">
                 <a:spcBef>
                   <a:spcPts val="0"/>
                 </a:spcBef>
@@ -3432,9 +3476,6 @@
                 </a:spcAft>
                 <a:buNone/>
               </a:pPr>
-              <a:r>
-                <a:t/>
-              </a:r>
               <a:endParaRPr/>
             </a:p>
           </p:txBody>
@@ -3452,7 +3493,7 @@
             </a:xfrm>
             <a:prstGeom prst="parallelogram">
               <a:avLst>
-                <a:gd fmla="val 153193" name="adj"/>
+                <a:gd name="adj" fmla="val 153193"/>
               </a:avLst>
             </a:prstGeom>
             <a:solidFill>
@@ -3463,12 +3504,12 @@
             </a:ln>
           </p:spPr>
           <p:txBody>
-            <a:bodyPr anchorCtr="0" anchor="ctr" bIns="91425" lIns="91425" spcFirstLastPara="1" rIns="91425" wrap="square" tIns="91425">
+            <a:bodyPr spcFirstLastPara="1" wrap="square" lIns="91425" tIns="91425" rIns="91425" bIns="91425" anchor="ctr" anchorCtr="0">
               <a:noAutofit/>
             </a:bodyPr>
             <a:lstStyle/>
             <a:p>
-              <a:pPr indent="0" lvl="0" marL="0" rtl="0" algn="l">
+              <a:pPr marL="0" lvl="0" indent="0" algn="l" rtl="0">
                 <a:spcBef>
                   <a:spcPts val="0"/>
                 </a:spcBef>
@@ -3477,9 +3518,6 @@
                 </a:spcAft>
                 <a:buNone/>
               </a:pPr>
-              <a:r>
-                <a:t/>
-              </a:r>
               <a:endParaRPr/>
             </a:p>
           </p:txBody>
@@ -3512,7 +3550,7 @@
             </a:xfrm>
             <a:prstGeom prst="parallelogram">
               <a:avLst>
-                <a:gd fmla="val 158024" name="adj"/>
+                <a:gd name="adj" fmla="val 158024"/>
               </a:avLst>
             </a:prstGeom>
             <a:solidFill>
@@ -3523,12 +3561,12 @@
             </a:ln>
           </p:spPr>
           <p:txBody>
-            <a:bodyPr anchorCtr="0" anchor="ctr" bIns="91425" lIns="91425" spcFirstLastPara="1" rIns="91425" wrap="square" tIns="91425">
+            <a:bodyPr spcFirstLastPara="1" wrap="square" lIns="91425" tIns="91425" rIns="91425" bIns="91425" anchor="ctr" anchorCtr="0">
               <a:noAutofit/>
             </a:bodyPr>
             <a:lstStyle/>
             <a:p>
-              <a:pPr indent="0" lvl="0" marL="0" rtl="0" algn="l">
+              <a:pPr marL="0" lvl="0" indent="0" algn="l" rtl="0">
                 <a:spcBef>
                   <a:spcPts val="0"/>
                 </a:spcBef>
@@ -3537,9 +3575,6 @@
                 </a:spcAft>
                 <a:buNone/>
               </a:pPr>
-              <a:r>
-                <a:t/>
-              </a:r>
               <a:endParaRPr/>
             </a:p>
           </p:txBody>
@@ -3557,7 +3592,7 @@
             </a:xfrm>
             <a:prstGeom prst="parallelogram">
               <a:avLst>
-                <a:gd fmla="val 158024" name="adj"/>
+                <a:gd name="adj" fmla="val 158024"/>
               </a:avLst>
             </a:prstGeom>
             <a:solidFill>
@@ -3568,12 +3603,12 @@
             </a:ln>
           </p:spPr>
           <p:txBody>
-            <a:bodyPr anchorCtr="0" anchor="ctr" bIns="91425" lIns="91425" spcFirstLastPara="1" rIns="91425" wrap="square" tIns="91425">
+            <a:bodyPr spcFirstLastPara="1" wrap="square" lIns="91425" tIns="91425" rIns="91425" bIns="91425" anchor="ctr" anchorCtr="0">
               <a:noAutofit/>
             </a:bodyPr>
             <a:lstStyle/>
             <a:p>
-              <a:pPr indent="0" lvl="0" marL="0" rtl="0" algn="l">
+              <a:pPr marL="0" lvl="0" indent="0" algn="l" rtl="0">
                 <a:spcBef>
                   <a:spcPts val="0"/>
                 </a:spcBef>
@@ -3582,9 +3617,6 @@
                 </a:spcAft>
                 <a:buNone/>
               </a:pPr>
-              <a:r>
-                <a:t/>
-              </a:r>
               <a:endParaRPr/>
             </a:p>
           </p:txBody>
@@ -3602,7 +3634,7 @@
             </a:xfrm>
             <a:prstGeom prst="parallelogram">
               <a:avLst>
-                <a:gd fmla="val 158024" name="adj"/>
+                <a:gd name="adj" fmla="val 158024"/>
               </a:avLst>
             </a:prstGeom>
             <a:solidFill>
@@ -3613,12 +3645,12 @@
             </a:ln>
           </p:spPr>
           <p:txBody>
-            <a:bodyPr anchorCtr="0" anchor="ctr" bIns="91425" lIns="91425" spcFirstLastPara="1" rIns="91425" wrap="square" tIns="91425">
+            <a:bodyPr spcFirstLastPara="1" wrap="square" lIns="91425" tIns="91425" rIns="91425" bIns="91425" anchor="ctr" anchorCtr="0">
               <a:noAutofit/>
             </a:bodyPr>
             <a:lstStyle/>
             <a:p>
-              <a:pPr indent="0" lvl="0" marL="0" rtl="0" algn="l">
+              <a:pPr marL="0" lvl="0" indent="0" algn="l" rtl="0">
                 <a:spcBef>
                   <a:spcPts val="0"/>
                 </a:spcBef>
@@ -3627,9 +3659,6 @@
                 </a:spcAft>
                 <a:buNone/>
               </a:pPr>
-              <a:r>
-                <a:t/>
-              </a:r>
               <a:endParaRPr/>
             </a:p>
           </p:txBody>
@@ -3662,7 +3691,7 @@
             </a:xfrm>
             <a:prstGeom prst="parallelogram">
               <a:avLst>
-                <a:gd fmla="val 158024" name="adj"/>
+                <a:gd name="adj" fmla="val 158024"/>
               </a:avLst>
             </a:prstGeom>
             <a:solidFill>
@@ -3673,12 +3702,12 @@
             </a:ln>
           </p:spPr>
           <p:txBody>
-            <a:bodyPr anchorCtr="0" anchor="ctr" bIns="91425" lIns="91425" spcFirstLastPara="1" rIns="91425" wrap="square" tIns="91425">
+            <a:bodyPr spcFirstLastPara="1" wrap="square" lIns="91425" tIns="91425" rIns="91425" bIns="91425" anchor="ctr" anchorCtr="0">
               <a:noAutofit/>
             </a:bodyPr>
             <a:lstStyle/>
             <a:p>
-              <a:pPr indent="0" lvl="0" marL="0" rtl="0" algn="l">
+              <a:pPr marL="0" lvl="0" indent="0" algn="l" rtl="0">
                 <a:spcBef>
                   <a:spcPts val="0"/>
                 </a:spcBef>
@@ -3687,9 +3716,6 @@
                 </a:spcAft>
                 <a:buNone/>
               </a:pPr>
-              <a:r>
-                <a:t/>
-              </a:r>
               <a:endParaRPr/>
             </a:p>
           </p:txBody>
@@ -3707,7 +3733,7 @@
             </a:xfrm>
             <a:prstGeom prst="parallelogram">
               <a:avLst>
-                <a:gd fmla="val 158024" name="adj"/>
+                <a:gd name="adj" fmla="val 158024"/>
               </a:avLst>
             </a:prstGeom>
             <a:solidFill>
@@ -3718,12 +3744,12 @@
             </a:ln>
           </p:spPr>
           <p:txBody>
-            <a:bodyPr anchorCtr="0" anchor="ctr" bIns="91425" lIns="91425" spcFirstLastPara="1" rIns="91425" wrap="square" tIns="91425">
+            <a:bodyPr spcFirstLastPara="1" wrap="square" lIns="91425" tIns="91425" rIns="91425" bIns="91425" anchor="ctr" anchorCtr="0">
               <a:noAutofit/>
             </a:bodyPr>
             <a:lstStyle/>
             <a:p>
-              <a:pPr indent="0" lvl="0" marL="0" rtl="0" algn="l">
+              <a:pPr marL="0" lvl="0" indent="0" algn="l" rtl="0">
                 <a:spcBef>
                   <a:spcPts val="0"/>
                 </a:spcBef>
@@ -3732,9 +3758,6 @@
                 </a:spcAft>
                 <a:buNone/>
               </a:pPr>
-              <a:r>
-                <a:t/>
-              </a:r>
               <a:endParaRPr/>
             </a:p>
           </p:txBody>
@@ -3752,7 +3775,7 @@
             </a:xfrm>
             <a:prstGeom prst="parallelogram">
               <a:avLst>
-                <a:gd fmla="val 158024" name="adj"/>
+                <a:gd name="adj" fmla="val 158024"/>
               </a:avLst>
             </a:prstGeom>
             <a:solidFill>
@@ -3763,12 +3786,12 @@
             </a:ln>
           </p:spPr>
           <p:txBody>
-            <a:bodyPr anchorCtr="0" anchor="ctr" bIns="91425" lIns="91425" spcFirstLastPara="1" rIns="91425" wrap="square" tIns="91425">
+            <a:bodyPr spcFirstLastPara="1" wrap="square" lIns="91425" tIns="91425" rIns="91425" bIns="91425" anchor="ctr" anchorCtr="0">
               <a:noAutofit/>
             </a:bodyPr>
             <a:lstStyle/>
             <a:p>
-              <a:pPr indent="0" lvl="0" marL="0" rtl="0" algn="l">
+              <a:pPr marL="0" lvl="0" indent="0" algn="l" rtl="0">
                 <a:spcBef>
                   <a:spcPts val="0"/>
                 </a:spcBef>
@@ -3777,9 +3800,6 @@
                 </a:spcAft>
                 <a:buNone/>
               </a:pPr>
-              <a:r>
-                <a:t/>
-              </a:r>
               <a:endParaRPr/>
             </a:p>
           </p:txBody>
@@ -3812,7 +3832,7 @@
             </a:xfrm>
             <a:prstGeom prst="parallelogram">
               <a:avLst>
-                <a:gd fmla="val 158024" name="adj"/>
+                <a:gd name="adj" fmla="val 158024"/>
               </a:avLst>
             </a:prstGeom>
             <a:solidFill>
@@ -3823,12 +3843,12 @@
             </a:ln>
           </p:spPr>
           <p:txBody>
-            <a:bodyPr anchorCtr="0" anchor="ctr" bIns="91425" lIns="91425" spcFirstLastPara="1" rIns="91425" wrap="square" tIns="91425">
+            <a:bodyPr spcFirstLastPara="1" wrap="square" lIns="91425" tIns="91425" rIns="91425" bIns="91425" anchor="ctr" anchorCtr="0">
               <a:noAutofit/>
             </a:bodyPr>
             <a:lstStyle/>
             <a:p>
-              <a:pPr indent="0" lvl="0" marL="0" rtl="0" algn="l">
+              <a:pPr marL="0" lvl="0" indent="0" algn="l" rtl="0">
                 <a:spcBef>
                   <a:spcPts val="0"/>
                 </a:spcBef>
@@ -3837,9 +3857,6 @@
                 </a:spcAft>
                 <a:buNone/>
               </a:pPr>
-              <a:r>
-                <a:t/>
-              </a:r>
               <a:endParaRPr/>
             </a:p>
           </p:txBody>
@@ -3857,7 +3874,7 @@
             </a:xfrm>
             <a:prstGeom prst="parallelogram">
               <a:avLst>
-                <a:gd fmla="val 158024" name="adj"/>
+                <a:gd name="adj" fmla="val 158024"/>
               </a:avLst>
             </a:prstGeom>
             <a:solidFill>
@@ -3868,12 +3885,12 @@
             </a:ln>
           </p:spPr>
           <p:txBody>
-            <a:bodyPr anchorCtr="0" anchor="ctr" bIns="91425" lIns="91425" spcFirstLastPara="1" rIns="91425" wrap="square" tIns="91425">
+            <a:bodyPr spcFirstLastPara="1" wrap="square" lIns="91425" tIns="91425" rIns="91425" bIns="91425" anchor="ctr" anchorCtr="0">
               <a:noAutofit/>
             </a:bodyPr>
             <a:lstStyle/>
             <a:p>
-              <a:pPr indent="0" lvl="0" marL="0" rtl="0" algn="l">
+              <a:pPr marL="0" lvl="0" indent="0" algn="l" rtl="0">
                 <a:spcBef>
                   <a:spcPts val="0"/>
                 </a:spcBef>
@@ -3882,9 +3899,6 @@
                 </a:spcAft>
                 <a:buNone/>
               </a:pPr>
-              <a:r>
-                <a:t/>
-              </a:r>
               <a:endParaRPr/>
             </a:p>
           </p:txBody>
@@ -3902,7 +3916,7 @@
             </a:xfrm>
             <a:prstGeom prst="parallelogram">
               <a:avLst>
-                <a:gd fmla="val 158024" name="adj"/>
+                <a:gd name="adj" fmla="val 158024"/>
               </a:avLst>
             </a:prstGeom>
             <a:solidFill>
@@ -3913,12 +3927,12 @@
             </a:ln>
           </p:spPr>
           <p:txBody>
-            <a:bodyPr anchorCtr="0" anchor="ctr" bIns="91425" lIns="91425" spcFirstLastPara="1" rIns="91425" wrap="square" tIns="91425">
+            <a:bodyPr spcFirstLastPara="1" wrap="square" lIns="91425" tIns="91425" rIns="91425" bIns="91425" anchor="ctr" anchorCtr="0">
               <a:noAutofit/>
             </a:bodyPr>
             <a:lstStyle/>
             <a:p>
-              <a:pPr indent="0" lvl="0" marL="0" rtl="0" algn="l">
+              <a:pPr marL="0" lvl="0" indent="0" algn="l" rtl="0">
                 <a:spcBef>
                   <a:spcPts val="0"/>
                 </a:spcBef>
@@ -3927,9 +3941,6 @@
                 </a:spcAft>
                 <a:buNone/>
               </a:pPr>
-              <a:r>
-                <a:t/>
-              </a:r>
               <a:endParaRPr/>
             </a:p>
           </p:txBody>
@@ -3938,7 +3949,9 @@
       <p:sp>
         <p:nvSpPr>
           <p:cNvPr id="34" name="Google Shape;34;p2"/>
-          <p:cNvSpPr txBox="1"/>
+          <p:cNvSpPr txBox="1">
+            <a:spLocks noGrp="1"/>
+          </p:cNvSpPr>
           <p:nvPr>
             <p:ph type="ctrTitle"/>
           </p:nvPr>
@@ -3953,7 +3966,7 @@
           </a:prstGeom>
         </p:spPr>
         <p:txBody>
-          <a:bodyPr anchorCtr="0" anchor="ctr" bIns="91425" lIns="91425" spcFirstLastPara="1" rIns="91425" wrap="square" tIns="91425">
+          <a:bodyPr spcFirstLastPara="1" wrap="square" lIns="91425" tIns="91425" rIns="91425" bIns="91425" anchor="ctr" anchorCtr="0">
             <a:normAutofit/>
           </a:bodyPr>
           <a:lstStyle>
@@ -4057,15 +4070,19 @@
               <a:defRPr sz="3800"/>
             </a:lvl9pPr>
           </a:lstStyle>
-          <a:p/>
+          <a:p>
+            <a:endParaRPr/>
+          </a:p>
         </p:txBody>
       </p:sp>
       <p:sp>
         <p:nvSpPr>
           <p:cNvPr id="35" name="Google Shape;35;p2"/>
-          <p:cNvSpPr txBox="1"/>
+          <p:cNvSpPr txBox="1">
+            <a:spLocks noGrp="1"/>
+          </p:cNvSpPr>
           <p:nvPr>
-            <p:ph idx="1" type="subTitle"/>
+            <p:ph type="subTitle" idx="1"/>
           </p:nvPr>
         </p:nvSpPr>
         <p:spPr>
@@ -4078,7 +4095,7 @@
           </a:prstGeom>
         </p:spPr>
         <p:txBody>
-          <a:bodyPr anchorCtr="0" anchor="t" bIns="91425" lIns="91425" spcFirstLastPara="1" rIns="91425" wrap="square" tIns="91425">
+          <a:bodyPr spcFirstLastPara="1" wrap="square" lIns="91425" tIns="91425" rIns="91425" bIns="91425" anchor="t" anchorCtr="0">
             <a:normAutofit/>
           </a:bodyPr>
           <a:lstStyle>
@@ -4272,15 +4289,19 @@
               </a:defRPr>
             </a:lvl9pPr>
           </a:lstStyle>
-          <a:p/>
+          <a:p>
+            <a:endParaRPr/>
+          </a:p>
         </p:txBody>
       </p:sp>
       <p:sp>
         <p:nvSpPr>
           <p:cNvPr id="36" name="Google Shape;36;p2"/>
-          <p:cNvSpPr txBox="1"/>
+          <p:cNvSpPr txBox="1">
+            <a:spLocks noGrp="1"/>
+          </p:cNvSpPr>
           <p:nvPr>
-            <p:ph idx="12" type="sldNum"/>
+            <p:ph type="sldNum" idx="12"/>
           </p:nvPr>
         </p:nvSpPr>
         <p:spPr>
@@ -4293,7 +4314,7 @@
           </a:prstGeom>
         </p:spPr>
         <p:txBody>
-          <a:bodyPr anchorCtr="0" anchor="ctr" bIns="91425" lIns="91425" spcFirstLastPara="1" rIns="91425" wrap="square" tIns="91425">
+          <a:bodyPr spcFirstLastPara="1" wrap="square" lIns="91425" tIns="91425" rIns="91425" bIns="91425" anchor="ctr" anchorCtr="0">
             <a:normAutofit/>
           </a:bodyPr>
           <a:lstStyle>
@@ -4335,7 +4356,7 @@
             </a:lvl9pPr>
           </a:lstStyle>
           <a:p>
-            <a:pPr indent="0" lvl="0" marL="0" rtl="0" algn="r">
+            <a:pPr marL="0" lvl="0" indent="0" algn="r" rtl="0">
               <a:spcBef>
                 <a:spcPts val="0"/>
               </a:spcBef>
@@ -4346,7 +4367,7 @@
             </a:pPr>
             <a:fld id="{00000000-1234-1234-1234-123412341234}" type="slidenum">
               <a:rPr lang="de"/>
-              <a:t>‹#›</a:t>
+              <a:t>‹Nr.›</a:t>
             </a:fld>
             <a:endParaRPr/>
           </a:p>
@@ -4389,18 +4410,19 @@
 </file>
 
 <file path=ppt/slideLayouts/slideLayout10.xml><?xml version="1.0" encoding="utf-8"?>
-<p:sldLayout xmlns:a="http://schemas.openxmlformats.org/drawingml/2006/main" xmlns:r="http://schemas.openxmlformats.org/officeDocument/2006/relationships" xmlns:mc="http://schemas.openxmlformats.org/markup-compatibility/2006" xmlns:mv="urn:schemas-microsoft-com:mac:vml" xmlns:p="http://schemas.openxmlformats.org/presentationml/2006/main" xmlns:c="http://schemas.openxmlformats.org/drawingml/2006/chart" xmlns:dgm="http://schemas.openxmlformats.org/drawingml/2006/diagram" xmlns:o="urn:schemas-microsoft-com:office:office" xmlns:v="urn:schemas-microsoft-com:vml" xmlns:pvml="urn:schemas-microsoft-com:office:powerpoint" xmlns:com="http://schemas.openxmlformats.org/drawingml/2006/compatibility" xmlns:p14="http://schemas.microsoft.com/office/powerpoint/2010/main" xmlns:p15="http://schemas.microsoft.com/office/powerpoint/2012/main" xmlns:ahyp="http://schemas.microsoft.com/office/drawing/2018/hyperlinkcolor" matchingName="Big number">
+<p:sldLayout xmlns:a="http://schemas.openxmlformats.org/drawingml/2006/main" xmlns:r="http://schemas.openxmlformats.org/officeDocument/2006/relationships" xmlns:p="http://schemas.openxmlformats.org/presentationml/2006/main" matchingName="Big number">
   <p:cSld name="BIG_NUMBER">
     <p:bg>
       <p:bgPr>
         <a:solidFill>
           <a:schemeClr val="accent3"/>
         </a:solidFill>
+        <a:effectLst/>
       </p:bgPr>
     </p:bg>
     <p:spTree>
       <p:nvGrpSpPr>
-        <p:cNvPr id="111" name="Shape 111"/>
+        <p:cNvPr id="1" name="Shape 111"/>
         <p:cNvGrpSpPr/>
         <p:nvPr/>
       </p:nvGrpSpPr>
@@ -4434,12 +4456,12 @@
           </a:ln>
         </p:spPr>
         <p:txBody>
-          <a:bodyPr anchorCtr="0" anchor="ctr" bIns="91425" lIns="91425" spcFirstLastPara="1" rIns="91425" wrap="square" tIns="91425">
+          <a:bodyPr spcFirstLastPara="1" wrap="square" lIns="91425" tIns="91425" rIns="91425" bIns="91425" anchor="ctr" anchorCtr="0">
             <a:noAutofit/>
           </a:bodyPr>
           <a:lstStyle/>
           <a:p>
-            <a:pPr indent="0" lvl="0" marL="0" rtl="0" algn="l">
+            <a:pPr marL="0" lvl="0" indent="0" algn="l" rtl="0">
               <a:spcBef>
                 <a:spcPts val="0"/>
               </a:spcBef>
@@ -4448,9 +4470,6 @@
               </a:spcAft>
               <a:buNone/>
             </a:pPr>
-            <a:r>
-              <a:t/>
-            </a:r>
             <a:endParaRPr/>
           </a:p>
         </p:txBody>
@@ -4482,7 +4501,7 @@
             </a:xfrm>
             <a:prstGeom prst="parallelogram">
               <a:avLst>
-                <a:gd fmla="val 158024" name="adj"/>
+                <a:gd name="adj" fmla="val 158024"/>
               </a:avLst>
             </a:prstGeom>
             <a:solidFill>
@@ -4493,12 +4512,12 @@
             </a:ln>
           </p:spPr>
           <p:txBody>
-            <a:bodyPr anchorCtr="0" anchor="ctr" bIns="91425" lIns="91425" spcFirstLastPara="1" rIns="91425" wrap="square" tIns="91425">
+            <a:bodyPr spcFirstLastPara="1" wrap="square" lIns="91425" tIns="91425" rIns="91425" bIns="91425" anchor="ctr" anchorCtr="0">
               <a:noAutofit/>
             </a:bodyPr>
             <a:lstStyle/>
             <a:p>
-              <a:pPr indent="0" lvl="0" marL="0" rtl="0" algn="l">
+              <a:pPr marL="0" lvl="0" indent="0" algn="l" rtl="0">
                 <a:spcBef>
                   <a:spcPts val="0"/>
                 </a:spcBef>
@@ -4507,9 +4526,6 @@
                 </a:spcAft>
                 <a:buNone/>
               </a:pPr>
-              <a:r>
-                <a:t/>
-              </a:r>
               <a:endParaRPr/>
             </a:p>
           </p:txBody>
@@ -4527,7 +4543,7 @@
             </a:xfrm>
             <a:prstGeom prst="parallelogram">
               <a:avLst>
-                <a:gd fmla="val 158024" name="adj"/>
+                <a:gd name="adj" fmla="val 158024"/>
               </a:avLst>
             </a:prstGeom>
             <a:solidFill>
@@ -4538,12 +4554,12 @@
             </a:ln>
           </p:spPr>
           <p:txBody>
-            <a:bodyPr anchorCtr="0" anchor="ctr" bIns="91425" lIns="91425" spcFirstLastPara="1" rIns="91425" wrap="square" tIns="91425">
+            <a:bodyPr spcFirstLastPara="1" wrap="square" lIns="91425" tIns="91425" rIns="91425" bIns="91425" anchor="ctr" anchorCtr="0">
               <a:noAutofit/>
             </a:bodyPr>
             <a:lstStyle/>
             <a:p>
-              <a:pPr indent="0" lvl="0" marL="0" rtl="0" algn="l">
+              <a:pPr marL="0" lvl="0" indent="0" algn="l" rtl="0">
                 <a:spcBef>
                   <a:spcPts val="0"/>
                 </a:spcBef>
@@ -4552,9 +4568,6 @@
                 </a:spcAft>
                 <a:buNone/>
               </a:pPr>
-              <a:r>
-                <a:t/>
-              </a:r>
               <a:endParaRPr/>
             </a:p>
           </p:txBody>
@@ -4572,7 +4585,7 @@
             </a:xfrm>
             <a:prstGeom prst="parallelogram">
               <a:avLst>
-                <a:gd fmla="val 158024" name="adj"/>
+                <a:gd name="adj" fmla="val 158024"/>
               </a:avLst>
             </a:prstGeom>
             <a:solidFill>
@@ -4583,12 +4596,12 @@
             </a:ln>
           </p:spPr>
           <p:txBody>
-            <a:bodyPr anchorCtr="0" anchor="ctr" bIns="91425" lIns="91425" spcFirstLastPara="1" rIns="91425" wrap="square" tIns="91425">
+            <a:bodyPr spcFirstLastPara="1" wrap="square" lIns="91425" tIns="91425" rIns="91425" bIns="91425" anchor="ctr" anchorCtr="0">
               <a:noAutofit/>
             </a:bodyPr>
             <a:lstStyle/>
             <a:p>
-              <a:pPr indent="0" lvl="0" marL="0" rtl="0" algn="l">
+              <a:pPr marL="0" lvl="0" indent="0" algn="l" rtl="0">
                 <a:spcBef>
                   <a:spcPts val="0"/>
                 </a:spcBef>
@@ -4597,9 +4610,6 @@
                 </a:spcAft>
                 <a:buNone/>
               </a:pPr>
-              <a:r>
-                <a:t/>
-              </a:r>
               <a:endParaRPr/>
             </a:p>
           </p:txBody>
@@ -4632,7 +4642,7 @@
             </a:xfrm>
             <a:prstGeom prst="parallelogram">
               <a:avLst>
-                <a:gd fmla="val 158024" name="adj"/>
+                <a:gd name="adj" fmla="val 158024"/>
               </a:avLst>
             </a:prstGeom>
             <a:solidFill>
@@ -4643,12 +4653,12 @@
             </a:ln>
           </p:spPr>
           <p:txBody>
-            <a:bodyPr anchorCtr="0" anchor="ctr" bIns="91425" lIns="91425" spcFirstLastPara="1" rIns="91425" wrap="square" tIns="91425">
+            <a:bodyPr spcFirstLastPara="1" wrap="square" lIns="91425" tIns="91425" rIns="91425" bIns="91425" anchor="ctr" anchorCtr="0">
               <a:noAutofit/>
             </a:bodyPr>
             <a:lstStyle/>
             <a:p>
-              <a:pPr indent="0" lvl="0" marL="0" rtl="0" algn="l">
+              <a:pPr marL="0" lvl="0" indent="0" algn="l" rtl="0">
                 <a:spcBef>
                   <a:spcPts val="0"/>
                 </a:spcBef>
@@ -4657,9 +4667,6 @@
                 </a:spcAft>
                 <a:buNone/>
               </a:pPr>
-              <a:r>
-                <a:t/>
-              </a:r>
               <a:endParaRPr/>
             </a:p>
           </p:txBody>
@@ -4677,7 +4684,7 @@
             </a:xfrm>
             <a:prstGeom prst="parallelogram">
               <a:avLst>
-                <a:gd fmla="val 158024" name="adj"/>
+                <a:gd name="adj" fmla="val 158024"/>
               </a:avLst>
             </a:prstGeom>
             <a:solidFill>
@@ -4688,12 +4695,12 @@
             </a:ln>
           </p:spPr>
           <p:txBody>
-            <a:bodyPr anchorCtr="0" anchor="ctr" bIns="91425" lIns="91425" spcFirstLastPara="1" rIns="91425" wrap="square" tIns="91425">
+            <a:bodyPr spcFirstLastPara="1" wrap="square" lIns="91425" tIns="91425" rIns="91425" bIns="91425" anchor="ctr" anchorCtr="0">
               <a:noAutofit/>
             </a:bodyPr>
             <a:lstStyle/>
             <a:p>
-              <a:pPr indent="0" lvl="0" marL="0" rtl="0" algn="l">
+              <a:pPr marL="0" lvl="0" indent="0" algn="l" rtl="0">
                 <a:spcBef>
                   <a:spcPts val="0"/>
                 </a:spcBef>
@@ -4702,9 +4709,6 @@
                 </a:spcAft>
                 <a:buNone/>
               </a:pPr>
-              <a:r>
-                <a:t/>
-              </a:r>
               <a:endParaRPr/>
             </a:p>
           </p:txBody>
@@ -4722,7 +4726,7 @@
             </a:xfrm>
             <a:prstGeom prst="parallelogram">
               <a:avLst>
-                <a:gd fmla="val 158024" name="adj"/>
+                <a:gd name="adj" fmla="val 158024"/>
               </a:avLst>
             </a:prstGeom>
             <a:solidFill>
@@ -4733,12 +4737,12 @@
             </a:ln>
           </p:spPr>
           <p:txBody>
-            <a:bodyPr anchorCtr="0" anchor="ctr" bIns="91425" lIns="91425" spcFirstLastPara="1" rIns="91425" wrap="square" tIns="91425">
+            <a:bodyPr spcFirstLastPara="1" wrap="square" lIns="91425" tIns="91425" rIns="91425" bIns="91425" anchor="ctr" anchorCtr="0">
               <a:noAutofit/>
             </a:bodyPr>
             <a:lstStyle/>
             <a:p>
-              <a:pPr indent="0" lvl="0" marL="0" rtl="0" algn="l">
+              <a:pPr marL="0" lvl="0" indent="0" algn="l" rtl="0">
                 <a:spcBef>
                   <a:spcPts val="0"/>
                 </a:spcBef>
@@ -4747,9 +4751,6 @@
                 </a:spcAft>
                 <a:buNone/>
               </a:pPr>
-              <a:r>
-                <a:t/>
-              </a:r>
               <a:endParaRPr/>
             </a:p>
           </p:txBody>
@@ -4758,9 +4759,11 @@
       <p:sp>
         <p:nvSpPr>
           <p:cNvPr id="121" name="Google Shape;121;p11"/>
-          <p:cNvSpPr txBox="1"/>
+          <p:cNvSpPr txBox="1">
+            <a:spLocks noGrp="1"/>
+          </p:cNvSpPr>
           <p:nvPr>
-            <p:ph hasCustomPrompt="1" type="title"/>
+            <p:ph type="title" hasCustomPrompt="1"/>
           </p:nvPr>
         </p:nvSpPr>
         <p:spPr>
@@ -4773,7 +4776,7 @@
           </a:prstGeom>
         </p:spPr>
         <p:txBody>
-          <a:bodyPr anchorCtr="0" anchor="ctr" bIns="91425" lIns="91425" spcFirstLastPara="1" rIns="91425" wrap="square" tIns="91425">
+          <a:bodyPr spcFirstLastPara="1" wrap="square" lIns="91425" tIns="91425" rIns="91425" bIns="91425" anchor="ctr" anchorCtr="0">
             <a:normAutofit/>
           </a:bodyPr>
           <a:lstStyle>
@@ -4950,9 +4953,11 @@
       <p:sp>
         <p:nvSpPr>
           <p:cNvPr id="122" name="Google Shape;122;p11"/>
-          <p:cNvSpPr txBox="1"/>
+          <p:cNvSpPr txBox="1">
+            <a:spLocks noGrp="1"/>
+          </p:cNvSpPr>
           <p:nvPr>
-            <p:ph idx="1" type="body"/>
+            <p:ph type="body" idx="1"/>
           </p:nvPr>
         </p:nvSpPr>
         <p:spPr>
@@ -4965,11 +4970,11 @@
           </a:prstGeom>
         </p:spPr>
         <p:txBody>
-          <a:bodyPr anchorCtr="0" anchor="t" bIns="91425" lIns="91425" spcFirstLastPara="1" rIns="91425" wrap="square" tIns="91425">
+          <a:bodyPr spcFirstLastPara="1" wrap="square" lIns="91425" tIns="91425" rIns="91425" bIns="91425" anchor="t" anchorCtr="0">
             <a:normAutofit/>
           </a:bodyPr>
           <a:lstStyle>
-            <a:lvl1pPr indent="-311150" lvl="0" marL="457200" algn="ctr">
+            <a:lvl1pPr marL="457200" lvl="0" indent="-311150" algn="ctr">
               <a:spcBef>
                 <a:spcPts val="0"/>
               </a:spcBef>
@@ -4980,7 +4985,7 @@
               <a:buChar char="●"/>
               <a:defRPr/>
             </a:lvl1pPr>
-            <a:lvl2pPr indent="-298450" lvl="1" marL="914400" algn="ctr">
+            <a:lvl2pPr marL="914400" lvl="1" indent="-298450" algn="ctr">
               <a:spcBef>
                 <a:spcPts val="0"/>
               </a:spcBef>
@@ -4991,7 +4996,7 @@
               <a:buChar char="○"/>
               <a:defRPr/>
             </a:lvl2pPr>
-            <a:lvl3pPr indent="-298450" lvl="2" marL="1371600" algn="ctr">
+            <a:lvl3pPr marL="1371600" lvl="2" indent="-298450" algn="ctr">
               <a:spcBef>
                 <a:spcPts val="0"/>
               </a:spcBef>
@@ -5002,7 +5007,7 @@
               <a:buChar char="■"/>
               <a:defRPr/>
             </a:lvl3pPr>
-            <a:lvl4pPr indent="-298450" lvl="3" marL="1828800" algn="ctr">
+            <a:lvl4pPr marL="1828800" lvl="3" indent="-298450" algn="ctr">
               <a:spcBef>
                 <a:spcPts val="0"/>
               </a:spcBef>
@@ -5013,7 +5018,7 @@
               <a:buChar char="●"/>
               <a:defRPr/>
             </a:lvl4pPr>
-            <a:lvl5pPr indent="-298450" lvl="4" marL="2286000" algn="ctr">
+            <a:lvl5pPr marL="2286000" lvl="4" indent="-298450" algn="ctr">
               <a:spcBef>
                 <a:spcPts val="0"/>
               </a:spcBef>
@@ -5024,7 +5029,7 @@
               <a:buChar char="○"/>
               <a:defRPr/>
             </a:lvl5pPr>
-            <a:lvl6pPr indent="-298450" lvl="5" marL="2743200" algn="ctr">
+            <a:lvl6pPr marL="2743200" lvl="5" indent="-298450" algn="ctr">
               <a:spcBef>
                 <a:spcPts val="0"/>
               </a:spcBef>
@@ -5035,7 +5040,7 @@
               <a:buChar char="■"/>
               <a:defRPr/>
             </a:lvl6pPr>
-            <a:lvl7pPr indent="-298450" lvl="6" marL="3200400" algn="ctr">
+            <a:lvl7pPr marL="3200400" lvl="6" indent="-298450" algn="ctr">
               <a:spcBef>
                 <a:spcPts val="0"/>
               </a:spcBef>
@@ -5046,7 +5051,7 @@
               <a:buChar char="●"/>
               <a:defRPr/>
             </a:lvl7pPr>
-            <a:lvl8pPr indent="-298450" lvl="7" marL="3657600" algn="ctr">
+            <a:lvl8pPr marL="3657600" lvl="7" indent="-298450" algn="ctr">
               <a:spcBef>
                 <a:spcPts val="0"/>
               </a:spcBef>
@@ -5057,7 +5062,7 @@
               <a:buChar char="○"/>
               <a:defRPr/>
             </a:lvl8pPr>
-            <a:lvl9pPr indent="-298450" lvl="8" marL="4114800" algn="ctr">
+            <a:lvl9pPr marL="4114800" lvl="8" indent="-298450" algn="ctr">
               <a:spcBef>
                 <a:spcPts val="0"/>
               </a:spcBef>
@@ -5069,15 +5074,19 @@
               <a:defRPr/>
             </a:lvl9pPr>
           </a:lstStyle>
-          <a:p/>
+          <a:p>
+            <a:endParaRPr/>
+          </a:p>
         </p:txBody>
       </p:sp>
       <p:sp>
         <p:nvSpPr>
           <p:cNvPr id="123" name="Google Shape;123;p11"/>
-          <p:cNvSpPr txBox="1"/>
+          <p:cNvSpPr txBox="1">
+            <a:spLocks noGrp="1"/>
+          </p:cNvSpPr>
           <p:nvPr>
-            <p:ph idx="12" type="sldNum"/>
+            <p:ph type="sldNum" idx="12"/>
           </p:nvPr>
         </p:nvSpPr>
         <p:spPr>
@@ -5090,7 +5099,7 @@
           </a:prstGeom>
         </p:spPr>
         <p:txBody>
-          <a:bodyPr anchorCtr="0" anchor="ctr" bIns="91425" lIns="91425" spcFirstLastPara="1" rIns="91425" wrap="square" tIns="91425">
+          <a:bodyPr spcFirstLastPara="1" wrap="square" lIns="91425" tIns="91425" rIns="91425" bIns="91425" anchor="ctr" anchorCtr="0">
             <a:normAutofit/>
           </a:bodyPr>
           <a:lstStyle>
@@ -5132,7 +5141,7 @@
             </a:lvl9pPr>
           </a:lstStyle>
           <a:p>
-            <a:pPr indent="0" lvl="0" marL="0" rtl="0" algn="r">
+            <a:pPr marL="0" lvl="0" indent="0" algn="r" rtl="0">
               <a:spcBef>
                 <a:spcPts val="0"/>
               </a:spcBef>
@@ -5143,7 +5152,7 @@
             </a:pPr>
             <a:fld id="{00000000-1234-1234-1234-123412341234}" type="slidenum">
               <a:rPr lang="de"/>
-              <a:t>‹#›</a:t>
+              <a:t>‹Nr.›</a:t>
             </a:fld>
             <a:endParaRPr/>
           </a:p>
@@ -5158,11 +5167,11 @@
 </file>
 
 <file path=ppt/slideLayouts/slideLayout11.xml><?xml version="1.0" encoding="utf-8"?>
-<p:sldLayout xmlns:a="http://schemas.openxmlformats.org/drawingml/2006/main" xmlns:r="http://schemas.openxmlformats.org/officeDocument/2006/relationships" xmlns:mc="http://schemas.openxmlformats.org/markup-compatibility/2006" xmlns:mv="urn:schemas-microsoft-com:mac:vml" xmlns:p="http://schemas.openxmlformats.org/presentationml/2006/main" xmlns:c="http://schemas.openxmlformats.org/drawingml/2006/chart" xmlns:dgm="http://schemas.openxmlformats.org/drawingml/2006/diagram" xmlns:o="urn:schemas-microsoft-com:office:office" xmlns:v="urn:schemas-microsoft-com:vml" xmlns:pvml="urn:schemas-microsoft-com:office:powerpoint" xmlns:com="http://schemas.openxmlformats.org/drawingml/2006/compatibility" xmlns:p14="http://schemas.microsoft.com/office/powerpoint/2010/main" xmlns:p15="http://schemas.microsoft.com/office/powerpoint/2012/main" xmlns:ahyp="http://schemas.microsoft.com/office/drawing/2018/hyperlinkcolor" matchingName="Blank" type="blank">
+<p:sldLayout xmlns:a="http://schemas.openxmlformats.org/drawingml/2006/main" xmlns:r="http://schemas.openxmlformats.org/officeDocument/2006/relationships" xmlns:p="http://schemas.openxmlformats.org/presentationml/2006/main" matchingName="Blank" type="blank">
   <p:cSld name="BLANK">
     <p:spTree>
       <p:nvGrpSpPr>
-        <p:cNvPr id="124" name="Shape 124"/>
+        <p:cNvPr id="1" name="Shape 124"/>
         <p:cNvGrpSpPr/>
         <p:nvPr/>
       </p:nvGrpSpPr>
@@ -5177,9 +5186,11 @@
       <p:sp>
         <p:nvSpPr>
           <p:cNvPr id="125" name="Google Shape;125;p12"/>
-          <p:cNvSpPr txBox="1"/>
+          <p:cNvSpPr txBox="1">
+            <a:spLocks noGrp="1"/>
+          </p:cNvSpPr>
           <p:nvPr>
-            <p:ph idx="12" type="sldNum"/>
+            <p:ph type="sldNum" idx="12"/>
           </p:nvPr>
         </p:nvSpPr>
         <p:spPr>
@@ -5192,7 +5203,7 @@
           </a:prstGeom>
         </p:spPr>
         <p:txBody>
-          <a:bodyPr anchorCtr="0" anchor="ctr" bIns="91425" lIns="91425" spcFirstLastPara="1" rIns="91425" wrap="square" tIns="91425">
+          <a:bodyPr spcFirstLastPara="1" wrap="square" lIns="91425" tIns="91425" rIns="91425" bIns="91425" anchor="ctr" anchorCtr="0">
             <a:normAutofit/>
           </a:bodyPr>
           <a:lstStyle>
@@ -5234,7 +5245,7 @@
             </a:lvl9pPr>
           </a:lstStyle>
           <a:p>
-            <a:pPr indent="0" lvl="0" marL="0" rtl="0" algn="r">
+            <a:pPr marL="0" lvl="0" indent="0" algn="r" rtl="0">
               <a:spcBef>
                 <a:spcPts val="0"/>
               </a:spcBef>
@@ -5245,7 +5256,7 @@
             </a:pPr>
             <a:fld id="{00000000-1234-1234-1234-123412341234}" type="slidenum">
               <a:rPr lang="de"/>
-              <a:t>‹#›</a:t>
+              <a:t>‹Nr.›</a:t>
             </a:fld>
             <a:endParaRPr/>
           </a:p>
@@ -5260,18 +5271,19 @@
 </file>
 
 <file path=ppt/slideLayouts/slideLayout2.xml><?xml version="1.0" encoding="utf-8"?>
-<p:sldLayout xmlns:a="http://schemas.openxmlformats.org/drawingml/2006/main" xmlns:r="http://schemas.openxmlformats.org/officeDocument/2006/relationships" xmlns:mc="http://schemas.openxmlformats.org/markup-compatibility/2006" xmlns:mv="urn:schemas-microsoft-com:mac:vml" xmlns:p="http://schemas.openxmlformats.org/presentationml/2006/main" xmlns:c="http://schemas.openxmlformats.org/drawingml/2006/chart" xmlns:dgm="http://schemas.openxmlformats.org/drawingml/2006/diagram" xmlns:o="urn:schemas-microsoft-com:office:office" xmlns:v="urn:schemas-microsoft-com:vml" xmlns:pvml="urn:schemas-microsoft-com:office:powerpoint" xmlns:com="http://schemas.openxmlformats.org/drawingml/2006/compatibility" xmlns:p14="http://schemas.microsoft.com/office/powerpoint/2010/main" xmlns:p15="http://schemas.microsoft.com/office/powerpoint/2012/main" xmlns:ahyp="http://schemas.microsoft.com/office/drawing/2018/hyperlinkcolor" matchingName="Section header" type="secHead">
+<p:sldLayout xmlns:a="http://schemas.openxmlformats.org/drawingml/2006/main" xmlns:r="http://schemas.openxmlformats.org/officeDocument/2006/relationships" xmlns:p="http://schemas.openxmlformats.org/presentationml/2006/main" matchingName="Section header" type="secHead">
   <p:cSld name="SECTION_HEADER">
     <p:bg>
       <p:bgPr>
         <a:solidFill>
           <a:schemeClr val="accent3"/>
         </a:solidFill>
+        <a:effectLst/>
       </p:bgPr>
     </p:bg>
     <p:spTree>
       <p:nvGrpSpPr>
-        <p:cNvPr id="38" name="Shape 38"/>
+        <p:cNvPr id="1" name="Shape 38"/>
         <p:cNvGrpSpPr/>
         <p:nvPr/>
       </p:nvGrpSpPr>
@@ -5305,12 +5317,12 @@
           </a:ln>
         </p:spPr>
         <p:txBody>
-          <a:bodyPr anchorCtr="0" anchor="ctr" bIns="91425" lIns="91425" spcFirstLastPara="1" rIns="91425" wrap="square" tIns="91425">
+          <a:bodyPr spcFirstLastPara="1" wrap="square" lIns="91425" tIns="91425" rIns="91425" bIns="91425" anchor="ctr" anchorCtr="0">
             <a:noAutofit/>
           </a:bodyPr>
           <a:lstStyle/>
           <a:p>
-            <a:pPr indent="0" lvl="0" marL="0" rtl="0" algn="l">
+            <a:pPr marL="0" lvl="0" indent="0" algn="l" rtl="0">
               <a:spcBef>
                 <a:spcPts val="0"/>
               </a:spcBef>
@@ -5319,9 +5331,6 @@
               </a:spcAft>
               <a:buNone/>
             </a:pPr>
-            <a:r>
-              <a:t/>
-            </a:r>
             <a:endParaRPr/>
           </a:p>
         </p:txBody>
@@ -5353,7 +5362,7 @@
             </a:xfrm>
             <a:prstGeom prst="parallelogram">
               <a:avLst>
-                <a:gd fmla="val 158024" name="adj"/>
+                <a:gd name="adj" fmla="val 158024"/>
               </a:avLst>
             </a:prstGeom>
             <a:solidFill>
@@ -5364,12 +5373,12 @@
             </a:ln>
           </p:spPr>
           <p:txBody>
-            <a:bodyPr anchorCtr="0" anchor="ctr" bIns="91425" lIns="91425" spcFirstLastPara="1" rIns="91425" wrap="square" tIns="91425">
+            <a:bodyPr spcFirstLastPara="1" wrap="square" lIns="91425" tIns="91425" rIns="91425" bIns="91425" anchor="ctr" anchorCtr="0">
               <a:noAutofit/>
             </a:bodyPr>
             <a:lstStyle/>
             <a:p>
-              <a:pPr indent="0" lvl="0" marL="0" rtl="0" algn="l">
+              <a:pPr marL="0" lvl="0" indent="0" algn="l" rtl="0">
                 <a:spcBef>
                   <a:spcPts val="0"/>
                 </a:spcBef>
@@ -5378,9 +5387,6 @@
                 </a:spcAft>
                 <a:buNone/>
               </a:pPr>
-              <a:r>
-                <a:t/>
-              </a:r>
               <a:endParaRPr/>
             </a:p>
           </p:txBody>
@@ -5398,7 +5404,7 @@
             </a:xfrm>
             <a:prstGeom prst="parallelogram">
               <a:avLst>
-                <a:gd fmla="val 158024" name="adj"/>
+                <a:gd name="adj" fmla="val 158024"/>
               </a:avLst>
             </a:prstGeom>
             <a:solidFill>
@@ -5409,12 +5415,12 @@
             </a:ln>
           </p:spPr>
           <p:txBody>
-            <a:bodyPr anchorCtr="0" anchor="ctr" bIns="91425" lIns="91425" spcFirstLastPara="1" rIns="91425" wrap="square" tIns="91425">
+            <a:bodyPr spcFirstLastPara="1" wrap="square" lIns="91425" tIns="91425" rIns="91425" bIns="91425" anchor="ctr" anchorCtr="0">
               <a:noAutofit/>
             </a:bodyPr>
             <a:lstStyle/>
             <a:p>
-              <a:pPr indent="0" lvl="0" marL="0" rtl="0" algn="l">
+              <a:pPr marL="0" lvl="0" indent="0" algn="l" rtl="0">
                 <a:spcBef>
                   <a:spcPts val="0"/>
                 </a:spcBef>
@@ -5423,9 +5429,6 @@
                 </a:spcAft>
                 <a:buNone/>
               </a:pPr>
-              <a:r>
-                <a:t/>
-              </a:r>
               <a:endParaRPr/>
             </a:p>
           </p:txBody>
@@ -5443,7 +5446,7 @@
             </a:xfrm>
             <a:prstGeom prst="parallelogram">
               <a:avLst>
-                <a:gd fmla="val 158024" name="adj"/>
+                <a:gd name="adj" fmla="val 158024"/>
               </a:avLst>
             </a:prstGeom>
             <a:solidFill>
@@ -5454,12 +5457,12 @@
             </a:ln>
           </p:spPr>
           <p:txBody>
-            <a:bodyPr anchorCtr="0" anchor="ctr" bIns="91425" lIns="91425" spcFirstLastPara="1" rIns="91425" wrap="square" tIns="91425">
+            <a:bodyPr spcFirstLastPara="1" wrap="square" lIns="91425" tIns="91425" rIns="91425" bIns="91425" anchor="ctr" anchorCtr="0">
               <a:noAutofit/>
             </a:bodyPr>
             <a:lstStyle/>
             <a:p>
-              <a:pPr indent="0" lvl="0" marL="0" rtl="0" algn="l">
+              <a:pPr marL="0" lvl="0" indent="0" algn="l" rtl="0">
                 <a:spcBef>
                   <a:spcPts val="0"/>
                 </a:spcBef>
@@ -5468,9 +5471,6 @@
                 </a:spcAft>
                 <a:buNone/>
               </a:pPr>
-              <a:r>
-                <a:t/>
-              </a:r>
               <a:endParaRPr/>
             </a:p>
           </p:txBody>
@@ -5503,7 +5503,7 @@
             </a:xfrm>
             <a:prstGeom prst="parallelogram">
               <a:avLst>
-                <a:gd fmla="val 158024" name="adj"/>
+                <a:gd name="adj" fmla="val 158024"/>
               </a:avLst>
             </a:prstGeom>
             <a:solidFill>
@@ -5514,12 +5514,12 @@
             </a:ln>
           </p:spPr>
           <p:txBody>
-            <a:bodyPr anchorCtr="0" anchor="ctr" bIns="91425" lIns="91425" spcFirstLastPara="1" rIns="91425" wrap="square" tIns="91425">
+            <a:bodyPr spcFirstLastPara="1" wrap="square" lIns="91425" tIns="91425" rIns="91425" bIns="91425" anchor="ctr" anchorCtr="0">
               <a:noAutofit/>
             </a:bodyPr>
             <a:lstStyle/>
             <a:p>
-              <a:pPr indent="0" lvl="0" marL="0" rtl="0" algn="l">
+              <a:pPr marL="0" lvl="0" indent="0" algn="l" rtl="0">
                 <a:spcBef>
                   <a:spcPts val="0"/>
                 </a:spcBef>
@@ -5528,9 +5528,6 @@
                 </a:spcAft>
                 <a:buNone/>
               </a:pPr>
-              <a:r>
-                <a:t/>
-              </a:r>
               <a:endParaRPr/>
             </a:p>
           </p:txBody>
@@ -5548,7 +5545,7 @@
             </a:xfrm>
             <a:prstGeom prst="parallelogram">
               <a:avLst>
-                <a:gd fmla="val 158024" name="adj"/>
+                <a:gd name="adj" fmla="val 158024"/>
               </a:avLst>
             </a:prstGeom>
             <a:solidFill>
@@ -5559,12 +5556,12 @@
             </a:ln>
           </p:spPr>
           <p:txBody>
-            <a:bodyPr anchorCtr="0" anchor="ctr" bIns="91425" lIns="91425" spcFirstLastPara="1" rIns="91425" wrap="square" tIns="91425">
+            <a:bodyPr spcFirstLastPara="1" wrap="square" lIns="91425" tIns="91425" rIns="91425" bIns="91425" anchor="ctr" anchorCtr="0">
               <a:noAutofit/>
             </a:bodyPr>
             <a:lstStyle/>
             <a:p>
-              <a:pPr indent="0" lvl="0" marL="0" rtl="0" algn="l">
+              <a:pPr marL="0" lvl="0" indent="0" algn="l" rtl="0">
                 <a:spcBef>
                   <a:spcPts val="0"/>
                 </a:spcBef>
@@ -5573,9 +5570,6 @@
                 </a:spcAft>
                 <a:buNone/>
               </a:pPr>
-              <a:r>
-                <a:t/>
-              </a:r>
               <a:endParaRPr/>
             </a:p>
           </p:txBody>
@@ -5593,7 +5587,7 @@
             </a:xfrm>
             <a:prstGeom prst="parallelogram">
               <a:avLst>
-                <a:gd fmla="val 158024" name="adj"/>
+                <a:gd name="adj" fmla="val 158024"/>
               </a:avLst>
             </a:prstGeom>
             <a:solidFill>
@@ -5604,12 +5598,12 @@
             </a:ln>
           </p:spPr>
           <p:txBody>
-            <a:bodyPr anchorCtr="0" anchor="ctr" bIns="91425" lIns="91425" spcFirstLastPara="1" rIns="91425" wrap="square" tIns="91425">
+            <a:bodyPr spcFirstLastPara="1" wrap="square" lIns="91425" tIns="91425" rIns="91425" bIns="91425" anchor="ctr" anchorCtr="0">
               <a:noAutofit/>
             </a:bodyPr>
             <a:lstStyle/>
             <a:p>
-              <a:pPr indent="0" lvl="0" marL="0" rtl="0" algn="l">
+              <a:pPr marL="0" lvl="0" indent="0" algn="l" rtl="0">
                 <a:spcBef>
                   <a:spcPts val="0"/>
                 </a:spcBef>
@@ -5618,9 +5612,6 @@
                 </a:spcAft>
                 <a:buNone/>
               </a:pPr>
-              <a:r>
-                <a:t/>
-              </a:r>
               <a:endParaRPr/>
             </a:p>
           </p:txBody>
@@ -5629,7 +5620,9 @@
       <p:sp>
         <p:nvSpPr>
           <p:cNvPr id="48" name="Google Shape;48;p3"/>
-          <p:cNvSpPr txBox="1"/>
+          <p:cNvSpPr txBox="1">
+            <a:spLocks noGrp="1"/>
+          </p:cNvSpPr>
           <p:nvPr>
             <p:ph type="title"/>
           </p:nvPr>
@@ -5644,7 +5637,7 @@
           </a:prstGeom>
         </p:spPr>
         <p:txBody>
-          <a:bodyPr anchorCtr="0" anchor="ctr" bIns="91425" lIns="91425" spcFirstLastPara="1" rIns="91425" wrap="square" tIns="91425">
+          <a:bodyPr spcFirstLastPara="1" wrap="square" lIns="91425" tIns="91425" rIns="91425" bIns="91425" anchor="ctr" anchorCtr="0">
             <a:normAutofit/>
           </a:bodyPr>
           <a:lstStyle>
@@ -5811,15 +5804,19 @@
               </a:defRPr>
             </a:lvl9pPr>
           </a:lstStyle>
-          <a:p/>
+          <a:p>
+            <a:endParaRPr/>
+          </a:p>
         </p:txBody>
       </p:sp>
       <p:sp>
         <p:nvSpPr>
           <p:cNvPr id="49" name="Google Shape;49;p3"/>
-          <p:cNvSpPr txBox="1"/>
+          <p:cNvSpPr txBox="1">
+            <a:spLocks noGrp="1"/>
+          </p:cNvSpPr>
           <p:nvPr>
-            <p:ph idx="12" type="sldNum"/>
+            <p:ph type="sldNum" idx="12"/>
           </p:nvPr>
         </p:nvSpPr>
         <p:spPr>
@@ -5832,7 +5829,7 @@
           </a:prstGeom>
         </p:spPr>
         <p:txBody>
-          <a:bodyPr anchorCtr="0" anchor="ctr" bIns="91425" lIns="91425" spcFirstLastPara="1" rIns="91425" wrap="square" tIns="91425">
+          <a:bodyPr spcFirstLastPara="1" wrap="square" lIns="91425" tIns="91425" rIns="91425" bIns="91425" anchor="ctr" anchorCtr="0">
             <a:normAutofit/>
           </a:bodyPr>
           <a:lstStyle>
@@ -5874,7 +5871,7 @@
             </a:lvl9pPr>
           </a:lstStyle>
           <a:p>
-            <a:pPr indent="0" lvl="0" marL="0" rtl="0" algn="r">
+            <a:pPr marL="0" lvl="0" indent="0" algn="r" rtl="0">
               <a:spcBef>
                 <a:spcPts val="0"/>
               </a:spcBef>
@@ -5885,7 +5882,7 @@
             </a:pPr>
             <a:fld id="{00000000-1234-1234-1234-123412341234}" type="slidenum">
               <a:rPr lang="de"/>
-              <a:t>‹#›</a:t>
+              <a:t>‹Nr.›</a:t>
             </a:fld>
             <a:endParaRPr/>
           </a:p>
@@ -5900,18 +5897,19 @@
 </file>
 
 <file path=ppt/slideLayouts/slideLayout3.xml><?xml version="1.0" encoding="utf-8"?>
-<p:sldLayout xmlns:a="http://schemas.openxmlformats.org/drawingml/2006/main" xmlns:r="http://schemas.openxmlformats.org/officeDocument/2006/relationships" xmlns:mc="http://schemas.openxmlformats.org/markup-compatibility/2006" xmlns:mv="urn:schemas-microsoft-com:mac:vml" xmlns:p="http://schemas.openxmlformats.org/presentationml/2006/main" xmlns:c="http://schemas.openxmlformats.org/drawingml/2006/chart" xmlns:dgm="http://schemas.openxmlformats.org/drawingml/2006/diagram" xmlns:o="urn:schemas-microsoft-com:office:office" xmlns:v="urn:schemas-microsoft-com:vml" xmlns:pvml="urn:schemas-microsoft-com:office:powerpoint" xmlns:com="http://schemas.openxmlformats.org/drawingml/2006/compatibility" xmlns:p14="http://schemas.microsoft.com/office/powerpoint/2010/main" xmlns:p15="http://schemas.microsoft.com/office/powerpoint/2012/main" xmlns:ahyp="http://schemas.microsoft.com/office/drawing/2018/hyperlinkcolor" matchingName="Title and body" type="tx">
+<p:sldLayout xmlns:a="http://schemas.openxmlformats.org/drawingml/2006/main" xmlns:r="http://schemas.openxmlformats.org/officeDocument/2006/relationships" xmlns:p="http://schemas.openxmlformats.org/presentationml/2006/main" matchingName="Title and body" type="tx">
   <p:cSld name="TITLE_AND_BODY">
     <p:bg>
       <p:bgPr>
         <a:solidFill>
           <a:schemeClr val="dk2"/>
         </a:solidFill>
+        <a:effectLst/>
       </p:bgPr>
     </p:bg>
     <p:spTree>
       <p:nvGrpSpPr>
-        <p:cNvPr id="50" name="Shape 50"/>
+        <p:cNvPr id="1" name="Shape 50"/>
         <p:cNvGrpSpPr/>
         <p:nvPr/>
       </p:nvGrpSpPr>
@@ -5945,12 +5943,12 @@
           </a:ln>
         </p:spPr>
         <p:txBody>
-          <a:bodyPr anchorCtr="0" anchor="ctr" bIns="91425" lIns="91425" spcFirstLastPara="1" rIns="91425" wrap="square" tIns="91425">
+          <a:bodyPr spcFirstLastPara="1" wrap="square" lIns="91425" tIns="91425" rIns="91425" bIns="91425" anchor="ctr" anchorCtr="0">
             <a:noAutofit/>
           </a:bodyPr>
           <a:lstStyle/>
           <a:p>
-            <a:pPr indent="0" lvl="0" marL="0" rtl="0" algn="l">
+            <a:pPr marL="0" lvl="0" indent="0" algn="l" rtl="0">
               <a:spcBef>
                 <a:spcPts val="0"/>
               </a:spcBef>
@@ -5959,9 +5957,6 @@
               </a:spcAft>
               <a:buNone/>
             </a:pPr>
-            <a:r>
-              <a:t/>
-            </a:r>
             <a:endParaRPr/>
           </a:p>
         </p:txBody>
@@ -5988,12 +5983,12 @@
           </a:ln>
         </p:spPr>
         <p:txBody>
-          <a:bodyPr anchorCtr="0" anchor="ctr" bIns="91425" lIns="91425" spcFirstLastPara="1" rIns="91425" wrap="square" tIns="91425">
+          <a:bodyPr spcFirstLastPara="1" wrap="square" lIns="91425" tIns="91425" rIns="91425" bIns="91425" anchor="ctr" anchorCtr="0">
             <a:noAutofit/>
           </a:bodyPr>
           <a:lstStyle/>
           <a:p>
-            <a:pPr indent="0" lvl="0" marL="0" rtl="0" algn="l">
+            <a:pPr marL="0" lvl="0" indent="0" algn="l" rtl="0">
               <a:spcBef>
                 <a:spcPts val="0"/>
               </a:spcBef>
@@ -6002,9 +5997,6 @@
               </a:spcAft>
               <a:buNone/>
             </a:pPr>
-            <a:r>
-              <a:t/>
-            </a:r>
             <a:endParaRPr/>
           </a:p>
         </p:txBody>
@@ -6030,7 +6022,7 @@
             <a:noFill/>
           </a:ln>
           <a:effectLst>
-            <a:outerShdw blurRad="228600" sx="101000" rotWithShape="0" algn="ctr" sy="101000">
+            <a:outerShdw blurRad="228600" sx="101000" sy="101000" algn="ctr" rotWithShape="0">
               <a:srgbClr val="000000">
                 <a:alpha val="40000"/>
               </a:srgbClr>
@@ -6038,12 +6030,12 @@
           </a:effectLst>
         </p:spPr>
         <p:txBody>
-          <a:bodyPr anchorCtr="0" anchor="ctr" bIns="91425" lIns="91425" spcFirstLastPara="1" rIns="91425" wrap="square" tIns="91425">
+          <a:bodyPr spcFirstLastPara="1" wrap="square" lIns="91425" tIns="91425" rIns="91425" bIns="91425" anchor="ctr" anchorCtr="0">
             <a:noAutofit/>
           </a:bodyPr>
           <a:lstStyle/>
           <a:p>
-            <a:pPr indent="0" lvl="0" marL="0" rtl="0" algn="l">
+            <a:pPr marL="0" lvl="0" indent="0" algn="l" rtl="0">
               <a:spcBef>
                 <a:spcPts val="0"/>
               </a:spcBef>
@@ -6052,9 +6044,6 @@
               </a:spcAft>
               <a:buNone/>
             </a:pPr>
-            <a:r>
-              <a:t/>
-            </a:r>
             <a:endParaRPr/>
           </a:p>
         </p:txBody>
@@ -6062,7 +6051,9 @@
       <p:sp>
         <p:nvSpPr>
           <p:cNvPr id="54" name="Google Shape;54;p4"/>
-          <p:cNvSpPr txBox="1"/>
+          <p:cNvSpPr txBox="1">
+            <a:spLocks noGrp="1"/>
+          </p:cNvSpPr>
           <p:nvPr>
             <p:ph type="title"/>
           </p:nvPr>
@@ -6077,7 +6068,7 @@
           </a:prstGeom>
         </p:spPr>
         <p:txBody>
-          <a:bodyPr anchorCtr="0" anchor="t" bIns="91425" lIns="91425" spcFirstLastPara="1" rIns="91425" wrap="square" tIns="91425">
+          <a:bodyPr spcFirstLastPara="1" wrap="square" lIns="91425" tIns="91425" rIns="91425" bIns="91425" anchor="t" anchorCtr="0">
             <a:normAutofit/>
           </a:bodyPr>
           <a:lstStyle>
@@ -6181,15 +6172,19 @@
               <a:defRPr sz="3000"/>
             </a:lvl9pPr>
           </a:lstStyle>
-          <a:p/>
+          <a:p>
+            <a:endParaRPr/>
+          </a:p>
         </p:txBody>
       </p:sp>
       <p:sp>
         <p:nvSpPr>
           <p:cNvPr id="55" name="Google Shape;55;p4"/>
-          <p:cNvSpPr txBox="1"/>
+          <p:cNvSpPr txBox="1">
+            <a:spLocks noGrp="1"/>
+          </p:cNvSpPr>
           <p:nvPr>
-            <p:ph idx="1" type="body"/>
+            <p:ph type="body" idx="1"/>
           </p:nvPr>
         </p:nvSpPr>
         <p:spPr>
@@ -6202,11 +6197,11 @@
           </a:prstGeom>
         </p:spPr>
         <p:txBody>
-          <a:bodyPr anchorCtr="0" anchor="t" bIns="91425" lIns="91425" spcFirstLastPara="1" rIns="91425" wrap="square" tIns="91425">
+          <a:bodyPr spcFirstLastPara="1" wrap="square" lIns="91425" tIns="91425" rIns="91425" bIns="91425" anchor="t" anchorCtr="0">
             <a:normAutofit/>
           </a:bodyPr>
           <a:lstStyle>
-            <a:lvl1pPr indent="-311150" lvl="0" marL="457200">
+            <a:lvl1pPr marL="457200" lvl="0" indent="-311150">
               <a:spcBef>
                 <a:spcPts val="0"/>
               </a:spcBef>
@@ -6217,7 +6212,7 @@
               <a:buChar char="●"/>
               <a:defRPr/>
             </a:lvl1pPr>
-            <a:lvl2pPr indent="-298450" lvl="1" marL="914400">
+            <a:lvl2pPr marL="914400" lvl="1" indent="-298450">
               <a:spcBef>
                 <a:spcPts val="0"/>
               </a:spcBef>
@@ -6228,7 +6223,7 @@
               <a:buChar char="○"/>
               <a:defRPr/>
             </a:lvl2pPr>
-            <a:lvl3pPr indent="-298450" lvl="2" marL="1371600">
+            <a:lvl3pPr marL="1371600" lvl="2" indent="-298450">
               <a:spcBef>
                 <a:spcPts val="0"/>
               </a:spcBef>
@@ -6239,7 +6234,7 @@
               <a:buChar char="■"/>
               <a:defRPr/>
             </a:lvl3pPr>
-            <a:lvl4pPr indent="-298450" lvl="3" marL="1828800">
+            <a:lvl4pPr marL="1828800" lvl="3" indent="-298450">
               <a:spcBef>
                 <a:spcPts val="0"/>
               </a:spcBef>
@@ -6250,7 +6245,7 @@
               <a:buChar char="●"/>
               <a:defRPr/>
             </a:lvl4pPr>
-            <a:lvl5pPr indent="-298450" lvl="4" marL="2286000">
+            <a:lvl5pPr marL="2286000" lvl="4" indent="-298450">
               <a:spcBef>
                 <a:spcPts val="0"/>
               </a:spcBef>
@@ -6261,7 +6256,7 @@
               <a:buChar char="○"/>
               <a:defRPr/>
             </a:lvl5pPr>
-            <a:lvl6pPr indent="-298450" lvl="5" marL="2743200">
+            <a:lvl6pPr marL="2743200" lvl="5" indent="-298450">
               <a:spcBef>
                 <a:spcPts val="0"/>
               </a:spcBef>
@@ -6272,7 +6267,7 @@
               <a:buChar char="■"/>
               <a:defRPr/>
             </a:lvl6pPr>
-            <a:lvl7pPr indent="-298450" lvl="6" marL="3200400">
+            <a:lvl7pPr marL="3200400" lvl="6" indent="-298450">
               <a:spcBef>
                 <a:spcPts val="0"/>
               </a:spcBef>
@@ -6283,7 +6278,7 @@
               <a:buChar char="●"/>
               <a:defRPr/>
             </a:lvl7pPr>
-            <a:lvl8pPr indent="-298450" lvl="7" marL="3657600">
+            <a:lvl8pPr marL="3657600" lvl="7" indent="-298450">
               <a:spcBef>
                 <a:spcPts val="0"/>
               </a:spcBef>
@@ -6294,7 +6289,7 @@
               <a:buChar char="○"/>
               <a:defRPr/>
             </a:lvl8pPr>
-            <a:lvl9pPr indent="-298450" lvl="8" marL="4114800">
+            <a:lvl9pPr marL="4114800" lvl="8" indent="-298450">
               <a:spcBef>
                 <a:spcPts val="0"/>
               </a:spcBef>
@@ -6306,15 +6301,19 @@
               <a:defRPr/>
             </a:lvl9pPr>
           </a:lstStyle>
-          <a:p/>
+          <a:p>
+            <a:endParaRPr/>
+          </a:p>
         </p:txBody>
       </p:sp>
       <p:sp>
         <p:nvSpPr>
           <p:cNvPr id="56" name="Google Shape;56;p4"/>
-          <p:cNvSpPr txBox="1"/>
+          <p:cNvSpPr txBox="1">
+            <a:spLocks noGrp="1"/>
+          </p:cNvSpPr>
           <p:nvPr>
-            <p:ph idx="12" type="sldNum"/>
+            <p:ph type="sldNum" idx="12"/>
           </p:nvPr>
         </p:nvSpPr>
         <p:spPr>
@@ -6327,7 +6326,7 @@
           </a:prstGeom>
         </p:spPr>
         <p:txBody>
-          <a:bodyPr anchorCtr="0" anchor="ctr" bIns="91425" lIns="91425" spcFirstLastPara="1" rIns="91425" wrap="square" tIns="91425">
+          <a:bodyPr spcFirstLastPara="1" wrap="square" lIns="91425" tIns="91425" rIns="91425" bIns="91425" anchor="ctr" anchorCtr="0">
             <a:normAutofit/>
           </a:bodyPr>
           <a:lstStyle>
@@ -6369,7 +6368,7 @@
             </a:lvl9pPr>
           </a:lstStyle>
           <a:p>
-            <a:pPr indent="0" lvl="0" marL="0" rtl="0" algn="r">
+            <a:pPr marL="0" lvl="0" indent="0" algn="r" rtl="0">
               <a:spcBef>
                 <a:spcPts val="0"/>
               </a:spcBef>
@@ -6380,7 +6379,7 @@
             </a:pPr>
             <a:fld id="{00000000-1234-1234-1234-123412341234}" type="slidenum">
               <a:rPr lang="de"/>
-              <a:t>‹#›</a:t>
+              <a:t>‹Nr.›</a:t>
             </a:fld>
             <a:endParaRPr/>
           </a:p>
@@ -6423,18 +6422,19 @@
 </file>
 
 <file path=ppt/slideLayouts/slideLayout4.xml><?xml version="1.0" encoding="utf-8"?>
-<p:sldLayout xmlns:a="http://schemas.openxmlformats.org/drawingml/2006/main" xmlns:r="http://schemas.openxmlformats.org/officeDocument/2006/relationships" xmlns:mc="http://schemas.openxmlformats.org/markup-compatibility/2006" xmlns:mv="urn:schemas-microsoft-com:mac:vml" xmlns:p="http://schemas.openxmlformats.org/presentationml/2006/main" xmlns:c="http://schemas.openxmlformats.org/drawingml/2006/chart" xmlns:dgm="http://schemas.openxmlformats.org/drawingml/2006/diagram" xmlns:o="urn:schemas-microsoft-com:office:office" xmlns:v="urn:schemas-microsoft-com:vml" xmlns:pvml="urn:schemas-microsoft-com:office:powerpoint" xmlns:com="http://schemas.openxmlformats.org/drawingml/2006/compatibility" xmlns:p14="http://schemas.microsoft.com/office/powerpoint/2010/main" xmlns:p15="http://schemas.microsoft.com/office/powerpoint/2012/main" xmlns:ahyp="http://schemas.microsoft.com/office/drawing/2018/hyperlinkcolor" matchingName="Title and two columns" type="twoColTx">
+<p:sldLayout xmlns:a="http://schemas.openxmlformats.org/drawingml/2006/main" xmlns:r="http://schemas.openxmlformats.org/officeDocument/2006/relationships" xmlns:p="http://schemas.openxmlformats.org/presentationml/2006/main" matchingName="Title and two columns" type="twoColTx">
   <p:cSld name="TITLE_AND_TWO_COLUMNS">
     <p:bg>
       <p:bgPr>
         <a:solidFill>
           <a:schemeClr val="dk2"/>
         </a:solidFill>
+        <a:effectLst/>
       </p:bgPr>
     </p:bg>
     <p:spTree>
       <p:nvGrpSpPr>
-        <p:cNvPr id="58" name="Shape 58"/>
+        <p:cNvPr id="1" name="Shape 58"/>
         <p:cNvGrpSpPr/>
         <p:nvPr/>
       </p:nvGrpSpPr>
@@ -6468,12 +6468,12 @@
           </a:ln>
         </p:spPr>
         <p:txBody>
-          <a:bodyPr anchorCtr="0" anchor="ctr" bIns="91425" lIns="91425" spcFirstLastPara="1" rIns="91425" wrap="square" tIns="91425">
+          <a:bodyPr spcFirstLastPara="1" wrap="square" lIns="91425" tIns="91425" rIns="91425" bIns="91425" anchor="ctr" anchorCtr="0">
             <a:noAutofit/>
           </a:bodyPr>
           <a:lstStyle/>
           <a:p>
-            <a:pPr indent="0" lvl="0" marL="0" rtl="0" algn="l">
+            <a:pPr marL="0" lvl="0" indent="0" algn="l" rtl="0">
               <a:spcBef>
                 <a:spcPts val="0"/>
               </a:spcBef>
@@ -6482,9 +6482,6 @@
               </a:spcAft>
               <a:buNone/>
             </a:pPr>
-            <a:r>
-              <a:t/>
-            </a:r>
             <a:endParaRPr/>
           </a:p>
         </p:txBody>
@@ -6511,12 +6508,12 @@
           </a:ln>
         </p:spPr>
         <p:txBody>
-          <a:bodyPr anchorCtr="0" anchor="ctr" bIns="91425" lIns="91425" spcFirstLastPara="1" rIns="91425" wrap="square" tIns="91425">
+          <a:bodyPr spcFirstLastPara="1" wrap="square" lIns="91425" tIns="91425" rIns="91425" bIns="91425" anchor="ctr" anchorCtr="0">
             <a:noAutofit/>
           </a:bodyPr>
           <a:lstStyle/>
           <a:p>
-            <a:pPr indent="0" lvl="0" marL="0" rtl="0" algn="l">
+            <a:pPr marL="0" lvl="0" indent="0" algn="l" rtl="0">
               <a:spcBef>
                 <a:spcPts val="0"/>
               </a:spcBef>
@@ -6525,9 +6522,6 @@
               </a:spcAft>
               <a:buNone/>
             </a:pPr>
-            <a:r>
-              <a:t/>
-            </a:r>
             <a:endParaRPr/>
           </a:p>
         </p:txBody>
@@ -6553,7 +6547,7 @@
             <a:noFill/>
           </a:ln>
           <a:effectLst>
-            <a:outerShdw blurRad="228600" sx="101000" rotWithShape="0" algn="ctr" sy="101000">
+            <a:outerShdw blurRad="228600" sx="101000" sy="101000" algn="ctr" rotWithShape="0">
               <a:srgbClr val="000000">
                 <a:alpha val="40000"/>
               </a:srgbClr>
@@ -6561,12 +6555,12 @@
           </a:effectLst>
         </p:spPr>
         <p:txBody>
-          <a:bodyPr anchorCtr="0" anchor="ctr" bIns="91425" lIns="91425" spcFirstLastPara="1" rIns="91425" wrap="square" tIns="91425">
+          <a:bodyPr spcFirstLastPara="1" wrap="square" lIns="91425" tIns="91425" rIns="91425" bIns="91425" anchor="ctr" anchorCtr="0">
             <a:noAutofit/>
           </a:bodyPr>
           <a:lstStyle/>
           <a:p>
-            <a:pPr indent="0" lvl="0" marL="0" rtl="0" algn="l">
+            <a:pPr marL="0" lvl="0" indent="0" algn="l" rtl="0">
               <a:spcBef>
                 <a:spcPts val="0"/>
               </a:spcBef>
@@ -6575,9 +6569,6 @@
               </a:spcAft>
               <a:buNone/>
             </a:pPr>
-            <a:r>
-              <a:t/>
-            </a:r>
             <a:endParaRPr/>
           </a:p>
         </p:txBody>
@@ -6585,7 +6576,9 @@
       <p:sp>
         <p:nvSpPr>
           <p:cNvPr id="62" name="Google Shape;62;p5"/>
-          <p:cNvSpPr txBox="1"/>
+          <p:cNvSpPr txBox="1">
+            <a:spLocks noGrp="1"/>
+          </p:cNvSpPr>
           <p:nvPr>
             <p:ph type="title"/>
           </p:nvPr>
@@ -6600,7 +6593,7 @@
           </a:prstGeom>
         </p:spPr>
         <p:txBody>
-          <a:bodyPr anchorCtr="0" anchor="t" bIns="91425" lIns="91425" spcFirstLastPara="1" rIns="91425" wrap="square" tIns="91425">
+          <a:bodyPr spcFirstLastPara="1" wrap="square" lIns="91425" tIns="91425" rIns="91425" bIns="91425" anchor="t" anchorCtr="0">
             <a:normAutofit/>
           </a:bodyPr>
           <a:lstStyle>
@@ -6704,15 +6697,19 @@
               <a:defRPr sz="3000"/>
             </a:lvl9pPr>
           </a:lstStyle>
-          <a:p/>
+          <a:p>
+            <a:endParaRPr/>
+          </a:p>
         </p:txBody>
       </p:sp>
       <p:sp>
         <p:nvSpPr>
           <p:cNvPr id="63" name="Google Shape;63;p5"/>
-          <p:cNvSpPr txBox="1"/>
+          <p:cNvSpPr txBox="1">
+            <a:spLocks noGrp="1"/>
+          </p:cNvSpPr>
           <p:nvPr>
-            <p:ph idx="1" type="body"/>
+            <p:ph type="body" idx="1"/>
           </p:nvPr>
         </p:nvSpPr>
         <p:spPr>
@@ -6725,11 +6722,11 @@
           </a:prstGeom>
         </p:spPr>
         <p:txBody>
-          <a:bodyPr anchorCtr="0" anchor="t" bIns="91425" lIns="91425" spcFirstLastPara="1" rIns="91425" wrap="square" tIns="91425">
+          <a:bodyPr spcFirstLastPara="1" wrap="square" lIns="91425" tIns="91425" rIns="91425" bIns="91425" anchor="t" anchorCtr="0">
             <a:normAutofit/>
           </a:bodyPr>
           <a:lstStyle>
-            <a:lvl1pPr indent="-311150" lvl="0" marL="457200">
+            <a:lvl1pPr marL="457200" lvl="0" indent="-311150">
               <a:spcBef>
                 <a:spcPts val="0"/>
               </a:spcBef>
@@ -6740,7 +6737,7 @@
               <a:buChar char="●"/>
               <a:defRPr/>
             </a:lvl1pPr>
-            <a:lvl2pPr indent="-298450" lvl="1" marL="914400">
+            <a:lvl2pPr marL="914400" lvl="1" indent="-298450">
               <a:spcBef>
                 <a:spcPts val="0"/>
               </a:spcBef>
@@ -6751,7 +6748,7 @@
               <a:buChar char="○"/>
               <a:defRPr/>
             </a:lvl2pPr>
-            <a:lvl3pPr indent="-298450" lvl="2" marL="1371600">
+            <a:lvl3pPr marL="1371600" lvl="2" indent="-298450">
               <a:spcBef>
                 <a:spcPts val="0"/>
               </a:spcBef>
@@ -6762,7 +6759,7 @@
               <a:buChar char="■"/>
               <a:defRPr/>
             </a:lvl3pPr>
-            <a:lvl4pPr indent="-298450" lvl="3" marL="1828800">
+            <a:lvl4pPr marL="1828800" lvl="3" indent="-298450">
               <a:spcBef>
                 <a:spcPts val="0"/>
               </a:spcBef>
@@ -6773,7 +6770,7 @@
               <a:buChar char="●"/>
               <a:defRPr/>
             </a:lvl4pPr>
-            <a:lvl5pPr indent="-298450" lvl="4" marL="2286000">
+            <a:lvl5pPr marL="2286000" lvl="4" indent="-298450">
               <a:spcBef>
                 <a:spcPts val="0"/>
               </a:spcBef>
@@ -6784,7 +6781,7 @@
               <a:buChar char="○"/>
               <a:defRPr/>
             </a:lvl5pPr>
-            <a:lvl6pPr indent="-298450" lvl="5" marL="2743200">
+            <a:lvl6pPr marL="2743200" lvl="5" indent="-298450">
               <a:spcBef>
                 <a:spcPts val="0"/>
               </a:spcBef>
@@ -6795,7 +6792,7 @@
               <a:buChar char="■"/>
               <a:defRPr/>
             </a:lvl6pPr>
-            <a:lvl7pPr indent="-298450" lvl="6" marL="3200400">
+            <a:lvl7pPr marL="3200400" lvl="6" indent="-298450">
               <a:spcBef>
                 <a:spcPts val="0"/>
               </a:spcBef>
@@ -6806,7 +6803,7 @@
               <a:buChar char="●"/>
               <a:defRPr/>
             </a:lvl7pPr>
-            <a:lvl8pPr indent="-298450" lvl="7" marL="3657600">
+            <a:lvl8pPr marL="3657600" lvl="7" indent="-298450">
               <a:spcBef>
                 <a:spcPts val="0"/>
               </a:spcBef>
@@ -6817,7 +6814,7 @@
               <a:buChar char="○"/>
               <a:defRPr/>
             </a:lvl8pPr>
-            <a:lvl9pPr indent="-298450" lvl="8" marL="4114800">
+            <a:lvl9pPr marL="4114800" lvl="8" indent="-298450">
               <a:spcBef>
                 <a:spcPts val="0"/>
               </a:spcBef>
@@ -6829,15 +6826,19 @@
               <a:defRPr/>
             </a:lvl9pPr>
           </a:lstStyle>
-          <a:p/>
+          <a:p>
+            <a:endParaRPr/>
+          </a:p>
         </p:txBody>
       </p:sp>
       <p:sp>
         <p:nvSpPr>
           <p:cNvPr id="64" name="Google Shape;64;p5"/>
-          <p:cNvSpPr txBox="1"/>
+          <p:cNvSpPr txBox="1">
+            <a:spLocks noGrp="1"/>
+          </p:cNvSpPr>
           <p:nvPr>
-            <p:ph idx="2" type="body"/>
+            <p:ph type="body" idx="2"/>
           </p:nvPr>
         </p:nvSpPr>
         <p:spPr>
@@ -6850,11 +6851,11 @@
           </a:prstGeom>
         </p:spPr>
         <p:txBody>
-          <a:bodyPr anchorCtr="0" anchor="t" bIns="91425" lIns="91425" spcFirstLastPara="1" rIns="91425" wrap="square" tIns="91425">
+          <a:bodyPr spcFirstLastPara="1" wrap="square" lIns="91425" tIns="91425" rIns="91425" bIns="91425" anchor="t" anchorCtr="0">
             <a:normAutofit/>
           </a:bodyPr>
           <a:lstStyle>
-            <a:lvl1pPr indent="-311150" lvl="0" marL="457200">
+            <a:lvl1pPr marL="457200" lvl="0" indent="-311150">
               <a:spcBef>
                 <a:spcPts val="0"/>
               </a:spcBef>
@@ -6865,7 +6866,7 @@
               <a:buChar char="●"/>
               <a:defRPr/>
             </a:lvl1pPr>
-            <a:lvl2pPr indent="-298450" lvl="1" marL="914400">
+            <a:lvl2pPr marL="914400" lvl="1" indent="-298450">
               <a:spcBef>
                 <a:spcPts val="0"/>
               </a:spcBef>
@@ -6876,7 +6877,7 @@
               <a:buChar char="○"/>
               <a:defRPr/>
             </a:lvl2pPr>
-            <a:lvl3pPr indent="-298450" lvl="2" marL="1371600">
+            <a:lvl3pPr marL="1371600" lvl="2" indent="-298450">
               <a:spcBef>
                 <a:spcPts val="0"/>
               </a:spcBef>
@@ -6887,7 +6888,7 @@
               <a:buChar char="■"/>
               <a:defRPr/>
             </a:lvl3pPr>
-            <a:lvl4pPr indent="-298450" lvl="3" marL="1828800">
+            <a:lvl4pPr marL="1828800" lvl="3" indent="-298450">
               <a:spcBef>
                 <a:spcPts val="0"/>
               </a:spcBef>
@@ -6898,7 +6899,7 @@
               <a:buChar char="●"/>
               <a:defRPr/>
             </a:lvl4pPr>
-            <a:lvl5pPr indent="-298450" lvl="4" marL="2286000">
+            <a:lvl5pPr marL="2286000" lvl="4" indent="-298450">
               <a:spcBef>
                 <a:spcPts val="0"/>
               </a:spcBef>
@@ -6909,7 +6910,7 @@
               <a:buChar char="○"/>
               <a:defRPr/>
             </a:lvl5pPr>
-            <a:lvl6pPr indent="-298450" lvl="5" marL="2743200">
+            <a:lvl6pPr marL="2743200" lvl="5" indent="-298450">
               <a:spcBef>
                 <a:spcPts val="0"/>
               </a:spcBef>
@@ -6920,7 +6921,7 @@
               <a:buChar char="■"/>
               <a:defRPr/>
             </a:lvl6pPr>
-            <a:lvl7pPr indent="-298450" lvl="6" marL="3200400">
+            <a:lvl7pPr marL="3200400" lvl="6" indent="-298450">
               <a:spcBef>
                 <a:spcPts val="0"/>
               </a:spcBef>
@@ -6931,7 +6932,7 @@
               <a:buChar char="●"/>
               <a:defRPr/>
             </a:lvl7pPr>
-            <a:lvl8pPr indent="-298450" lvl="7" marL="3657600">
+            <a:lvl8pPr marL="3657600" lvl="7" indent="-298450">
               <a:spcBef>
                 <a:spcPts val="0"/>
               </a:spcBef>
@@ -6942,7 +6943,7 @@
               <a:buChar char="○"/>
               <a:defRPr/>
             </a:lvl8pPr>
-            <a:lvl9pPr indent="-298450" lvl="8" marL="4114800">
+            <a:lvl9pPr marL="4114800" lvl="8" indent="-298450">
               <a:spcBef>
                 <a:spcPts val="0"/>
               </a:spcBef>
@@ -6954,15 +6955,19 @@
               <a:defRPr/>
             </a:lvl9pPr>
           </a:lstStyle>
-          <a:p/>
+          <a:p>
+            <a:endParaRPr/>
+          </a:p>
         </p:txBody>
       </p:sp>
       <p:sp>
         <p:nvSpPr>
           <p:cNvPr id="65" name="Google Shape;65;p5"/>
-          <p:cNvSpPr txBox="1"/>
+          <p:cNvSpPr txBox="1">
+            <a:spLocks noGrp="1"/>
+          </p:cNvSpPr>
           <p:nvPr>
-            <p:ph idx="12" type="sldNum"/>
+            <p:ph type="sldNum" idx="12"/>
           </p:nvPr>
         </p:nvSpPr>
         <p:spPr>
@@ -6975,7 +6980,7 @@
           </a:prstGeom>
         </p:spPr>
         <p:txBody>
-          <a:bodyPr anchorCtr="0" anchor="ctr" bIns="91425" lIns="91425" spcFirstLastPara="1" rIns="91425" wrap="square" tIns="91425">
+          <a:bodyPr spcFirstLastPara="1" wrap="square" lIns="91425" tIns="91425" rIns="91425" bIns="91425" anchor="ctr" anchorCtr="0">
             <a:normAutofit/>
           </a:bodyPr>
           <a:lstStyle>
@@ -7017,7 +7022,7 @@
             </a:lvl9pPr>
           </a:lstStyle>
           <a:p>
-            <a:pPr indent="0" lvl="0" marL="0" rtl="0" algn="r">
+            <a:pPr marL="0" lvl="0" indent="0" algn="r" rtl="0">
               <a:spcBef>
                 <a:spcPts val="0"/>
               </a:spcBef>
@@ -7028,7 +7033,7 @@
             </a:pPr>
             <a:fld id="{00000000-1234-1234-1234-123412341234}" type="slidenum">
               <a:rPr lang="de"/>
-              <a:t>‹#›</a:t>
+              <a:t>‹Nr.›</a:t>
             </a:fld>
             <a:endParaRPr/>
           </a:p>
@@ -7043,18 +7048,19 @@
 </file>
 
 <file path=ppt/slideLayouts/slideLayout5.xml><?xml version="1.0" encoding="utf-8"?>
-<p:sldLayout xmlns:a="http://schemas.openxmlformats.org/drawingml/2006/main" xmlns:r="http://schemas.openxmlformats.org/officeDocument/2006/relationships" xmlns:mc="http://schemas.openxmlformats.org/markup-compatibility/2006" xmlns:mv="urn:schemas-microsoft-com:mac:vml" xmlns:p="http://schemas.openxmlformats.org/presentationml/2006/main" xmlns:c="http://schemas.openxmlformats.org/drawingml/2006/chart" xmlns:dgm="http://schemas.openxmlformats.org/drawingml/2006/diagram" xmlns:o="urn:schemas-microsoft-com:office:office" xmlns:v="urn:schemas-microsoft-com:vml" xmlns:pvml="urn:schemas-microsoft-com:office:powerpoint" xmlns:com="http://schemas.openxmlformats.org/drawingml/2006/compatibility" xmlns:p14="http://schemas.microsoft.com/office/powerpoint/2010/main" xmlns:p15="http://schemas.microsoft.com/office/powerpoint/2012/main" xmlns:ahyp="http://schemas.microsoft.com/office/drawing/2018/hyperlinkcolor" matchingName="Title only" type="titleOnly">
+<p:sldLayout xmlns:a="http://schemas.openxmlformats.org/drawingml/2006/main" xmlns:r="http://schemas.openxmlformats.org/officeDocument/2006/relationships" xmlns:p="http://schemas.openxmlformats.org/presentationml/2006/main" matchingName="Title only" type="titleOnly">
   <p:cSld name="TITLE_ONLY">
     <p:bg>
       <p:bgPr>
         <a:solidFill>
           <a:schemeClr val="dk2"/>
         </a:solidFill>
+        <a:effectLst/>
       </p:bgPr>
     </p:bg>
     <p:spTree>
       <p:nvGrpSpPr>
-        <p:cNvPr id="66" name="Shape 66"/>
+        <p:cNvPr id="1" name="Shape 66"/>
         <p:cNvGrpSpPr/>
         <p:nvPr/>
       </p:nvGrpSpPr>
@@ -7088,12 +7094,12 @@
           </a:ln>
         </p:spPr>
         <p:txBody>
-          <a:bodyPr anchorCtr="0" anchor="ctr" bIns="91425" lIns="91425" spcFirstLastPara="1" rIns="91425" wrap="square" tIns="91425">
+          <a:bodyPr spcFirstLastPara="1" wrap="square" lIns="91425" tIns="91425" rIns="91425" bIns="91425" anchor="ctr" anchorCtr="0">
             <a:noAutofit/>
           </a:bodyPr>
           <a:lstStyle/>
           <a:p>
-            <a:pPr indent="0" lvl="0" marL="0" rtl="0" algn="l">
+            <a:pPr marL="0" lvl="0" indent="0" algn="l" rtl="0">
               <a:spcBef>
                 <a:spcPts val="0"/>
               </a:spcBef>
@@ -7102,9 +7108,6 @@
               </a:spcAft>
               <a:buNone/>
             </a:pPr>
-            <a:r>
-              <a:t/>
-            </a:r>
             <a:endParaRPr/>
           </a:p>
         </p:txBody>
@@ -7131,12 +7134,12 @@
           </a:ln>
         </p:spPr>
         <p:txBody>
-          <a:bodyPr anchorCtr="0" anchor="ctr" bIns="91425" lIns="91425" spcFirstLastPara="1" rIns="91425" wrap="square" tIns="91425">
+          <a:bodyPr spcFirstLastPara="1" wrap="square" lIns="91425" tIns="91425" rIns="91425" bIns="91425" anchor="ctr" anchorCtr="0">
             <a:noAutofit/>
           </a:bodyPr>
           <a:lstStyle/>
           <a:p>
-            <a:pPr indent="0" lvl="0" marL="0" rtl="0" algn="l">
+            <a:pPr marL="0" lvl="0" indent="0" algn="l" rtl="0">
               <a:spcBef>
                 <a:spcPts val="0"/>
               </a:spcBef>
@@ -7145,9 +7148,6 @@
               </a:spcAft>
               <a:buNone/>
             </a:pPr>
-            <a:r>
-              <a:t/>
-            </a:r>
             <a:endParaRPr/>
           </a:p>
         </p:txBody>
@@ -7173,7 +7173,7 @@
             <a:noFill/>
           </a:ln>
           <a:effectLst>
-            <a:outerShdw blurRad="228600" sx="101000" rotWithShape="0" algn="ctr" sy="101000">
+            <a:outerShdw blurRad="228600" sx="101000" sy="101000" algn="ctr" rotWithShape="0">
               <a:srgbClr val="000000">
                 <a:alpha val="40000"/>
               </a:srgbClr>
@@ -7181,12 +7181,12 @@
           </a:effectLst>
         </p:spPr>
         <p:txBody>
-          <a:bodyPr anchorCtr="0" anchor="ctr" bIns="91425" lIns="91425" spcFirstLastPara="1" rIns="91425" wrap="square" tIns="91425">
+          <a:bodyPr spcFirstLastPara="1" wrap="square" lIns="91425" tIns="91425" rIns="91425" bIns="91425" anchor="ctr" anchorCtr="0">
             <a:noAutofit/>
           </a:bodyPr>
           <a:lstStyle/>
           <a:p>
-            <a:pPr indent="0" lvl="0" marL="0" rtl="0" algn="l">
+            <a:pPr marL="0" lvl="0" indent="0" algn="l" rtl="0">
               <a:spcBef>
                 <a:spcPts val="0"/>
               </a:spcBef>
@@ -7195,9 +7195,6 @@
               </a:spcAft>
               <a:buNone/>
             </a:pPr>
-            <a:r>
-              <a:t/>
-            </a:r>
             <a:endParaRPr/>
           </a:p>
         </p:txBody>
@@ -7205,7 +7202,9 @@
       <p:sp>
         <p:nvSpPr>
           <p:cNvPr id="70" name="Google Shape;70;p6"/>
-          <p:cNvSpPr txBox="1"/>
+          <p:cNvSpPr txBox="1">
+            <a:spLocks noGrp="1"/>
+          </p:cNvSpPr>
           <p:nvPr>
             <p:ph type="title"/>
           </p:nvPr>
@@ -7220,7 +7219,7 @@
           </a:prstGeom>
         </p:spPr>
         <p:txBody>
-          <a:bodyPr anchorCtr="0" anchor="t" bIns="91425" lIns="91425" spcFirstLastPara="1" rIns="91425" wrap="square" tIns="91425">
+          <a:bodyPr spcFirstLastPara="1" wrap="square" lIns="91425" tIns="91425" rIns="91425" bIns="91425" anchor="t" anchorCtr="0">
             <a:normAutofit/>
           </a:bodyPr>
           <a:lstStyle>
@@ -7324,15 +7323,19 @@
               <a:defRPr sz="3000"/>
             </a:lvl9pPr>
           </a:lstStyle>
-          <a:p/>
+          <a:p>
+            <a:endParaRPr/>
+          </a:p>
         </p:txBody>
       </p:sp>
       <p:sp>
         <p:nvSpPr>
           <p:cNvPr id="71" name="Google Shape;71;p6"/>
-          <p:cNvSpPr txBox="1"/>
+          <p:cNvSpPr txBox="1">
+            <a:spLocks noGrp="1"/>
+          </p:cNvSpPr>
           <p:nvPr>
-            <p:ph idx="12" type="sldNum"/>
+            <p:ph type="sldNum" idx="12"/>
           </p:nvPr>
         </p:nvSpPr>
         <p:spPr>
@@ -7345,7 +7348,7 @@
           </a:prstGeom>
         </p:spPr>
         <p:txBody>
-          <a:bodyPr anchorCtr="0" anchor="ctr" bIns="91425" lIns="91425" spcFirstLastPara="1" rIns="91425" wrap="square" tIns="91425">
+          <a:bodyPr spcFirstLastPara="1" wrap="square" lIns="91425" tIns="91425" rIns="91425" bIns="91425" anchor="ctr" anchorCtr="0">
             <a:normAutofit/>
           </a:bodyPr>
           <a:lstStyle>
@@ -7387,7 +7390,7 @@
             </a:lvl9pPr>
           </a:lstStyle>
           <a:p>
-            <a:pPr indent="0" lvl="0" marL="0" rtl="0" algn="r">
+            <a:pPr marL="0" lvl="0" indent="0" algn="r" rtl="0">
               <a:spcBef>
                 <a:spcPts val="0"/>
               </a:spcBef>
@@ -7398,7 +7401,7 @@
             </a:pPr>
             <a:fld id="{00000000-1234-1234-1234-123412341234}" type="slidenum">
               <a:rPr lang="de"/>
-              <a:t>‹#›</a:t>
+              <a:t>‹Nr.›</a:t>
             </a:fld>
             <a:endParaRPr/>
           </a:p>
@@ -7413,18 +7416,19 @@
 </file>
 
 <file path=ppt/slideLayouts/slideLayout6.xml><?xml version="1.0" encoding="utf-8"?>
-<p:sldLayout xmlns:a="http://schemas.openxmlformats.org/drawingml/2006/main" xmlns:r="http://schemas.openxmlformats.org/officeDocument/2006/relationships" xmlns:mc="http://schemas.openxmlformats.org/markup-compatibility/2006" xmlns:mv="urn:schemas-microsoft-com:mac:vml" xmlns:p="http://schemas.openxmlformats.org/presentationml/2006/main" xmlns:c="http://schemas.openxmlformats.org/drawingml/2006/chart" xmlns:dgm="http://schemas.openxmlformats.org/drawingml/2006/diagram" xmlns:o="urn:schemas-microsoft-com:office:office" xmlns:v="urn:schemas-microsoft-com:vml" xmlns:pvml="urn:schemas-microsoft-com:office:powerpoint" xmlns:com="http://schemas.openxmlformats.org/drawingml/2006/compatibility" xmlns:p14="http://schemas.microsoft.com/office/powerpoint/2010/main" xmlns:p15="http://schemas.microsoft.com/office/powerpoint/2012/main" xmlns:ahyp="http://schemas.microsoft.com/office/drawing/2018/hyperlinkcolor" matchingName="One column text">
+<p:sldLayout xmlns:a="http://schemas.openxmlformats.org/drawingml/2006/main" xmlns:r="http://schemas.openxmlformats.org/officeDocument/2006/relationships" xmlns:p="http://schemas.openxmlformats.org/presentationml/2006/main" matchingName="One column text">
   <p:cSld name="ONE_COLUMN_TEXT">
     <p:bg>
       <p:bgPr>
         <a:solidFill>
           <a:schemeClr val="accent3"/>
         </a:solidFill>
+        <a:effectLst/>
       </p:bgPr>
     </p:bg>
     <p:spTree>
       <p:nvGrpSpPr>
-        <p:cNvPr id="72" name="Shape 72"/>
+        <p:cNvPr id="1" name="Shape 72"/>
         <p:cNvGrpSpPr/>
         <p:nvPr/>
       </p:nvGrpSpPr>
@@ -7458,12 +7462,12 @@
           </a:ln>
         </p:spPr>
         <p:txBody>
-          <a:bodyPr anchorCtr="0" anchor="ctr" bIns="91425" lIns="91425" spcFirstLastPara="1" rIns="91425" wrap="square" tIns="91425">
+          <a:bodyPr spcFirstLastPara="1" wrap="square" lIns="91425" tIns="91425" rIns="91425" bIns="91425" anchor="ctr" anchorCtr="0">
             <a:noAutofit/>
           </a:bodyPr>
           <a:lstStyle/>
           <a:p>
-            <a:pPr indent="0" lvl="0" marL="0" rtl="0" algn="l">
+            <a:pPr marL="0" lvl="0" indent="0" algn="l" rtl="0">
               <a:spcBef>
                 <a:spcPts val="0"/>
               </a:spcBef>
@@ -7472,9 +7476,6 @@
               </a:spcAft>
               <a:buNone/>
             </a:pPr>
-            <a:r>
-              <a:t/>
-            </a:r>
             <a:endParaRPr/>
           </a:p>
         </p:txBody>
@@ -7501,12 +7502,12 @@
           </a:ln>
         </p:spPr>
         <p:txBody>
-          <a:bodyPr anchorCtr="0" anchor="ctr" bIns="91425" lIns="91425" spcFirstLastPara="1" rIns="91425" wrap="square" tIns="91425">
+          <a:bodyPr spcFirstLastPara="1" wrap="square" lIns="91425" tIns="91425" rIns="91425" bIns="91425" anchor="ctr" anchorCtr="0">
             <a:noAutofit/>
           </a:bodyPr>
           <a:lstStyle/>
           <a:p>
-            <a:pPr indent="0" lvl="0" marL="0" rtl="0" algn="l">
+            <a:pPr marL="0" lvl="0" indent="0" algn="l" rtl="0">
               <a:spcBef>
                 <a:spcPts val="0"/>
               </a:spcBef>
@@ -7515,9 +7516,6 @@
               </a:spcAft>
               <a:buNone/>
             </a:pPr>
-            <a:r>
-              <a:t/>
-            </a:r>
             <a:endParaRPr/>
           </a:p>
         </p:txBody>
@@ -7543,7 +7541,7 @@
             <a:noFill/>
           </a:ln>
           <a:effectLst>
-            <a:outerShdw blurRad="228600" sx="101000" rotWithShape="0" algn="ctr" sy="101000">
+            <a:outerShdw blurRad="228600" sx="101000" sy="101000" algn="ctr" rotWithShape="0">
               <a:srgbClr val="000000">
                 <a:alpha val="40000"/>
               </a:srgbClr>
@@ -7551,12 +7549,12 @@
           </a:effectLst>
         </p:spPr>
         <p:txBody>
-          <a:bodyPr anchorCtr="0" anchor="ctr" bIns="91425" lIns="91425" spcFirstLastPara="1" rIns="91425" wrap="square" tIns="91425">
+          <a:bodyPr spcFirstLastPara="1" wrap="square" lIns="91425" tIns="91425" rIns="91425" bIns="91425" anchor="ctr" anchorCtr="0">
             <a:noAutofit/>
           </a:bodyPr>
           <a:lstStyle/>
           <a:p>
-            <a:pPr indent="0" lvl="0" marL="0" rtl="0" algn="l">
+            <a:pPr marL="0" lvl="0" indent="0" algn="l" rtl="0">
               <a:spcBef>
                 <a:spcPts val="0"/>
               </a:spcBef>
@@ -7565,9 +7563,6 @@
               </a:spcAft>
               <a:buNone/>
             </a:pPr>
-            <a:r>
-              <a:t/>
-            </a:r>
             <a:endParaRPr/>
           </a:p>
         </p:txBody>
@@ -7575,7 +7570,9 @@
       <p:sp>
         <p:nvSpPr>
           <p:cNvPr id="76" name="Google Shape;76;p7"/>
-          <p:cNvSpPr txBox="1"/>
+          <p:cNvSpPr txBox="1">
+            <a:spLocks noGrp="1"/>
+          </p:cNvSpPr>
           <p:nvPr>
             <p:ph type="title"/>
           </p:nvPr>
@@ -7590,7 +7587,7 @@
           </a:prstGeom>
         </p:spPr>
         <p:txBody>
-          <a:bodyPr anchorCtr="0" anchor="t" bIns="91425" lIns="91425" spcFirstLastPara="1" rIns="91425" wrap="square" tIns="91425">
+          <a:bodyPr spcFirstLastPara="1" wrap="square" lIns="91425" tIns="91425" rIns="91425" bIns="91425" anchor="t" anchorCtr="0">
             <a:normAutofit/>
           </a:bodyPr>
           <a:lstStyle>
@@ -7694,15 +7691,19 @@
               <a:defRPr sz="3000"/>
             </a:lvl9pPr>
           </a:lstStyle>
-          <a:p/>
+          <a:p>
+            <a:endParaRPr/>
+          </a:p>
         </p:txBody>
       </p:sp>
       <p:sp>
         <p:nvSpPr>
           <p:cNvPr id="77" name="Google Shape;77;p7"/>
-          <p:cNvSpPr txBox="1"/>
+          <p:cNvSpPr txBox="1">
+            <a:spLocks noGrp="1"/>
+          </p:cNvSpPr>
           <p:nvPr>
-            <p:ph idx="1" type="body"/>
+            <p:ph type="body" idx="1"/>
           </p:nvPr>
         </p:nvSpPr>
         <p:spPr>
@@ -7715,11 +7716,11 @@
           </a:prstGeom>
         </p:spPr>
         <p:txBody>
-          <a:bodyPr anchorCtr="0" anchor="t" bIns="91425" lIns="91425" spcFirstLastPara="1" rIns="91425" wrap="square" tIns="91425">
+          <a:bodyPr spcFirstLastPara="1" wrap="square" lIns="91425" tIns="91425" rIns="91425" bIns="91425" anchor="t" anchorCtr="0">
             <a:normAutofit/>
           </a:bodyPr>
           <a:lstStyle>
-            <a:lvl1pPr indent="-311150" lvl="0" marL="457200">
+            <a:lvl1pPr marL="457200" lvl="0" indent="-311150">
               <a:spcBef>
                 <a:spcPts val="0"/>
               </a:spcBef>
@@ -7730,7 +7731,7 @@
               <a:buChar char="●"/>
               <a:defRPr/>
             </a:lvl1pPr>
-            <a:lvl2pPr indent="-298450" lvl="1" marL="914400">
+            <a:lvl2pPr marL="914400" lvl="1" indent="-298450">
               <a:spcBef>
                 <a:spcPts val="0"/>
               </a:spcBef>
@@ -7741,7 +7742,7 @@
               <a:buChar char="○"/>
               <a:defRPr/>
             </a:lvl2pPr>
-            <a:lvl3pPr indent="-298450" lvl="2" marL="1371600">
+            <a:lvl3pPr marL="1371600" lvl="2" indent="-298450">
               <a:spcBef>
                 <a:spcPts val="0"/>
               </a:spcBef>
@@ -7752,7 +7753,7 @@
               <a:buChar char="■"/>
               <a:defRPr/>
             </a:lvl3pPr>
-            <a:lvl4pPr indent="-298450" lvl="3" marL="1828800">
+            <a:lvl4pPr marL="1828800" lvl="3" indent="-298450">
               <a:spcBef>
                 <a:spcPts val="0"/>
               </a:spcBef>
@@ -7763,7 +7764,7 @@
               <a:buChar char="●"/>
               <a:defRPr/>
             </a:lvl4pPr>
-            <a:lvl5pPr indent="-298450" lvl="4" marL="2286000">
+            <a:lvl5pPr marL="2286000" lvl="4" indent="-298450">
               <a:spcBef>
                 <a:spcPts val="0"/>
               </a:spcBef>
@@ -7774,7 +7775,7 @@
               <a:buChar char="○"/>
               <a:defRPr/>
             </a:lvl5pPr>
-            <a:lvl6pPr indent="-298450" lvl="5" marL="2743200">
+            <a:lvl6pPr marL="2743200" lvl="5" indent="-298450">
               <a:spcBef>
                 <a:spcPts val="0"/>
               </a:spcBef>
@@ -7785,7 +7786,7 @@
               <a:buChar char="■"/>
               <a:defRPr/>
             </a:lvl6pPr>
-            <a:lvl7pPr indent="-298450" lvl="6" marL="3200400">
+            <a:lvl7pPr marL="3200400" lvl="6" indent="-298450">
               <a:spcBef>
                 <a:spcPts val="0"/>
               </a:spcBef>
@@ -7796,7 +7797,7 @@
               <a:buChar char="●"/>
               <a:defRPr/>
             </a:lvl7pPr>
-            <a:lvl8pPr indent="-298450" lvl="7" marL="3657600">
+            <a:lvl8pPr marL="3657600" lvl="7" indent="-298450">
               <a:spcBef>
                 <a:spcPts val="0"/>
               </a:spcBef>
@@ -7807,7 +7808,7 @@
               <a:buChar char="○"/>
               <a:defRPr/>
             </a:lvl8pPr>
-            <a:lvl9pPr indent="-298450" lvl="8" marL="4114800">
+            <a:lvl9pPr marL="4114800" lvl="8" indent="-298450">
               <a:spcBef>
                 <a:spcPts val="0"/>
               </a:spcBef>
@@ -7819,15 +7820,19 @@
               <a:defRPr/>
             </a:lvl9pPr>
           </a:lstStyle>
-          <a:p/>
+          <a:p>
+            <a:endParaRPr/>
+          </a:p>
         </p:txBody>
       </p:sp>
       <p:sp>
         <p:nvSpPr>
           <p:cNvPr id="78" name="Google Shape;78;p7"/>
-          <p:cNvSpPr txBox="1"/>
+          <p:cNvSpPr txBox="1">
+            <a:spLocks noGrp="1"/>
+          </p:cNvSpPr>
           <p:nvPr>
-            <p:ph idx="12" type="sldNum"/>
+            <p:ph type="sldNum" idx="12"/>
           </p:nvPr>
         </p:nvSpPr>
         <p:spPr>
@@ -7840,7 +7845,7 @@
           </a:prstGeom>
         </p:spPr>
         <p:txBody>
-          <a:bodyPr anchorCtr="0" anchor="ctr" bIns="91425" lIns="91425" spcFirstLastPara="1" rIns="91425" wrap="square" tIns="91425">
+          <a:bodyPr spcFirstLastPara="1" wrap="square" lIns="91425" tIns="91425" rIns="91425" bIns="91425" anchor="ctr" anchorCtr="0">
             <a:normAutofit/>
           </a:bodyPr>
           <a:lstStyle>
@@ -7882,7 +7887,7 @@
             </a:lvl9pPr>
           </a:lstStyle>
           <a:p>
-            <a:pPr indent="0" lvl="0" marL="0" rtl="0" algn="r">
+            <a:pPr marL="0" lvl="0" indent="0" algn="r" rtl="0">
               <a:spcBef>
                 <a:spcPts val="0"/>
               </a:spcBef>
@@ -7893,7 +7898,7 @@
             </a:pPr>
             <a:fld id="{00000000-1234-1234-1234-123412341234}" type="slidenum">
               <a:rPr lang="de"/>
-              <a:t>‹#›</a:t>
+              <a:t>‹Nr.›</a:t>
             </a:fld>
             <a:endParaRPr/>
           </a:p>
@@ -7908,18 +7913,19 @@
 </file>
 
 <file path=ppt/slideLayouts/slideLayout7.xml><?xml version="1.0" encoding="utf-8"?>
-<p:sldLayout xmlns:a="http://schemas.openxmlformats.org/drawingml/2006/main" xmlns:r="http://schemas.openxmlformats.org/officeDocument/2006/relationships" xmlns:mc="http://schemas.openxmlformats.org/markup-compatibility/2006" xmlns:mv="urn:schemas-microsoft-com:mac:vml" xmlns:p="http://schemas.openxmlformats.org/presentationml/2006/main" xmlns:c="http://schemas.openxmlformats.org/drawingml/2006/chart" xmlns:dgm="http://schemas.openxmlformats.org/drawingml/2006/diagram" xmlns:o="urn:schemas-microsoft-com:office:office" xmlns:v="urn:schemas-microsoft-com:vml" xmlns:pvml="urn:schemas-microsoft-com:office:powerpoint" xmlns:com="http://schemas.openxmlformats.org/drawingml/2006/compatibility" xmlns:p14="http://schemas.microsoft.com/office/powerpoint/2010/main" xmlns:p15="http://schemas.microsoft.com/office/powerpoint/2012/main" xmlns:ahyp="http://schemas.microsoft.com/office/drawing/2018/hyperlinkcolor" matchingName="Main point">
+<p:sldLayout xmlns:a="http://schemas.openxmlformats.org/drawingml/2006/main" xmlns:r="http://schemas.openxmlformats.org/officeDocument/2006/relationships" xmlns:p="http://schemas.openxmlformats.org/presentationml/2006/main" matchingName="Main point">
   <p:cSld name="MAIN_POINT">
     <p:bg>
       <p:bgPr>
         <a:solidFill>
           <a:schemeClr val="accent1"/>
         </a:solidFill>
+        <a:effectLst/>
       </p:bgPr>
     </p:bg>
     <p:spTree>
       <p:nvGrpSpPr>
-        <p:cNvPr id="79" name="Shape 79"/>
+        <p:cNvPr id="1" name="Shape 79"/>
         <p:cNvGrpSpPr/>
         <p:nvPr/>
       </p:nvGrpSpPr>
@@ -7953,12 +7959,12 @@
           </a:ln>
         </p:spPr>
         <p:txBody>
-          <a:bodyPr anchorCtr="0" anchor="ctr" bIns="91425" lIns="91425" spcFirstLastPara="1" rIns="91425" wrap="square" tIns="91425">
+          <a:bodyPr spcFirstLastPara="1" wrap="square" lIns="91425" tIns="91425" rIns="91425" bIns="91425" anchor="ctr" anchorCtr="0">
             <a:noAutofit/>
           </a:bodyPr>
           <a:lstStyle/>
           <a:p>
-            <a:pPr indent="0" lvl="0" marL="0" rtl="0" algn="l">
+            <a:pPr marL="0" lvl="0" indent="0" algn="l" rtl="0">
               <a:spcBef>
                 <a:spcPts val="0"/>
               </a:spcBef>
@@ -7967,9 +7973,6 @@
               </a:spcAft>
               <a:buNone/>
             </a:pPr>
-            <a:r>
-              <a:t/>
-            </a:r>
             <a:endParaRPr/>
           </a:p>
         </p:txBody>
@@ -7996,12 +7999,12 @@
           </a:ln>
         </p:spPr>
         <p:txBody>
-          <a:bodyPr anchorCtr="0" anchor="ctr" bIns="91425" lIns="91425" spcFirstLastPara="1" rIns="91425" wrap="square" tIns="91425">
+          <a:bodyPr spcFirstLastPara="1" wrap="square" lIns="91425" tIns="91425" rIns="91425" bIns="91425" anchor="ctr" anchorCtr="0">
             <a:noAutofit/>
           </a:bodyPr>
           <a:lstStyle/>
           <a:p>
-            <a:pPr indent="0" lvl="0" marL="0" rtl="0" algn="l">
+            <a:pPr marL="0" lvl="0" indent="0" algn="l" rtl="0">
               <a:spcBef>
                 <a:spcPts val="0"/>
               </a:spcBef>
@@ -8010,9 +8013,6 @@
               </a:spcAft>
               <a:buNone/>
             </a:pPr>
-            <a:r>
-              <a:t/>
-            </a:r>
             <a:endParaRPr/>
           </a:p>
         </p:txBody>
@@ -8044,7 +8044,7 @@
             </a:xfrm>
             <a:prstGeom prst="parallelogram">
               <a:avLst>
-                <a:gd fmla="val 153193" name="adj"/>
+                <a:gd name="adj" fmla="val 153193"/>
               </a:avLst>
             </a:prstGeom>
             <a:solidFill>
@@ -8055,12 +8055,12 @@
             </a:ln>
           </p:spPr>
           <p:txBody>
-            <a:bodyPr anchorCtr="0" anchor="ctr" bIns="91425" lIns="91425" spcFirstLastPara="1" rIns="91425" wrap="square" tIns="91425">
+            <a:bodyPr spcFirstLastPara="1" wrap="square" lIns="91425" tIns="91425" rIns="91425" bIns="91425" anchor="ctr" anchorCtr="0">
               <a:noAutofit/>
             </a:bodyPr>
             <a:lstStyle/>
             <a:p>
-              <a:pPr indent="0" lvl="0" marL="0" rtl="0" algn="l">
+              <a:pPr marL="0" lvl="0" indent="0" algn="l" rtl="0">
                 <a:spcBef>
                   <a:spcPts val="0"/>
                 </a:spcBef>
@@ -8069,9 +8069,6 @@
                 </a:spcAft>
                 <a:buNone/>
               </a:pPr>
-              <a:r>
-                <a:t/>
-              </a:r>
               <a:endParaRPr/>
             </a:p>
           </p:txBody>
@@ -8089,7 +8086,7 @@
             </a:xfrm>
             <a:prstGeom prst="parallelogram">
               <a:avLst>
-                <a:gd fmla="val 153193" name="adj"/>
+                <a:gd name="adj" fmla="val 153193"/>
               </a:avLst>
             </a:prstGeom>
             <a:solidFill>
@@ -8100,12 +8097,12 @@
             </a:ln>
           </p:spPr>
           <p:txBody>
-            <a:bodyPr anchorCtr="0" anchor="ctr" bIns="91425" lIns="91425" spcFirstLastPara="1" rIns="91425" wrap="square" tIns="91425">
+            <a:bodyPr spcFirstLastPara="1" wrap="square" lIns="91425" tIns="91425" rIns="91425" bIns="91425" anchor="ctr" anchorCtr="0">
               <a:noAutofit/>
             </a:bodyPr>
             <a:lstStyle/>
             <a:p>
-              <a:pPr indent="0" lvl="0" marL="0" rtl="0" algn="l">
+              <a:pPr marL="0" lvl="0" indent="0" algn="l" rtl="0">
                 <a:spcBef>
                   <a:spcPts val="0"/>
                 </a:spcBef>
@@ -8114,9 +8111,6 @@
                 </a:spcAft>
                 <a:buNone/>
               </a:pPr>
-              <a:r>
-                <a:t/>
-              </a:r>
               <a:endParaRPr/>
             </a:p>
           </p:txBody>
@@ -8134,7 +8128,7 @@
             </a:xfrm>
             <a:prstGeom prst="parallelogram">
               <a:avLst>
-                <a:gd fmla="val 153193" name="adj"/>
+                <a:gd name="adj" fmla="val 153193"/>
               </a:avLst>
             </a:prstGeom>
             <a:solidFill>
@@ -8145,12 +8139,12 @@
             </a:ln>
           </p:spPr>
           <p:txBody>
-            <a:bodyPr anchorCtr="0" anchor="ctr" bIns="91425" lIns="91425" spcFirstLastPara="1" rIns="91425" wrap="square" tIns="91425">
+            <a:bodyPr spcFirstLastPara="1" wrap="square" lIns="91425" tIns="91425" rIns="91425" bIns="91425" anchor="ctr" anchorCtr="0">
               <a:noAutofit/>
             </a:bodyPr>
             <a:lstStyle/>
             <a:p>
-              <a:pPr indent="0" lvl="0" marL="0" rtl="0" algn="l">
+              <a:pPr marL="0" lvl="0" indent="0" algn="l" rtl="0">
                 <a:spcBef>
                   <a:spcPts val="0"/>
                 </a:spcBef>
@@ -8159,9 +8153,6 @@
                 </a:spcAft>
                 <a:buNone/>
               </a:pPr>
-              <a:r>
-                <a:t/>
-              </a:r>
               <a:endParaRPr/>
             </a:p>
           </p:txBody>
@@ -8188,7 +8179,7 @@
             <a:noFill/>
           </a:ln>
           <a:effectLst>
-            <a:outerShdw blurRad="228600" sx="101000" rotWithShape="0" algn="ctr" sy="101000">
+            <a:outerShdw blurRad="228600" sx="101000" sy="101000" algn="ctr" rotWithShape="0">
               <a:srgbClr val="000000">
                 <a:alpha val="40000"/>
               </a:srgbClr>
@@ -8196,12 +8187,12 @@
           </a:effectLst>
         </p:spPr>
         <p:txBody>
-          <a:bodyPr anchorCtr="0" anchor="ctr" bIns="91425" lIns="91425" spcFirstLastPara="1" rIns="91425" wrap="square" tIns="91425">
+          <a:bodyPr spcFirstLastPara="1" wrap="square" lIns="91425" tIns="91425" rIns="91425" bIns="91425" anchor="ctr" anchorCtr="0">
             <a:noAutofit/>
           </a:bodyPr>
           <a:lstStyle/>
           <a:p>
-            <a:pPr indent="0" lvl="0" marL="0" rtl="0" algn="l">
+            <a:pPr marL="0" lvl="0" indent="0" algn="l" rtl="0">
               <a:spcBef>
                 <a:spcPts val="0"/>
               </a:spcBef>
@@ -8210,9 +8201,6 @@
               </a:spcAft>
               <a:buNone/>
             </a:pPr>
-            <a:r>
-              <a:t/>
-            </a:r>
             <a:endParaRPr/>
           </a:p>
         </p:txBody>
@@ -8244,7 +8232,7 @@
             </a:xfrm>
             <a:prstGeom prst="parallelogram">
               <a:avLst>
-                <a:gd fmla="val 158024" name="adj"/>
+                <a:gd name="adj" fmla="val 158024"/>
               </a:avLst>
             </a:prstGeom>
             <a:solidFill>
@@ -8255,12 +8243,12 @@
             </a:ln>
           </p:spPr>
           <p:txBody>
-            <a:bodyPr anchorCtr="0" anchor="ctr" bIns="91425" lIns="91425" spcFirstLastPara="1" rIns="91425" wrap="square" tIns="91425">
+            <a:bodyPr spcFirstLastPara="1" wrap="square" lIns="91425" tIns="91425" rIns="91425" bIns="91425" anchor="ctr" anchorCtr="0">
               <a:noAutofit/>
             </a:bodyPr>
             <a:lstStyle/>
             <a:p>
-              <a:pPr indent="0" lvl="0" marL="0" rtl="0" algn="l">
+              <a:pPr marL="0" lvl="0" indent="0" algn="l" rtl="0">
                 <a:spcBef>
                   <a:spcPts val="0"/>
                 </a:spcBef>
@@ -8269,9 +8257,6 @@
                 </a:spcAft>
                 <a:buNone/>
               </a:pPr>
-              <a:r>
-                <a:t/>
-              </a:r>
               <a:endParaRPr/>
             </a:p>
           </p:txBody>
@@ -8289,7 +8274,7 @@
             </a:xfrm>
             <a:prstGeom prst="parallelogram">
               <a:avLst>
-                <a:gd fmla="val 158024" name="adj"/>
+                <a:gd name="adj" fmla="val 158024"/>
               </a:avLst>
             </a:prstGeom>
             <a:solidFill>
@@ -8300,12 +8285,12 @@
             </a:ln>
           </p:spPr>
           <p:txBody>
-            <a:bodyPr anchorCtr="0" anchor="ctr" bIns="91425" lIns="91425" spcFirstLastPara="1" rIns="91425" wrap="square" tIns="91425">
+            <a:bodyPr spcFirstLastPara="1" wrap="square" lIns="91425" tIns="91425" rIns="91425" bIns="91425" anchor="ctr" anchorCtr="0">
               <a:noAutofit/>
             </a:bodyPr>
             <a:lstStyle/>
             <a:p>
-              <a:pPr indent="0" lvl="0" marL="0" rtl="0" algn="l">
+              <a:pPr marL="0" lvl="0" indent="0" algn="l" rtl="0">
                 <a:spcBef>
                   <a:spcPts val="0"/>
                 </a:spcBef>
@@ -8314,9 +8299,6 @@
                 </a:spcAft>
                 <a:buNone/>
               </a:pPr>
-              <a:r>
-                <a:t/>
-              </a:r>
               <a:endParaRPr/>
             </a:p>
           </p:txBody>
@@ -8334,7 +8316,7 @@
             </a:xfrm>
             <a:prstGeom prst="parallelogram">
               <a:avLst>
-                <a:gd fmla="val 158024" name="adj"/>
+                <a:gd name="adj" fmla="val 158024"/>
               </a:avLst>
             </a:prstGeom>
             <a:solidFill>
@@ -8345,12 +8327,12 @@
             </a:ln>
           </p:spPr>
           <p:txBody>
-            <a:bodyPr anchorCtr="0" anchor="ctr" bIns="91425" lIns="91425" spcFirstLastPara="1" rIns="91425" wrap="square" tIns="91425">
+            <a:bodyPr spcFirstLastPara="1" wrap="square" lIns="91425" tIns="91425" rIns="91425" bIns="91425" anchor="ctr" anchorCtr="0">
               <a:noAutofit/>
             </a:bodyPr>
             <a:lstStyle/>
             <a:p>
-              <a:pPr indent="0" lvl="0" marL="0" rtl="0" algn="l">
+              <a:pPr marL="0" lvl="0" indent="0" algn="l" rtl="0">
                 <a:spcBef>
                   <a:spcPts val="0"/>
                 </a:spcBef>
@@ -8359,9 +8341,6 @@
                 </a:spcAft>
                 <a:buNone/>
               </a:pPr>
-              <a:r>
-                <a:t/>
-              </a:r>
               <a:endParaRPr/>
             </a:p>
           </p:txBody>
@@ -8394,7 +8373,7 @@
             </a:xfrm>
             <a:prstGeom prst="parallelogram">
               <a:avLst>
-                <a:gd fmla="val 158024" name="adj"/>
+                <a:gd name="adj" fmla="val 158024"/>
               </a:avLst>
             </a:prstGeom>
             <a:solidFill>
@@ -8405,12 +8384,12 @@
             </a:ln>
           </p:spPr>
           <p:txBody>
-            <a:bodyPr anchorCtr="0" anchor="ctr" bIns="91425" lIns="91425" spcFirstLastPara="1" rIns="91425" wrap="square" tIns="91425">
+            <a:bodyPr spcFirstLastPara="1" wrap="square" lIns="91425" tIns="91425" rIns="91425" bIns="91425" anchor="ctr" anchorCtr="0">
               <a:noAutofit/>
             </a:bodyPr>
             <a:lstStyle/>
             <a:p>
-              <a:pPr indent="0" lvl="0" marL="0" rtl="0" algn="l">
+              <a:pPr marL="0" lvl="0" indent="0" algn="l" rtl="0">
                 <a:spcBef>
                   <a:spcPts val="0"/>
                 </a:spcBef>
@@ -8419,9 +8398,6 @@
                 </a:spcAft>
                 <a:buNone/>
               </a:pPr>
-              <a:r>
-                <a:t/>
-              </a:r>
               <a:endParaRPr/>
             </a:p>
           </p:txBody>
@@ -8439,7 +8415,7 @@
             </a:xfrm>
             <a:prstGeom prst="parallelogram">
               <a:avLst>
-                <a:gd fmla="val 158024" name="adj"/>
+                <a:gd name="adj" fmla="val 158024"/>
               </a:avLst>
             </a:prstGeom>
             <a:solidFill>
@@ -8450,12 +8426,12 @@
             </a:ln>
           </p:spPr>
           <p:txBody>
-            <a:bodyPr anchorCtr="0" anchor="ctr" bIns="91425" lIns="91425" spcFirstLastPara="1" rIns="91425" wrap="square" tIns="91425">
+            <a:bodyPr spcFirstLastPara="1" wrap="square" lIns="91425" tIns="91425" rIns="91425" bIns="91425" anchor="ctr" anchorCtr="0">
               <a:noAutofit/>
             </a:bodyPr>
             <a:lstStyle/>
             <a:p>
-              <a:pPr indent="0" lvl="0" marL="0" rtl="0" algn="l">
+              <a:pPr marL="0" lvl="0" indent="0" algn="l" rtl="0">
                 <a:spcBef>
                   <a:spcPts val="0"/>
                 </a:spcBef>
@@ -8464,9 +8440,6 @@
                 </a:spcAft>
                 <a:buNone/>
               </a:pPr>
-              <a:r>
-                <a:t/>
-              </a:r>
               <a:endParaRPr/>
             </a:p>
           </p:txBody>
@@ -8484,7 +8457,7 @@
             </a:xfrm>
             <a:prstGeom prst="parallelogram">
               <a:avLst>
-                <a:gd fmla="val 158024" name="adj"/>
+                <a:gd name="adj" fmla="val 158024"/>
               </a:avLst>
             </a:prstGeom>
             <a:solidFill>
@@ -8495,12 +8468,12 @@
             </a:ln>
           </p:spPr>
           <p:txBody>
-            <a:bodyPr anchorCtr="0" anchor="ctr" bIns="91425" lIns="91425" spcFirstLastPara="1" rIns="91425" wrap="square" tIns="91425">
+            <a:bodyPr spcFirstLastPara="1" wrap="square" lIns="91425" tIns="91425" rIns="91425" bIns="91425" anchor="ctr" anchorCtr="0">
               <a:noAutofit/>
             </a:bodyPr>
             <a:lstStyle/>
             <a:p>
-              <a:pPr indent="0" lvl="0" marL="0" rtl="0" algn="l">
+              <a:pPr marL="0" lvl="0" indent="0" algn="l" rtl="0">
                 <a:spcBef>
                   <a:spcPts val="0"/>
                 </a:spcBef>
@@ -8509,9 +8482,6 @@
                 </a:spcAft>
                 <a:buNone/>
               </a:pPr>
-              <a:r>
-                <a:t/>
-              </a:r>
               <a:endParaRPr/>
             </a:p>
           </p:txBody>
@@ -8520,7 +8490,9 @@
       <p:sp>
         <p:nvSpPr>
           <p:cNvPr id="95" name="Google Shape;95;p8"/>
-          <p:cNvSpPr txBox="1"/>
+          <p:cNvSpPr txBox="1">
+            <a:spLocks noGrp="1"/>
+          </p:cNvSpPr>
           <p:nvPr>
             <p:ph type="title"/>
           </p:nvPr>
@@ -8535,7 +8507,7 @@
           </a:prstGeom>
         </p:spPr>
         <p:txBody>
-          <a:bodyPr anchorCtr="0" anchor="ctr" bIns="91425" lIns="91425" spcFirstLastPara="1" rIns="91425" wrap="square" tIns="91425">
+          <a:bodyPr spcFirstLastPara="1" wrap="square" lIns="91425" tIns="91425" rIns="91425" bIns="91425" anchor="ctr" anchorCtr="0">
             <a:normAutofit/>
           </a:bodyPr>
           <a:lstStyle>
@@ -8639,15 +8611,19 @@
               <a:defRPr sz="3200"/>
             </a:lvl9pPr>
           </a:lstStyle>
-          <a:p/>
+          <a:p>
+            <a:endParaRPr/>
+          </a:p>
         </p:txBody>
       </p:sp>
       <p:sp>
         <p:nvSpPr>
           <p:cNvPr id="96" name="Google Shape;96;p8"/>
-          <p:cNvSpPr txBox="1"/>
+          <p:cNvSpPr txBox="1">
+            <a:spLocks noGrp="1"/>
+          </p:cNvSpPr>
           <p:nvPr>
-            <p:ph idx="12" type="sldNum"/>
+            <p:ph type="sldNum" idx="12"/>
           </p:nvPr>
         </p:nvSpPr>
         <p:spPr>
@@ -8660,7 +8636,7 @@
           </a:prstGeom>
         </p:spPr>
         <p:txBody>
-          <a:bodyPr anchorCtr="0" anchor="ctr" bIns="91425" lIns="91425" spcFirstLastPara="1" rIns="91425" wrap="square" tIns="91425">
+          <a:bodyPr spcFirstLastPara="1" wrap="square" lIns="91425" tIns="91425" rIns="91425" bIns="91425" anchor="ctr" anchorCtr="0">
             <a:normAutofit/>
           </a:bodyPr>
           <a:lstStyle>
@@ -8702,7 +8678,7 @@
             </a:lvl9pPr>
           </a:lstStyle>
           <a:p>
-            <a:pPr indent="0" lvl="0" marL="0" rtl="0" algn="r">
+            <a:pPr marL="0" lvl="0" indent="0" algn="r" rtl="0">
               <a:spcBef>
                 <a:spcPts val="0"/>
               </a:spcBef>
@@ -8713,7 +8689,7 @@
             </a:pPr>
             <a:fld id="{00000000-1234-1234-1234-123412341234}" type="slidenum">
               <a:rPr lang="de"/>
-              <a:t>‹#›</a:t>
+              <a:t>‹Nr.›</a:t>
             </a:fld>
             <a:endParaRPr/>
           </a:p>
@@ -8728,18 +8704,19 @@
 </file>
 
 <file path=ppt/slideLayouts/slideLayout8.xml><?xml version="1.0" encoding="utf-8"?>
-<p:sldLayout xmlns:a="http://schemas.openxmlformats.org/drawingml/2006/main" xmlns:r="http://schemas.openxmlformats.org/officeDocument/2006/relationships" xmlns:mc="http://schemas.openxmlformats.org/markup-compatibility/2006" xmlns:mv="urn:schemas-microsoft-com:mac:vml" xmlns:p="http://schemas.openxmlformats.org/presentationml/2006/main" xmlns:c="http://schemas.openxmlformats.org/drawingml/2006/chart" xmlns:dgm="http://schemas.openxmlformats.org/drawingml/2006/diagram" xmlns:o="urn:schemas-microsoft-com:office:office" xmlns:v="urn:schemas-microsoft-com:vml" xmlns:pvml="urn:schemas-microsoft-com:office:powerpoint" xmlns:com="http://schemas.openxmlformats.org/drawingml/2006/compatibility" xmlns:p14="http://schemas.microsoft.com/office/powerpoint/2010/main" xmlns:p15="http://schemas.microsoft.com/office/powerpoint/2012/main" xmlns:ahyp="http://schemas.microsoft.com/office/drawing/2018/hyperlinkcolor" matchingName="Section title and description">
+<p:sldLayout xmlns:a="http://schemas.openxmlformats.org/drawingml/2006/main" xmlns:r="http://schemas.openxmlformats.org/officeDocument/2006/relationships" xmlns:p="http://schemas.openxmlformats.org/presentationml/2006/main" matchingName="Section title and description">
   <p:cSld name="SECTION_TITLE_AND_DESCRIPTION">
     <p:bg>
       <p:bgPr>
         <a:solidFill>
           <a:schemeClr val="dk2"/>
         </a:solidFill>
+        <a:effectLst/>
       </p:bgPr>
     </p:bg>
     <p:spTree>
       <p:nvGrpSpPr>
-        <p:cNvPr id="97" name="Shape 97"/>
+        <p:cNvPr id="1" name="Shape 97"/>
         <p:cNvGrpSpPr/>
         <p:nvPr/>
       </p:nvGrpSpPr>
@@ -8773,12 +8750,12 @@
           </a:ln>
         </p:spPr>
         <p:txBody>
-          <a:bodyPr anchorCtr="0" anchor="ctr" bIns="91425" lIns="91425" spcFirstLastPara="1" rIns="91425" wrap="square" tIns="91425">
+          <a:bodyPr spcFirstLastPara="1" wrap="square" lIns="91425" tIns="91425" rIns="91425" bIns="91425" anchor="ctr" anchorCtr="0">
             <a:noAutofit/>
           </a:bodyPr>
           <a:lstStyle/>
           <a:p>
-            <a:pPr indent="0" lvl="0" marL="0" rtl="0" algn="l">
+            <a:pPr marL="0" lvl="0" indent="0" algn="l" rtl="0">
               <a:spcBef>
                 <a:spcPts val="0"/>
               </a:spcBef>
@@ -8787,9 +8764,6 @@
               </a:spcAft>
               <a:buNone/>
             </a:pPr>
-            <a:r>
-              <a:t/>
-            </a:r>
             <a:endParaRPr/>
           </a:p>
         </p:txBody>
@@ -8816,12 +8790,12 @@
           </a:ln>
         </p:spPr>
         <p:txBody>
-          <a:bodyPr anchorCtr="0" anchor="ctr" bIns="91425" lIns="91425" spcFirstLastPara="1" rIns="91425" wrap="square" tIns="91425">
+          <a:bodyPr spcFirstLastPara="1" wrap="square" lIns="91425" tIns="91425" rIns="91425" bIns="91425" anchor="ctr" anchorCtr="0">
             <a:noAutofit/>
           </a:bodyPr>
           <a:lstStyle/>
           <a:p>
-            <a:pPr indent="0" lvl="0" marL="0" rtl="0" algn="l">
+            <a:pPr marL="0" lvl="0" indent="0" algn="l" rtl="0">
               <a:spcBef>
                 <a:spcPts val="0"/>
               </a:spcBef>
@@ -8830,9 +8804,6 @@
               </a:spcAft>
               <a:buNone/>
             </a:pPr>
-            <a:r>
-              <a:t/>
-            </a:r>
             <a:endParaRPr/>
           </a:p>
         </p:txBody>
@@ -8858,7 +8829,7 @@
             <a:noFill/>
           </a:ln>
           <a:effectLst>
-            <a:outerShdw blurRad="228600" sx="101000" rotWithShape="0" algn="ctr" sy="101000">
+            <a:outerShdw blurRad="228600" sx="101000" sy="101000" algn="ctr" rotWithShape="0">
               <a:srgbClr val="000000">
                 <a:alpha val="40000"/>
               </a:srgbClr>
@@ -8866,12 +8837,12 @@
           </a:effectLst>
         </p:spPr>
         <p:txBody>
-          <a:bodyPr anchorCtr="0" anchor="ctr" bIns="91425" lIns="91425" spcFirstLastPara="1" rIns="91425" wrap="square" tIns="91425">
+          <a:bodyPr spcFirstLastPara="1" wrap="square" lIns="91425" tIns="91425" rIns="91425" bIns="91425" anchor="ctr" anchorCtr="0">
             <a:noAutofit/>
           </a:bodyPr>
           <a:lstStyle/>
           <a:p>
-            <a:pPr indent="0" lvl="0" marL="0" rtl="0" algn="l">
+            <a:pPr marL="0" lvl="0" indent="0" algn="l" rtl="0">
               <a:spcBef>
                 <a:spcPts val="0"/>
               </a:spcBef>
@@ -8880,9 +8851,6 @@
               </a:spcAft>
               <a:buNone/>
             </a:pPr>
-            <a:r>
-              <a:t/>
-            </a:r>
             <a:endParaRPr/>
           </a:p>
         </p:txBody>
@@ -8890,7 +8858,9 @@
       <p:sp>
         <p:nvSpPr>
           <p:cNvPr id="101" name="Google Shape;101;p9"/>
-          <p:cNvSpPr txBox="1"/>
+          <p:cNvSpPr txBox="1">
+            <a:spLocks noGrp="1"/>
+          </p:cNvSpPr>
           <p:nvPr>
             <p:ph type="title"/>
           </p:nvPr>
@@ -8905,7 +8875,7 @@
           </a:prstGeom>
         </p:spPr>
         <p:txBody>
-          <a:bodyPr anchorCtr="0" anchor="t" bIns="91425" lIns="91425" spcFirstLastPara="1" rIns="91425" wrap="square" tIns="91425">
+          <a:bodyPr spcFirstLastPara="1" wrap="square" lIns="91425" tIns="91425" rIns="91425" bIns="91425" anchor="t" anchorCtr="0">
             <a:normAutofit/>
           </a:bodyPr>
           <a:lstStyle>
@@ -9009,15 +8979,19 @@
               <a:defRPr sz="3000"/>
             </a:lvl9pPr>
           </a:lstStyle>
-          <a:p/>
+          <a:p>
+            <a:endParaRPr/>
+          </a:p>
         </p:txBody>
       </p:sp>
       <p:sp>
         <p:nvSpPr>
           <p:cNvPr id="102" name="Google Shape;102;p9"/>
-          <p:cNvSpPr txBox="1"/>
+          <p:cNvSpPr txBox="1">
+            <a:spLocks noGrp="1"/>
+          </p:cNvSpPr>
           <p:nvPr>
-            <p:ph idx="1" type="subTitle"/>
+            <p:ph type="subTitle" idx="1"/>
           </p:nvPr>
         </p:nvSpPr>
         <p:spPr>
@@ -9030,7 +9004,7 @@
           </a:prstGeom>
         </p:spPr>
         <p:txBody>
-          <a:bodyPr anchorCtr="0" anchor="t" bIns="91425" lIns="91425" spcFirstLastPara="1" rIns="91425" wrap="square" tIns="91425">
+          <a:bodyPr spcFirstLastPara="1" wrap="square" lIns="91425" tIns="91425" rIns="91425" bIns="91425" anchor="t" anchorCtr="0">
             <a:normAutofit/>
           </a:bodyPr>
           <a:lstStyle>
@@ -9224,15 +9198,19 @@
               </a:defRPr>
             </a:lvl9pPr>
           </a:lstStyle>
-          <a:p/>
+          <a:p>
+            <a:endParaRPr/>
+          </a:p>
         </p:txBody>
       </p:sp>
       <p:sp>
         <p:nvSpPr>
           <p:cNvPr id="103" name="Google Shape;103;p9"/>
-          <p:cNvSpPr txBox="1"/>
+          <p:cNvSpPr txBox="1">
+            <a:spLocks noGrp="1"/>
+          </p:cNvSpPr>
           <p:nvPr>
-            <p:ph idx="2" type="body"/>
+            <p:ph type="body" idx="2"/>
           </p:nvPr>
         </p:nvSpPr>
         <p:spPr>
@@ -9245,11 +9223,11 @@
           </a:prstGeom>
         </p:spPr>
         <p:txBody>
-          <a:bodyPr anchorCtr="0" anchor="t" bIns="91425" lIns="91425" spcFirstLastPara="1" rIns="91425" wrap="square" tIns="91425">
+          <a:bodyPr spcFirstLastPara="1" wrap="square" lIns="91425" tIns="91425" rIns="91425" bIns="91425" anchor="t" anchorCtr="0">
             <a:normAutofit/>
           </a:bodyPr>
           <a:lstStyle>
-            <a:lvl1pPr indent="-311150" lvl="0" marL="457200">
+            <a:lvl1pPr marL="457200" lvl="0" indent="-311150">
               <a:spcBef>
                 <a:spcPts val="0"/>
               </a:spcBef>
@@ -9260,7 +9238,7 @@
               <a:buChar char="●"/>
               <a:defRPr/>
             </a:lvl1pPr>
-            <a:lvl2pPr indent="-298450" lvl="1" marL="914400">
+            <a:lvl2pPr marL="914400" lvl="1" indent="-298450">
               <a:spcBef>
                 <a:spcPts val="0"/>
               </a:spcBef>
@@ -9271,7 +9249,7 @@
               <a:buChar char="○"/>
               <a:defRPr/>
             </a:lvl2pPr>
-            <a:lvl3pPr indent="-298450" lvl="2" marL="1371600">
+            <a:lvl3pPr marL="1371600" lvl="2" indent="-298450">
               <a:spcBef>
                 <a:spcPts val="0"/>
               </a:spcBef>
@@ -9282,7 +9260,7 @@
               <a:buChar char="■"/>
               <a:defRPr/>
             </a:lvl3pPr>
-            <a:lvl4pPr indent="-298450" lvl="3" marL="1828800">
+            <a:lvl4pPr marL="1828800" lvl="3" indent="-298450">
               <a:spcBef>
                 <a:spcPts val="0"/>
               </a:spcBef>
@@ -9293,7 +9271,7 @@
               <a:buChar char="●"/>
               <a:defRPr/>
             </a:lvl4pPr>
-            <a:lvl5pPr indent="-298450" lvl="4" marL="2286000">
+            <a:lvl5pPr marL="2286000" lvl="4" indent="-298450">
               <a:spcBef>
                 <a:spcPts val="0"/>
               </a:spcBef>
@@ -9304,7 +9282,7 @@
               <a:buChar char="○"/>
               <a:defRPr/>
             </a:lvl5pPr>
-            <a:lvl6pPr indent="-298450" lvl="5" marL="2743200">
+            <a:lvl6pPr marL="2743200" lvl="5" indent="-298450">
               <a:spcBef>
                 <a:spcPts val="0"/>
               </a:spcBef>
@@ -9315,7 +9293,7 @@
               <a:buChar char="■"/>
               <a:defRPr/>
             </a:lvl6pPr>
-            <a:lvl7pPr indent="-298450" lvl="6" marL="3200400">
+            <a:lvl7pPr marL="3200400" lvl="6" indent="-298450">
               <a:spcBef>
                 <a:spcPts val="0"/>
               </a:spcBef>
@@ -9326,7 +9304,7 @@
               <a:buChar char="●"/>
               <a:defRPr/>
             </a:lvl7pPr>
-            <a:lvl8pPr indent="-298450" lvl="7" marL="3657600">
+            <a:lvl8pPr marL="3657600" lvl="7" indent="-298450">
               <a:spcBef>
                 <a:spcPts val="0"/>
               </a:spcBef>
@@ -9337,7 +9315,7 @@
               <a:buChar char="○"/>
               <a:defRPr/>
             </a:lvl8pPr>
-            <a:lvl9pPr indent="-298450" lvl="8" marL="4114800">
+            <a:lvl9pPr marL="4114800" lvl="8" indent="-298450">
               <a:spcBef>
                 <a:spcPts val="0"/>
               </a:spcBef>
@@ -9349,15 +9327,19 @@
               <a:defRPr/>
             </a:lvl9pPr>
           </a:lstStyle>
-          <a:p/>
+          <a:p>
+            <a:endParaRPr/>
+          </a:p>
         </p:txBody>
       </p:sp>
       <p:sp>
         <p:nvSpPr>
           <p:cNvPr id="104" name="Google Shape;104;p9"/>
-          <p:cNvSpPr txBox="1"/>
+          <p:cNvSpPr txBox="1">
+            <a:spLocks noGrp="1"/>
+          </p:cNvSpPr>
           <p:nvPr>
-            <p:ph idx="12" type="sldNum"/>
+            <p:ph type="sldNum" idx="12"/>
           </p:nvPr>
         </p:nvSpPr>
         <p:spPr>
@@ -9370,7 +9352,7 @@
           </a:prstGeom>
         </p:spPr>
         <p:txBody>
-          <a:bodyPr anchorCtr="0" anchor="ctr" bIns="91425" lIns="91425" spcFirstLastPara="1" rIns="91425" wrap="square" tIns="91425">
+          <a:bodyPr spcFirstLastPara="1" wrap="square" lIns="91425" tIns="91425" rIns="91425" bIns="91425" anchor="ctr" anchorCtr="0">
             <a:normAutofit/>
           </a:bodyPr>
           <a:lstStyle>
@@ -9412,7 +9394,7 @@
             </a:lvl9pPr>
           </a:lstStyle>
           <a:p>
-            <a:pPr indent="0" lvl="0" marL="0" rtl="0" algn="r">
+            <a:pPr marL="0" lvl="0" indent="0" algn="r" rtl="0">
               <a:spcBef>
                 <a:spcPts val="0"/>
               </a:spcBef>
@@ -9423,7 +9405,7 @@
             </a:pPr>
             <a:fld id="{00000000-1234-1234-1234-123412341234}" type="slidenum">
               <a:rPr lang="de"/>
-              <a:t>‹#›</a:t>
+              <a:t>‹Nr.›</a:t>
             </a:fld>
             <a:endParaRPr/>
           </a:p>
@@ -9438,18 +9420,19 @@
 </file>
 
 <file path=ppt/slideLayouts/slideLayout9.xml><?xml version="1.0" encoding="utf-8"?>
-<p:sldLayout xmlns:a="http://schemas.openxmlformats.org/drawingml/2006/main" xmlns:r="http://schemas.openxmlformats.org/officeDocument/2006/relationships" xmlns:mc="http://schemas.openxmlformats.org/markup-compatibility/2006" xmlns:mv="urn:schemas-microsoft-com:mac:vml" xmlns:p="http://schemas.openxmlformats.org/presentationml/2006/main" xmlns:c="http://schemas.openxmlformats.org/drawingml/2006/chart" xmlns:dgm="http://schemas.openxmlformats.org/drawingml/2006/diagram" xmlns:o="urn:schemas-microsoft-com:office:office" xmlns:v="urn:schemas-microsoft-com:vml" xmlns:pvml="urn:schemas-microsoft-com:office:powerpoint" xmlns:com="http://schemas.openxmlformats.org/drawingml/2006/compatibility" xmlns:p14="http://schemas.microsoft.com/office/powerpoint/2010/main" xmlns:p15="http://schemas.microsoft.com/office/powerpoint/2012/main" xmlns:ahyp="http://schemas.microsoft.com/office/drawing/2018/hyperlinkcolor" matchingName="Caption">
+<p:sldLayout xmlns:a="http://schemas.openxmlformats.org/drawingml/2006/main" xmlns:r="http://schemas.openxmlformats.org/officeDocument/2006/relationships" xmlns:p="http://schemas.openxmlformats.org/presentationml/2006/main" matchingName="Caption">
   <p:cSld name="CAPTION_ONLY">
     <p:bg>
       <p:bgPr>
         <a:solidFill>
           <a:schemeClr val="accent1"/>
         </a:solidFill>
+        <a:effectLst/>
       </p:bgPr>
     </p:bg>
     <p:spTree>
       <p:nvGrpSpPr>
-        <p:cNvPr id="105" name="Shape 105"/>
+        <p:cNvPr id="1" name="Shape 105"/>
         <p:cNvGrpSpPr/>
         <p:nvPr/>
       </p:nvGrpSpPr>
@@ -9483,12 +9466,12 @@
           </a:ln>
         </p:spPr>
         <p:txBody>
-          <a:bodyPr anchorCtr="0" anchor="ctr" bIns="91425" lIns="91425" spcFirstLastPara="1" rIns="91425" wrap="square" tIns="91425">
+          <a:bodyPr spcFirstLastPara="1" wrap="square" lIns="91425" tIns="91425" rIns="91425" bIns="91425" anchor="ctr" anchorCtr="0">
             <a:noAutofit/>
           </a:bodyPr>
           <a:lstStyle/>
           <a:p>
-            <a:pPr indent="0" lvl="0" marL="0" rtl="0" algn="l">
+            <a:pPr marL="0" lvl="0" indent="0" algn="l" rtl="0">
               <a:spcBef>
                 <a:spcPts val="0"/>
               </a:spcBef>
@@ -9497,9 +9480,6 @@
               </a:spcAft>
               <a:buNone/>
             </a:pPr>
-            <a:r>
-              <a:t/>
-            </a:r>
             <a:endParaRPr/>
           </a:p>
         </p:txBody>
@@ -9526,12 +9506,12 @@
           </a:ln>
         </p:spPr>
         <p:txBody>
-          <a:bodyPr anchorCtr="0" anchor="ctr" bIns="91425" lIns="91425" spcFirstLastPara="1" rIns="91425" wrap="square" tIns="91425">
+          <a:bodyPr spcFirstLastPara="1" wrap="square" lIns="91425" tIns="91425" rIns="91425" bIns="91425" anchor="ctr" anchorCtr="0">
             <a:noAutofit/>
           </a:bodyPr>
           <a:lstStyle/>
           <a:p>
-            <a:pPr indent="0" lvl="0" marL="0" rtl="0" algn="l">
+            <a:pPr marL="0" lvl="0" indent="0" algn="l" rtl="0">
               <a:spcBef>
                 <a:spcPts val="0"/>
               </a:spcBef>
@@ -9540,9 +9520,6 @@
               </a:spcAft>
               <a:buNone/>
             </a:pPr>
-            <a:r>
-              <a:t/>
-            </a:r>
             <a:endParaRPr/>
           </a:p>
         </p:txBody>
@@ -9568,7 +9545,7 @@
             <a:noFill/>
           </a:ln>
           <a:effectLst>
-            <a:outerShdw blurRad="228600" sx="101000" rotWithShape="0" algn="ctr" sy="101000">
+            <a:outerShdw blurRad="228600" sx="101000" sy="101000" algn="ctr" rotWithShape="0">
               <a:srgbClr val="000000">
                 <a:alpha val="40000"/>
               </a:srgbClr>
@@ -9576,12 +9553,12 @@
           </a:effectLst>
         </p:spPr>
         <p:txBody>
-          <a:bodyPr anchorCtr="0" anchor="ctr" bIns="91425" lIns="91425" spcFirstLastPara="1" rIns="91425" wrap="square" tIns="91425">
+          <a:bodyPr spcFirstLastPara="1" wrap="square" lIns="91425" tIns="91425" rIns="91425" bIns="91425" anchor="ctr" anchorCtr="0">
             <a:noAutofit/>
           </a:bodyPr>
           <a:lstStyle/>
           <a:p>
-            <a:pPr indent="0" lvl="0" marL="0" rtl="0" algn="l">
+            <a:pPr marL="0" lvl="0" indent="0" algn="l" rtl="0">
               <a:spcBef>
                 <a:spcPts val="0"/>
               </a:spcBef>
@@ -9590,9 +9567,6 @@
               </a:spcAft>
               <a:buNone/>
             </a:pPr>
-            <a:r>
-              <a:t/>
-            </a:r>
             <a:endParaRPr/>
           </a:p>
         </p:txBody>
@@ -9600,9 +9574,11 @@
       <p:sp>
         <p:nvSpPr>
           <p:cNvPr id="109" name="Google Shape;109;p10"/>
-          <p:cNvSpPr txBox="1"/>
+          <p:cNvSpPr txBox="1">
+            <a:spLocks noGrp="1"/>
+          </p:cNvSpPr>
           <p:nvPr>
-            <p:ph idx="1" type="body"/>
+            <p:ph type="body" idx="1"/>
           </p:nvPr>
         </p:nvSpPr>
         <p:spPr>
@@ -9615,11 +9591,11 @@
           </a:prstGeom>
         </p:spPr>
         <p:txBody>
-          <a:bodyPr anchorCtr="0" anchor="b" bIns="91425" lIns="91425" spcFirstLastPara="1" rIns="91425" wrap="square" tIns="91425">
+          <a:bodyPr spcFirstLastPara="1" wrap="square" lIns="91425" tIns="91425" rIns="91425" bIns="91425" anchor="b" anchorCtr="0">
             <a:normAutofit/>
           </a:bodyPr>
           <a:lstStyle>
-            <a:lvl1pPr indent="-228600" lvl="0" marL="457200">
+            <a:lvl1pPr marL="457200" lvl="0" indent="-228600">
               <a:lnSpc>
                 <a:spcPct val="100000"/>
               </a:lnSpc>
@@ -9634,15 +9610,19 @@
               <a:defRPr/>
             </a:lvl1pPr>
           </a:lstStyle>
-          <a:p/>
+          <a:p>
+            <a:endParaRPr/>
+          </a:p>
         </p:txBody>
       </p:sp>
       <p:sp>
         <p:nvSpPr>
           <p:cNvPr id="110" name="Google Shape;110;p10"/>
-          <p:cNvSpPr txBox="1"/>
+          <p:cNvSpPr txBox="1">
+            <a:spLocks noGrp="1"/>
+          </p:cNvSpPr>
           <p:nvPr>
-            <p:ph idx="12" type="sldNum"/>
+            <p:ph type="sldNum" idx="12"/>
           </p:nvPr>
         </p:nvSpPr>
         <p:spPr>
@@ -9655,7 +9635,7 @@
           </a:prstGeom>
         </p:spPr>
         <p:txBody>
-          <a:bodyPr anchorCtr="0" anchor="ctr" bIns="91425" lIns="91425" spcFirstLastPara="1" rIns="91425" wrap="square" tIns="91425">
+          <a:bodyPr spcFirstLastPara="1" wrap="square" lIns="91425" tIns="91425" rIns="91425" bIns="91425" anchor="ctr" anchorCtr="0">
             <a:normAutofit/>
           </a:bodyPr>
           <a:lstStyle>
@@ -9697,7 +9677,7 @@
             </a:lvl9pPr>
           </a:lstStyle>
           <a:p>
-            <a:pPr indent="0" lvl="0" marL="0" rtl="0" algn="r">
+            <a:pPr marL="0" lvl="0" indent="0" algn="r" rtl="0">
               <a:spcBef>
                 <a:spcPts val="0"/>
               </a:spcBef>
@@ -9708,7 +9688,7 @@
             </a:pPr>
             <a:fld id="{00000000-1234-1234-1234-123412341234}" type="slidenum">
               <a:rPr lang="de"/>
-              <a:t>‹#›</a:t>
+              <a:t>‹Nr.›</a:t>
             </a:fld>
             <a:endParaRPr/>
           </a:p>
@@ -9723,18 +9703,19 @@
 </file>
 
 <file path=ppt/slideMasters/slideMaster1.xml><?xml version="1.0" encoding="utf-8"?>
-<p:sldMaster xmlns:a="http://schemas.openxmlformats.org/drawingml/2006/main" xmlns:r="http://schemas.openxmlformats.org/officeDocument/2006/relationships" xmlns:mc="http://schemas.openxmlformats.org/markup-compatibility/2006" xmlns:mv="urn:schemas-microsoft-com:mac:vml" xmlns:p="http://schemas.openxmlformats.org/presentationml/2006/main" xmlns:c="http://schemas.openxmlformats.org/drawingml/2006/chart" xmlns:dgm="http://schemas.openxmlformats.org/drawingml/2006/diagram" xmlns:o="urn:schemas-microsoft-com:office:office" xmlns:v="urn:schemas-microsoft-com:vml" xmlns:pvml="urn:schemas-microsoft-com:office:powerpoint" xmlns:com="http://schemas.openxmlformats.org/drawingml/2006/compatibility" xmlns:p14="http://schemas.microsoft.com/office/powerpoint/2010/main" xmlns:p15="http://schemas.microsoft.com/office/powerpoint/2012/main" xmlns:ahyp="http://schemas.microsoft.com/office/drawing/2018/hyperlinkcolor">
+<p:sldMaster xmlns:a="http://schemas.openxmlformats.org/drawingml/2006/main" xmlns:r="http://schemas.openxmlformats.org/officeDocument/2006/relationships" xmlns:p="http://schemas.openxmlformats.org/presentationml/2006/main">
   <p:cSld name="shift">
     <p:bg>
       <p:bgPr>
         <a:solidFill>
           <a:schemeClr val="dk1"/>
         </a:solidFill>
+        <a:effectLst/>
       </p:bgPr>
     </p:bg>
     <p:spTree>
       <p:nvGrpSpPr>
-        <p:cNvPr id="5" name="Shape 5"/>
+        <p:cNvPr id="1" name="Shape 5"/>
         <p:cNvGrpSpPr/>
         <p:nvPr/>
       </p:nvGrpSpPr>
@@ -9749,7 +9730,9 @@
       <p:sp>
         <p:nvSpPr>
           <p:cNvPr id="6" name="Google Shape;6;p1"/>
-          <p:cNvSpPr txBox="1"/>
+          <p:cNvSpPr txBox="1">
+            <a:spLocks noGrp="1"/>
+          </p:cNvSpPr>
           <p:nvPr>
             <p:ph type="title"/>
           </p:nvPr>
@@ -9768,7 +9751,7 @@
           </a:ln>
         </p:spPr>
         <p:txBody>
-          <a:bodyPr anchorCtr="0" anchor="t" bIns="91425" lIns="91425" spcFirstLastPara="1" rIns="91425" wrap="square" tIns="91425">
+          <a:bodyPr spcFirstLastPara="1" wrap="square" lIns="91425" tIns="91425" rIns="91425" bIns="91425" anchor="t" anchorCtr="0">
             <a:normAutofit/>
           </a:bodyPr>
           <a:lstStyle>
@@ -9980,15 +9963,19 @@
               </a:defRPr>
             </a:lvl9pPr>
           </a:lstStyle>
-          <a:p/>
+          <a:p>
+            <a:endParaRPr/>
+          </a:p>
         </p:txBody>
       </p:sp>
       <p:sp>
         <p:nvSpPr>
           <p:cNvPr id="7" name="Google Shape;7;p1"/>
-          <p:cNvSpPr txBox="1"/>
+          <p:cNvSpPr txBox="1">
+            <a:spLocks noGrp="1"/>
+          </p:cNvSpPr>
           <p:nvPr>
-            <p:ph idx="1" type="body"/>
+            <p:ph type="body" idx="1"/>
           </p:nvPr>
         </p:nvSpPr>
         <p:spPr>
@@ -10005,11 +9992,11 @@
           </a:ln>
         </p:spPr>
         <p:txBody>
-          <a:bodyPr anchorCtr="0" anchor="t" bIns="91425" lIns="91425" spcFirstLastPara="1" rIns="91425" wrap="square" tIns="91425">
+          <a:bodyPr spcFirstLastPara="1" wrap="square" lIns="91425" tIns="91425" rIns="91425" bIns="91425" anchor="t" anchorCtr="0">
             <a:normAutofit/>
           </a:bodyPr>
           <a:lstStyle>
-            <a:lvl1pPr indent="-311150" lvl="0" marL="457200">
+            <a:lvl1pPr marL="457200" lvl="0" indent="-311150">
               <a:lnSpc>
                 <a:spcPct val="115000"/>
               </a:lnSpc>
@@ -10035,7 +10022,7 @@
                 <a:sym typeface="Calibri"/>
               </a:defRPr>
             </a:lvl1pPr>
-            <a:lvl2pPr indent="-298450" lvl="1" marL="914400">
+            <a:lvl2pPr marL="914400" lvl="1" indent="-298450">
               <a:lnSpc>
                 <a:spcPct val="115000"/>
               </a:lnSpc>
@@ -10061,7 +10048,7 @@
                 <a:sym typeface="Calibri"/>
               </a:defRPr>
             </a:lvl2pPr>
-            <a:lvl3pPr indent="-298450" lvl="2" marL="1371600">
+            <a:lvl3pPr marL="1371600" lvl="2" indent="-298450">
               <a:lnSpc>
                 <a:spcPct val="115000"/>
               </a:lnSpc>
@@ -10087,7 +10074,7 @@
                 <a:sym typeface="Calibri"/>
               </a:defRPr>
             </a:lvl3pPr>
-            <a:lvl4pPr indent="-298450" lvl="3" marL="1828800">
+            <a:lvl4pPr marL="1828800" lvl="3" indent="-298450">
               <a:lnSpc>
                 <a:spcPct val="115000"/>
               </a:lnSpc>
@@ -10113,7 +10100,7 @@
                 <a:sym typeface="Calibri"/>
               </a:defRPr>
             </a:lvl4pPr>
-            <a:lvl5pPr indent="-298450" lvl="4" marL="2286000">
+            <a:lvl5pPr marL="2286000" lvl="4" indent="-298450">
               <a:lnSpc>
                 <a:spcPct val="115000"/>
               </a:lnSpc>
@@ -10139,7 +10126,7 @@
                 <a:sym typeface="Calibri"/>
               </a:defRPr>
             </a:lvl5pPr>
-            <a:lvl6pPr indent="-298450" lvl="5" marL="2743200">
+            <a:lvl6pPr marL="2743200" lvl="5" indent="-298450">
               <a:lnSpc>
                 <a:spcPct val="115000"/>
               </a:lnSpc>
@@ -10165,7 +10152,7 @@
                 <a:sym typeface="Calibri"/>
               </a:defRPr>
             </a:lvl6pPr>
-            <a:lvl7pPr indent="-298450" lvl="6" marL="3200400">
+            <a:lvl7pPr marL="3200400" lvl="6" indent="-298450">
               <a:lnSpc>
                 <a:spcPct val="115000"/>
               </a:lnSpc>
@@ -10191,7 +10178,7 @@
                 <a:sym typeface="Calibri"/>
               </a:defRPr>
             </a:lvl7pPr>
-            <a:lvl8pPr indent="-298450" lvl="7" marL="3657600">
+            <a:lvl8pPr marL="3657600" lvl="7" indent="-298450">
               <a:lnSpc>
                 <a:spcPct val="115000"/>
               </a:lnSpc>
@@ -10217,7 +10204,7 @@
                 <a:sym typeface="Calibri"/>
               </a:defRPr>
             </a:lvl8pPr>
-            <a:lvl9pPr indent="-298450" lvl="8" marL="4114800">
+            <a:lvl9pPr marL="4114800" lvl="8" indent="-298450">
               <a:lnSpc>
                 <a:spcPct val="115000"/>
               </a:lnSpc>
@@ -10244,15 +10231,19 @@
               </a:defRPr>
             </a:lvl9pPr>
           </a:lstStyle>
-          <a:p/>
+          <a:p>
+            <a:endParaRPr/>
+          </a:p>
         </p:txBody>
       </p:sp>
       <p:sp>
         <p:nvSpPr>
           <p:cNvPr id="8" name="Google Shape;8;p1"/>
-          <p:cNvSpPr txBox="1"/>
+          <p:cNvSpPr txBox="1">
+            <a:spLocks noGrp="1"/>
+          </p:cNvSpPr>
           <p:nvPr>
-            <p:ph idx="12" type="sldNum"/>
+            <p:ph type="sldNum" idx="12"/>
           </p:nvPr>
         </p:nvSpPr>
         <p:spPr>
@@ -10269,7 +10260,7 @@
           </a:ln>
         </p:spPr>
         <p:txBody>
-          <a:bodyPr anchorCtr="0" anchor="ctr" bIns="91425" lIns="91425" spcFirstLastPara="1" rIns="91425" wrap="square" tIns="91425">
+          <a:bodyPr spcFirstLastPara="1" wrap="square" lIns="91425" tIns="91425" rIns="91425" bIns="91425" anchor="ctr" anchorCtr="0">
             <a:normAutofit/>
           </a:bodyPr>
           <a:lstStyle>
@@ -10383,7 +10374,7 @@
             </a:lvl9pPr>
           </a:lstStyle>
           <a:p>
-            <a:pPr indent="0" lvl="0" marL="0" rtl="0" algn="r">
+            <a:pPr marL="0" lvl="0" indent="0" algn="r" rtl="0">
               <a:spcBef>
                 <a:spcPts val="0"/>
               </a:spcBef>
@@ -10394,7 +10385,7 @@
             </a:pPr>
             <a:fld id="{00000000-1234-1234-1234-123412341234}" type="slidenum">
               <a:rPr lang="de"/>
-              <a:t>‹#›</a:t>
+              <a:t>‹Nr.›</a:t>
             </a:fld>
             <a:endParaRPr/>
           </a:p>
@@ -10402,7 +10393,7 @@
       </p:sp>
     </p:spTree>
   </p:cSld>
-  <p:clrMap accent1="accent1" accent2="accent2" accent3="accent3" accent4="accent4" accent5="accent5" accent6="accent6" bg1="lt1" bg2="dk2" tx1="dk1" tx2="lt2" folHlink="folHlink" hlink="hlink"/>
+  <p:clrMap bg1="lt1" tx1="dk1" bg2="dk2" tx2="lt2" accent1="accent1" accent2="accent2" accent3="accent3" accent4="accent4" accent5="accent5" accent6="accent6" hlink="hlink" folHlink="folHlink"/>
   <p:sldLayoutIdLst>
     <p:sldLayoutId id="2147483648" r:id="rId1"/>
     <p:sldLayoutId id="2147483649" r:id="rId2"/>
@@ -10416,10 +10407,10 @@
     <p:sldLayoutId id="2147483657" r:id="rId10"/>
     <p:sldLayoutId id="2147483658" r:id="rId11"/>
   </p:sldLayoutIdLst>
-  <p:hf dt="0" ftr="0" hdr="0" sldNum="0"/>
+  <p:hf sldNum="0" hdr="0" ftr="0" dt="0"/>
   <p:txStyles>
     <p:titleStyle>
-      <a:defPPr lvl="0" marR="0" rtl="0" algn="l">
+      <a:defPPr marR="0" lvl="0" algn="l" rtl="0">
         <a:lnSpc>
           <a:spcPct val="100000"/>
         </a:lnSpc>
@@ -10430,7 +10421,7 @@
           <a:spcPts val="0"/>
         </a:spcAft>
       </a:defPPr>
-      <a:lvl1pPr lvl="0" marR="0" rtl="0" algn="l">
+      <a:lvl1pPr marR="0" lvl="0" algn="l" rtl="0">
         <a:lnSpc>
           <a:spcPct val="100000"/>
         </a:lnSpc>
@@ -10444,7 +10435,7 @@
           <a:srgbClr val="000000"/>
         </a:buClr>
         <a:buFont typeface="Arial"/>
-        <a:defRPr b="0" i="0" sz="1400" u="none" cap="none" strike="noStrike">
+        <a:defRPr sz="1400" b="0" i="0" u="none" strike="noStrike" cap="none">
           <a:solidFill>
             <a:srgbClr val="000000"/>
           </a:solidFill>
@@ -10454,7 +10445,7 @@
           <a:sym typeface="Arial"/>
         </a:defRPr>
       </a:lvl1pPr>
-      <a:lvl2pPr lvl="1" marR="0" rtl="0" algn="l">
+      <a:lvl2pPr marR="0" lvl="1" algn="l" rtl="0">
         <a:lnSpc>
           <a:spcPct val="100000"/>
         </a:lnSpc>
@@ -10468,7 +10459,7 @@
           <a:srgbClr val="000000"/>
         </a:buClr>
         <a:buFont typeface="Arial"/>
-        <a:defRPr b="0" i="0" sz="1400" u="none" cap="none" strike="noStrike">
+        <a:defRPr sz="1400" b="0" i="0" u="none" strike="noStrike" cap="none">
           <a:solidFill>
             <a:srgbClr val="000000"/>
           </a:solidFill>
@@ -10478,7 +10469,7 @@
           <a:sym typeface="Arial"/>
         </a:defRPr>
       </a:lvl2pPr>
-      <a:lvl3pPr lvl="2" marR="0" rtl="0" algn="l">
+      <a:lvl3pPr marR="0" lvl="2" algn="l" rtl="0">
         <a:lnSpc>
           <a:spcPct val="100000"/>
         </a:lnSpc>
@@ -10492,7 +10483,7 @@
           <a:srgbClr val="000000"/>
         </a:buClr>
         <a:buFont typeface="Arial"/>
-        <a:defRPr b="0" i="0" sz="1400" u="none" cap="none" strike="noStrike">
+        <a:defRPr sz="1400" b="0" i="0" u="none" strike="noStrike" cap="none">
           <a:solidFill>
             <a:srgbClr val="000000"/>
           </a:solidFill>
@@ -10502,7 +10493,7 @@
           <a:sym typeface="Arial"/>
         </a:defRPr>
       </a:lvl3pPr>
-      <a:lvl4pPr lvl="3" marR="0" rtl="0" algn="l">
+      <a:lvl4pPr marR="0" lvl="3" algn="l" rtl="0">
         <a:lnSpc>
           <a:spcPct val="100000"/>
         </a:lnSpc>
@@ -10516,7 +10507,7 @@
           <a:srgbClr val="000000"/>
         </a:buClr>
         <a:buFont typeface="Arial"/>
-        <a:defRPr b="0" i="0" sz="1400" u="none" cap="none" strike="noStrike">
+        <a:defRPr sz="1400" b="0" i="0" u="none" strike="noStrike" cap="none">
           <a:solidFill>
             <a:srgbClr val="000000"/>
           </a:solidFill>
@@ -10526,7 +10517,7 @@
           <a:sym typeface="Arial"/>
         </a:defRPr>
       </a:lvl4pPr>
-      <a:lvl5pPr lvl="4" marR="0" rtl="0" algn="l">
+      <a:lvl5pPr marR="0" lvl="4" algn="l" rtl="0">
         <a:lnSpc>
           <a:spcPct val="100000"/>
         </a:lnSpc>
@@ -10540,7 +10531,7 @@
           <a:srgbClr val="000000"/>
         </a:buClr>
         <a:buFont typeface="Arial"/>
-        <a:defRPr b="0" i="0" sz="1400" u="none" cap="none" strike="noStrike">
+        <a:defRPr sz="1400" b="0" i="0" u="none" strike="noStrike" cap="none">
           <a:solidFill>
             <a:srgbClr val="000000"/>
           </a:solidFill>
@@ -10550,7 +10541,7 @@
           <a:sym typeface="Arial"/>
         </a:defRPr>
       </a:lvl5pPr>
-      <a:lvl6pPr lvl="5" marR="0" rtl="0" algn="l">
+      <a:lvl6pPr marR="0" lvl="5" algn="l" rtl="0">
         <a:lnSpc>
           <a:spcPct val="100000"/>
         </a:lnSpc>
@@ -10564,7 +10555,7 @@
           <a:srgbClr val="000000"/>
         </a:buClr>
         <a:buFont typeface="Arial"/>
-        <a:defRPr b="0" i="0" sz="1400" u="none" cap="none" strike="noStrike">
+        <a:defRPr sz="1400" b="0" i="0" u="none" strike="noStrike" cap="none">
           <a:solidFill>
             <a:srgbClr val="000000"/>
           </a:solidFill>
@@ -10574,7 +10565,7 @@
           <a:sym typeface="Arial"/>
         </a:defRPr>
       </a:lvl6pPr>
-      <a:lvl7pPr lvl="6" marR="0" rtl="0" algn="l">
+      <a:lvl7pPr marR="0" lvl="6" algn="l" rtl="0">
         <a:lnSpc>
           <a:spcPct val="100000"/>
         </a:lnSpc>
@@ -10588,7 +10579,7 @@
           <a:srgbClr val="000000"/>
         </a:buClr>
         <a:buFont typeface="Arial"/>
-        <a:defRPr b="0" i="0" sz="1400" u="none" cap="none" strike="noStrike">
+        <a:defRPr sz="1400" b="0" i="0" u="none" strike="noStrike" cap="none">
           <a:solidFill>
             <a:srgbClr val="000000"/>
           </a:solidFill>
@@ -10598,7 +10589,7 @@
           <a:sym typeface="Arial"/>
         </a:defRPr>
       </a:lvl7pPr>
-      <a:lvl8pPr lvl="7" marR="0" rtl="0" algn="l">
+      <a:lvl8pPr marR="0" lvl="7" algn="l" rtl="0">
         <a:lnSpc>
           <a:spcPct val="100000"/>
         </a:lnSpc>
@@ -10612,7 +10603,7 @@
           <a:srgbClr val="000000"/>
         </a:buClr>
         <a:buFont typeface="Arial"/>
-        <a:defRPr b="0" i="0" sz="1400" u="none" cap="none" strike="noStrike">
+        <a:defRPr sz="1400" b="0" i="0" u="none" strike="noStrike" cap="none">
           <a:solidFill>
             <a:srgbClr val="000000"/>
           </a:solidFill>
@@ -10622,7 +10613,7 @@
           <a:sym typeface="Arial"/>
         </a:defRPr>
       </a:lvl8pPr>
-      <a:lvl9pPr lvl="8" marR="0" rtl="0" algn="l">
+      <a:lvl9pPr marR="0" lvl="8" algn="l" rtl="0">
         <a:lnSpc>
           <a:spcPct val="100000"/>
         </a:lnSpc>
@@ -10636,7 +10627,7 @@
           <a:srgbClr val="000000"/>
         </a:buClr>
         <a:buFont typeface="Arial"/>
-        <a:defRPr b="0" i="0" sz="1400" u="none" cap="none" strike="noStrike">
+        <a:defRPr sz="1400" b="0" i="0" u="none" strike="noStrike" cap="none">
           <a:solidFill>
             <a:srgbClr val="000000"/>
           </a:solidFill>
@@ -10648,7 +10639,7 @@
       </a:lvl9pPr>
     </p:titleStyle>
     <p:bodyStyle>
-      <a:defPPr lvl="0" marR="0" rtl="0" algn="l">
+      <a:defPPr marR="0" lvl="0" algn="l" rtl="0">
         <a:lnSpc>
           <a:spcPct val="100000"/>
         </a:lnSpc>
@@ -10659,7 +10650,7 @@
           <a:spcPts val="0"/>
         </a:spcAft>
       </a:defPPr>
-      <a:lvl1pPr lvl="0" marR="0" rtl="0" algn="l">
+      <a:lvl1pPr marR="0" lvl="0" algn="l" rtl="0">
         <a:lnSpc>
           <a:spcPct val="100000"/>
         </a:lnSpc>
@@ -10673,7 +10664,7 @@
           <a:srgbClr val="000000"/>
         </a:buClr>
         <a:buFont typeface="Arial"/>
-        <a:defRPr b="0" i="0" sz="1400" u="none" cap="none" strike="noStrike">
+        <a:defRPr sz="1400" b="0" i="0" u="none" strike="noStrike" cap="none">
           <a:solidFill>
             <a:srgbClr val="000000"/>
           </a:solidFill>
@@ -10683,7 +10674,7 @@
           <a:sym typeface="Arial"/>
         </a:defRPr>
       </a:lvl1pPr>
-      <a:lvl2pPr lvl="1" marR="0" rtl="0" algn="l">
+      <a:lvl2pPr marR="0" lvl="1" algn="l" rtl="0">
         <a:lnSpc>
           <a:spcPct val="100000"/>
         </a:lnSpc>
@@ -10697,7 +10688,7 @@
           <a:srgbClr val="000000"/>
         </a:buClr>
         <a:buFont typeface="Arial"/>
-        <a:defRPr b="0" i="0" sz="1400" u="none" cap="none" strike="noStrike">
+        <a:defRPr sz="1400" b="0" i="0" u="none" strike="noStrike" cap="none">
           <a:solidFill>
             <a:srgbClr val="000000"/>
           </a:solidFill>
@@ -10707,7 +10698,7 @@
           <a:sym typeface="Arial"/>
         </a:defRPr>
       </a:lvl2pPr>
-      <a:lvl3pPr lvl="2" marR="0" rtl="0" algn="l">
+      <a:lvl3pPr marR="0" lvl="2" algn="l" rtl="0">
         <a:lnSpc>
           <a:spcPct val="100000"/>
         </a:lnSpc>
@@ -10721,7 +10712,7 @@
           <a:srgbClr val="000000"/>
         </a:buClr>
         <a:buFont typeface="Arial"/>
-        <a:defRPr b="0" i="0" sz="1400" u="none" cap="none" strike="noStrike">
+        <a:defRPr sz="1400" b="0" i="0" u="none" strike="noStrike" cap="none">
           <a:solidFill>
             <a:srgbClr val="000000"/>
           </a:solidFill>
@@ -10731,7 +10722,7 @@
           <a:sym typeface="Arial"/>
         </a:defRPr>
       </a:lvl3pPr>
-      <a:lvl4pPr lvl="3" marR="0" rtl="0" algn="l">
+      <a:lvl4pPr marR="0" lvl="3" algn="l" rtl="0">
         <a:lnSpc>
           <a:spcPct val="100000"/>
         </a:lnSpc>
@@ -10745,7 +10736,7 @@
           <a:srgbClr val="000000"/>
         </a:buClr>
         <a:buFont typeface="Arial"/>
-        <a:defRPr b="0" i="0" sz="1400" u="none" cap="none" strike="noStrike">
+        <a:defRPr sz="1400" b="0" i="0" u="none" strike="noStrike" cap="none">
           <a:solidFill>
             <a:srgbClr val="000000"/>
           </a:solidFill>
@@ -10755,7 +10746,7 @@
           <a:sym typeface="Arial"/>
         </a:defRPr>
       </a:lvl4pPr>
-      <a:lvl5pPr lvl="4" marR="0" rtl="0" algn="l">
+      <a:lvl5pPr marR="0" lvl="4" algn="l" rtl="0">
         <a:lnSpc>
           <a:spcPct val="100000"/>
         </a:lnSpc>
@@ -10769,7 +10760,7 @@
           <a:srgbClr val="000000"/>
         </a:buClr>
         <a:buFont typeface="Arial"/>
-        <a:defRPr b="0" i="0" sz="1400" u="none" cap="none" strike="noStrike">
+        <a:defRPr sz="1400" b="0" i="0" u="none" strike="noStrike" cap="none">
           <a:solidFill>
             <a:srgbClr val="000000"/>
           </a:solidFill>
@@ -10779,7 +10770,7 @@
           <a:sym typeface="Arial"/>
         </a:defRPr>
       </a:lvl5pPr>
-      <a:lvl6pPr lvl="5" marR="0" rtl="0" algn="l">
+      <a:lvl6pPr marR="0" lvl="5" algn="l" rtl="0">
         <a:lnSpc>
           <a:spcPct val="100000"/>
         </a:lnSpc>
@@ -10793,7 +10784,7 @@
           <a:srgbClr val="000000"/>
         </a:buClr>
         <a:buFont typeface="Arial"/>
-        <a:defRPr b="0" i="0" sz="1400" u="none" cap="none" strike="noStrike">
+        <a:defRPr sz="1400" b="0" i="0" u="none" strike="noStrike" cap="none">
           <a:solidFill>
             <a:srgbClr val="000000"/>
           </a:solidFill>
@@ -10803,7 +10794,7 @@
           <a:sym typeface="Arial"/>
         </a:defRPr>
       </a:lvl6pPr>
-      <a:lvl7pPr lvl="6" marR="0" rtl="0" algn="l">
+      <a:lvl7pPr marR="0" lvl="6" algn="l" rtl="0">
         <a:lnSpc>
           <a:spcPct val="100000"/>
         </a:lnSpc>
@@ -10817,7 +10808,7 @@
           <a:srgbClr val="000000"/>
         </a:buClr>
         <a:buFont typeface="Arial"/>
-        <a:defRPr b="0" i="0" sz="1400" u="none" cap="none" strike="noStrike">
+        <a:defRPr sz="1400" b="0" i="0" u="none" strike="noStrike" cap="none">
           <a:solidFill>
             <a:srgbClr val="000000"/>
           </a:solidFill>
@@ -10827,7 +10818,7 @@
           <a:sym typeface="Arial"/>
         </a:defRPr>
       </a:lvl7pPr>
-      <a:lvl8pPr lvl="7" marR="0" rtl="0" algn="l">
+      <a:lvl8pPr marR="0" lvl="7" algn="l" rtl="0">
         <a:lnSpc>
           <a:spcPct val="100000"/>
         </a:lnSpc>
@@ -10841,7 +10832,7 @@
           <a:srgbClr val="000000"/>
         </a:buClr>
         <a:buFont typeface="Arial"/>
-        <a:defRPr b="0" i="0" sz="1400" u="none" cap="none" strike="noStrike">
+        <a:defRPr sz="1400" b="0" i="0" u="none" strike="noStrike" cap="none">
           <a:solidFill>
             <a:srgbClr val="000000"/>
           </a:solidFill>
@@ -10851,7 +10842,7 @@
           <a:sym typeface="Arial"/>
         </a:defRPr>
       </a:lvl8pPr>
-      <a:lvl9pPr lvl="8" marR="0" rtl="0" algn="l">
+      <a:lvl9pPr marR="0" lvl="8" algn="l" rtl="0">
         <a:lnSpc>
           <a:spcPct val="100000"/>
         </a:lnSpc>
@@ -10865,7 +10856,7 @@
           <a:srgbClr val="000000"/>
         </a:buClr>
         <a:buFont typeface="Arial"/>
-        <a:defRPr b="0" i="0" sz="1400" u="none" cap="none" strike="noStrike">
+        <a:defRPr sz="1400" b="0" i="0" u="none" strike="noStrike" cap="none">
           <a:solidFill>
             <a:srgbClr val="000000"/>
           </a:solidFill>
@@ -10877,7 +10868,7 @@
       </a:lvl9pPr>
     </p:bodyStyle>
     <p:otherStyle>
-      <a:defPPr lvl="0" marR="0" rtl="0" algn="l">
+      <a:defPPr marR="0" lvl="0" algn="l" rtl="0">
         <a:lnSpc>
           <a:spcPct val="100000"/>
         </a:lnSpc>
@@ -10888,7 +10879,7 @@
           <a:spcPts val="0"/>
         </a:spcAft>
       </a:defPPr>
-      <a:lvl1pPr lvl="0" marR="0" rtl="0" algn="l">
+      <a:lvl1pPr marR="0" lvl="0" algn="l" rtl="0">
         <a:lnSpc>
           <a:spcPct val="100000"/>
         </a:lnSpc>
@@ -10902,7 +10893,7 @@
           <a:srgbClr val="000000"/>
         </a:buClr>
         <a:buFont typeface="Arial"/>
-        <a:defRPr b="0" i="0" sz="1400" u="none" cap="none" strike="noStrike">
+        <a:defRPr sz="1400" b="0" i="0" u="none" strike="noStrike" cap="none">
           <a:solidFill>
             <a:srgbClr val="000000"/>
           </a:solidFill>
@@ -10912,7 +10903,7 @@
           <a:sym typeface="Arial"/>
         </a:defRPr>
       </a:lvl1pPr>
-      <a:lvl2pPr lvl="1" marR="0" rtl="0" algn="l">
+      <a:lvl2pPr marR="0" lvl="1" algn="l" rtl="0">
         <a:lnSpc>
           <a:spcPct val="100000"/>
         </a:lnSpc>
@@ -10926,7 +10917,7 @@
           <a:srgbClr val="000000"/>
         </a:buClr>
         <a:buFont typeface="Arial"/>
-        <a:defRPr b="0" i="0" sz="1400" u="none" cap="none" strike="noStrike">
+        <a:defRPr sz="1400" b="0" i="0" u="none" strike="noStrike" cap="none">
           <a:solidFill>
             <a:srgbClr val="000000"/>
           </a:solidFill>
@@ -10936,7 +10927,7 @@
           <a:sym typeface="Arial"/>
         </a:defRPr>
       </a:lvl2pPr>
-      <a:lvl3pPr lvl="2" marR="0" rtl="0" algn="l">
+      <a:lvl3pPr marR="0" lvl="2" algn="l" rtl="0">
         <a:lnSpc>
           <a:spcPct val="100000"/>
         </a:lnSpc>
@@ -10950,7 +10941,7 @@
           <a:srgbClr val="000000"/>
         </a:buClr>
         <a:buFont typeface="Arial"/>
-        <a:defRPr b="0" i="0" sz="1400" u="none" cap="none" strike="noStrike">
+        <a:defRPr sz="1400" b="0" i="0" u="none" strike="noStrike" cap="none">
           <a:solidFill>
             <a:srgbClr val="000000"/>
           </a:solidFill>
@@ -10960,7 +10951,7 @@
           <a:sym typeface="Arial"/>
         </a:defRPr>
       </a:lvl3pPr>
-      <a:lvl4pPr lvl="3" marR="0" rtl="0" algn="l">
+      <a:lvl4pPr marR="0" lvl="3" algn="l" rtl="0">
         <a:lnSpc>
           <a:spcPct val="100000"/>
         </a:lnSpc>
@@ -10974,7 +10965,7 @@
           <a:srgbClr val="000000"/>
         </a:buClr>
         <a:buFont typeface="Arial"/>
-        <a:defRPr b="0" i="0" sz="1400" u="none" cap="none" strike="noStrike">
+        <a:defRPr sz="1400" b="0" i="0" u="none" strike="noStrike" cap="none">
           <a:solidFill>
             <a:srgbClr val="000000"/>
           </a:solidFill>
@@ -10984,7 +10975,7 @@
           <a:sym typeface="Arial"/>
         </a:defRPr>
       </a:lvl4pPr>
-      <a:lvl5pPr lvl="4" marR="0" rtl="0" algn="l">
+      <a:lvl5pPr marR="0" lvl="4" algn="l" rtl="0">
         <a:lnSpc>
           <a:spcPct val="100000"/>
         </a:lnSpc>
@@ -10998,7 +10989,7 @@
           <a:srgbClr val="000000"/>
         </a:buClr>
         <a:buFont typeface="Arial"/>
-        <a:defRPr b="0" i="0" sz="1400" u="none" cap="none" strike="noStrike">
+        <a:defRPr sz="1400" b="0" i="0" u="none" strike="noStrike" cap="none">
           <a:solidFill>
             <a:srgbClr val="000000"/>
           </a:solidFill>
@@ -11008,7 +10999,7 @@
           <a:sym typeface="Arial"/>
         </a:defRPr>
       </a:lvl5pPr>
-      <a:lvl6pPr lvl="5" marR="0" rtl="0" algn="l">
+      <a:lvl6pPr marR="0" lvl="5" algn="l" rtl="0">
         <a:lnSpc>
           <a:spcPct val="100000"/>
         </a:lnSpc>
@@ -11022,7 +11013,7 @@
           <a:srgbClr val="000000"/>
         </a:buClr>
         <a:buFont typeface="Arial"/>
-        <a:defRPr b="0" i="0" sz="1400" u="none" cap="none" strike="noStrike">
+        <a:defRPr sz="1400" b="0" i="0" u="none" strike="noStrike" cap="none">
           <a:solidFill>
             <a:srgbClr val="000000"/>
           </a:solidFill>
@@ -11032,7 +11023,7 @@
           <a:sym typeface="Arial"/>
         </a:defRPr>
       </a:lvl6pPr>
-      <a:lvl7pPr lvl="6" marR="0" rtl="0" algn="l">
+      <a:lvl7pPr marR="0" lvl="6" algn="l" rtl="0">
         <a:lnSpc>
           <a:spcPct val="100000"/>
         </a:lnSpc>
@@ -11046,7 +11037,7 @@
           <a:srgbClr val="000000"/>
         </a:buClr>
         <a:buFont typeface="Arial"/>
-        <a:defRPr b="0" i="0" sz="1400" u="none" cap="none" strike="noStrike">
+        <a:defRPr sz="1400" b="0" i="0" u="none" strike="noStrike" cap="none">
           <a:solidFill>
             <a:srgbClr val="000000"/>
           </a:solidFill>
@@ -11056,7 +11047,7 @@
           <a:sym typeface="Arial"/>
         </a:defRPr>
       </a:lvl7pPr>
-      <a:lvl8pPr lvl="7" marR="0" rtl="0" algn="l">
+      <a:lvl8pPr marR="0" lvl="7" algn="l" rtl="0">
         <a:lnSpc>
           <a:spcPct val="100000"/>
         </a:lnSpc>
@@ -11070,7 +11061,7 @@
           <a:srgbClr val="000000"/>
         </a:buClr>
         <a:buFont typeface="Arial"/>
-        <a:defRPr b="0" i="0" sz="1400" u="none" cap="none" strike="noStrike">
+        <a:defRPr sz="1400" b="0" i="0" u="none" strike="noStrike" cap="none">
           <a:solidFill>
             <a:srgbClr val="000000"/>
           </a:solidFill>
@@ -11080,7 +11071,7 @@
           <a:sym typeface="Arial"/>
         </a:defRPr>
       </a:lvl8pPr>
-      <a:lvl9pPr lvl="8" marR="0" rtl="0" algn="l">
+      <a:lvl9pPr marR="0" lvl="8" algn="l" rtl="0">
         <a:lnSpc>
           <a:spcPct val="100000"/>
         </a:lnSpc>
@@ -11094,7 +11085,7 @@
           <a:srgbClr val="000000"/>
         </a:buClr>
         <a:buFont typeface="Arial"/>
-        <a:defRPr b="0" i="0" sz="1400" u="none" cap="none" strike="noStrike">
+        <a:defRPr sz="1400" b="0" i="0" u="none" strike="noStrike" cap="none">
           <a:solidFill>
             <a:srgbClr val="000000"/>
           </a:solidFill>
@@ -11110,11 +11101,11 @@
 </file>
 
 <file path=ppt/slides/slide1.xml><?xml version="1.0" encoding="utf-8"?>
-<p:sld xmlns:a="http://schemas.openxmlformats.org/drawingml/2006/main" xmlns:r="http://schemas.openxmlformats.org/officeDocument/2006/relationships" xmlns:mc="http://schemas.openxmlformats.org/markup-compatibility/2006" xmlns:mv="urn:schemas-microsoft-com:mac:vml" xmlns:p="http://schemas.openxmlformats.org/presentationml/2006/main" xmlns:c="http://schemas.openxmlformats.org/drawingml/2006/chart" xmlns:dgm="http://schemas.openxmlformats.org/drawingml/2006/diagram" xmlns:o="urn:schemas-microsoft-com:office:office" xmlns:v="urn:schemas-microsoft-com:vml" xmlns:pvml="urn:schemas-microsoft-com:office:powerpoint" xmlns:com="http://schemas.openxmlformats.org/drawingml/2006/compatibility" xmlns:p14="http://schemas.microsoft.com/office/powerpoint/2010/main" xmlns:p15="http://schemas.microsoft.com/office/powerpoint/2012/main" xmlns:ahyp="http://schemas.microsoft.com/office/drawing/2018/hyperlinkcolor">
+<p:sld xmlns:a="http://schemas.openxmlformats.org/drawingml/2006/main" xmlns:r="http://schemas.openxmlformats.org/officeDocument/2006/relationships" xmlns:p="http://schemas.openxmlformats.org/presentationml/2006/main">
   <p:cSld>
     <p:spTree>
       <p:nvGrpSpPr>
-        <p:cNvPr id="129" name="Shape 129"/>
+        <p:cNvPr id="1" name="Shape 129"/>
         <p:cNvGrpSpPr/>
         <p:nvPr/>
       </p:nvGrpSpPr>
@@ -11129,7 +11120,9 @@
       <p:sp>
         <p:nvSpPr>
           <p:cNvPr id="130" name="Google Shape;130;p13"/>
-          <p:cNvSpPr txBox="1"/>
+          <p:cNvSpPr txBox="1">
+            <a:spLocks noGrp="1"/>
+          </p:cNvSpPr>
           <p:nvPr>
             <p:ph type="ctrTitle"/>
           </p:nvPr>
@@ -11144,12 +11137,12 @@
           </a:prstGeom>
         </p:spPr>
         <p:txBody>
-          <a:bodyPr anchorCtr="0" anchor="ctr" bIns="91425" lIns="91425" spcFirstLastPara="1" rIns="91425" wrap="square" tIns="91425">
+          <a:bodyPr spcFirstLastPara="1" wrap="square" lIns="91425" tIns="91425" rIns="91425" bIns="91425" anchor="ctr" anchorCtr="0">
             <a:noAutofit/>
           </a:bodyPr>
           <a:lstStyle/>
           <a:p>
-            <a:pPr indent="0" lvl="0" marL="0" rtl="0" algn="ctr">
+            <a:pPr marL="0" lvl="0" indent="0" algn="ctr" rtl="0">
               <a:spcBef>
                 <a:spcPts val="0"/>
               </a:spcBef>
@@ -11178,9 +11171,11 @@
       <p:sp>
         <p:nvSpPr>
           <p:cNvPr id="131" name="Google Shape;131;p13"/>
-          <p:cNvSpPr txBox="1"/>
+          <p:cNvSpPr txBox="1">
+            <a:spLocks noGrp="1"/>
+          </p:cNvSpPr>
           <p:nvPr>
-            <p:ph idx="1" type="subTitle"/>
+            <p:ph type="subTitle" idx="1"/>
           </p:nvPr>
         </p:nvSpPr>
         <p:spPr>
@@ -11193,12 +11188,12 @@
           </a:prstGeom>
         </p:spPr>
         <p:txBody>
-          <a:bodyPr anchorCtr="0" anchor="t" bIns="91425" lIns="91425" spcFirstLastPara="1" rIns="91425" wrap="square" tIns="91425">
+          <a:bodyPr spcFirstLastPara="1" wrap="square" lIns="91425" tIns="91425" rIns="91425" bIns="91425" anchor="t" anchorCtr="0">
             <a:normAutofit fontScale="40000" lnSpcReduction="20000"/>
           </a:bodyPr>
           <a:lstStyle/>
           <a:p>
-            <a:pPr indent="0" lvl="0" marL="0" rtl="0" algn="l">
+            <a:pPr marL="0" lvl="0" indent="0" algn="l" rtl="0">
               <a:lnSpc>
                 <a:spcPct val="90000"/>
               </a:lnSpc>
@@ -11216,23 +11211,7 @@
                   <a:srgbClr val="000000"/>
                 </a:solidFill>
               </a:rPr>
-              <a:t>Group 2: Jonas Jakob, </a:t>
-            </a:r>
-            <a:r>
-              <a:rPr lang="de" sz="4800">
-                <a:solidFill>
-                  <a:srgbClr val="000000"/>
-                </a:solidFill>
-              </a:rPr>
-              <a:t>Leon Wagner, </a:t>
-            </a:r>
-            <a:r>
-              <a:rPr lang="de" sz="4800">
-                <a:solidFill>
-                  <a:srgbClr val="000000"/>
-                </a:solidFill>
-              </a:rPr>
-              <a:t>Kunpeng Xiao</a:t>
+              <a:t>Group 2: Jonas Jakob, Leon Wagner, Kunpeng Xiao</a:t>
             </a:r>
             <a:endParaRPr sz="4800">
               <a:solidFill>
@@ -11241,7 +11220,7 @@
             </a:endParaRPr>
           </a:p>
           <a:p>
-            <a:pPr indent="0" lvl="0" marL="0" rtl="0" algn="ctr">
+            <a:pPr marL="0" lvl="0" indent="0" algn="ctr" rtl="0">
               <a:spcBef>
                 <a:spcPts val="0"/>
               </a:spcBef>
@@ -11250,9 +11229,6 @@
               </a:spcAft>
               <a:buNone/>
             </a:pPr>
-            <a:r>
-              <a:t/>
-            </a:r>
             <a:endParaRPr/>
           </a:p>
         </p:txBody>
@@ -11266,11 +11242,11 @@
 </file>
 
 <file path=ppt/slides/slide10.xml><?xml version="1.0" encoding="utf-8"?>
-<p:sld xmlns:a="http://schemas.openxmlformats.org/drawingml/2006/main" xmlns:r="http://schemas.openxmlformats.org/officeDocument/2006/relationships" xmlns:mc="http://schemas.openxmlformats.org/markup-compatibility/2006" xmlns:mv="urn:schemas-microsoft-com:mac:vml" xmlns:p="http://schemas.openxmlformats.org/presentationml/2006/main" xmlns:c="http://schemas.openxmlformats.org/drawingml/2006/chart" xmlns:dgm="http://schemas.openxmlformats.org/drawingml/2006/diagram" xmlns:o="urn:schemas-microsoft-com:office:office" xmlns:v="urn:schemas-microsoft-com:vml" xmlns:pvml="urn:schemas-microsoft-com:office:powerpoint" xmlns:com="http://schemas.openxmlformats.org/drawingml/2006/compatibility" xmlns:p14="http://schemas.microsoft.com/office/powerpoint/2010/main" xmlns:p15="http://schemas.microsoft.com/office/powerpoint/2012/main" xmlns:ahyp="http://schemas.microsoft.com/office/drawing/2018/hyperlinkcolor">
+<p:sld xmlns:a="http://schemas.openxmlformats.org/drawingml/2006/main" xmlns:r="http://schemas.openxmlformats.org/officeDocument/2006/relationships" xmlns:p="http://schemas.openxmlformats.org/presentationml/2006/main">
   <p:cSld>
     <p:spTree>
       <p:nvGrpSpPr>
-        <p:cNvPr id="189" name="Shape 189"/>
+        <p:cNvPr id="1" name="Shape 189"/>
         <p:cNvGrpSpPr/>
         <p:nvPr/>
       </p:nvGrpSpPr>
@@ -11285,7 +11261,9 @@
       <p:sp>
         <p:nvSpPr>
           <p:cNvPr id="190" name="Google Shape;190;p22"/>
-          <p:cNvSpPr txBox="1"/>
+          <p:cNvSpPr txBox="1">
+            <a:spLocks noGrp="1"/>
+          </p:cNvSpPr>
           <p:nvPr>
             <p:ph type="title"/>
           </p:nvPr>
@@ -11300,12 +11278,12 @@
           </a:prstGeom>
         </p:spPr>
         <p:txBody>
-          <a:bodyPr anchorCtr="0" anchor="t" bIns="91425" lIns="91425" spcFirstLastPara="1" rIns="91425" wrap="square" tIns="91425">
+          <a:bodyPr spcFirstLastPara="1" wrap="square" lIns="91425" tIns="91425" rIns="91425" bIns="91425" anchor="t" anchorCtr="0">
             <a:normAutofit/>
           </a:bodyPr>
           <a:lstStyle/>
           <a:p>
-            <a:pPr indent="0" lvl="0" marL="0" rtl="0" algn="l">
+            <a:pPr marL="0" lvl="0" indent="0" algn="l" rtl="0">
               <a:spcBef>
                 <a:spcPts val="0"/>
               </a:spcBef>
@@ -11316,15 +11294,7 @@
             </a:pPr>
             <a:r>
               <a:rPr lang="de"/>
-              <a:t>Results (</a:t>
-            </a:r>
-            <a:r>
-              <a:rPr lang="de"/>
-              <a:t>no</a:t>
-            </a:r>
-            <a:r>
-              <a:rPr lang="de"/>
-              <a:t> distractions)</a:t>
+              <a:t>Results (no distractions)</a:t>
             </a:r>
             <a:endParaRPr/>
           </a:p>
@@ -11367,11 +11337,11 @@
 </file>
 
 <file path=ppt/slides/slide11.xml><?xml version="1.0" encoding="utf-8"?>
-<p:sld xmlns:a="http://schemas.openxmlformats.org/drawingml/2006/main" xmlns:r="http://schemas.openxmlformats.org/officeDocument/2006/relationships" xmlns:mc="http://schemas.openxmlformats.org/markup-compatibility/2006" xmlns:mv="urn:schemas-microsoft-com:mac:vml" xmlns:p="http://schemas.openxmlformats.org/presentationml/2006/main" xmlns:c="http://schemas.openxmlformats.org/drawingml/2006/chart" xmlns:dgm="http://schemas.openxmlformats.org/drawingml/2006/diagram" xmlns:o="urn:schemas-microsoft-com:office:office" xmlns:v="urn:schemas-microsoft-com:vml" xmlns:pvml="urn:schemas-microsoft-com:office:powerpoint" xmlns:com="http://schemas.openxmlformats.org/drawingml/2006/compatibility" xmlns:p14="http://schemas.microsoft.com/office/powerpoint/2010/main" xmlns:p15="http://schemas.microsoft.com/office/powerpoint/2012/main" xmlns:ahyp="http://schemas.microsoft.com/office/drawing/2018/hyperlinkcolor">
+<p:sld xmlns:a="http://schemas.openxmlformats.org/drawingml/2006/main" xmlns:r="http://schemas.openxmlformats.org/officeDocument/2006/relationships" xmlns:p="http://schemas.openxmlformats.org/presentationml/2006/main">
   <p:cSld>
     <p:spTree>
       <p:nvGrpSpPr>
-        <p:cNvPr id="195" name="Shape 195"/>
+        <p:cNvPr id="1" name="Shape 195"/>
         <p:cNvGrpSpPr/>
         <p:nvPr/>
       </p:nvGrpSpPr>
@@ -11386,7 +11356,9 @@
       <p:sp>
         <p:nvSpPr>
           <p:cNvPr id="196" name="Google Shape;196;p23"/>
-          <p:cNvSpPr txBox="1"/>
+          <p:cNvSpPr txBox="1">
+            <a:spLocks noGrp="1"/>
+          </p:cNvSpPr>
           <p:nvPr>
             <p:ph type="title"/>
           </p:nvPr>
@@ -11401,12 +11373,12 @@
           </a:prstGeom>
         </p:spPr>
         <p:txBody>
-          <a:bodyPr anchorCtr="0" anchor="t" bIns="91425" lIns="91425" spcFirstLastPara="1" rIns="91425" wrap="square" tIns="91425">
+          <a:bodyPr spcFirstLastPara="1" wrap="square" lIns="91425" tIns="91425" rIns="91425" bIns="91425" anchor="t" anchorCtr="0">
             <a:normAutofit/>
           </a:bodyPr>
           <a:lstStyle/>
           <a:p>
-            <a:pPr indent="0" lvl="0" marL="0" rtl="0" algn="l">
+            <a:pPr marL="0" lvl="0" indent="0" algn="l" rtl="0">
               <a:spcBef>
                 <a:spcPts val="0"/>
               </a:spcBef>
@@ -11433,7 +11405,7 @@
           <a:blip r:embed="rId3">
             <a:alphaModFix/>
           </a:blip>
-          <a:srcRect b="0" l="970" r="961" t="0"/>
+          <a:srcRect l="970" r="961"/>
           <a:stretch/>
         </p:blipFill>
         <p:spPr>
@@ -11459,11 +11431,11 @@
 </file>
 
 <file path=ppt/slides/slide12.xml><?xml version="1.0" encoding="utf-8"?>
-<p:sld xmlns:a="http://schemas.openxmlformats.org/drawingml/2006/main" xmlns:r="http://schemas.openxmlformats.org/officeDocument/2006/relationships" xmlns:mc="http://schemas.openxmlformats.org/markup-compatibility/2006" xmlns:mv="urn:schemas-microsoft-com:mac:vml" xmlns:p="http://schemas.openxmlformats.org/presentationml/2006/main" xmlns:c="http://schemas.openxmlformats.org/drawingml/2006/chart" xmlns:dgm="http://schemas.openxmlformats.org/drawingml/2006/diagram" xmlns:o="urn:schemas-microsoft-com:office:office" xmlns:v="urn:schemas-microsoft-com:vml" xmlns:pvml="urn:schemas-microsoft-com:office:powerpoint" xmlns:com="http://schemas.openxmlformats.org/drawingml/2006/compatibility" xmlns:p14="http://schemas.microsoft.com/office/powerpoint/2010/main" xmlns:p15="http://schemas.microsoft.com/office/powerpoint/2012/main" xmlns:ahyp="http://schemas.microsoft.com/office/drawing/2018/hyperlinkcolor">
+<p:sld xmlns:a="http://schemas.openxmlformats.org/drawingml/2006/main" xmlns:r="http://schemas.openxmlformats.org/officeDocument/2006/relationships" xmlns:p="http://schemas.openxmlformats.org/presentationml/2006/main">
   <p:cSld>
     <p:spTree>
       <p:nvGrpSpPr>
-        <p:cNvPr id="201" name="Shape 201"/>
+        <p:cNvPr id="1" name="Shape 201"/>
         <p:cNvGrpSpPr/>
         <p:nvPr/>
       </p:nvGrpSpPr>
@@ -11478,7 +11450,9 @@
       <p:sp>
         <p:nvSpPr>
           <p:cNvPr id="202" name="Google Shape;202;p24"/>
-          <p:cNvSpPr txBox="1"/>
+          <p:cNvSpPr txBox="1">
+            <a:spLocks noGrp="1"/>
+          </p:cNvSpPr>
           <p:nvPr>
             <p:ph type="title"/>
           </p:nvPr>
@@ -11493,12 +11467,12 @@
           </a:prstGeom>
         </p:spPr>
         <p:txBody>
-          <a:bodyPr anchorCtr="0" anchor="t" bIns="91425" lIns="91425" spcFirstLastPara="1" rIns="91425" wrap="square" tIns="91425">
+          <a:bodyPr spcFirstLastPara="1" wrap="square" lIns="91425" tIns="91425" rIns="91425" bIns="91425" anchor="t" anchorCtr="0">
             <a:normAutofit/>
           </a:bodyPr>
           <a:lstStyle/>
           <a:p>
-            <a:pPr indent="0" lvl="0" marL="0" rtl="0" algn="l">
+            <a:pPr marL="0" lvl="0" indent="0" algn="l" rtl="0">
               <a:spcBef>
                 <a:spcPts val="0"/>
               </a:spcBef>
@@ -11525,7 +11499,7 @@
           <a:blip r:embed="rId3">
             <a:alphaModFix/>
           </a:blip>
-          <a:srcRect b="0" l="583" r="583" t="0"/>
+          <a:srcRect l="583" r="583"/>
           <a:stretch/>
         </p:blipFill>
         <p:spPr>
@@ -11551,11 +11525,11 @@
 </file>
 
 <file path=ppt/slides/slide13.xml><?xml version="1.0" encoding="utf-8"?>
-<p:sld xmlns:a="http://schemas.openxmlformats.org/drawingml/2006/main" xmlns:r="http://schemas.openxmlformats.org/officeDocument/2006/relationships" xmlns:mc="http://schemas.openxmlformats.org/markup-compatibility/2006" xmlns:mv="urn:schemas-microsoft-com:mac:vml" xmlns:p="http://schemas.openxmlformats.org/presentationml/2006/main" xmlns:c="http://schemas.openxmlformats.org/drawingml/2006/chart" xmlns:dgm="http://schemas.openxmlformats.org/drawingml/2006/diagram" xmlns:o="urn:schemas-microsoft-com:office:office" xmlns:v="urn:schemas-microsoft-com:vml" xmlns:pvml="urn:schemas-microsoft-com:office:powerpoint" xmlns:com="http://schemas.openxmlformats.org/drawingml/2006/compatibility" xmlns:p14="http://schemas.microsoft.com/office/powerpoint/2010/main" xmlns:p15="http://schemas.microsoft.com/office/powerpoint/2012/main" xmlns:ahyp="http://schemas.microsoft.com/office/drawing/2018/hyperlinkcolor">
+<p:sld xmlns:a="http://schemas.openxmlformats.org/drawingml/2006/main" xmlns:r="http://schemas.openxmlformats.org/officeDocument/2006/relationships" xmlns:p="http://schemas.openxmlformats.org/presentationml/2006/main">
   <p:cSld>
     <p:spTree>
       <p:nvGrpSpPr>
-        <p:cNvPr id="207" name="Shape 207"/>
+        <p:cNvPr id="1" name="Shape 207"/>
         <p:cNvGrpSpPr/>
         <p:nvPr/>
       </p:nvGrpSpPr>
@@ -11570,7 +11544,9 @@
       <p:sp>
         <p:nvSpPr>
           <p:cNvPr id="208" name="Google Shape;208;p25"/>
-          <p:cNvSpPr txBox="1"/>
+          <p:cNvSpPr txBox="1">
+            <a:spLocks noGrp="1"/>
+          </p:cNvSpPr>
           <p:nvPr>
             <p:ph type="title"/>
           </p:nvPr>
@@ -11585,12 +11561,12 @@
           </a:prstGeom>
         </p:spPr>
         <p:txBody>
-          <a:bodyPr anchorCtr="0" anchor="t" bIns="91425" lIns="91425" spcFirstLastPara="1" rIns="91425" wrap="square" tIns="91425">
+          <a:bodyPr spcFirstLastPara="1" wrap="square" lIns="91425" tIns="91425" rIns="91425" bIns="91425" anchor="t" anchorCtr="0">
             <a:normAutofit/>
           </a:bodyPr>
           <a:lstStyle/>
           <a:p>
-            <a:pPr indent="0" lvl="0" marL="0" rtl="0" algn="l">
+            <a:pPr marL="0" lvl="0" indent="0" algn="l" rtl="0">
               <a:spcBef>
                 <a:spcPts val="0"/>
               </a:spcBef>
@@ -11644,11 +11620,11 @@
 </file>
 
 <file path=ppt/slides/slide14.xml><?xml version="1.0" encoding="utf-8"?>
-<p:sld xmlns:a="http://schemas.openxmlformats.org/drawingml/2006/main" xmlns:r="http://schemas.openxmlformats.org/officeDocument/2006/relationships" xmlns:mc="http://schemas.openxmlformats.org/markup-compatibility/2006" xmlns:mv="urn:schemas-microsoft-com:mac:vml" xmlns:p="http://schemas.openxmlformats.org/presentationml/2006/main" xmlns:c="http://schemas.openxmlformats.org/drawingml/2006/chart" xmlns:dgm="http://schemas.openxmlformats.org/drawingml/2006/diagram" xmlns:o="urn:schemas-microsoft-com:office:office" xmlns:v="urn:schemas-microsoft-com:vml" xmlns:pvml="urn:schemas-microsoft-com:office:powerpoint" xmlns:com="http://schemas.openxmlformats.org/drawingml/2006/compatibility" xmlns:p14="http://schemas.microsoft.com/office/powerpoint/2010/main" xmlns:p15="http://schemas.microsoft.com/office/powerpoint/2012/main" xmlns:ahyp="http://schemas.microsoft.com/office/drawing/2018/hyperlinkcolor">
+<p:sld xmlns:a="http://schemas.openxmlformats.org/drawingml/2006/main" xmlns:r="http://schemas.openxmlformats.org/officeDocument/2006/relationships" xmlns:p="http://schemas.openxmlformats.org/presentationml/2006/main">
   <p:cSld>
     <p:spTree>
       <p:nvGrpSpPr>
-        <p:cNvPr id="213" name="Shape 213"/>
+        <p:cNvPr id="1" name="Shape 213"/>
         <p:cNvGrpSpPr/>
         <p:nvPr/>
       </p:nvGrpSpPr>
@@ -11663,7 +11639,9 @@
       <p:sp>
         <p:nvSpPr>
           <p:cNvPr id="214" name="Google Shape;214;p26"/>
-          <p:cNvSpPr txBox="1"/>
+          <p:cNvSpPr txBox="1">
+            <a:spLocks noGrp="1"/>
+          </p:cNvSpPr>
           <p:nvPr>
             <p:ph type="title"/>
           </p:nvPr>
@@ -11678,12 +11656,12 @@
           </a:prstGeom>
         </p:spPr>
         <p:txBody>
-          <a:bodyPr anchorCtr="0" anchor="t" bIns="91425" lIns="91425" spcFirstLastPara="1" rIns="91425" wrap="square" tIns="91425">
+          <a:bodyPr spcFirstLastPara="1" wrap="square" lIns="91425" tIns="91425" rIns="91425" bIns="91425" anchor="t" anchorCtr="0">
             <a:normAutofit/>
           </a:bodyPr>
           <a:lstStyle/>
           <a:p>
-            <a:pPr indent="0" lvl="0" marL="0" rtl="0" algn="l">
+            <a:pPr marL="0" lvl="0" indent="0" algn="l" rtl="0">
               <a:spcBef>
                 <a:spcPts val="0"/>
               </a:spcBef>
@@ -11737,11 +11715,11 @@
 </file>
 
 <file path=ppt/slides/slide15.xml><?xml version="1.0" encoding="utf-8"?>
-<p:sld xmlns:a="http://schemas.openxmlformats.org/drawingml/2006/main" xmlns:r="http://schemas.openxmlformats.org/officeDocument/2006/relationships" xmlns:mc="http://schemas.openxmlformats.org/markup-compatibility/2006" xmlns:mv="urn:schemas-microsoft-com:mac:vml" xmlns:p="http://schemas.openxmlformats.org/presentationml/2006/main" xmlns:c="http://schemas.openxmlformats.org/drawingml/2006/chart" xmlns:dgm="http://schemas.openxmlformats.org/drawingml/2006/diagram" xmlns:o="urn:schemas-microsoft-com:office:office" xmlns:v="urn:schemas-microsoft-com:vml" xmlns:pvml="urn:schemas-microsoft-com:office:powerpoint" xmlns:com="http://schemas.openxmlformats.org/drawingml/2006/compatibility" xmlns:p14="http://schemas.microsoft.com/office/powerpoint/2010/main" xmlns:p15="http://schemas.microsoft.com/office/powerpoint/2012/main" xmlns:ahyp="http://schemas.microsoft.com/office/drawing/2018/hyperlinkcolor">
+<p:sld xmlns:a="http://schemas.openxmlformats.org/drawingml/2006/main" xmlns:r="http://schemas.openxmlformats.org/officeDocument/2006/relationships" xmlns:p="http://schemas.openxmlformats.org/presentationml/2006/main">
   <p:cSld>
     <p:spTree>
       <p:nvGrpSpPr>
-        <p:cNvPr id="219" name="Shape 219"/>
+        <p:cNvPr id="1" name="Shape 219"/>
         <p:cNvGrpSpPr/>
         <p:nvPr/>
       </p:nvGrpSpPr>
@@ -11756,7 +11734,9 @@
       <p:sp>
         <p:nvSpPr>
           <p:cNvPr id="220" name="Google Shape;220;p27"/>
-          <p:cNvSpPr txBox="1"/>
+          <p:cNvSpPr txBox="1">
+            <a:spLocks noGrp="1"/>
+          </p:cNvSpPr>
           <p:nvPr>
             <p:ph type="title"/>
           </p:nvPr>
@@ -11771,12 +11751,12 @@
           </a:prstGeom>
         </p:spPr>
         <p:txBody>
-          <a:bodyPr anchorCtr="0" anchor="t" bIns="91425" lIns="91425" spcFirstLastPara="1" rIns="91425" wrap="square" tIns="91425">
+          <a:bodyPr spcFirstLastPara="1" wrap="square" lIns="91425" tIns="91425" rIns="91425" bIns="91425" anchor="t" anchorCtr="0">
             <a:normAutofit/>
           </a:bodyPr>
           <a:lstStyle/>
           <a:p>
-            <a:pPr indent="0" lvl="0" marL="0" rtl="0" algn="l">
+            <a:pPr marL="0" lvl="0" indent="0" algn="l" rtl="0">
               <a:spcBef>
                 <a:spcPts val="0"/>
               </a:spcBef>
@@ -11830,11 +11810,11 @@
 </file>
 
 <file path=ppt/slides/slide16.xml><?xml version="1.0" encoding="utf-8"?>
-<p:sld xmlns:a="http://schemas.openxmlformats.org/drawingml/2006/main" xmlns:r="http://schemas.openxmlformats.org/officeDocument/2006/relationships" xmlns:mc="http://schemas.openxmlformats.org/markup-compatibility/2006" xmlns:mv="urn:schemas-microsoft-com:mac:vml" xmlns:p="http://schemas.openxmlformats.org/presentationml/2006/main" xmlns:c="http://schemas.openxmlformats.org/drawingml/2006/chart" xmlns:dgm="http://schemas.openxmlformats.org/drawingml/2006/diagram" xmlns:o="urn:schemas-microsoft-com:office:office" xmlns:v="urn:schemas-microsoft-com:vml" xmlns:pvml="urn:schemas-microsoft-com:office:powerpoint" xmlns:com="http://schemas.openxmlformats.org/drawingml/2006/compatibility" xmlns:p14="http://schemas.microsoft.com/office/powerpoint/2010/main" xmlns:p15="http://schemas.microsoft.com/office/powerpoint/2012/main" xmlns:ahyp="http://schemas.microsoft.com/office/drawing/2018/hyperlinkcolor">
+<p:sld xmlns:a="http://schemas.openxmlformats.org/drawingml/2006/main" xmlns:r="http://schemas.openxmlformats.org/officeDocument/2006/relationships" xmlns:p="http://schemas.openxmlformats.org/presentationml/2006/main">
   <p:cSld>
     <p:spTree>
       <p:nvGrpSpPr>
-        <p:cNvPr id="225" name="Shape 225"/>
+        <p:cNvPr id="1" name="Shape 225"/>
         <p:cNvGrpSpPr/>
         <p:nvPr/>
       </p:nvGrpSpPr>
@@ -11849,7 +11829,9 @@
       <p:sp>
         <p:nvSpPr>
           <p:cNvPr id="226" name="Google Shape;226;p28"/>
-          <p:cNvSpPr txBox="1"/>
+          <p:cNvSpPr txBox="1">
+            <a:spLocks noGrp="1"/>
+          </p:cNvSpPr>
           <p:nvPr>
             <p:ph type="title"/>
           </p:nvPr>
@@ -11864,12 +11846,12 @@
           </a:prstGeom>
         </p:spPr>
         <p:txBody>
-          <a:bodyPr anchorCtr="0" anchor="t" bIns="91425" lIns="91425" spcFirstLastPara="1" rIns="91425" wrap="square" tIns="91425">
+          <a:bodyPr spcFirstLastPara="1" wrap="square" lIns="91425" tIns="91425" rIns="91425" bIns="91425" anchor="t" anchorCtr="0">
             <a:normAutofit/>
           </a:bodyPr>
           <a:lstStyle/>
           <a:p>
-            <a:pPr indent="0" lvl="0" marL="0" rtl="0" algn="l">
+            <a:pPr marL="0" lvl="0" indent="0" algn="l" rtl="0">
               <a:spcBef>
                 <a:spcPts val="0"/>
               </a:spcBef>
@@ -11895,11 +11877,11 @@
 </file>
 
 <file path=ppt/slides/slide2.xml><?xml version="1.0" encoding="utf-8"?>
-<p:sld xmlns:a="http://schemas.openxmlformats.org/drawingml/2006/main" xmlns:r="http://schemas.openxmlformats.org/officeDocument/2006/relationships" xmlns:mc="http://schemas.openxmlformats.org/markup-compatibility/2006" xmlns:mv="urn:schemas-microsoft-com:mac:vml" xmlns:p="http://schemas.openxmlformats.org/presentationml/2006/main" xmlns:c="http://schemas.openxmlformats.org/drawingml/2006/chart" xmlns:dgm="http://schemas.openxmlformats.org/drawingml/2006/diagram" xmlns:o="urn:schemas-microsoft-com:office:office" xmlns:v="urn:schemas-microsoft-com:vml" xmlns:pvml="urn:schemas-microsoft-com:office:powerpoint" xmlns:com="http://schemas.openxmlformats.org/drawingml/2006/compatibility" xmlns:p14="http://schemas.microsoft.com/office/powerpoint/2010/main" xmlns:p15="http://schemas.microsoft.com/office/powerpoint/2012/main" xmlns:ahyp="http://schemas.microsoft.com/office/drawing/2018/hyperlinkcolor">
+<p:sld xmlns:a="http://schemas.openxmlformats.org/drawingml/2006/main" xmlns:r="http://schemas.openxmlformats.org/officeDocument/2006/relationships" xmlns:p="http://schemas.openxmlformats.org/presentationml/2006/main">
   <p:cSld>
     <p:spTree>
       <p:nvGrpSpPr>
-        <p:cNvPr id="135" name="Shape 135"/>
+        <p:cNvPr id="1" name="Shape 135"/>
         <p:cNvGrpSpPr/>
         <p:nvPr/>
       </p:nvGrpSpPr>
@@ -11914,7 +11896,9 @@
       <p:sp>
         <p:nvSpPr>
           <p:cNvPr id="136" name="Google Shape;136;p14"/>
-          <p:cNvSpPr txBox="1"/>
+          <p:cNvSpPr txBox="1">
+            <a:spLocks noGrp="1"/>
+          </p:cNvSpPr>
           <p:nvPr>
             <p:ph type="title"/>
           </p:nvPr>
@@ -11929,12 +11913,12 @@
           </a:prstGeom>
         </p:spPr>
         <p:txBody>
-          <a:bodyPr anchorCtr="0" anchor="t" bIns="91425" lIns="91425" spcFirstLastPara="1" rIns="91425" wrap="square" tIns="91425">
+          <a:bodyPr spcFirstLastPara="1" wrap="square" lIns="91425" tIns="91425" rIns="91425" bIns="91425" anchor="t" anchorCtr="0">
             <a:normAutofit/>
           </a:bodyPr>
           <a:lstStyle/>
           <a:p>
-            <a:pPr indent="0" lvl="0" marL="0" rtl="0" algn="l">
+            <a:pPr marL="0" lvl="0" indent="0" algn="l" rtl="0">
               <a:spcBef>
                 <a:spcPts val="0"/>
               </a:spcBef>
@@ -11954,9 +11938,11 @@
       <p:sp>
         <p:nvSpPr>
           <p:cNvPr id="137" name="Google Shape;137;p14"/>
-          <p:cNvSpPr txBox="1"/>
+          <p:cNvSpPr txBox="1">
+            <a:spLocks noGrp="1"/>
+          </p:cNvSpPr>
           <p:nvPr>
-            <p:ph idx="1" type="body"/>
+            <p:ph type="body" idx="1"/>
           </p:nvPr>
         </p:nvSpPr>
         <p:spPr>
@@ -11969,12 +11955,12 @@
           </a:prstGeom>
         </p:spPr>
         <p:txBody>
-          <a:bodyPr anchorCtr="0" anchor="t" bIns="91425" lIns="91425" spcFirstLastPara="1" rIns="91425" wrap="square" tIns="91425">
+          <a:bodyPr spcFirstLastPara="1" wrap="square" lIns="91425" tIns="91425" rIns="91425" bIns="91425" anchor="t" anchorCtr="0">
             <a:normAutofit/>
           </a:bodyPr>
           <a:lstStyle/>
           <a:p>
-            <a:pPr indent="-330200" lvl="0" marL="457200" rtl="0" algn="l">
+            <a:pPr marL="457200" lvl="0" indent="-330200" algn="l" rtl="0">
               <a:spcBef>
                 <a:spcPts val="0"/>
               </a:spcBef>
@@ -11991,7 +11977,7 @@
             <a:endParaRPr sz="1600"/>
           </a:p>
           <a:p>
-            <a:pPr indent="-330200" lvl="0" marL="457200" rtl="0" algn="l">
+            <a:pPr marL="457200" lvl="0" indent="-330200" algn="l" rtl="0">
               <a:spcBef>
                 <a:spcPts val="0"/>
               </a:spcBef>
@@ -12008,7 +11994,7 @@
             <a:endParaRPr sz="1600"/>
           </a:p>
           <a:p>
-            <a:pPr indent="-330200" lvl="0" marL="457200" rtl="0" algn="l">
+            <a:pPr marL="457200" lvl="0" indent="-330200" algn="l" rtl="0">
               <a:spcBef>
                 <a:spcPts val="0"/>
               </a:spcBef>
@@ -12025,7 +12011,7 @@
             <a:endParaRPr sz="1600"/>
           </a:p>
           <a:p>
-            <a:pPr indent="-330200" lvl="0" marL="457200" rtl="0" algn="l">
+            <a:pPr marL="457200" lvl="0" indent="-330200" algn="l" rtl="0">
               <a:spcBef>
                 <a:spcPts val="0"/>
               </a:spcBef>
@@ -12042,7 +12028,7 @@
             <a:endParaRPr sz="1600"/>
           </a:p>
           <a:p>
-            <a:pPr indent="-330200" lvl="0" marL="457200" rtl="0" algn="l">
+            <a:pPr marL="457200" lvl="0" indent="-330200" algn="l" rtl="0">
               <a:spcBef>
                 <a:spcPts val="0"/>
               </a:spcBef>
@@ -12069,11 +12055,11 @@
 </file>
 
 <file path=ppt/slides/slide3.xml><?xml version="1.0" encoding="utf-8"?>
-<p:sld xmlns:a="http://schemas.openxmlformats.org/drawingml/2006/main" xmlns:r="http://schemas.openxmlformats.org/officeDocument/2006/relationships" xmlns:mc="http://schemas.openxmlformats.org/markup-compatibility/2006" xmlns:mv="urn:schemas-microsoft-com:mac:vml" xmlns:p="http://schemas.openxmlformats.org/presentationml/2006/main" xmlns:c="http://schemas.openxmlformats.org/drawingml/2006/chart" xmlns:dgm="http://schemas.openxmlformats.org/drawingml/2006/diagram" xmlns:o="urn:schemas-microsoft-com:office:office" xmlns:v="urn:schemas-microsoft-com:vml" xmlns:pvml="urn:schemas-microsoft-com:office:powerpoint" xmlns:com="http://schemas.openxmlformats.org/drawingml/2006/compatibility" xmlns:p14="http://schemas.microsoft.com/office/powerpoint/2010/main" xmlns:p15="http://schemas.microsoft.com/office/powerpoint/2012/main" xmlns:ahyp="http://schemas.microsoft.com/office/drawing/2018/hyperlinkcolor">
+<p:sld xmlns:a="http://schemas.openxmlformats.org/drawingml/2006/main" xmlns:r="http://schemas.openxmlformats.org/officeDocument/2006/relationships" xmlns:p="http://schemas.openxmlformats.org/presentationml/2006/main">
   <p:cSld>
     <p:spTree>
       <p:nvGrpSpPr>
-        <p:cNvPr id="141" name="Shape 141"/>
+        <p:cNvPr id="1" name="Shape 141"/>
         <p:cNvGrpSpPr/>
         <p:nvPr/>
       </p:nvGrpSpPr>
@@ -12088,7 +12074,9 @@
       <p:sp>
         <p:nvSpPr>
           <p:cNvPr id="142" name="Google Shape;142;p15"/>
-          <p:cNvSpPr txBox="1"/>
+          <p:cNvSpPr txBox="1">
+            <a:spLocks noGrp="1"/>
+          </p:cNvSpPr>
           <p:nvPr>
             <p:ph type="title"/>
           </p:nvPr>
@@ -12103,12 +12091,12 @@
           </a:prstGeom>
         </p:spPr>
         <p:txBody>
-          <a:bodyPr anchorCtr="0" anchor="t" bIns="91425" lIns="91425" spcFirstLastPara="1" rIns="91425" wrap="square" tIns="91425">
+          <a:bodyPr spcFirstLastPara="1" wrap="square" lIns="91425" tIns="91425" rIns="91425" bIns="91425" anchor="t" anchorCtr="0">
             <a:normAutofit/>
           </a:bodyPr>
           <a:lstStyle/>
           <a:p>
-            <a:pPr indent="0" lvl="0" marL="0" rtl="0" algn="l">
+            <a:pPr marL="0" lvl="0" indent="0" algn="l" rtl="0">
               <a:spcBef>
                 <a:spcPts val="0"/>
               </a:spcBef>
@@ -12125,787 +12113,36 @@
           </a:p>
         </p:txBody>
       </p:sp>
-      <p:sp>
-        <p:nvSpPr>
-          <p:cNvPr id="143" name="Google Shape;143;p15"/>
-          <p:cNvSpPr txBox="1"/>
-          <p:nvPr>
-            <p:ph idx="1" type="body"/>
-          </p:nvPr>
-        </p:nvSpPr>
+      <p:pic>
+        <p:nvPicPr>
+          <p:cNvPr id="3" name="Grafik 2">
+            <a:extLst>
+              <a:ext uri="{FF2B5EF4-FFF2-40B4-BE49-F238E27FC236}">
+                <a16:creationId xmlns:a16="http://schemas.microsoft.com/office/drawing/2014/main" id="{C1A76ECC-44D9-315D-F78A-A171636179C2}"/>
+              </a:ext>
+            </a:extLst>
+          </p:cNvPr>
+          <p:cNvPicPr>
+            <a:picLocks noChangeAspect="1"/>
+          </p:cNvPicPr>
+          <p:nvPr/>
+        </p:nvPicPr>
+        <p:blipFill>
+          <a:blip r:embed="rId3"/>
+          <a:stretch>
+            <a:fillRect/>
+          </a:stretch>
+        </p:blipFill>
         <p:spPr>
           <a:xfrm>
-            <a:off x="819150" y="1535600"/>
-            <a:ext cx="7505700" cy="3130800"/>
+            <a:off x="1298601" y="1481915"/>
+            <a:ext cx="6546797" cy="2950669"/>
           </a:xfrm>
           <a:prstGeom prst="rect">
             <a:avLst/>
           </a:prstGeom>
-          <a:solidFill>
-            <a:schemeClr val="dk1"/>
-          </a:solidFill>
         </p:spPr>
-        <p:txBody>
-          <a:bodyPr anchorCtr="0" anchor="t" bIns="91425" lIns="91425" spcFirstLastPara="1" rIns="91425" wrap="square" tIns="91425">
-            <a:noAutofit/>
-          </a:bodyPr>
-          <a:lstStyle/>
-          <a:p>
-            <a:pPr indent="-292100" lvl="0" marL="457200" rtl="0" algn="l">
-              <a:spcBef>
-                <a:spcPts val="1500"/>
-              </a:spcBef>
-              <a:spcAft>
-                <a:spcPts val="0"/>
-              </a:spcAft>
-              <a:buClr>
-                <a:srgbClr val="1F1F1F"/>
-              </a:buClr>
-              <a:buSzPts val="1000"/>
-              <a:buFont typeface="Roboto"/>
-              <a:buChar char="●"/>
-            </a:pPr>
-            <a:r>
-              <a:rPr b="1" lang="de" sz="1000">
-                <a:solidFill>
-                  <a:srgbClr val="1F1F1F"/>
-                </a:solidFill>
-                <a:highlight>
-                  <a:srgbClr val="FFFFFF"/>
-                </a:highlight>
-                <a:latin typeface="Roboto"/>
-                <a:ea typeface="Roboto"/>
-                <a:cs typeface="Roboto"/>
-                <a:sym typeface="Roboto"/>
-              </a:rPr>
-              <a:t>Background and Context:</a:t>
-            </a:r>
-            <a:endParaRPr b="1" sz="1000">
-              <a:solidFill>
-                <a:srgbClr val="1F1F1F"/>
-              </a:solidFill>
-              <a:highlight>
-                <a:srgbClr val="FFFFFF"/>
-              </a:highlight>
-              <a:latin typeface="Roboto"/>
-              <a:ea typeface="Roboto"/>
-              <a:cs typeface="Roboto"/>
-              <a:sym typeface="Roboto"/>
-            </a:endParaRPr>
-          </a:p>
-          <a:p>
-            <a:pPr indent="-292100" lvl="1" marL="914400" rtl="0" algn="l">
-              <a:spcBef>
-                <a:spcPts val="0"/>
-              </a:spcBef>
-              <a:spcAft>
-                <a:spcPts val="0"/>
-              </a:spcAft>
-              <a:buClr>
-                <a:srgbClr val="1F1F1F"/>
-              </a:buClr>
-              <a:buSzPts val="1000"/>
-              <a:buFont typeface="Roboto"/>
-              <a:buChar char="●"/>
-            </a:pPr>
-            <a:r>
-              <a:rPr lang="de" sz="1000">
-                <a:solidFill>
-                  <a:srgbClr val="1F1F1F"/>
-                </a:solidFill>
-                <a:highlight>
-                  <a:srgbClr val="FFFFFF"/>
-                </a:highlight>
-                <a:latin typeface="Roboto"/>
-                <a:ea typeface="Roboto"/>
-                <a:cs typeface="Roboto"/>
-                <a:sym typeface="Roboto"/>
-              </a:rPr>
-              <a:t>Human developmental learning relies on intrinsically motivated exploration.</a:t>
-            </a:r>
-            <a:endParaRPr sz="1000">
-              <a:solidFill>
-                <a:srgbClr val="1F1F1F"/>
-              </a:solidFill>
-              <a:highlight>
-                <a:srgbClr val="FFFFFF"/>
-              </a:highlight>
-              <a:latin typeface="Roboto"/>
-              <a:ea typeface="Roboto"/>
-              <a:cs typeface="Roboto"/>
-              <a:sym typeface="Roboto"/>
-            </a:endParaRPr>
-          </a:p>
-          <a:p>
-            <a:pPr indent="-292100" lvl="1" marL="914400" rtl="0" algn="l">
-              <a:spcBef>
-                <a:spcPts val="0"/>
-              </a:spcBef>
-              <a:spcAft>
-                <a:spcPts val="0"/>
-              </a:spcAft>
-              <a:buClr>
-                <a:srgbClr val="1F1F1F"/>
-              </a:buClr>
-              <a:buSzPts val="1000"/>
-              <a:buFont typeface="Roboto"/>
-              <a:buChar char="●"/>
-            </a:pPr>
-            <a:r>
-              <a:rPr lang="de" sz="1000">
-                <a:solidFill>
-                  <a:srgbClr val="1F1F1F"/>
-                </a:solidFill>
-                <a:highlight>
-                  <a:srgbClr val="FFFFFF"/>
-                </a:highlight>
-                <a:latin typeface="Roboto"/>
-                <a:ea typeface="Roboto"/>
-                <a:cs typeface="Roboto"/>
-                <a:sym typeface="Roboto"/>
-              </a:rPr>
-              <a:t>Machines lack autonomous learning capabilities akin to human infants.</a:t>
-            </a:r>
-            <a:endParaRPr sz="1000">
-              <a:solidFill>
-                <a:srgbClr val="1F1F1F"/>
-              </a:solidFill>
-              <a:highlight>
-                <a:srgbClr val="FFFFFF"/>
-              </a:highlight>
-              <a:latin typeface="Roboto"/>
-              <a:ea typeface="Roboto"/>
-              <a:cs typeface="Roboto"/>
-              <a:sym typeface="Roboto"/>
-            </a:endParaRPr>
-          </a:p>
-          <a:p>
-            <a:pPr indent="-292100" lvl="1" marL="914400" rtl="0" algn="l">
-              <a:spcBef>
-                <a:spcPts val="0"/>
-              </a:spcBef>
-              <a:spcAft>
-                <a:spcPts val="0"/>
-              </a:spcAft>
-              <a:buClr>
-                <a:srgbClr val="1F1F1F"/>
-              </a:buClr>
-              <a:buSzPts val="1000"/>
-              <a:buFont typeface="Roboto"/>
-              <a:buChar char="●"/>
-            </a:pPr>
-            <a:r>
-              <a:rPr lang="de" sz="1000">
-                <a:solidFill>
-                  <a:srgbClr val="1F1F1F"/>
-                </a:solidFill>
-                <a:highlight>
-                  <a:srgbClr val="FFFFFF"/>
-                </a:highlight>
-                <a:latin typeface="Roboto"/>
-                <a:ea typeface="Roboto"/>
-                <a:cs typeface="Roboto"/>
-                <a:sym typeface="Roboto"/>
-              </a:rPr>
-              <a:t>Existing models fail to autonomously generate and pursue diverse learning goals.</a:t>
-            </a:r>
-            <a:endParaRPr sz="1000">
-              <a:solidFill>
-                <a:srgbClr val="1F1F1F"/>
-              </a:solidFill>
-              <a:highlight>
-                <a:srgbClr val="FFFFFF"/>
-              </a:highlight>
-              <a:latin typeface="Roboto"/>
-              <a:ea typeface="Roboto"/>
-              <a:cs typeface="Roboto"/>
-              <a:sym typeface="Roboto"/>
-            </a:endParaRPr>
-          </a:p>
-          <a:p>
-            <a:pPr indent="-292100" lvl="0" marL="457200" rtl="0" algn="l">
-              <a:spcBef>
-                <a:spcPts val="0"/>
-              </a:spcBef>
-              <a:spcAft>
-                <a:spcPts val="0"/>
-              </a:spcAft>
-              <a:buClr>
-                <a:srgbClr val="1F1F1F"/>
-              </a:buClr>
-              <a:buSzPts val="1000"/>
-              <a:buFont typeface="Roboto"/>
-              <a:buChar char="●"/>
-            </a:pPr>
-            <a:r>
-              <a:rPr b="1" lang="de" sz="1000">
-                <a:solidFill>
-                  <a:srgbClr val="1F1F1F"/>
-                </a:solidFill>
-                <a:highlight>
-                  <a:srgbClr val="FFFFFF"/>
-                </a:highlight>
-                <a:latin typeface="Roboto"/>
-                <a:ea typeface="Roboto"/>
-                <a:cs typeface="Roboto"/>
-                <a:sym typeface="Roboto"/>
-              </a:rPr>
-              <a:t>Research Gap:</a:t>
-            </a:r>
-            <a:endParaRPr b="1" sz="1000">
-              <a:solidFill>
-                <a:srgbClr val="1F1F1F"/>
-              </a:solidFill>
-              <a:highlight>
-                <a:srgbClr val="FFFFFF"/>
-              </a:highlight>
-              <a:latin typeface="Roboto"/>
-              <a:ea typeface="Roboto"/>
-              <a:cs typeface="Roboto"/>
-              <a:sym typeface="Roboto"/>
-            </a:endParaRPr>
-          </a:p>
-          <a:p>
-            <a:pPr indent="-292100" lvl="1" marL="914400" rtl="0" algn="l">
-              <a:spcBef>
-                <a:spcPts val="0"/>
-              </a:spcBef>
-              <a:spcAft>
-                <a:spcPts val="0"/>
-              </a:spcAft>
-              <a:buClr>
-                <a:srgbClr val="1F1F1F"/>
-              </a:buClr>
-              <a:buSzPts val="1000"/>
-              <a:buFont typeface="Roboto"/>
-              <a:buChar char="●"/>
-            </a:pPr>
-            <a:r>
-              <a:rPr lang="de" sz="1000">
-                <a:solidFill>
-                  <a:srgbClr val="1F1F1F"/>
-                </a:solidFill>
-                <a:highlight>
-                  <a:srgbClr val="FFFFFF"/>
-                </a:highlight>
-                <a:latin typeface="Roboto"/>
-                <a:ea typeface="Roboto"/>
-                <a:cs typeface="Roboto"/>
-                <a:sym typeface="Roboto"/>
-              </a:rPr>
-              <a:t>There's a significant gap in replicating human-like autonomous learning in AI systems.</a:t>
-            </a:r>
-            <a:endParaRPr sz="1000">
-              <a:solidFill>
-                <a:srgbClr val="1F1F1F"/>
-              </a:solidFill>
-              <a:highlight>
-                <a:srgbClr val="FFFFFF"/>
-              </a:highlight>
-              <a:latin typeface="Roboto"/>
-              <a:ea typeface="Roboto"/>
-              <a:cs typeface="Roboto"/>
-              <a:sym typeface="Roboto"/>
-            </a:endParaRPr>
-          </a:p>
-          <a:p>
-            <a:pPr indent="-292100" lvl="0" marL="457200" rtl="0" algn="l">
-              <a:spcBef>
-                <a:spcPts val="0"/>
-              </a:spcBef>
-              <a:spcAft>
-                <a:spcPts val="0"/>
-              </a:spcAft>
-              <a:buClr>
-                <a:srgbClr val="1F1F1F"/>
-              </a:buClr>
-              <a:buSzPts val="1000"/>
-              <a:buFont typeface="Roboto"/>
-              <a:buChar char="●"/>
-            </a:pPr>
-            <a:r>
-              <a:rPr b="1" lang="de" sz="1000">
-                <a:solidFill>
-                  <a:srgbClr val="1F1F1F"/>
-                </a:solidFill>
-                <a:highlight>
-                  <a:srgbClr val="FFFFFF"/>
-                </a:highlight>
-                <a:latin typeface="Roboto"/>
-                <a:ea typeface="Roboto"/>
-                <a:cs typeface="Roboto"/>
-                <a:sym typeface="Roboto"/>
-              </a:rPr>
-              <a:t>Research Objective or Purpose:</a:t>
-            </a:r>
-            <a:endParaRPr b="1" sz="1000">
-              <a:solidFill>
-                <a:srgbClr val="1F1F1F"/>
-              </a:solidFill>
-              <a:highlight>
-                <a:srgbClr val="FFFFFF"/>
-              </a:highlight>
-              <a:latin typeface="Roboto"/>
-              <a:ea typeface="Roboto"/>
-              <a:cs typeface="Roboto"/>
-              <a:sym typeface="Roboto"/>
-            </a:endParaRPr>
-          </a:p>
-          <a:p>
-            <a:pPr indent="-292100" lvl="1" marL="914400" rtl="0" algn="l">
-              <a:spcBef>
-                <a:spcPts val="0"/>
-              </a:spcBef>
-              <a:spcAft>
-                <a:spcPts val="0"/>
-              </a:spcAft>
-              <a:buClr>
-                <a:srgbClr val="1F1F1F"/>
-              </a:buClr>
-              <a:buSzPts val="1000"/>
-              <a:buFont typeface="Roboto"/>
-              <a:buChar char="●"/>
-            </a:pPr>
-            <a:r>
-              <a:rPr lang="de" sz="1000">
-                <a:solidFill>
-                  <a:srgbClr val="1F1F1F"/>
-                </a:solidFill>
-                <a:highlight>
-                  <a:srgbClr val="FFFFFF"/>
-                </a:highlight>
-                <a:latin typeface="Roboto"/>
-                <a:ea typeface="Roboto"/>
-                <a:cs typeface="Roboto"/>
-                <a:sym typeface="Roboto"/>
-              </a:rPr>
-              <a:t>Introduce Intrinsically Motivated Goal Exploration Processes (IMGEP) for autonomous learning.</a:t>
-            </a:r>
-            <a:endParaRPr sz="1000">
-              <a:solidFill>
-                <a:srgbClr val="1F1F1F"/>
-              </a:solidFill>
-              <a:highlight>
-                <a:srgbClr val="FFFFFF"/>
-              </a:highlight>
-              <a:latin typeface="Roboto"/>
-              <a:ea typeface="Roboto"/>
-              <a:cs typeface="Roboto"/>
-              <a:sym typeface="Roboto"/>
-            </a:endParaRPr>
-          </a:p>
-          <a:p>
-            <a:pPr indent="-292100" lvl="1" marL="914400" rtl="0" algn="l">
-              <a:spcBef>
-                <a:spcPts val="0"/>
-              </a:spcBef>
-              <a:spcAft>
-                <a:spcPts val="0"/>
-              </a:spcAft>
-              <a:buClr>
-                <a:srgbClr val="1F1F1F"/>
-              </a:buClr>
-              <a:buSzPts val="1000"/>
-              <a:buFont typeface="Roboto"/>
-              <a:buChar char="●"/>
-            </a:pPr>
-            <a:r>
-              <a:rPr lang="de" sz="1000">
-                <a:solidFill>
-                  <a:srgbClr val="1F1F1F"/>
-                </a:solidFill>
-                <a:highlight>
-                  <a:srgbClr val="FFFFFF"/>
-                </a:highlight>
-                <a:latin typeface="Roboto"/>
-                <a:ea typeface="Roboto"/>
-                <a:cs typeface="Roboto"/>
-                <a:sym typeface="Roboto"/>
-              </a:rPr>
-              <a:t>Develop algorithms that can self-generate goals, explore efficiently, and leverage acquired information.</a:t>
-            </a:r>
-            <a:endParaRPr sz="1000">
-              <a:solidFill>
-                <a:srgbClr val="1F1F1F"/>
-              </a:solidFill>
-              <a:highlight>
-                <a:srgbClr val="FFFFFF"/>
-              </a:highlight>
-              <a:latin typeface="Roboto"/>
-              <a:ea typeface="Roboto"/>
-              <a:cs typeface="Roboto"/>
-              <a:sym typeface="Roboto"/>
-            </a:endParaRPr>
-          </a:p>
-          <a:p>
-            <a:pPr indent="-292100" lvl="0" marL="457200" rtl="0" algn="l">
-              <a:spcBef>
-                <a:spcPts val="0"/>
-              </a:spcBef>
-              <a:spcAft>
-                <a:spcPts val="0"/>
-              </a:spcAft>
-              <a:buClr>
-                <a:srgbClr val="1F1F1F"/>
-              </a:buClr>
-              <a:buSzPts val="1000"/>
-              <a:buFont typeface="Roboto"/>
-              <a:buChar char="●"/>
-            </a:pPr>
-            <a:r>
-              <a:rPr b="1" lang="de" sz="1000">
-                <a:solidFill>
-                  <a:srgbClr val="1F1F1F"/>
-                </a:solidFill>
-                <a:highlight>
-                  <a:srgbClr val="FFFFFF"/>
-                </a:highlight>
-                <a:latin typeface="Roboto"/>
-                <a:ea typeface="Roboto"/>
-                <a:cs typeface="Roboto"/>
-                <a:sym typeface="Roboto"/>
-              </a:rPr>
-              <a:t>Significance and Contribution:</a:t>
-            </a:r>
-            <a:endParaRPr b="1" sz="1000">
-              <a:solidFill>
-                <a:srgbClr val="1F1F1F"/>
-              </a:solidFill>
-              <a:highlight>
-                <a:srgbClr val="FFFFFF"/>
-              </a:highlight>
-              <a:latin typeface="Roboto"/>
-              <a:ea typeface="Roboto"/>
-              <a:cs typeface="Roboto"/>
-              <a:sym typeface="Roboto"/>
-            </a:endParaRPr>
-          </a:p>
-          <a:p>
-            <a:pPr indent="-292100" lvl="1" marL="914400" rtl="0" algn="l">
-              <a:spcBef>
-                <a:spcPts val="0"/>
-              </a:spcBef>
-              <a:spcAft>
-                <a:spcPts val="0"/>
-              </a:spcAft>
-              <a:buClr>
-                <a:srgbClr val="1F1F1F"/>
-              </a:buClr>
-              <a:buSzPts val="1000"/>
-              <a:buFont typeface="Roboto"/>
-              <a:buChar char="●"/>
-            </a:pPr>
-            <a:r>
-              <a:rPr lang="de" sz="1000">
-                <a:solidFill>
-                  <a:srgbClr val="1F1F1F"/>
-                </a:solidFill>
-                <a:highlight>
-                  <a:srgbClr val="FFFFFF"/>
-                </a:highlight>
-                <a:latin typeface="Roboto"/>
-                <a:ea typeface="Roboto"/>
-                <a:cs typeface="Roboto"/>
-                <a:sym typeface="Roboto"/>
-              </a:rPr>
-              <a:t>Contributes to developmental artificial intelligence.</a:t>
-            </a:r>
-            <a:endParaRPr sz="1000">
-              <a:solidFill>
-                <a:srgbClr val="1F1F1F"/>
-              </a:solidFill>
-              <a:highlight>
-                <a:srgbClr val="FFFFFF"/>
-              </a:highlight>
-              <a:latin typeface="Roboto"/>
-              <a:ea typeface="Roboto"/>
-              <a:cs typeface="Roboto"/>
-              <a:sym typeface="Roboto"/>
-            </a:endParaRPr>
-          </a:p>
-          <a:p>
-            <a:pPr indent="-292100" lvl="1" marL="914400" rtl="0" algn="l">
-              <a:spcBef>
-                <a:spcPts val="0"/>
-              </a:spcBef>
-              <a:spcAft>
-                <a:spcPts val="0"/>
-              </a:spcAft>
-              <a:buClr>
-                <a:srgbClr val="1F1F1F"/>
-              </a:buClr>
-              <a:buSzPts val="1000"/>
-              <a:buFont typeface="Roboto"/>
-              <a:buChar char="●"/>
-            </a:pPr>
-            <a:r>
-              <a:rPr lang="de" sz="1000">
-                <a:solidFill>
-                  <a:srgbClr val="1F1F1F"/>
-                </a:solidFill>
-                <a:highlight>
-                  <a:srgbClr val="FFFFFF"/>
-                </a:highlight>
-                <a:latin typeface="Roboto"/>
-                <a:ea typeface="Roboto"/>
-                <a:cs typeface="Roboto"/>
-                <a:sym typeface="Roboto"/>
-              </a:rPr>
-              <a:t>Facilitates efficient acquisition of high-dimensional motor skills in robotics.</a:t>
-            </a:r>
-            <a:endParaRPr sz="1000">
-              <a:solidFill>
-                <a:srgbClr val="1F1F1F"/>
-              </a:solidFill>
-              <a:highlight>
-                <a:srgbClr val="FFFFFF"/>
-              </a:highlight>
-              <a:latin typeface="Roboto"/>
-              <a:ea typeface="Roboto"/>
-              <a:cs typeface="Roboto"/>
-              <a:sym typeface="Roboto"/>
-            </a:endParaRPr>
-          </a:p>
-          <a:p>
-            <a:pPr indent="-292100" lvl="1" marL="914400" rtl="0" algn="l">
-              <a:spcBef>
-                <a:spcPts val="0"/>
-              </a:spcBef>
-              <a:spcAft>
-                <a:spcPts val="0"/>
-              </a:spcAft>
-              <a:buClr>
-                <a:srgbClr val="1F1F1F"/>
-              </a:buClr>
-              <a:buSzPts val="1000"/>
-              <a:buFont typeface="Roboto"/>
-              <a:buChar char="●"/>
-            </a:pPr>
-            <a:r>
-              <a:rPr lang="de" sz="1000">
-                <a:solidFill>
-                  <a:srgbClr val="1F1F1F"/>
-                </a:solidFill>
-                <a:highlight>
-                  <a:srgbClr val="FFFFFF"/>
-                </a:highlight>
-                <a:latin typeface="Roboto"/>
-                <a:ea typeface="Roboto"/>
-                <a:cs typeface="Roboto"/>
-                <a:sym typeface="Roboto"/>
-              </a:rPr>
-              <a:t>Implications for robotics, neuroscience, and psychology.</a:t>
-            </a:r>
-            <a:endParaRPr sz="1000">
-              <a:solidFill>
-                <a:srgbClr val="1F1F1F"/>
-              </a:solidFill>
-              <a:highlight>
-                <a:srgbClr val="FFFFFF"/>
-              </a:highlight>
-              <a:latin typeface="Roboto"/>
-              <a:ea typeface="Roboto"/>
-              <a:cs typeface="Roboto"/>
-              <a:sym typeface="Roboto"/>
-            </a:endParaRPr>
-          </a:p>
-          <a:p>
-            <a:pPr indent="-292100" lvl="0" marL="457200" rtl="0" algn="l">
-              <a:spcBef>
-                <a:spcPts val="0"/>
-              </a:spcBef>
-              <a:spcAft>
-                <a:spcPts val="0"/>
-              </a:spcAft>
-              <a:buClr>
-                <a:srgbClr val="1F1F1F"/>
-              </a:buClr>
-              <a:buSzPts val="1000"/>
-              <a:buFont typeface="Roboto"/>
-              <a:buChar char="●"/>
-            </a:pPr>
-            <a:r>
-              <a:rPr b="1" lang="de" sz="1000">
-                <a:solidFill>
-                  <a:srgbClr val="1F1F1F"/>
-                </a:solidFill>
-                <a:highlight>
-                  <a:srgbClr val="FFFFFF"/>
-                </a:highlight>
-                <a:latin typeface="Roboto"/>
-                <a:ea typeface="Roboto"/>
-                <a:cs typeface="Roboto"/>
-                <a:sym typeface="Roboto"/>
-              </a:rPr>
-              <a:t>Scope and Structure:</a:t>
-            </a:r>
-            <a:endParaRPr b="1" sz="1000">
-              <a:solidFill>
-                <a:srgbClr val="1F1F1F"/>
-              </a:solidFill>
-              <a:highlight>
-                <a:srgbClr val="FFFFFF"/>
-              </a:highlight>
-              <a:latin typeface="Roboto"/>
-              <a:ea typeface="Roboto"/>
-              <a:cs typeface="Roboto"/>
-              <a:sym typeface="Roboto"/>
-            </a:endParaRPr>
-          </a:p>
-          <a:p>
-            <a:pPr indent="-292100" lvl="1" marL="914400" rtl="0" algn="l">
-              <a:spcBef>
-                <a:spcPts val="0"/>
-              </a:spcBef>
-              <a:spcAft>
-                <a:spcPts val="0"/>
-              </a:spcAft>
-              <a:buClr>
-                <a:srgbClr val="1F1F1F"/>
-              </a:buClr>
-              <a:buSzPts val="1000"/>
-              <a:buFont typeface="Roboto"/>
-              <a:buChar char="●"/>
-            </a:pPr>
-            <a:r>
-              <a:rPr lang="de" sz="1000">
-                <a:solidFill>
-                  <a:srgbClr val="1F1F1F"/>
-                </a:solidFill>
-                <a:highlight>
-                  <a:srgbClr val="FFFFFF"/>
-                </a:highlight>
-                <a:latin typeface="Roboto"/>
-                <a:ea typeface="Roboto"/>
-                <a:cs typeface="Roboto"/>
-                <a:sym typeface="Roboto"/>
-              </a:rPr>
-              <a:t>Formalization of IMGEP.</a:t>
-            </a:r>
-            <a:endParaRPr sz="1000">
-              <a:solidFill>
-                <a:srgbClr val="1F1F1F"/>
-              </a:solidFill>
-              <a:highlight>
-                <a:srgbClr val="FFFFFF"/>
-              </a:highlight>
-              <a:latin typeface="Roboto"/>
-              <a:ea typeface="Roboto"/>
-              <a:cs typeface="Roboto"/>
-              <a:sym typeface="Roboto"/>
-            </a:endParaRPr>
-          </a:p>
-          <a:p>
-            <a:pPr indent="-292100" lvl="1" marL="914400" rtl="0" algn="l">
-              <a:spcBef>
-                <a:spcPts val="0"/>
-              </a:spcBef>
-              <a:spcAft>
-                <a:spcPts val="0"/>
-              </a:spcAft>
-              <a:buClr>
-                <a:srgbClr val="1F1F1F"/>
-              </a:buClr>
-              <a:buSzPts val="1000"/>
-              <a:buFont typeface="Roboto"/>
-              <a:buChar char="●"/>
-            </a:pPr>
-            <a:r>
-              <a:rPr lang="de" sz="1000">
-                <a:solidFill>
-                  <a:srgbClr val="1F1F1F"/>
-                </a:solidFill>
-                <a:highlight>
-                  <a:srgbClr val="FFFFFF"/>
-                </a:highlight>
-                <a:latin typeface="Roboto"/>
-                <a:ea typeface="Roboto"/>
-                <a:cs typeface="Roboto"/>
-                <a:sym typeface="Roboto"/>
-              </a:rPr>
-              <a:t>Introduction of AMB algorithmic architecture.</a:t>
-            </a:r>
-            <a:endParaRPr sz="1000">
-              <a:solidFill>
-                <a:srgbClr val="1F1F1F"/>
-              </a:solidFill>
-              <a:highlight>
-                <a:srgbClr val="FFFFFF"/>
-              </a:highlight>
-              <a:latin typeface="Roboto"/>
-              <a:ea typeface="Roboto"/>
-              <a:cs typeface="Roboto"/>
-              <a:sym typeface="Roboto"/>
-            </a:endParaRPr>
-          </a:p>
-          <a:p>
-            <a:pPr indent="-292100" lvl="1" marL="914400" rtl="0" algn="l">
-              <a:spcBef>
-                <a:spcPts val="0"/>
-              </a:spcBef>
-              <a:spcAft>
-                <a:spcPts val="0"/>
-              </a:spcAft>
-              <a:buClr>
-                <a:srgbClr val="1F1F1F"/>
-              </a:buClr>
-              <a:buSzPts val="1000"/>
-              <a:buFont typeface="Roboto"/>
-              <a:buChar char="●"/>
-            </a:pPr>
-            <a:r>
-              <a:rPr lang="de" sz="1000">
-                <a:solidFill>
-                  <a:srgbClr val="1F1F1F"/>
-                </a:solidFill>
-                <a:highlight>
-                  <a:srgbClr val="FFFFFF"/>
-                </a:highlight>
-                <a:latin typeface="Roboto"/>
-                <a:ea typeface="Roboto"/>
-                <a:cs typeface="Roboto"/>
-                <a:sym typeface="Roboto"/>
-              </a:rPr>
-              <a:t>Experimental evidence demonstrating efficacy.</a:t>
-            </a:r>
-            <a:endParaRPr sz="1000">
-              <a:solidFill>
-                <a:srgbClr val="1F1F1F"/>
-              </a:solidFill>
-              <a:highlight>
-                <a:srgbClr val="FFFFFF"/>
-              </a:highlight>
-              <a:latin typeface="Roboto"/>
-              <a:ea typeface="Roboto"/>
-              <a:cs typeface="Roboto"/>
-              <a:sym typeface="Roboto"/>
-            </a:endParaRPr>
-          </a:p>
-          <a:p>
-            <a:pPr indent="0" lvl="0" marL="0" rtl="0" algn="l">
-              <a:spcBef>
-                <a:spcPts val="1500"/>
-              </a:spcBef>
-              <a:spcAft>
-                <a:spcPts val="1200"/>
-              </a:spcAft>
-              <a:buSzPts val="275"/>
-              <a:buNone/>
-            </a:pPr>
-            <a:r>
-              <a:t/>
-            </a:r>
-            <a:endParaRPr sz="425">
-              <a:solidFill>
-                <a:srgbClr val="1F1F1F"/>
-              </a:solidFill>
-              <a:highlight>
-                <a:srgbClr val="FFFFFF"/>
-              </a:highlight>
-            </a:endParaRPr>
-          </a:p>
-        </p:txBody>
-      </p:sp>
+      </p:pic>
     </p:spTree>
   </p:cSld>
   <p:clrMapOvr>
@@ -12915,11 +12152,11 @@
 </file>
 
 <file path=ppt/slides/slide4.xml><?xml version="1.0" encoding="utf-8"?>
-<p:sld xmlns:a="http://schemas.openxmlformats.org/drawingml/2006/main" xmlns:r="http://schemas.openxmlformats.org/officeDocument/2006/relationships" xmlns:mc="http://schemas.openxmlformats.org/markup-compatibility/2006" xmlns:mv="urn:schemas-microsoft-com:mac:vml" xmlns:p="http://schemas.openxmlformats.org/presentationml/2006/main" xmlns:c="http://schemas.openxmlformats.org/drawingml/2006/chart" xmlns:dgm="http://schemas.openxmlformats.org/drawingml/2006/diagram" xmlns:o="urn:schemas-microsoft-com:office:office" xmlns:v="urn:schemas-microsoft-com:vml" xmlns:pvml="urn:schemas-microsoft-com:office:powerpoint" xmlns:com="http://schemas.openxmlformats.org/drawingml/2006/compatibility" xmlns:p14="http://schemas.microsoft.com/office/powerpoint/2010/main" xmlns:p15="http://schemas.microsoft.com/office/powerpoint/2012/main" xmlns:ahyp="http://schemas.microsoft.com/office/drawing/2018/hyperlinkcolor">
+<p:sld xmlns:a="http://schemas.openxmlformats.org/drawingml/2006/main" xmlns:r="http://schemas.openxmlformats.org/officeDocument/2006/relationships" xmlns:p="http://schemas.openxmlformats.org/presentationml/2006/main">
   <p:cSld>
     <p:spTree>
       <p:nvGrpSpPr>
-        <p:cNvPr id="147" name="Shape 147"/>
+        <p:cNvPr id="1" name="Shape 147"/>
         <p:cNvGrpSpPr/>
         <p:nvPr/>
       </p:nvGrpSpPr>
@@ -12934,7 +12171,9 @@
       <p:sp>
         <p:nvSpPr>
           <p:cNvPr id="148" name="Google Shape;148;p16"/>
-          <p:cNvSpPr txBox="1"/>
+          <p:cNvSpPr txBox="1">
+            <a:spLocks noGrp="1"/>
+          </p:cNvSpPr>
           <p:nvPr>
             <p:ph type="title"/>
           </p:nvPr>
@@ -12949,12 +12188,12 @@
           </a:prstGeom>
         </p:spPr>
         <p:txBody>
-          <a:bodyPr anchorCtr="0" anchor="t" bIns="91425" lIns="91425" spcFirstLastPara="1" rIns="91425" wrap="square" tIns="91425">
+          <a:bodyPr spcFirstLastPara="1" wrap="square" lIns="91425" tIns="91425" rIns="91425" bIns="91425" anchor="t" anchorCtr="0">
             <a:normAutofit/>
           </a:bodyPr>
           <a:lstStyle/>
           <a:p>
-            <a:pPr indent="0" lvl="0" marL="0" rtl="0" algn="l">
+            <a:pPr marL="0" lvl="0" indent="0" algn="l" rtl="0">
               <a:spcBef>
                 <a:spcPts val="0"/>
               </a:spcBef>
@@ -12974,9 +12213,11 @@
       <p:sp>
         <p:nvSpPr>
           <p:cNvPr id="149" name="Google Shape;149;p16"/>
-          <p:cNvSpPr txBox="1"/>
+          <p:cNvSpPr txBox="1">
+            <a:spLocks noGrp="1"/>
+          </p:cNvSpPr>
           <p:nvPr>
-            <p:ph idx="1" type="body"/>
+            <p:ph type="body" idx="1"/>
           </p:nvPr>
         </p:nvSpPr>
         <p:spPr>
@@ -12989,12 +12230,12 @@
           </a:prstGeom>
         </p:spPr>
         <p:txBody>
-          <a:bodyPr anchorCtr="0" anchor="t" bIns="91425" lIns="91425" spcFirstLastPara="1" rIns="91425" wrap="square" tIns="91425">
+          <a:bodyPr spcFirstLastPara="1" wrap="square" lIns="91425" tIns="91425" rIns="91425" bIns="91425" anchor="t" anchorCtr="0">
             <a:normAutofit lnSpcReduction="20000"/>
           </a:bodyPr>
           <a:lstStyle/>
           <a:p>
-            <a:pPr indent="-311150" lvl="0" marL="457200" rtl="0" algn="l">
+            <a:pPr marL="457200" lvl="0" indent="-311150" algn="l" rtl="0">
               <a:spcBef>
                 <a:spcPts val="0"/>
               </a:spcBef>
@@ -13006,20 +12247,12 @@
             </a:pPr>
             <a:r>
               <a:rPr lang="de"/>
-              <a:t>agent </a:t>
-            </a:r>
-            <a:r>
-              <a:rPr lang="de"/>
-              <a:t>executes</a:t>
-            </a:r>
-            <a:r>
-              <a:rPr lang="de"/>
-              <a:t> continuous actions in continuous states of an environment</a:t>
+              <a:t>agent executes continuous actions in continuous states of an environment</a:t>
             </a:r>
             <a:endParaRPr/>
           </a:p>
           <a:p>
-            <a:pPr indent="-311150" lvl="0" marL="457200" rtl="0" algn="l">
+            <a:pPr marL="457200" lvl="0" indent="-311150" algn="l" rtl="0">
               <a:spcBef>
                 <a:spcPts val="0"/>
               </a:spcBef>
@@ -13036,7 +12269,7 @@
             <a:endParaRPr/>
           </a:p>
           <a:p>
-            <a:pPr indent="-311150" lvl="0" marL="457200" rtl="0" algn="l">
+            <a:pPr marL="457200" lvl="0" indent="-311150" algn="l" rtl="0">
               <a:spcBef>
                 <a:spcPts val="0"/>
               </a:spcBef>
@@ -13056,7 +12289,7 @@
             <a:endParaRPr/>
           </a:p>
           <a:p>
-            <a:pPr indent="-311150" lvl="0" marL="457200" rtl="0" algn="l">
+            <a:pPr marL="457200" lvl="0" indent="-311150" algn="l" rtl="0">
               <a:spcBef>
                 <a:spcPts val="0"/>
               </a:spcBef>
@@ -13073,7 +12306,7 @@
             <a:endParaRPr/>
           </a:p>
           <a:p>
-            <a:pPr indent="-311150" lvl="0" marL="457200" rtl="0" algn="l">
+            <a:pPr marL="457200" lvl="0" indent="-311150" algn="l" rtl="0">
               <a:spcBef>
                 <a:spcPts val="0"/>
               </a:spcBef>
@@ -13090,7 +12323,7 @@
             <a:endParaRPr/>
           </a:p>
           <a:p>
-            <a:pPr indent="-311150" lvl="0" marL="457200" rtl="0" algn="l">
+            <a:pPr marL="457200" lvl="0" indent="-311150" algn="l" rtl="0">
               <a:spcBef>
                 <a:spcPts val="0"/>
               </a:spcBef>
@@ -13107,7 +12340,7 @@
             <a:endParaRPr/>
           </a:p>
           <a:p>
-            <a:pPr indent="-311150" lvl="0" marL="457200" rtl="0" algn="l">
+            <a:pPr marL="457200" lvl="0" indent="-311150" algn="l" rtl="0">
               <a:spcBef>
                 <a:spcPts val="0"/>
               </a:spcBef>
@@ -13186,11 +12419,11 @@
 </file>
 
 <file path=ppt/slides/slide5.xml><?xml version="1.0" encoding="utf-8"?>
-<p:sld xmlns:a="http://schemas.openxmlformats.org/drawingml/2006/main" xmlns:r="http://schemas.openxmlformats.org/officeDocument/2006/relationships" xmlns:mc="http://schemas.openxmlformats.org/markup-compatibility/2006" xmlns:mv="urn:schemas-microsoft-com:mac:vml" xmlns:p="http://schemas.openxmlformats.org/presentationml/2006/main" xmlns:c="http://schemas.openxmlformats.org/drawingml/2006/chart" xmlns:dgm="http://schemas.openxmlformats.org/drawingml/2006/diagram" xmlns:o="urn:schemas-microsoft-com:office:office" xmlns:v="urn:schemas-microsoft-com:vml" xmlns:pvml="urn:schemas-microsoft-com:office:powerpoint" xmlns:com="http://schemas.openxmlformats.org/drawingml/2006/compatibility" xmlns:p14="http://schemas.microsoft.com/office/powerpoint/2010/main" xmlns:p15="http://schemas.microsoft.com/office/powerpoint/2012/main" xmlns:ahyp="http://schemas.microsoft.com/office/drawing/2018/hyperlinkcolor">
+<p:sld xmlns:a="http://schemas.openxmlformats.org/drawingml/2006/main" xmlns:r="http://schemas.openxmlformats.org/officeDocument/2006/relationships" xmlns:p="http://schemas.openxmlformats.org/presentationml/2006/main">
   <p:cSld>
     <p:spTree>
       <p:nvGrpSpPr>
-        <p:cNvPr id="154" name="Shape 154"/>
+        <p:cNvPr id="1" name="Shape 154"/>
         <p:cNvGrpSpPr/>
         <p:nvPr/>
       </p:nvGrpSpPr>
@@ -13205,7 +12438,9 @@
       <p:sp>
         <p:nvSpPr>
           <p:cNvPr id="155" name="Google Shape;155;p17"/>
-          <p:cNvSpPr txBox="1"/>
+          <p:cNvSpPr txBox="1">
+            <a:spLocks noGrp="1"/>
+          </p:cNvSpPr>
           <p:nvPr>
             <p:ph type="title"/>
           </p:nvPr>
@@ -13220,12 +12455,12 @@
           </a:prstGeom>
         </p:spPr>
         <p:txBody>
-          <a:bodyPr anchorCtr="0" anchor="t" bIns="91425" lIns="91425" spcFirstLastPara="1" rIns="91425" wrap="square" tIns="91425">
+          <a:bodyPr spcFirstLastPara="1" wrap="square" lIns="91425" tIns="91425" rIns="91425" bIns="91425" anchor="t" anchorCtr="0">
             <a:normAutofit/>
           </a:bodyPr>
           <a:lstStyle/>
           <a:p>
-            <a:pPr indent="0" lvl="0" marL="0" rtl="0" algn="l">
+            <a:pPr marL="0" lvl="0" indent="0" algn="l" rtl="0">
               <a:spcBef>
                 <a:spcPts val="0"/>
               </a:spcBef>
@@ -13245,9 +12480,11 @@
       <p:sp>
         <p:nvSpPr>
           <p:cNvPr id="156" name="Google Shape;156;p17"/>
-          <p:cNvSpPr txBox="1"/>
+          <p:cNvSpPr txBox="1">
+            <a:spLocks noGrp="1"/>
+          </p:cNvSpPr>
           <p:nvPr>
-            <p:ph idx="1" type="body"/>
+            <p:ph type="body" idx="1"/>
           </p:nvPr>
         </p:nvSpPr>
         <p:spPr>
@@ -13260,12 +12497,12 @@
           </a:prstGeom>
         </p:spPr>
         <p:txBody>
-          <a:bodyPr anchorCtr="0" anchor="t" bIns="91425" lIns="91425" spcFirstLastPara="1" rIns="91425" wrap="square" tIns="91425">
+          <a:bodyPr spcFirstLastPara="1" wrap="square" lIns="91425" tIns="91425" rIns="91425" bIns="91425" anchor="t" anchorCtr="0">
             <a:normAutofit/>
           </a:bodyPr>
           <a:lstStyle/>
           <a:p>
-            <a:pPr indent="-311150" lvl="0" marL="457200" rtl="0" algn="l">
+            <a:pPr marL="457200" lvl="0" indent="-311150" algn="l" rtl="0">
               <a:spcBef>
                 <a:spcPts val="0"/>
               </a:spcBef>
@@ -13282,7 +12519,7 @@
             <a:endParaRPr/>
           </a:p>
           <a:p>
-            <a:pPr indent="-311150" lvl="0" marL="457200" rtl="0" algn="l">
+            <a:pPr marL="457200" lvl="0" indent="-311150" algn="l" rtl="0">
               <a:spcBef>
                 <a:spcPts val="0"/>
               </a:spcBef>
@@ -13299,7 +12536,7 @@
             <a:endParaRPr/>
           </a:p>
           <a:p>
-            <a:pPr indent="-311150" lvl="0" marL="457200" rtl="0" algn="l">
+            <a:pPr marL="457200" lvl="0" indent="-311150" algn="l" rtl="0">
               <a:spcBef>
                 <a:spcPts val="0"/>
               </a:spcBef>
@@ -13316,7 +12553,7 @@
             <a:endParaRPr/>
           </a:p>
           <a:p>
-            <a:pPr indent="-311150" lvl="0" marL="457200" rtl="0" algn="l">
+            <a:pPr marL="457200" lvl="0" indent="-311150" algn="l" rtl="0">
               <a:spcBef>
                 <a:spcPts val="0"/>
               </a:spcBef>
@@ -13333,7 +12570,7 @@
             <a:endParaRPr/>
           </a:p>
           <a:p>
-            <a:pPr indent="-311150" lvl="0" marL="457200" rtl="0" algn="l">
+            <a:pPr marL="457200" lvl="0" indent="-311150" algn="l" rtl="0">
               <a:spcBef>
                 <a:spcPts val="0"/>
               </a:spcBef>
@@ -13350,7 +12587,7 @@
             <a:endParaRPr/>
           </a:p>
           <a:p>
-            <a:pPr indent="-311150" lvl="0" marL="457200" rtl="0" algn="l">
+            <a:pPr marL="457200" lvl="0" indent="-311150" algn="l" rtl="0">
               <a:spcBef>
                 <a:spcPts val="0"/>
               </a:spcBef>
@@ -13367,7 +12604,7 @@
             <a:endParaRPr/>
           </a:p>
           <a:p>
-            <a:pPr indent="-311150" lvl="0" marL="457200" rtl="0" algn="l">
+            <a:pPr marL="457200" lvl="0" indent="-311150" algn="l" rtl="0">
               <a:spcBef>
                 <a:spcPts val="0"/>
               </a:spcBef>
@@ -13422,11 +12659,11 @@
 </file>
 
 <file path=ppt/slides/slide6.xml><?xml version="1.0" encoding="utf-8"?>
-<p:sld xmlns:a="http://schemas.openxmlformats.org/drawingml/2006/main" xmlns:r="http://schemas.openxmlformats.org/officeDocument/2006/relationships" xmlns:mc="http://schemas.openxmlformats.org/markup-compatibility/2006" xmlns:mv="urn:schemas-microsoft-com:mac:vml" xmlns:p="http://schemas.openxmlformats.org/presentationml/2006/main" xmlns:c="http://schemas.openxmlformats.org/drawingml/2006/chart" xmlns:dgm="http://schemas.openxmlformats.org/drawingml/2006/diagram" xmlns:o="urn:schemas-microsoft-com:office:office" xmlns:v="urn:schemas-microsoft-com:vml" xmlns:pvml="urn:schemas-microsoft-com:office:powerpoint" xmlns:com="http://schemas.openxmlformats.org/drawingml/2006/compatibility" xmlns:p14="http://schemas.microsoft.com/office/powerpoint/2010/main" xmlns:p15="http://schemas.microsoft.com/office/powerpoint/2012/main" xmlns:ahyp="http://schemas.microsoft.com/office/drawing/2018/hyperlinkcolor">
+<p:sld xmlns:a="http://schemas.openxmlformats.org/drawingml/2006/main" xmlns:r="http://schemas.openxmlformats.org/officeDocument/2006/relationships" xmlns:p="http://schemas.openxmlformats.org/presentationml/2006/main">
   <p:cSld>
     <p:spTree>
       <p:nvGrpSpPr>
-        <p:cNvPr id="161" name="Shape 161"/>
+        <p:cNvPr id="1" name="Shape 161"/>
         <p:cNvGrpSpPr/>
         <p:nvPr/>
       </p:nvGrpSpPr>
@@ -13441,7 +12678,9 @@
       <p:sp>
         <p:nvSpPr>
           <p:cNvPr id="162" name="Google Shape;162;p18"/>
-          <p:cNvSpPr txBox="1"/>
+          <p:cNvSpPr txBox="1">
+            <a:spLocks noGrp="1"/>
+          </p:cNvSpPr>
           <p:nvPr>
             <p:ph type="title"/>
           </p:nvPr>
@@ -13456,12 +12695,12 @@
           </a:prstGeom>
         </p:spPr>
         <p:txBody>
-          <a:bodyPr anchorCtr="0" anchor="t" bIns="91425" lIns="91425" spcFirstLastPara="1" rIns="91425" wrap="square" tIns="91425">
+          <a:bodyPr spcFirstLastPara="1" wrap="square" lIns="91425" tIns="91425" rIns="91425" bIns="91425" anchor="t" anchorCtr="0">
             <a:normAutofit/>
           </a:bodyPr>
           <a:lstStyle/>
           <a:p>
-            <a:pPr indent="0" lvl="0" marL="0" rtl="0" algn="l">
+            <a:pPr marL="0" lvl="0" indent="0" algn="l" rtl="0">
               <a:spcBef>
                 <a:spcPts val="0"/>
               </a:spcBef>
@@ -13481,9 +12720,11 @@
       <p:sp>
         <p:nvSpPr>
           <p:cNvPr id="163" name="Google Shape;163;p18"/>
-          <p:cNvSpPr txBox="1"/>
+          <p:cNvSpPr txBox="1">
+            <a:spLocks noGrp="1"/>
+          </p:cNvSpPr>
           <p:nvPr>
-            <p:ph idx="1" type="body"/>
+            <p:ph type="body" idx="1"/>
           </p:nvPr>
         </p:nvSpPr>
         <p:spPr>
@@ -13496,12 +12737,12 @@
           </a:prstGeom>
         </p:spPr>
         <p:txBody>
-          <a:bodyPr anchorCtr="0" anchor="t" bIns="91425" lIns="91425" spcFirstLastPara="1" rIns="91425" wrap="square" tIns="91425">
+          <a:bodyPr spcFirstLastPara="1" wrap="square" lIns="91425" tIns="91425" rIns="91425" bIns="91425" anchor="t" anchorCtr="0">
             <a:normAutofit fontScale="92500" lnSpcReduction="20000"/>
           </a:bodyPr>
           <a:lstStyle/>
           <a:p>
-            <a:pPr indent="0" lvl="0" marL="0" rtl="0" algn="l">
+            <a:pPr marL="0" lvl="0" indent="0" algn="l" rtl="0">
               <a:spcBef>
                 <a:spcPts val="1200"/>
               </a:spcBef>
@@ -13511,7 +12752,7 @@
               <a:buNone/>
             </a:pPr>
             <a:r>
-              <a:rPr b="1" lang="de" sz="1200">
+              <a:rPr lang="de" sz="1200" b="1">
                 <a:solidFill>
                   <a:srgbClr val="1F1F1F"/>
                 </a:solidFill>
@@ -13554,7 +12795,7 @@
             </a:endParaRPr>
           </a:p>
           <a:p>
-            <a:pPr indent="0" lvl="0" marL="0" rtl="0" algn="l">
+            <a:pPr marL="0" lvl="0" indent="0" algn="l" rtl="0">
               <a:spcBef>
                 <a:spcPts val="1200"/>
               </a:spcBef>
@@ -13564,7 +12805,7 @@
               <a:buNone/>
             </a:pPr>
             <a:r>
-              <a:rPr b="1" lang="de" sz="1200">
+              <a:rPr lang="de" sz="1200" b="1">
                 <a:solidFill>
                   <a:srgbClr val="1F1F1F"/>
                 </a:solidFill>
@@ -13607,7 +12848,7 @@
             </a:endParaRPr>
           </a:p>
           <a:p>
-            <a:pPr indent="0" lvl="0" marL="0" rtl="0" algn="l">
+            <a:pPr marL="0" lvl="0" indent="0" algn="l" rtl="0">
               <a:spcBef>
                 <a:spcPts val="1200"/>
               </a:spcBef>
@@ -13617,7 +12858,7 @@
               <a:buNone/>
             </a:pPr>
             <a:r>
-              <a:rPr b="1" lang="de" sz="1200">
+              <a:rPr lang="de" sz="1200" b="1">
                 <a:solidFill>
                   <a:srgbClr val="1F1F1F"/>
                 </a:solidFill>
@@ -13660,7 +12901,7 @@
             </a:endParaRPr>
           </a:p>
           <a:p>
-            <a:pPr indent="0" lvl="0" marL="0" rtl="0" algn="l">
+            <a:pPr marL="0" lvl="0" indent="0" algn="l" rtl="0">
               <a:spcBef>
                 <a:spcPts val="1200"/>
               </a:spcBef>
@@ -13670,7 +12911,7 @@
               <a:buNone/>
             </a:pPr>
             <a:r>
-              <a:rPr b="1" lang="de" sz="1200">
+              <a:rPr lang="de" sz="1200" b="1">
                 <a:solidFill>
                   <a:srgbClr val="1F1F1F"/>
                 </a:solidFill>
@@ -13713,7 +12954,7 @@
             </a:endParaRPr>
           </a:p>
           <a:p>
-            <a:pPr indent="0" lvl="0" marL="0" rtl="0" algn="l">
+            <a:pPr marL="0" lvl="0" indent="0" algn="l" rtl="0">
               <a:spcBef>
                 <a:spcPts val="1200"/>
               </a:spcBef>
@@ -13723,7 +12964,7 @@
               <a:buNone/>
             </a:pPr>
             <a:r>
-              <a:rPr b="1" lang="de" sz="1200">
+              <a:rPr lang="de" sz="1200" b="1">
                 <a:solidFill>
                   <a:srgbClr val="1F1F1F"/>
                 </a:solidFill>
@@ -13765,11 +13006,11 @@
 </file>
 
 <file path=ppt/slides/slide7.xml><?xml version="1.0" encoding="utf-8"?>
-<p:sld xmlns:a="http://schemas.openxmlformats.org/drawingml/2006/main" xmlns:r="http://schemas.openxmlformats.org/officeDocument/2006/relationships" xmlns:mc="http://schemas.openxmlformats.org/markup-compatibility/2006" xmlns:mv="urn:schemas-microsoft-com:mac:vml" xmlns:p="http://schemas.openxmlformats.org/presentationml/2006/main" xmlns:c="http://schemas.openxmlformats.org/drawingml/2006/chart" xmlns:dgm="http://schemas.openxmlformats.org/drawingml/2006/diagram" xmlns:o="urn:schemas-microsoft-com:office:office" xmlns:v="urn:schemas-microsoft-com:vml" xmlns:pvml="urn:schemas-microsoft-com:office:powerpoint" xmlns:com="http://schemas.openxmlformats.org/drawingml/2006/compatibility" xmlns:p14="http://schemas.microsoft.com/office/powerpoint/2010/main" xmlns:p15="http://schemas.microsoft.com/office/powerpoint/2012/main" xmlns:ahyp="http://schemas.microsoft.com/office/drawing/2018/hyperlinkcolor">
+<p:sld xmlns:a="http://schemas.openxmlformats.org/drawingml/2006/main" xmlns:r="http://schemas.openxmlformats.org/officeDocument/2006/relationships" xmlns:p="http://schemas.openxmlformats.org/presentationml/2006/main">
   <p:cSld>
     <p:spTree>
       <p:nvGrpSpPr>
-        <p:cNvPr id="167" name="Shape 167"/>
+        <p:cNvPr id="1" name="Shape 167"/>
         <p:cNvGrpSpPr/>
         <p:nvPr/>
       </p:nvGrpSpPr>
@@ -13784,7 +13025,9 @@
       <p:sp>
         <p:nvSpPr>
           <p:cNvPr id="168" name="Google Shape;168;p19"/>
-          <p:cNvSpPr txBox="1"/>
+          <p:cNvSpPr txBox="1">
+            <a:spLocks noGrp="1"/>
+          </p:cNvSpPr>
           <p:nvPr>
             <p:ph type="title"/>
           </p:nvPr>
@@ -13799,12 +13042,12 @@
           </a:prstGeom>
         </p:spPr>
         <p:txBody>
-          <a:bodyPr anchorCtr="0" anchor="t" bIns="91425" lIns="91425" spcFirstLastPara="1" rIns="91425" wrap="square" tIns="91425">
+          <a:bodyPr spcFirstLastPara="1" wrap="square" lIns="91425" tIns="91425" rIns="91425" bIns="91425" anchor="t" anchorCtr="0">
             <a:normAutofit/>
           </a:bodyPr>
           <a:lstStyle/>
           <a:p>
-            <a:pPr indent="0" lvl="0" marL="0" rtl="0" algn="l">
+            <a:pPr marL="0" lvl="0" indent="0" algn="l" rtl="0">
               <a:spcBef>
                 <a:spcPts val="0"/>
               </a:spcBef>
@@ -13925,12 +13168,12 @@
           </a:ln>
         </p:spPr>
         <p:txBody>
-          <a:bodyPr anchorCtr="0" anchor="t" bIns="91425" lIns="91425" spcFirstLastPara="1" rIns="91425" wrap="square" tIns="91425">
+          <a:bodyPr spcFirstLastPara="1" wrap="square" lIns="91425" tIns="91425" rIns="91425" bIns="91425" anchor="t" anchorCtr="0">
             <a:noAutofit/>
           </a:bodyPr>
           <a:lstStyle/>
           <a:p>
-            <a:pPr indent="0" lvl="0" marL="0" rtl="0" algn="l">
+            <a:pPr marL="0" lvl="0" indent="0" algn="l" rtl="0">
               <a:spcBef>
                 <a:spcPts val="0"/>
               </a:spcBef>
@@ -13971,11 +13214,11 @@
 </file>
 
 <file path=ppt/slides/slide8.xml><?xml version="1.0" encoding="utf-8"?>
-<p:sld xmlns:a="http://schemas.openxmlformats.org/drawingml/2006/main" xmlns:r="http://schemas.openxmlformats.org/officeDocument/2006/relationships" xmlns:mc="http://schemas.openxmlformats.org/markup-compatibility/2006" xmlns:mv="urn:schemas-microsoft-com:mac:vml" xmlns:p="http://schemas.openxmlformats.org/presentationml/2006/main" xmlns:c="http://schemas.openxmlformats.org/drawingml/2006/chart" xmlns:dgm="http://schemas.openxmlformats.org/drawingml/2006/diagram" xmlns:o="urn:schemas-microsoft-com:office:office" xmlns:v="urn:schemas-microsoft-com:vml" xmlns:pvml="urn:schemas-microsoft-com:office:powerpoint" xmlns:com="http://schemas.openxmlformats.org/drawingml/2006/compatibility" xmlns:p14="http://schemas.microsoft.com/office/powerpoint/2010/main" xmlns:p15="http://schemas.microsoft.com/office/powerpoint/2012/main" xmlns:ahyp="http://schemas.microsoft.com/office/drawing/2018/hyperlinkcolor">
+<p:sld xmlns:a="http://schemas.openxmlformats.org/drawingml/2006/main" xmlns:r="http://schemas.openxmlformats.org/officeDocument/2006/relationships" xmlns:p="http://schemas.openxmlformats.org/presentationml/2006/main">
   <p:cSld>
     <p:spTree>
       <p:nvGrpSpPr>
-        <p:cNvPr id="176" name="Shape 176"/>
+        <p:cNvPr id="1" name="Shape 176"/>
         <p:cNvGrpSpPr/>
         <p:nvPr/>
       </p:nvGrpSpPr>
@@ -13990,7 +13233,9 @@
       <p:sp>
         <p:nvSpPr>
           <p:cNvPr id="177" name="Google Shape;177;p20"/>
-          <p:cNvSpPr txBox="1"/>
+          <p:cNvSpPr txBox="1">
+            <a:spLocks noGrp="1"/>
+          </p:cNvSpPr>
           <p:nvPr>
             <p:ph type="title"/>
           </p:nvPr>
@@ -14005,12 +13250,12 @@
           </a:prstGeom>
         </p:spPr>
         <p:txBody>
-          <a:bodyPr anchorCtr="0" anchor="t" bIns="91425" lIns="91425" spcFirstLastPara="1" rIns="91425" wrap="square" tIns="91425">
+          <a:bodyPr spcFirstLastPara="1" wrap="square" lIns="91425" tIns="91425" rIns="91425" bIns="91425" anchor="t" anchorCtr="0">
             <a:normAutofit/>
           </a:bodyPr>
           <a:lstStyle/>
           <a:p>
-            <a:pPr indent="0" lvl="0" marL="0" rtl="0" algn="l">
+            <a:pPr marL="0" lvl="0" indent="0" algn="l" rtl="0">
               <a:spcBef>
                 <a:spcPts val="0"/>
               </a:spcBef>
@@ -14030,9 +13275,11 @@
       <p:sp>
         <p:nvSpPr>
           <p:cNvPr id="178" name="Google Shape;178;p20"/>
-          <p:cNvSpPr txBox="1"/>
+          <p:cNvSpPr txBox="1">
+            <a:spLocks noGrp="1"/>
+          </p:cNvSpPr>
           <p:nvPr>
-            <p:ph idx="1" type="body"/>
+            <p:ph type="body" idx="1"/>
           </p:nvPr>
         </p:nvSpPr>
         <p:spPr>
@@ -14045,12 +13292,12 @@
           </a:prstGeom>
         </p:spPr>
         <p:txBody>
-          <a:bodyPr anchorCtr="0" anchor="t" bIns="91425" lIns="91425" spcFirstLastPara="1" rIns="91425" wrap="square" tIns="91425">
+          <a:bodyPr spcFirstLastPara="1" wrap="square" lIns="91425" tIns="91425" rIns="91425" bIns="91425" anchor="t" anchorCtr="0">
             <a:normAutofit/>
           </a:bodyPr>
           <a:lstStyle/>
           <a:p>
-            <a:pPr indent="-311150" lvl="0" marL="457200" rtl="0" algn="l">
+            <a:pPr marL="457200" lvl="0" indent="-311150" algn="l" rtl="0">
               <a:spcBef>
                 <a:spcPts val="0"/>
               </a:spcBef>
@@ -14067,7 +13314,7 @@
             <a:endParaRPr/>
           </a:p>
           <a:p>
-            <a:pPr indent="-311150" lvl="0" marL="457200" rtl="0" algn="l">
+            <a:pPr marL="457200" lvl="0" indent="-311150" algn="l" rtl="0">
               <a:spcBef>
                 <a:spcPts val="0"/>
               </a:spcBef>
@@ -14084,7 +13331,7 @@
             <a:endParaRPr/>
           </a:p>
           <a:p>
-            <a:pPr indent="-311150" lvl="0" marL="457200" rtl="0" algn="l">
+            <a:pPr marL="457200" lvl="0" indent="-311150" algn="l" rtl="0">
               <a:spcBef>
                 <a:spcPts val="0"/>
               </a:spcBef>
@@ -14101,7 +13348,7 @@
             <a:endParaRPr/>
           </a:p>
           <a:p>
-            <a:pPr indent="0" lvl="0" marL="0" rtl="0" algn="l">
+            <a:pPr marL="0" lvl="0" indent="0" algn="l" rtl="0">
               <a:spcBef>
                 <a:spcPts val="1200"/>
               </a:spcBef>
@@ -14110,9 +13357,6 @@
               </a:spcAft>
               <a:buNone/>
             </a:pPr>
-            <a:r>
-              <a:t/>
-            </a:r>
             <a:endParaRPr/>
           </a:p>
         </p:txBody>
@@ -14144,7 +13388,7 @@
             <a:noFill/>
           </a:ln>
           <a:effectLst>
-            <a:outerShdw blurRad="57150" rotWithShape="0" algn="bl" dir="5400000" dist="19050">
+            <a:outerShdw blurRad="57150" dist="19050" dir="5400000" algn="bl" rotWithShape="0">
               <a:srgbClr val="000000"/>
             </a:outerShdw>
           </a:effectLst>
@@ -14159,11 +13403,11 @@
 </file>
 
 <file path=ppt/slides/slide9.xml><?xml version="1.0" encoding="utf-8"?>
-<p:sld xmlns:a="http://schemas.openxmlformats.org/drawingml/2006/main" xmlns:r="http://schemas.openxmlformats.org/officeDocument/2006/relationships" xmlns:mc="http://schemas.openxmlformats.org/markup-compatibility/2006" xmlns:mv="urn:schemas-microsoft-com:mac:vml" xmlns:p="http://schemas.openxmlformats.org/presentationml/2006/main" xmlns:c="http://schemas.openxmlformats.org/drawingml/2006/chart" xmlns:dgm="http://schemas.openxmlformats.org/drawingml/2006/diagram" xmlns:o="urn:schemas-microsoft-com:office:office" xmlns:v="urn:schemas-microsoft-com:vml" xmlns:pvml="urn:schemas-microsoft-com:office:powerpoint" xmlns:com="http://schemas.openxmlformats.org/drawingml/2006/compatibility" xmlns:p14="http://schemas.microsoft.com/office/powerpoint/2010/main" xmlns:p15="http://schemas.microsoft.com/office/powerpoint/2012/main" xmlns:ahyp="http://schemas.microsoft.com/office/drawing/2018/hyperlinkcolor">
+<p:sld xmlns:a="http://schemas.openxmlformats.org/drawingml/2006/main" xmlns:r="http://schemas.openxmlformats.org/officeDocument/2006/relationships" xmlns:p="http://schemas.openxmlformats.org/presentationml/2006/main">
   <p:cSld>
     <p:spTree>
       <p:nvGrpSpPr>
-        <p:cNvPr id="183" name="Shape 183"/>
+        <p:cNvPr id="1" name="Shape 183"/>
         <p:cNvGrpSpPr/>
         <p:nvPr/>
       </p:nvGrpSpPr>
@@ -14178,7 +13422,9 @@
       <p:sp>
         <p:nvSpPr>
           <p:cNvPr id="184" name="Google Shape;184;p21"/>
-          <p:cNvSpPr txBox="1"/>
+          <p:cNvSpPr txBox="1">
+            <a:spLocks noGrp="1"/>
+          </p:cNvSpPr>
           <p:nvPr>
             <p:ph type="title"/>
           </p:nvPr>
@@ -14193,12 +13439,12 @@
           </a:prstGeom>
         </p:spPr>
         <p:txBody>
-          <a:bodyPr anchorCtr="0" anchor="t" bIns="91425" lIns="91425" spcFirstLastPara="1" rIns="91425" wrap="square" tIns="91425">
+          <a:bodyPr spcFirstLastPara="1" wrap="square" lIns="91425" tIns="91425" rIns="91425" bIns="91425" anchor="t" anchorCtr="0">
             <a:normAutofit/>
           </a:bodyPr>
           <a:lstStyle/>
           <a:p>
-            <a:pPr indent="0" lvl="0" marL="0" rtl="0" algn="l">
+            <a:pPr marL="0" lvl="0" indent="0" algn="l" rtl="0">
               <a:spcBef>
                 <a:spcPts val="0"/>
               </a:spcBef>
@@ -14253,32 +13499,32 @@
   <p:timing>
     <p:tnLst>
       <p:par>
-        <p:cTn dur="indefinite" nodeType="tmRoot" restart="never">
+        <p:cTn id="1" dur="indefinite" restart="never" nodeType="tmRoot">
           <p:childTnLst>
             <p:seq concurrent="1" nextAc="seek">
-              <p:cTn dur="indefinite" id="2" nodeType="mainSeq">
+              <p:cTn id="2" dur="indefinite" nodeType="mainSeq">
                 <p:childTnLst>
                   <p:par>
-                    <p:cTn fill="hold">
+                    <p:cTn id="3" fill="hold">
                       <p:stCondLst>
                         <p:cond delay="indefinite"/>
                       </p:stCondLst>
                       <p:childTnLst>
                         <p:par>
-                          <p:cTn fill="hold">
+                          <p:cTn id="4" fill="hold">
                             <p:stCondLst>
                               <p:cond delay="0"/>
                             </p:stCondLst>
                             <p:childTnLst>
                               <p:par>
-                                <p:cTn fill="hold" nodeType="clickEffect" presetClass="entr" presetID="10" presetSubtype="0">
+                                <p:cTn id="5" presetID="10" presetClass="entr" presetSubtype="0" fill="hold" nodeType="clickEffect">
                                   <p:stCondLst>
                                     <p:cond delay="0"/>
                                   </p:stCondLst>
                                   <p:childTnLst>
                                     <p:set>
                                       <p:cBhvr>
-                                        <p:cTn dur="1" fill="hold">
+                                        <p:cTn id="6" dur="1" fill="hold">
                                           <p:stCondLst>
                                             <p:cond delay="0"/>
                                           </p:stCondLst>
@@ -14294,9 +13540,9 @@
                                         <p:strVal val="visible"/>
                                       </p:to>
                                     </p:set>
-                                    <p:animEffect filter="fade" transition="in">
+                                    <p:animEffect transition="in" filter="fade">
                                       <p:cBhvr>
-                                        <p:cTn dur="1000"/>
+                                        <p:cTn id="7" dur="1000"/>
                                         <p:tgtEl>
                                           <p:spTgt spid="185"/>
                                         </p:tgtEl>
@@ -14314,14 +13560,14 @@
                 </p:childTnLst>
               </p:cTn>
               <p:prevCondLst>
-                <p:cond evt="onPrev">
+                <p:cond evt="onPrev" delay="0">
                   <p:tgtEl>
                     <p:sldTgt/>
                   </p:tgtEl>
                 </p:cond>
               </p:prevCondLst>
               <p:nextCondLst>
-                <p:cond evt="onNext">
+                <p:cond evt="onNext" delay="0">
                   <p:tgtEl>
                     <p:sldTgt/>
                   </p:tgtEl>
@@ -14337,7 +13583,7 @@
 </file>
 
 <file path=ppt/theme/theme1.xml><?xml version="1.0" encoding="utf-8"?>
-<a:theme xmlns:a="http://schemas.openxmlformats.org/drawingml/2006/main" xmlns:r="http://schemas.openxmlformats.org/officeDocument/2006/relationships" name="Shift">
+<a:theme xmlns:a="http://schemas.openxmlformats.org/drawingml/2006/main" name="Shift">
   <a:themeElements>
     <a:clrScheme name="Shift">
       <a:dk1>
@@ -14612,11 +13858,13 @@
       </a:bgFillStyleLst>
     </a:fmtScheme>
   </a:themeElements>
+  <a:objectDefaults/>
+  <a:extraClrSchemeLst/>
 </a:theme>
 </file>
 
 <file path=ppt/theme/theme2.xml><?xml version="1.0" encoding="utf-8"?>
-<a:theme xmlns:a="http://schemas.openxmlformats.org/drawingml/2006/main" xmlns:r="http://schemas.openxmlformats.org/officeDocument/2006/relationships">
+<a:theme xmlns:a="http://schemas.openxmlformats.org/drawingml/2006/main">
   <a:themeElements>
     <a:clrScheme name="Default">
       <a:dk1>
@@ -14891,5 +14139,7 @@
       </a:bgFillStyleLst>
     </a:fmtScheme>
   </a:themeElements>
+  <a:objectDefaults/>
+  <a:extraClrSchemeLst/>
 </a:theme>
 </file>